--- a/doc/project_status_21_09_2020.pptx
+++ b/doc/project_status_21_09_2020.pptx
@@ -2,19 +2,24 @@
 <file path=ppt/presentation.xml><?xml version="1.0" encoding="utf-8"?>
 <p:presentation xmlns:a="http://schemas.openxmlformats.org/drawingml/2006/main" xmlns:r="http://schemas.openxmlformats.org/officeDocument/2006/relationships" xmlns:p="http://schemas.openxmlformats.org/presentationml/2006/main" saveSubsetFonts="1">
   <p:sldMasterIdLst>
-    <p:sldMasterId id="2147483648" r:id="rId1"/>
+    <p:sldMasterId id="2147483796" r:id="rId1"/>
   </p:sldMasterIdLst>
   <p:notesMasterIdLst>
-    <p:notesMasterId r:id="rId6"/>
+    <p:notesMasterId r:id="rId11"/>
   </p:notesMasterIdLst>
   <p:handoutMasterIdLst>
-    <p:handoutMasterId r:id="rId7"/>
+    <p:handoutMasterId r:id="rId12"/>
   </p:handoutMasterIdLst>
   <p:sldIdLst>
-    <p:sldId id="256" r:id="rId2"/>
-    <p:sldId id="257" r:id="rId3"/>
-    <p:sldId id="258" r:id="rId4"/>
-    <p:sldId id="259" r:id="rId5"/>
+    <p:sldId id="260" r:id="rId2"/>
+    <p:sldId id="262" r:id="rId3"/>
+    <p:sldId id="261" r:id="rId4"/>
+    <p:sldId id="263" r:id="rId5"/>
+    <p:sldId id="259" r:id="rId6"/>
+    <p:sldId id="264" r:id="rId7"/>
+    <p:sldId id="257" r:id="rId8"/>
+    <p:sldId id="256" r:id="rId9"/>
+    <p:sldId id="258" r:id="rId10"/>
   </p:sldIdLst>
   <p:sldSz cx="12192000" cy="6858000"/>
   <p:notesSz cx="6858000" cy="9144000"/>
@@ -113,6 +118,14 @@
       </a:defRPr>
     </a:lvl9pPr>
   </p:defaultTextStyle>
+  <p:extLst>
+    <p:ext uri="{EFAFB233-063F-42B5-8137-9DF3F51BA10A}">
+      <p15:sldGuideLst xmlns:p15="http://schemas.microsoft.com/office/powerpoint/2012/main"/>
+    </p:ext>
+    <p:ext uri="{2D200454-40CA-4A62-9FC3-DE9A4176ACB9}">
+      <p15:notesGuideLst xmlns:p15="http://schemas.microsoft.com/office/powerpoint/2012/main"/>
+    </p:ext>
+  </p:extLst>
 </p:presentation>
 </file>
 
@@ -143,7 +156,7 @@
           <p:cNvPr id="2" name="Espace réservé de l'en-tête 1">
             <a:extLst>
               <a:ext uri="{FF2B5EF4-FFF2-40B4-BE49-F238E27FC236}">
-                <a16:creationId xmlns:a16="http://schemas.microsoft.com/office/drawing/2014/main" id="{50E97D5F-B521-4E20-9A0E-0259C90E0137}"/>
+                <a16:creationId xmlns:a16="http://schemas.microsoft.com/office/drawing/2014/main" xmlns="" id="{50E97D5F-B521-4E20-9A0E-0259C90E0137}"/>
               </a:ext>
             </a:extLst>
           </p:cNvPr>
@@ -180,7 +193,7 @@
           <p:cNvPr id="3" name="Espace réservé de la date 2">
             <a:extLst>
               <a:ext uri="{FF2B5EF4-FFF2-40B4-BE49-F238E27FC236}">
-                <a16:creationId xmlns:a16="http://schemas.microsoft.com/office/drawing/2014/main" id="{AEB20715-9931-4EF6-AFFF-8C877A6D31CC}"/>
+                <a16:creationId xmlns:a16="http://schemas.microsoft.com/office/drawing/2014/main" xmlns="" id="{AEB20715-9931-4EF6-AFFF-8C877A6D31CC}"/>
               </a:ext>
             </a:extLst>
           </p:cNvPr>
@@ -210,7 +223,7 @@
           <a:p>
             <a:fld id="{82FD3104-D4F8-4487-8B69-ABB321B233C3}" type="datetimeFigureOut">
               <a:rPr lang="fr-CH" smtClean="0"/>
-              <a:t>19.09.2020</a:t>
+              <a:t>21.09.2020</a:t>
             </a:fld>
             <a:endParaRPr lang="fr-CH"/>
           </a:p>
@@ -221,7 +234,7 @@
           <p:cNvPr id="4" name="Espace réservé du pied de page 3">
             <a:extLst>
               <a:ext uri="{FF2B5EF4-FFF2-40B4-BE49-F238E27FC236}">
-                <a16:creationId xmlns:a16="http://schemas.microsoft.com/office/drawing/2014/main" id="{DF817C65-4209-41AC-857F-FBBA0334BFFC}"/>
+                <a16:creationId xmlns:a16="http://schemas.microsoft.com/office/drawing/2014/main" xmlns="" id="{DF817C65-4209-41AC-857F-FBBA0334BFFC}"/>
               </a:ext>
             </a:extLst>
           </p:cNvPr>
@@ -258,7 +271,7 @@
           <p:cNvPr id="5" name="Espace réservé du numéro de diapositive 4">
             <a:extLst>
               <a:ext uri="{FF2B5EF4-FFF2-40B4-BE49-F238E27FC236}">
-                <a16:creationId xmlns:a16="http://schemas.microsoft.com/office/drawing/2014/main" id="{677F6880-296C-4E0D-BF19-66D0A1134229}"/>
+                <a16:creationId xmlns:a16="http://schemas.microsoft.com/office/drawing/2014/main" xmlns="" id="{677F6880-296C-4E0D-BF19-66D0A1134229}"/>
               </a:ext>
             </a:extLst>
           </p:cNvPr>
@@ -387,7 +400,7 @@
           <a:p>
             <a:fld id="{B800C388-FA61-4600-8F10-DFB19A1E3E9B}" type="datetimeFigureOut">
               <a:rPr lang="fr-CH" smtClean="0"/>
-              <a:t>19.09.2020</a:t>
+              <a:t>21.09.2020</a:t>
             </a:fld>
             <a:endParaRPr lang="fr-CH"/>
           </a:p>
@@ -720,7 +733,7 @@
           <a:p>
             <a:fld id="{F217D820-57D8-450B-BD3E-2ECF36C52576}" type="slidenum">
               <a:rPr lang="fr-CH" smtClean="0"/>
-              <a:t>1</a:t>
+              <a:t>8</a:t>
             </a:fld>
             <a:endParaRPr lang="fr-CH"/>
           </a:p>
@@ -740,7 +753,7 @@
 </file>
 
 <file path=ppt/slideLayouts/slideLayout1.xml><?xml version="1.0" encoding="utf-8"?>
-<p:sldLayout xmlns:a="http://schemas.openxmlformats.org/drawingml/2006/main" xmlns:r="http://schemas.openxmlformats.org/officeDocument/2006/relationships" xmlns:p="http://schemas.openxmlformats.org/presentationml/2006/main" type="title" preserve="1">
+<p:sldLayout xmlns:a="http://schemas.openxmlformats.org/drawingml/2006/main" xmlns:r="http://schemas.openxmlformats.org/officeDocument/2006/relationships" xmlns:p="http://schemas.openxmlformats.org/presentationml/2006/main" showMasterSp="0" type="title" preserve="1">
   <p:cSld name="Diapositive de titre">
     <p:spTree>
       <p:nvGrpSpPr>
@@ -758,13 +771,7 @@
       </p:grpSpPr>
       <p:sp>
         <p:nvSpPr>
-          <p:cNvPr id="2" name="Titre 1">
-            <a:extLst>
-              <a:ext uri="{FF2B5EF4-FFF2-40B4-BE49-F238E27FC236}">
-                <a16:creationId xmlns:a16="http://schemas.microsoft.com/office/drawing/2014/main" id="{6031735B-8F76-48E3-BD08-D2C5D5920797}"/>
-              </a:ext>
-            </a:extLst>
-          </p:cNvPr>
+          <p:cNvPr id="2" name="Title 1"/>
           <p:cNvSpPr>
             <a:spLocks noGrp="1"/>
           </p:cNvSpPr>
@@ -774,35 +781,33 @@
         </p:nvSpPr>
         <p:spPr>
           <a:xfrm>
-            <a:off x="1524000" y="1122363"/>
-            <a:ext cx="9144000" cy="2387600"/>
+            <a:off x="684212" y="685799"/>
+            <a:ext cx="8001000" cy="2971801"/>
           </a:xfrm>
         </p:spPr>
         <p:txBody>
-          <a:bodyPr anchor="b"/>
+          <a:bodyPr anchor="b">
+            <a:normAutofit/>
+          </a:bodyPr>
           <a:lstStyle>
-            <a:lvl1pPr algn="ctr">
-              <a:defRPr sz="6000"/>
+            <a:lvl1pPr algn="l">
+              <a:defRPr sz="4800">
+                <a:effectLst/>
+              </a:defRPr>
             </a:lvl1pPr>
           </a:lstStyle>
           <a:p>
             <a:r>
-              <a:rPr lang="fr-FR"/>
+              <a:rPr lang="fr-FR" smtClean="0"/>
               <a:t>Modifiez le style du titre</a:t>
             </a:r>
-            <a:endParaRPr lang="fr-CH"/>
-          </a:p>
-        </p:txBody>
-      </p:sp>
-      <p:sp>
-        <p:nvSpPr>
-          <p:cNvPr id="3" name="Sous-titre 2">
-            <a:extLst>
-              <a:ext uri="{FF2B5EF4-FFF2-40B4-BE49-F238E27FC236}">
-                <a16:creationId xmlns:a16="http://schemas.microsoft.com/office/drawing/2014/main" id="{42C03A0C-3C2C-4C21-85DE-CB03C9235C1F}"/>
-              </a:ext>
-            </a:extLst>
-          </p:cNvPr>
+            <a:endParaRPr lang="en-US" dirty="0"/>
+          </a:p>
+        </p:txBody>
+      </p:sp>
+      <p:sp>
+        <p:nvSpPr>
+          <p:cNvPr id="3" name="Subtitle 2"/>
           <p:cNvSpPr>
             <a:spLocks noGrp="1"/>
           </p:cNvSpPr>
@@ -812,68 +817,118 @@
         </p:nvSpPr>
         <p:spPr>
           <a:xfrm>
-            <a:off x="1524000" y="3602038"/>
-            <a:ext cx="9144000" cy="1655762"/>
+            <a:off x="684212" y="3843867"/>
+            <a:ext cx="6400800" cy="1947333"/>
           </a:xfrm>
         </p:spPr>
         <p:txBody>
-          <a:bodyPr/>
+          <a:bodyPr anchor="t">
+            <a:normAutofit/>
+          </a:bodyPr>
           <a:lstStyle>
-            <a:lvl1pPr marL="0" indent="0" algn="ctr">
-              <a:buNone/>
-              <a:defRPr sz="2400"/>
+            <a:lvl1pPr marL="0" indent="0" algn="l">
+              <a:buNone/>
+              <a:defRPr sz="2100">
+                <a:solidFill>
+                  <a:schemeClr val="bg2">
+                    <a:lumMod val="75000"/>
+                  </a:schemeClr>
+                </a:solidFill>
+              </a:defRPr>
             </a:lvl1pPr>
             <a:lvl2pPr marL="457200" indent="0" algn="ctr">
               <a:buNone/>
-              <a:defRPr sz="2000"/>
+              <a:defRPr>
+                <a:solidFill>
+                  <a:schemeClr val="tx1">
+                    <a:tint val="75000"/>
+                  </a:schemeClr>
+                </a:solidFill>
+              </a:defRPr>
             </a:lvl2pPr>
             <a:lvl3pPr marL="914400" indent="0" algn="ctr">
               <a:buNone/>
-              <a:defRPr sz="1800"/>
+              <a:defRPr>
+                <a:solidFill>
+                  <a:schemeClr val="tx1">
+                    <a:tint val="75000"/>
+                  </a:schemeClr>
+                </a:solidFill>
+              </a:defRPr>
             </a:lvl3pPr>
             <a:lvl4pPr marL="1371600" indent="0" algn="ctr">
               <a:buNone/>
-              <a:defRPr sz="1600"/>
+              <a:defRPr>
+                <a:solidFill>
+                  <a:schemeClr val="tx1">
+                    <a:tint val="75000"/>
+                  </a:schemeClr>
+                </a:solidFill>
+              </a:defRPr>
             </a:lvl4pPr>
             <a:lvl5pPr marL="1828800" indent="0" algn="ctr">
               <a:buNone/>
-              <a:defRPr sz="1600"/>
+              <a:defRPr>
+                <a:solidFill>
+                  <a:schemeClr val="tx1">
+                    <a:tint val="75000"/>
+                  </a:schemeClr>
+                </a:solidFill>
+              </a:defRPr>
             </a:lvl5pPr>
             <a:lvl6pPr marL="2286000" indent="0" algn="ctr">
               <a:buNone/>
-              <a:defRPr sz="1600"/>
+              <a:defRPr>
+                <a:solidFill>
+                  <a:schemeClr val="tx1">
+                    <a:tint val="75000"/>
+                  </a:schemeClr>
+                </a:solidFill>
+              </a:defRPr>
             </a:lvl6pPr>
             <a:lvl7pPr marL="2743200" indent="0" algn="ctr">
               <a:buNone/>
-              <a:defRPr sz="1600"/>
+              <a:defRPr>
+                <a:solidFill>
+                  <a:schemeClr val="tx1">
+                    <a:tint val="75000"/>
+                  </a:schemeClr>
+                </a:solidFill>
+              </a:defRPr>
             </a:lvl7pPr>
             <a:lvl8pPr marL="3200400" indent="0" algn="ctr">
               <a:buNone/>
-              <a:defRPr sz="1600"/>
+              <a:defRPr>
+                <a:solidFill>
+                  <a:schemeClr val="tx1">
+                    <a:tint val="75000"/>
+                  </a:schemeClr>
+                </a:solidFill>
+              </a:defRPr>
             </a:lvl8pPr>
             <a:lvl9pPr marL="3657600" indent="0" algn="ctr">
               <a:buNone/>
-              <a:defRPr sz="1600"/>
+              <a:defRPr>
+                <a:solidFill>
+                  <a:schemeClr val="tx1">
+                    <a:tint val="75000"/>
+                  </a:schemeClr>
+                </a:solidFill>
+              </a:defRPr>
             </a:lvl9pPr>
           </a:lstStyle>
           <a:p>
             <a:r>
-              <a:rPr lang="fr-FR"/>
+              <a:rPr lang="fr-FR" smtClean="0"/>
               <a:t>Modifiez le style des sous-titres du masque</a:t>
             </a:r>
-            <a:endParaRPr lang="fr-CH"/>
-          </a:p>
-        </p:txBody>
-      </p:sp>
-      <p:sp>
-        <p:nvSpPr>
-          <p:cNvPr id="4" name="Espace réservé de la date 3">
-            <a:extLst>
-              <a:ext uri="{FF2B5EF4-FFF2-40B4-BE49-F238E27FC236}">
-                <a16:creationId xmlns:a16="http://schemas.microsoft.com/office/drawing/2014/main" id="{C08B5035-D83B-4083-A256-6A9BF032DCB2}"/>
-              </a:ext>
-            </a:extLst>
-          </p:cNvPr>
+            <a:endParaRPr lang="en-US" dirty="0"/>
+          </a:p>
+        </p:txBody>
+      </p:sp>
+      <p:sp>
+        <p:nvSpPr>
+          <p:cNvPr id="4" name="Date Placeholder 3"/>
           <p:cNvSpPr>
             <a:spLocks noGrp="1"/>
           </p:cNvSpPr>
@@ -888,7 +943,7 @@
           <a:p>
             <a:fld id="{8A00D3EF-0965-402A-B72E-7182F322F1EE}" type="datetimeFigureOut">
               <a:rPr lang="fr-CH" smtClean="0"/>
-              <a:t>19.09.2020</a:t>
+              <a:t>21.09.2020</a:t>
             </a:fld>
             <a:endParaRPr lang="fr-CH"/>
           </a:p>
@@ -896,13 +951,7 @@
       </p:sp>
       <p:sp>
         <p:nvSpPr>
-          <p:cNvPr id="5" name="Espace réservé du pied de page 4">
-            <a:extLst>
-              <a:ext uri="{FF2B5EF4-FFF2-40B4-BE49-F238E27FC236}">
-                <a16:creationId xmlns:a16="http://schemas.microsoft.com/office/drawing/2014/main" id="{1F03B194-33AA-4CB0-927C-27696D9BCF6D}"/>
-              </a:ext>
-            </a:extLst>
-          </p:cNvPr>
+          <p:cNvPr id="5" name="Footer Placeholder 4"/>
           <p:cNvSpPr>
             <a:spLocks noGrp="1"/>
           </p:cNvSpPr>
@@ -921,13 +970,7 @@
       </p:sp>
       <p:sp>
         <p:nvSpPr>
-          <p:cNvPr id="6" name="Espace réservé du numéro de diapositive 5">
-            <a:extLst>
-              <a:ext uri="{FF2B5EF4-FFF2-40B4-BE49-F238E27FC236}">
-                <a16:creationId xmlns:a16="http://schemas.microsoft.com/office/drawing/2014/main" id="{534DE600-6A24-4375-80E6-BAEF640D00E2}"/>
-              </a:ext>
-            </a:extLst>
-          </p:cNvPr>
+          <p:cNvPr id="6" name="Slide Number Placeholder 5"/>
           <p:cNvSpPr>
             <a:spLocks noGrp="1"/>
           </p:cNvSpPr>
@@ -948,10 +991,185 @@
           </a:p>
         </p:txBody>
       </p:sp>
+      <p:cxnSp>
+        <p:nvCxnSpPr>
+          <p:cNvPr id="16" name="Straight Connector 15"/>
+          <p:cNvCxnSpPr/>
+          <p:nvPr/>
+        </p:nvCxnSpPr>
+        <p:spPr>
+          <a:xfrm flipH="1">
+            <a:off x="8228012" y="8467"/>
+            <a:ext cx="3810000" cy="3810000"/>
+          </a:xfrm>
+          <a:prstGeom prst="line">
+            <a:avLst/>
+          </a:prstGeom>
+          <a:ln w="12700">
+            <a:solidFill>
+              <a:schemeClr val="tx1"/>
+            </a:solidFill>
+          </a:ln>
+        </p:spPr>
+        <p:style>
+          <a:lnRef idx="2">
+            <a:schemeClr val="accent1"/>
+          </a:lnRef>
+          <a:fillRef idx="0">
+            <a:schemeClr val="accent1"/>
+          </a:fillRef>
+          <a:effectRef idx="1">
+            <a:schemeClr val="accent1"/>
+          </a:effectRef>
+          <a:fontRef idx="minor">
+            <a:schemeClr val="tx1"/>
+          </a:fontRef>
+        </p:style>
+      </p:cxnSp>
+      <p:cxnSp>
+        <p:nvCxnSpPr>
+          <p:cNvPr id="17" name="Straight Connector 16"/>
+          <p:cNvCxnSpPr/>
+          <p:nvPr/>
+        </p:nvCxnSpPr>
+        <p:spPr>
+          <a:xfrm flipH="1">
+            <a:off x="6108170" y="91545"/>
+            <a:ext cx="6080655" cy="6080655"/>
+          </a:xfrm>
+          <a:prstGeom prst="line">
+            <a:avLst/>
+          </a:prstGeom>
+          <a:ln w="12700">
+            <a:solidFill>
+              <a:schemeClr val="tx1"/>
+            </a:solidFill>
+          </a:ln>
+        </p:spPr>
+        <p:style>
+          <a:lnRef idx="2">
+            <a:schemeClr val="accent1"/>
+          </a:lnRef>
+          <a:fillRef idx="0">
+            <a:schemeClr val="accent1"/>
+          </a:fillRef>
+          <a:effectRef idx="1">
+            <a:schemeClr val="accent1"/>
+          </a:effectRef>
+          <a:fontRef idx="minor">
+            <a:schemeClr val="tx1"/>
+          </a:fontRef>
+        </p:style>
+      </p:cxnSp>
+      <p:cxnSp>
+        <p:nvCxnSpPr>
+          <p:cNvPr id="19" name="Straight Connector 18"/>
+          <p:cNvCxnSpPr/>
+          <p:nvPr/>
+        </p:nvCxnSpPr>
+        <p:spPr>
+          <a:xfrm flipH="1">
+            <a:off x="7235825" y="228600"/>
+            <a:ext cx="4953000" cy="4953000"/>
+          </a:xfrm>
+          <a:prstGeom prst="line">
+            <a:avLst/>
+          </a:prstGeom>
+          <a:ln w="12700">
+            <a:solidFill>
+              <a:schemeClr val="tx1"/>
+            </a:solidFill>
+          </a:ln>
+        </p:spPr>
+        <p:style>
+          <a:lnRef idx="2">
+            <a:schemeClr val="accent1"/>
+          </a:lnRef>
+          <a:fillRef idx="0">
+            <a:schemeClr val="accent1"/>
+          </a:fillRef>
+          <a:effectRef idx="1">
+            <a:schemeClr val="accent1"/>
+          </a:effectRef>
+          <a:fontRef idx="minor">
+            <a:schemeClr val="tx1"/>
+          </a:fontRef>
+        </p:style>
+      </p:cxnSp>
+      <p:cxnSp>
+        <p:nvCxnSpPr>
+          <p:cNvPr id="21" name="Straight Connector 20"/>
+          <p:cNvCxnSpPr/>
+          <p:nvPr/>
+        </p:nvCxnSpPr>
+        <p:spPr>
+          <a:xfrm flipH="1">
+            <a:off x="7335837" y="32278"/>
+            <a:ext cx="4852989" cy="4852989"/>
+          </a:xfrm>
+          <a:prstGeom prst="line">
+            <a:avLst/>
+          </a:prstGeom>
+          <a:ln w="31750">
+            <a:solidFill>
+              <a:schemeClr val="tx1"/>
+            </a:solidFill>
+          </a:ln>
+        </p:spPr>
+        <p:style>
+          <a:lnRef idx="2">
+            <a:schemeClr val="accent1"/>
+          </a:lnRef>
+          <a:fillRef idx="0">
+            <a:schemeClr val="accent1"/>
+          </a:fillRef>
+          <a:effectRef idx="1">
+            <a:schemeClr val="accent1"/>
+          </a:effectRef>
+          <a:fontRef idx="minor">
+            <a:schemeClr val="tx1"/>
+          </a:fontRef>
+        </p:style>
+      </p:cxnSp>
+      <p:cxnSp>
+        <p:nvCxnSpPr>
+          <p:cNvPr id="23" name="Straight Connector 22"/>
+          <p:cNvCxnSpPr/>
+          <p:nvPr/>
+        </p:nvCxnSpPr>
+        <p:spPr>
+          <a:xfrm flipH="1">
+            <a:off x="7845426" y="609601"/>
+            <a:ext cx="4343399" cy="4343399"/>
+          </a:xfrm>
+          <a:prstGeom prst="line">
+            <a:avLst/>
+          </a:prstGeom>
+          <a:ln w="31750">
+            <a:solidFill>
+              <a:schemeClr val="tx1"/>
+            </a:solidFill>
+          </a:ln>
+        </p:spPr>
+        <p:style>
+          <a:lnRef idx="2">
+            <a:schemeClr val="accent1"/>
+          </a:lnRef>
+          <a:fillRef idx="0">
+            <a:schemeClr val="accent1"/>
+          </a:fillRef>
+          <a:effectRef idx="1">
+            <a:schemeClr val="accent1"/>
+          </a:effectRef>
+          <a:fontRef idx="minor">
+            <a:schemeClr val="tx1"/>
+          </a:fontRef>
+        </p:style>
+      </p:cxnSp>
     </p:spTree>
     <p:extLst>
       <p:ext uri="{BB962C8B-B14F-4D97-AF65-F5344CB8AC3E}">
-        <p14:creationId xmlns:p14="http://schemas.microsoft.com/office/powerpoint/2010/main" val="2191659471"/>
+        <p14:creationId xmlns:p14="http://schemas.microsoft.com/office/powerpoint/2010/main" val="3943537831"/>
       </p:ext>
     </p:extLst>
   </p:cSld>
@@ -962,6 +1180,1812 @@
 </file>
 
 <file path=ppt/slideLayouts/slideLayout10.xml><?xml version="1.0" encoding="utf-8"?>
+<p:sldLayout xmlns:a="http://schemas.openxmlformats.org/drawingml/2006/main" xmlns:r="http://schemas.openxmlformats.org/officeDocument/2006/relationships" xmlns:p="http://schemas.openxmlformats.org/presentationml/2006/main" preserve="1">
+  <p:cSld name="Image panoramique avec légende">
+    <p:spTree>
+      <p:nvGrpSpPr>
+        <p:cNvPr id="1" name=""/>
+        <p:cNvGrpSpPr/>
+        <p:nvPr/>
+      </p:nvGrpSpPr>
+      <p:grpSpPr>
+        <a:xfrm>
+          <a:off x="0" y="0"/>
+          <a:ext cx="0" cy="0"/>
+          <a:chOff x="0" y="0"/>
+          <a:chExt cx="0" cy="0"/>
+        </a:xfrm>
+      </p:grpSpPr>
+      <p:sp>
+        <p:nvSpPr>
+          <p:cNvPr id="2" name="Title 1"/>
+          <p:cNvSpPr>
+            <a:spLocks noGrp="1"/>
+          </p:cNvSpPr>
+          <p:nvPr>
+            <p:ph type="title"/>
+          </p:nvPr>
+        </p:nvSpPr>
+        <p:spPr/>
+        <p:txBody>
+          <a:bodyPr/>
+          <a:lstStyle/>
+          <a:p>
+            <a:r>
+              <a:rPr lang="fr-FR" smtClean="0"/>
+              <a:t>Modifiez le style du titre</a:t>
+            </a:r>
+            <a:endParaRPr lang="en-US" dirty="0"/>
+          </a:p>
+        </p:txBody>
+      </p:sp>
+      <p:sp>
+        <p:nvSpPr>
+          <p:cNvPr id="17" name="Picture Placeholder 2"/>
+          <p:cNvSpPr>
+            <a:spLocks noGrp="1" noChangeAspect="1"/>
+          </p:cNvSpPr>
+          <p:nvPr>
+            <p:ph type="pic" idx="13"/>
+          </p:nvPr>
+        </p:nvSpPr>
+        <p:spPr>
+          <a:xfrm>
+            <a:off x="685800" y="533400"/>
+            <a:ext cx="10818812" cy="3124200"/>
+          </a:xfrm>
+          <a:prstGeom prst="snip2DiagRect">
+            <a:avLst>
+              <a:gd name="adj1" fmla="val 10815"/>
+              <a:gd name="adj2" fmla="val 0"/>
+            </a:avLst>
+          </a:prstGeom>
+          <a:ln w="15875">
+            <a:solidFill>
+              <a:schemeClr val="tx1">
+                <a:alpha val="40000"/>
+              </a:schemeClr>
+            </a:solidFill>
+          </a:ln>
+          <a:effectLst>
+            <a:innerShdw blurRad="57150" dist="38100" dir="14460000">
+              <a:srgbClr val="000000">
+                <a:alpha val="70000"/>
+              </a:srgbClr>
+            </a:innerShdw>
+          </a:effectLst>
+        </p:spPr>
+        <p:txBody>
+          <a:bodyPr anchor="t">
+            <a:normAutofit/>
+          </a:bodyPr>
+          <a:lstStyle>
+            <a:lvl1pPr marL="0" indent="0" algn="ctr">
+              <a:buNone/>
+              <a:defRPr sz="1600"/>
+            </a:lvl1pPr>
+            <a:lvl2pPr marL="457200" indent="0">
+              <a:buNone/>
+              <a:defRPr sz="1600"/>
+            </a:lvl2pPr>
+            <a:lvl3pPr marL="914400" indent="0">
+              <a:buNone/>
+              <a:defRPr sz="1600"/>
+            </a:lvl3pPr>
+            <a:lvl4pPr marL="1371600" indent="0">
+              <a:buNone/>
+              <a:defRPr sz="1600"/>
+            </a:lvl4pPr>
+            <a:lvl5pPr marL="1828800" indent="0">
+              <a:buNone/>
+              <a:defRPr sz="1600"/>
+            </a:lvl5pPr>
+            <a:lvl6pPr marL="2286000" indent="0">
+              <a:buNone/>
+              <a:defRPr sz="1600"/>
+            </a:lvl6pPr>
+            <a:lvl7pPr marL="2743200" indent="0">
+              <a:buNone/>
+              <a:defRPr sz="1600"/>
+            </a:lvl7pPr>
+            <a:lvl8pPr marL="3200400" indent="0">
+              <a:buNone/>
+              <a:defRPr sz="1600"/>
+            </a:lvl8pPr>
+            <a:lvl9pPr marL="3657600" indent="0">
+              <a:buNone/>
+              <a:defRPr sz="1600"/>
+            </a:lvl9pPr>
+          </a:lstStyle>
+          <a:p>
+            <a:r>
+              <a:rPr lang="fr-FR" smtClean="0"/>
+              <a:t>Cliquez sur l'icône pour ajouter une image</a:t>
+            </a:r>
+            <a:endParaRPr lang="en-US" dirty="0"/>
+          </a:p>
+        </p:txBody>
+      </p:sp>
+      <p:sp>
+        <p:nvSpPr>
+          <p:cNvPr id="16" name="Text Placeholder 9"/>
+          <p:cNvSpPr>
+            <a:spLocks noGrp="1"/>
+          </p:cNvSpPr>
+          <p:nvPr>
+            <p:ph type="body" sz="quarter" idx="14"/>
+          </p:nvPr>
+        </p:nvSpPr>
+        <p:spPr>
+          <a:xfrm>
+            <a:off x="914402" y="3843867"/>
+            <a:ext cx="8304210" cy="457200"/>
+          </a:xfrm>
+        </p:spPr>
+        <p:txBody>
+          <a:bodyPr anchor="t">
+            <a:normAutofit/>
+          </a:bodyPr>
+          <a:lstStyle>
+            <a:lvl1pPr marL="0" indent="0">
+              <a:buFontTx/>
+              <a:buNone/>
+              <a:defRPr sz="1600"/>
+            </a:lvl1pPr>
+            <a:lvl2pPr marL="457200" indent="0">
+              <a:buFontTx/>
+              <a:buNone/>
+              <a:defRPr/>
+            </a:lvl2pPr>
+            <a:lvl3pPr marL="914400" indent="0">
+              <a:buFontTx/>
+              <a:buNone/>
+              <a:defRPr/>
+            </a:lvl3pPr>
+            <a:lvl4pPr marL="1371600" indent="0">
+              <a:buFontTx/>
+              <a:buNone/>
+              <a:defRPr/>
+            </a:lvl4pPr>
+            <a:lvl5pPr marL="1828800" indent="0">
+              <a:buFontTx/>
+              <a:buNone/>
+              <a:defRPr/>
+            </a:lvl5pPr>
+          </a:lstStyle>
+          <a:p>
+            <a:pPr lvl="0"/>
+            <a:r>
+              <a:rPr lang="fr-FR" smtClean="0"/>
+              <a:t>Modifiez les styles du texte du masque</a:t>
+            </a:r>
+          </a:p>
+        </p:txBody>
+      </p:sp>
+      <p:sp>
+        <p:nvSpPr>
+          <p:cNvPr id="3" name="Date Placeholder 2"/>
+          <p:cNvSpPr>
+            <a:spLocks noGrp="1"/>
+          </p:cNvSpPr>
+          <p:nvPr>
+            <p:ph type="dt" sz="half" idx="10"/>
+          </p:nvPr>
+        </p:nvSpPr>
+        <p:spPr/>
+        <p:txBody>
+          <a:bodyPr/>
+          <a:lstStyle/>
+          <a:p>
+            <a:fld id="{8A00D3EF-0965-402A-B72E-7182F322F1EE}" type="datetimeFigureOut">
+              <a:rPr lang="fr-CH" smtClean="0"/>
+              <a:t>21.09.2020</a:t>
+            </a:fld>
+            <a:endParaRPr lang="fr-CH"/>
+          </a:p>
+        </p:txBody>
+      </p:sp>
+      <p:sp>
+        <p:nvSpPr>
+          <p:cNvPr id="4" name="Footer Placeholder 3"/>
+          <p:cNvSpPr>
+            <a:spLocks noGrp="1"/>
+          </p:cNvSpPr>
+          <p:nvPr>
+            <p:ph type="ftr" sz="quarter" idx="11"/>
+          </p:nvPr>
+        </p:nvSpPr>
+        <p:spPr/>
+        <p:txBody>
+          <a:bodyPr/>
+          <a:lstStyle/>
+          <a:p>
+            <a:endParaRPr lang="fr-CH"/>
+          </a:p>
+        </p:txBody>
+      </p:sp>
+      <p:sp>
+        <p:nvSpPr>
+          <p:cNvPr id="5" name="Slide Number Placeholder 4"/>
+          <p:cNvSpPr>
+            <a:spLocks noGrp="1"/>
+          </p:cNvSpPr>
+          <p:nvPr>
+            <p:ph type="sldNum" sz="quarter" idx="12"/>
+          </p:nvPr>
+        </p:nvSpPr>
+        <p:spPr/>
+        <p:txBody>
+          <a:bodyPr/>
+          <a:lstStyle/>
+          <a:p>
+            <a:fld id="{F52CAE7C-6018-4F2C-A45F-0275DC0CA69C}" type="slidenum">
+              <a:rPr lang="fr-CH" smtClean="0"/>
+              <a:t>‹N°›</a:t>
+            </a:fld>
+            <a:endParaRPr lang="fr-CH"/>
+          </a:p>
+        </p:txBody>
+      </p:sp>
+    </p:spTree>
+    <p:extLst>
+      <p:ext uri="{BB962C8B-B14F-4D97-AF65-F5344CB8AC3E}">
+        <p14:creationId xmlns:p14="http://schemas.microsoft.com/office/powerpoint/2010/main" val="1306846889"/>
+      </p:ext>
+    </p:extLst>
+  </p:cSld>
+  <p:clrMapOvr>
+    <a:masterClrMapping/>
+  </p:clrMapOvr>
+</p:sldLayout>
+</file>
+
+<file path=ppt/slideLayouts/slideLayout11.xml><?xml version="1.0" encoding="utf-8"?>
+<p:sldLayout xmlns:a="http://schemas.openxmlformats.org/drawingml/2006/main" xmlns:r="http://schemas.openxmlformats.org/officeDocument/2006/relationships" xmlns:p="http://schemas.openxmlformats.org/presentationml/2006/main" preserve="1">
+  <p:cSld name="Titre et légende">
+    <p:spTree>
+      <p:nvGrpSpPr>
+        <p:cNvPr id="1" name=""/>
+        <p:cNvGrpSpPr/>
+        <p:nvPr/>
+      </p:nvGrpSpPr>
+      <p:grpSpPr>
+        <a:xfrm>
+          <a:off x="0" y="0"/>
+          <a:ext cx="0" cy="0"/>
+          <a:chOff x="0" y="0"/>
+          <a:chExt cx="0" cy="0"/>
+        </a:xfrm>
+      </p:grpSpPr>
+      <p:sp>
+        <p:nvSpPr>
+          <p:cNvPr id="2" name="Title 1"/>
+          <p:cNvSpPr>
+            <a:spLocks noGrp="1"/>
+          </p:cNvSpPr>
+          <p:nvPr>
+            <p:ph type="title"/>
+          </p:nvPr>
+        </p:nvSpPr>
+        <p:spPr>
+          <a:xfrm>
+            <a:off x="684213" y="685800"/>
+            <a:ext cx="10058400" cy="2743200"/>
+          </a:xfrm>
+        </p:spPr>
+        <p:txBody>
+          <a:bodyPr anchor="ctr">
+            <a:normAutofit/>
+          </a:bodyPr>
+          <a:lstStyle>
+            <a:lvl1pPr algn="l">
+              <a:defRPr sz="3200" b="0" cap="all"/>
+            </a:lvl1pPr>
+          </a:lstStyle>
+          <a:p>
+            <a:r>
+              <a:rPr lang="fr-FR" smtClean="0"/>
+              <a:t>Modifiez le style du titre</a:t>
+            </a:r>
+            <a:endParaRPr lang="en-US" dirty="0"/>
+          </a:p>
+        </p:txBody>
+      </p:sp>
+      <p:sp>
+        <p:nvSpPr>
+          <p:cNvPr id="3" name="Text Placeholder 2"/>
+          <p:cNvSpPr>
+            <a:spLocks noGrp="1"/>
+          </p:cNvSpPr>
+          <p:nvPr>
+            <p:ph type="body" idx="1"/>
+          </p:nvPr>
+        </p:nvSpPr>
+        <p:spPr>
+          <a:xfrm>
+            <a:off x="684212" y="4114800"/>
+            <a:ext cx="8535988" cy="1879600"/>
+          </a:xfrm>
+        </p:spPr>
+        <p:txBody>
+          <a:bodyPr anchor="ctr">
+            <a:normAutofit/>
+          </a:bodyPr>
+          <a:lstStyle>
+            <a:lvl1pPr marL="0" indent="0" algn="l">
+              <a:buNone/>
+              <a:defRPr sz="2000">
+                <a:solidFill>
+                  <a:schemeClr val="bg2">
+                    <a:lumMod val="75000"/>
+                  </a:schemeClr>
+                </a:solidFill>
+              </a:defRPr>
+            </a:lvl1pPr>
+            <a:lvl2pPr marL="457200" indent="0">
+              <a:buNone/>
+              <a:defRPr sz="1800">
+                <a:solidFill>
+                  <a:schemeClr val="tx1">
+                    <a:tint val="75000"/>
+                  </a:schemeClr>
+                </a:solidFill>
+              </a:defRPr>
+            </a:lvl2pPr>
+            <a:lvl3pPr marL="914400" indent="0">
+              <a:buNone/>
+              <a:defRPr sz="1600">
+                <a:solidFill>
+                  <a:schemeClr val="tx1">
+                    <a:tint val="75000"/>
+                  </a:schemeClr>
+                </a:solidFill>
+              </a:defRPr>
+            </a:lvl3pPr>
+            <a:lvl4pPr marL="1371600" indent="0">
+              <a:buNone/>
+              <a:defRPr sz="1400">
+                <a:solidFill>
+                  <a:schemeClr val="tx1">
+                    <a:tint val="75000"/>
+                  </a:schemeClr>
+                </a:solidFill>
+              </a:defRPr>
+            </a:lvl4pPr>
+            <a:lvl5pPr marL="1828800" indent="0">
+              <a:buNone/>
+              <a:defRPr sz="1400">
+                <a:solidFill>
+                  <a:schemeClr val="tx1">
+                    <a:tint val="75000"/>
+                  </a:schemeClr>
+                </a:solidFill>
+              </a:defRPr>
+            </a:lvl5pPr>
+            <a:lvl6pPr marL="2286000" indent="0">
+              <a:buNone/>
+              <a:defRPr sz="1400">
+                <a:solidFill>
+                  <a:schemeClr val="tx1">
+                    <a:tint val="75000"/>
+                  </a:schemeClr>
+                </a:solidFill>
+              </a:defRPr>
+            </a:lvl6pPr>
+            <a:lvl7pPr marL="2743200" indent="0">
+              <a:buNone/>
+              <a:defRPr sz="1400">
+                <a:solidFill>
+                  <a:schemeClr val="tx1">
+                    <a:tint val="75000"/>
+                  </a:schemeClr>
+                </a:solidFill>
+              </a:defRPr>
+            </a:lvl7pPr>
+            <a:lvl8pPr marL="3200400" indent="0">
+              <a:buNone/>
+              <a:defRPr sz="1400">
+                <a:solidFill>
+                  <a:schemeClr val="tx1">
+                    <a:tint val="75000"/>
+                  </a:schemeClr>
+                </a:solidFill>
+              </a:defRPr>
+            </a:lvl8pPr>
+            <a:lvl9pPr marL="3657600" indent="0">
+              <a:buNone/>
+              <a:defRPr sz="1400">
+                <a:solidFill>
+                  <a:schemeClr val="tx1">
+                    <a:tint val="75000"/>
+                  </a:schemeClr>
+                </a:solidFill>
+              </a:defRPr>
+            </a:lvl9pPr>
+          </a:lstStyle>
+          <a:p>
+            <a:pPr lvl="0"/>
+            <a:r>
+              <a:rPr lang="fr-FR" smtClean="0"/>
+              <a:t>Modifiez les styles du texte du masque</a:t>
+            </a:r>
+          </a:p>
+        </p:txBody>
+      </p:sp>
+      <p:sp>
+        <p:nvSpPr>
+          <p:cNvPr id="4" name="Date Placeholder 3"/>
+          <p:cNvSpPr>
+            <a:spLocks noGrp="1"/>
+          </p:cNvSpPr>
+          <p:nvPr>
+            <p:ph type="dt" sz="half" idx="10"/>
+          </p:nvPr>
+        </p:nvSpPr>
+        <p:spPr/>
+        <p:txBody>
+          <a:bodyPr/>
+          <a:lstStyle/>
+          <a:p>
+            <a:fld id="{8A00D3EF-0965-402A-B72E-7182F322F1EE}" type="datetimeFigureOut">
+              <a:rPr lang="fr-CH" smtClean="0"/>
+              <a:t>21.09.2020</a:t>
+            </a:fld>
+            <a:endParaRPr lang="fr-CH"/>
+          </a:p>
+        </p:txBody>
+      </p:sp>
+      <p:sp>
+        <p:nvSpPr>
+          <p:cNvPr id="5" name="Footer Placeholder 4"/>
+          <p:cNvSpPr>
+            <a:spLocks noGrp="1"/>
+          </p:cNvSpPr>
+          <p:nvPr>
+            <p:ph type="ftr" sz="quarter" idx="11"/>
+          </p:nvPr>
+        </p:nvSpPr>
+        <p:spPr/>
+        <p:txBody>
+          <a:bodyPr/>
+          <a:lstStyle/>
+          <a:p>
+            <a:endParaRPr lang="fr-CH"/>
+          </a:p>
+        </p:txBody>
+      </p:sp>
+      <p:sp>
+        <p:nvSpPr>
+          <p:cNvPr id="6" name="Slide Number Placeholder 5"/>
+          <p:cNvSpPr>
+            <a:spLocks noGrp="1"/>
+          </p:cNvSpPr>
+          <p:nvPr>
+            <p:ph type="sldNum" sz="quarter" idx="12"/>
+          </p:nvPr>
+        </p:nvSpPr>
+        <p:spPr/>
+        <p:txBody>
+          <a:bodyPr/>
+          <a:lstStyle/>
+          <a:p>
+            <a:fld id="{F52CAE7C-6018-4F2C-A45F-0275DC0CA69C}" type="slidenum">
+              <a:rPr lang="fr-CH" smtClean="0"/>
+              <a:t>‹N°›</a:t>
+            </a:fld>
+            <a:endParaRPr lang="fr-CH"/>
+          </a:p>
+        </p:txBody>
+      </p:sp>
+    </p:spTree>
+    <p:extLst>
+      <p:ext uri="{BB962C8B-B14F-4D97-AF65-F5344CB8AC3E}">
+        <p14:creationId xmlns:p14="http://schemas.microsoft.com/office/powerpoint/2010/main" val="1077275797"/>
+      </p:ext>
+    </p:extLst>
+  </p:cSld>
+  <p:clrMapOvr>
+    <a:masterClrMapping/>
+  </p:clrMapOvr>
+</p:sldLayout>
+</file>
+
+<file path=ppt/slideLayouts/slideLayout12.xml><?xml version="1.0" encoding="utf-8"?>
+<p:sldLayout xmlns:a="http://schemas.openxmlformats.org/drawingml/2006/main" xmlns:r="http://schemas.openxmlformats.org/officeDocument/2006/relationships" xmlns:p="http://schemas.openxmlformats.org/presentationml/2006/main" preserve="1">
+  <p:cSld name="Citation avec légende">
+    <p:spTree>
+      <p:nvGrpSpPr>
+        <p:cNvPr id="1" name=""/>
+        <p:cNvGrpSpPr/>
+        <p:nvPr/>
+      </p:nvGrpSpPr>
+      <p:grpSpPr>
+        <a:xfrm>
+          <a:off x="0" y="0"/>
+          <a:ext cx="0" cy="0"/>
+          <a:chOff x="0" y="0"/>
+          <a:chExt cx="0" cy="0"/>
+        </a:xfrm>
+      </p:grpSpPr>
+      <p:sp>
+        <p:nvSpPr>
+          <p:cNvPr id="2" name="Title 1"/>
+          <p:cNvSpPr>
+            <a:spLocks noGrp="1"/>
+          </p:cNvSpPr>
+          <p:nvPr>
+            <p:ph type="title"/>
+          </p:nvPr>
+        </p:nvSpPr>
+        <p:spPr>
+          <a:xfrm>
+            <a:off x="1141411" y="685800"/>
+            <a:ext cx="9144001" cy="2743200"/>
+          </a:xfrm>
+        </p:spPr>
+        <p:txBody>
+          <a:bodyPr anchor="ctr">
+            <a:normAutofit/>
+          </a:bodyPr>
+          <a:lstStyle>
+            <a:lvl1pPr algn="l">
+              <a:defRPr sz="3200" b="0" cap="all">
+                <a:solidFill>
+                  <a:schemeClr val="tx1"/>
+                </a:solidFill>
+              </a:defRPr>
+            </a:lvl1pPr>
+          </a:lstStyle>
+          <a:p>
+            <a:r>
+              <a:rPr lang="fr-FR" smtClean="0"/>
+              <a:t>Modifiez le style du titre</a:t>
+            </a:r>
+            <a:endParaRPr lang="en-US" dirty="0"/>
+          </a:p>
+        </p:txBody>
+      </p:sp>
+      <p:sp>
+        <p:nvSpPr>
+          <p:cNvPr id="10" name="Text Placeholder 9"/>
+          <p:cNvSpPr>
+            <a:spLocks noGrp="1"/>
+          </p:cNvSpPr>
+          <p:nvPr>
+            <p:ph type="body" sz="quarter" idx="13"/>
+          </p:nvPr>
+        </p:nvSpPr>
+        <p:spPr>
+          <a:xfrm>
+            <a:off x="1446212" y="3429000"/>
+            <a:ext cx="8534400" cy="381000"/>
+          </a:xfrm>
+        </p:spPr>
+        <p:txBody>
+          <a:bodyPr anchor="ctr"/>
+          <a:lstStyle>
+            <a:lvl1pPr marL="0" indent="0">
+              <a:buFontTx/>
+              <a:buNone/>
+              <a:defRPr/>
+            </a:lvl1pPr>
+            <a:lvl2pPr marL="457200" indent="0">
+              <a:buFontTx/>
+              <a:buNone/>
+              <a:defRPr/>
+            </a:lvl2pPr>
+            <a:lvl3pPr marL="914400" indent="0">
+              <a:buFontTx/>
+              <a:buNone/>
+              <a:defRPr/>
+            </a:lvl3pPr>
+            <a:lvl4pPr marL="1371600" indent="0">
+              <a:buFontTx/>
+              <a:buNone/>
+              <a:defRPr/>
+            </a:lvl4pPr>
+            <a:lvl5pPr marL="1828800" indent="0">
+              <a:buFontTx/>
+              <a:buNone/>
+              <a:defRPr/>
+            </a:lvl5pPr>
+          </a:lstStyle>
+          <a:p>
+            <a:pPr lvl="0"/>
+            <a:r>
+              <a:rPr lang="fr-FR" smtClean="0"/>
+              <a:t>Modifiez les styles du texte du masque</a:t>
+            </a:r>
+          </a:p>
+        </p:txBody>
+      </p:sp>
+      <p:sp>
+        <p:nvSpPr>
+          <p:cNvPr id="3" name="Text Placeholder 2"/>
+          <p:cNvSpPr>
+            <a:spLocks noGrp="1"/>
+          </p:cNvSpPr>
+          <p:nvPr>
+            <p:ph type="body" idx="1"/>
+          </p:nvPr>
+        </p:nvSpPr>
+        <p:spPr>
+          <a:xfrm>
+            <a:off x="684213" y="4301067"/>
+            <a:ext cx="8534400" cy="1684865"/>
+          </a:xfrm>
+        </p:spPr>
+        <p:txBody>
+          <a:bodyPr anchor="ctr">
+            <a:normAutofit/>
+          </a:bodyPr>
+          <a:lstStyle>
+            <a:lvl1pPr marL="0" indent="0" algn="l">
+              <a:buNone/>
+              <a:defRPr sz="2000">
+                <a:solidFill>
+                  <a:schemeClr val="bg2">
+                    <a:lumMod val="75000"/>
+                  </a:schemeClr>
+                </a:solidFill>
+              </a:defRPr>
+            </a:lvl1pPr>
+            <a:lvl2pPr marL="457200" indent="0">
+              <a:buNone/>
+              <a:defRPr sz="1800">
+                <a:solidFill>
+                  <a:schemeClr val="tx1">
+                    <a:tint val="75000"/>
+                  </a:schemeClr>
+                </a:solidFill>
+              </a:defRPr>
+            </a:lvl2pPr>
+            <a:lvl3pPr marL="914400" indent="0">
+              <a:buNone/>
+              <a:defRPr sz="1600">
+                <a:solidFill>
+                  <a:schemeClr val="tx1">
+                    <a:tint val="75000"/>
+                  </a:schemeClr>
+                </a:solidFill>
+              </a:defRPr>
+            </a:lvl3pPr>
+            <a:lvl4pPr marL="1371600" indent="0">
+              <a:buNone/>
+              <a:defRPr sz="1400">
+                <a:solidFill>
+                  <a:schemeClr val="tx1">
+                    <a:tint val="75000"/>
+                  </a:schemeClr>
+                </a:solidFill>
+              </a:defRPr>
+            </a:lvl4pPr>
+            <a:lvl5pPr marL="1828800" indent="0">
+              <a:buNone/>
+              <a:defRPr sz="1400">
+                <a:solidFill>
+                  <a:schemeClr val="tx1">
+                    <a:tint val="75000"/>
+                  </a:schemeClr>
+                </a:solidFill>
+              </a:defRPr>
+            </a:lvl5pPr>
+            <a:lvl6pPr marL="2286000" indent="0">
+              <a:buNone/>
+              <a:defRPr sz="1400">
+                <a:solidFill>
+                  <a:schemeClr val="tx1">
+                    <a:tint val="75000"/>
+                  </a:schemeClr>
+                </a:solidFill>
+              </a:defRPr>
+            </a:lvl6pPr>
+            <a:lvl7pPr marL="2743200" indent="0">
+              <a:buNone/>
+              <a:defRPr sz="1400">
+                <a:solidFill>
+                  <a:schemeClr val="tx1">
+                    <a:tint val="75000"/>
+                  </a:schemeClr>
+                </a:solidFill>
+              </a:defRPr>
+            </a:lvl7pPr>
+            <a:lvl8pPr marL="3200400" indent="0">
+              <a:buNone/>
+              <a:defRPr sz="1400">
+                <a:solidFill>
+                  <a:schemeClr val="tx1">
+                    <a:tint val="75000"/>
+                  </a:schemeClr>
+                </a:solidFill>
+              </a:defRPr>
+            </a:lvl8pPr>
+            <a:lvl9pPr marL="3657600" indent="0">
+              <a:buNone/>
+              <a:defRPr sz="1400">
+                <a:solidFill>
+                  <a:schemeClr val="tx1">
+                    <a:tint val="75000"/>
+                  </a:schemeClr>
+                </a:solidFill>
+              </a:defRPr>
+            </a:lvl9pPr>
+          </a:lstStyle>
+          <a:p>
+            <a:pPr lvl="0"/>
+            <a:r>
+              <a:rPr lang="fr-FR" smtClean="0"/>
+              <a:t>Modifiez les styles du texte du masque</a:t>
+            </a:r>
+          </a:p>
+        </p:txBody>
+      </p:sp>
+      <p:sp>
+        <p:nvSpPr>
+          <p:cNvPr id="4" name="Date Placeholder 3"/>
+          <p:cNvSpPr>
+            <a:spLocks noGrp="1"/>
+          </p:cNvSpPr>
+          <p:nvPr>
+            <p:ph type="dt" sz="half" idx="10"/>
+          </p:nvPr>
+        </p:nvSpPr>
+        <p:spPr/>
+        <p:txBody>
+          <a:bodyPr/>
+          <a:lstStyle/>
+          <a:p>
+            <a:fld id="{8A00D3EF-0965-402A-B72E-7182F322F1EE}" type="datetimeFigureOut">
+              <a:rPr lang="fr-CH" smtClean="0"/>
+              <a:t>21.09.2020</a:t>
+            </a:fld>
+            <a:endParaRPr lang="fr-CH"/>
+          </a:p>
+        </p:txBody>
+      </p:sp>
+      <p:sp>
+        <p:nvSpPr>
+          <p:cNvPr id="5" name="Footer Placeholder 4"/>
+          <p:cNvSpPr>
+            <a:spLocks noGrp="1"/>
+          </p:cNvSpPr>
+          <p:nvPr>
+            <p:ph type="ftr" sz="quarter" idx="11"/>
+          </p:nvPr>
+        </p:nvSpPr>
+        <p:spPr/>
+        <p:txBody>
+          <a:bodyPr/>
+          <a:lstStyle/>
+          <a:p>
+            <a:endParaRPr lang="fr-CH"/>
+          </a:p>
+        </p:txBody>
+      </p:sp>
+      <p:sp>
+        <p:nvSpPr>
+          <p:cNvPr id="6" name="Slide Number Placeholder 5"/>
+          <p:cNvSpPr>
+            <a:spLocks noGrp="1"/>
+          </p:cNvSpPr>
+          <p:nvPr>
+            <p:ph type="sldNum" sz="quarter" idx="12"/>
+          </p:nvPr>
+        </p:nvSpPr>
+        <p:spPr/>
+        <p:txBody>
+          <a:bodyPr/>
+          <a:lstStyle/>
+          <a:p>
+            <a:fld id="{F52CAE7C-6018-4F2C-A45F-0275DC0CA69C}" type="slidenum">
+              <a:rPr lang="fr-CH" smtClean="0"/>
+              <a:t>‹N°›</a:t>
+            </a:fld>
+            <a:endParaRPr lang="fr-CH"/>
+          </a:p>
+        </p:txBody>
+      </p:sp>
+      <p:sp>
+        <p:nvSpPr>
+          <p:cNvPr id="14" name="TextBox 13"/>
+          <p:cNvSpPr txBox="1"/>
+          <p:nvPr/>
+        </p:nvSpPr>
+        <p:spPr>
+          <a:xfrm>
+            <a:off x="531812" y="812222"/>
+            <a:ext cx="609600" cy="584776"/>
+          </a:xfrm>
+          <a:prstGeom prst="rect">
+            <a:avLst/>
+          </a:prstGeom>
+        </p:spPr>
+        <p:txBody>
+          <a:bodyPr vert="horz" lIns="91440" tIns="45720" rIns="91440" bIns="45720" rtlCol="0" anchor="ctr">
+            <a:noAutofit/>
+          </a:bodyPr>
+          <a:lstStyle/>
+          <a:p>
+            <a:pPr lvl="0"/>
+            <a:r>
+              <a:rPr lang="en-US" sz="8000" dirty="0">
+                <a:solidFill>
+                  <a:schemeClr val="tx1"/>
+                </a:solidFill>
+                <a:effectLst/>
+              </a:rPr>
+              <a:t>“</a:t>
+            </a:r>
+          </a:p>
+        </p:txBody>
+      </p:sp>
+      <p:sp>
+        <p:nvSpPr>
+          <p:cNvPr id="15" name="TextBox 14"/>
+          <p:cNvSpPr txBox="1"/>
+          <p:nvPr/>
+        </p:nvSpPr>
+        <p:spPr>
+          <a:xfrm>
+            <a:off x="10285412" y="2768601"/>
+            <a:ext cx="609600" cy="584776"/>
+          </a:xfrm>
+          <a:prstGeom prst="rect">
+            <a:avLst/>
+          </a:prstGeom>
+        </p:spPr>
+        <p:txBody>
+          <a:bodyPr vert="horz" lIns="91440" tIns="45720" rIns="91440" bIns="45720" rtlCol="0" anchor="ctr">
+            <a:noAutofit/>
+          </a:bodyPr>
+          <a:lstStyle/>
+          <a:p>
+            <a:pPr lvl="0" algn="r"/>
+            <a:r>
+              <a:rPr lang="en-US" sz="8000" dirty="0">
+                <a:solidFill>
+                  <a:schemeClr val="tx1"/>
+                </a:solidFill>
+                <a:effectLst/>
+              </a:rPr>
+              <a:t>”</a:t>
+            </a:r>
+          </a:p>
+        </p:txBody>
+      </p:sp>
+    </p:spTree>
+    <p:extLst>
+      <p:ext uri="{BB962C8B-B14F-4D97-AF65-F5344CB8AC3E}">
+        <p14:creationId xmlns:p14="http://schemas.microsoft.com/office/powerpoint/2010/main" val="3909180167"/>
+      </p:ext>
+    </p:extLst>
+  </p:cSld>
+  <p:clrMapOvr>
+    <a:masterClrMapping/>
+  </p:clrMapOvr>
+</p:sldLayout>
+</file>
+
+<file path=ppt/slideLayouts/slideLayout13.xml><?xml version="1.0" encoding="utf-8"?>
+<p:sldLayout xmlns:a="http://schemas.openxmlformats.org/drawingml/2006/main" xmlns:r="http://schemas.openxmlformats.org/officeDocument/2006/relationships" xmlns:p="http://schemas.openxmlformats.org/presentationml/2006/main" preserve="1">
+  <p:cSld name="Carte nom">
+    <p:spTree>
+      <p:nvGrpSpPr>
+        <p:cNvPr id="1" name=""/>
+        <p:cNvGrpSpPr/>
+        <p:nvPr/>
+      </p:nvGrpSpPr>
+      <p:grpSpPr>
+        <a:xfrm>
+          <a:off x="0" y="0"/>
+          <a:ext cx="0" cy="0"/>
+          <a:chOff x="0" y="0"/>
+          <a:chExt cx="0" cy="0"/>
+        </a:xfrm>
+      </p:grpSpPr>
+      <p:sp>
+        <p:nvSpPr>
+          <p:cNvPr id="2" name="Title 1"/>
+          <p:cNvSpPr>
+            <a:spLocks noGrp="1"/>
+          </p:cNvSpPr>
+          <p:nvPr>
+            <p:ph type="title"/>
+          </p:nvPr>
+        </p:nvSpPr>
+        <p:spPr>
+          <a:xfrm>
+            <a:off x="684212" y="3429000"/>
+            <a:ext cx="8534400" cy="1697400"/>
+          </a:xfrm>
+        </p:spPr>
+        <p:txBody>
+          <a:bodyPr anchor="b">
+            <a:normAutofit/>
+          </a:bodyPr>
+          <a:lstStyle>
+            <a:lvl1pPr algn="l">
+              <a:defRPr sz="3200" b="0" cap="all"/>
+            </a:lvl1pPr>
+          </a:lstStyle>
+          <a:p>
+            <a:r>
+              <a:rPr lang="fr-FR" smtClean="0"/>
+              <a:t>Modifiez le style du titre</a:t>
+            </a:r>
+            <a:endParaRPr lang="en-US" dirty="0"/>
+          </a:p>
+        </p:txBody>
+      </p:sp>
+      <p:sp>
+        <p:nvSpPr>
+          <p:cNvPr id="3" name="Text Placeholder 2"/>
+          <p:cNvSpPr>
+            <a:spLocks noGrp="1"/>
+          </p:cNvSpPr>
+          <p:nvPr>
+            <p:ph type="body" idx="1"/>
+          </p:nvPr>
+        </p:nvSpPr>
+        <p:spPr>
+          <a:xfrm>
+            <a:off x="684211" y="5132981"/>
+            <a:ext cx="8535990" cy="860400"/>
+          </a:xfrm>
+        </p:spPr>
+        <p:txBody>
+          <a:bodyPr anchor="t">
+            <a:normAutofit/>
+          </a:bodyPr>
+          <a:lstStyle>
+            <a:lvl1pPr marL="0" indent="0" algn="l">
+              <a:buNone/>
+              <a:defRPr sz="2000">
+                <a:solidFill>
+                  <a:schemeClr val="bg2">
+                    <a:lumMod val="75000"/>
+                  </a:schemeClr>
+                </a:solidFill>
+              </a:defRPr>
+            </a:lvl1pPr>
+            <a:lvl2pPr marL="457200" indent="0">
+              <a:buNone/>
+              <a:defRPr sz="1800">
+                <a:solidFill>
+                  <a:schemeClr val="tx1">
+                    <a:tint val="75000"/>
+                  </a:schemeClr>
+                </a:solidFill>
+              </a:defRPr>
+            </a:lvl2pPr>
+            <a:lvl3pPr marL="914400" indent="0">
+              <a:buNone/>
+              <a:defRPr sz="1600">
+                <a:solidFill>
+                  <a:schemeClr val="tx1">
+                    <a:tint val="75000"/>
+                  </a:schemeClr>
+                </a:solidFill>
+              </a:defRPr>
+            </a:lvl3pPr>
+            <a:lvl4pPr marL="1371600" indent="0">
+              <a:buNone/>
+              <a:defRPr sz="1400">
+                <a:solidFill>
+                  <a:schemeClr val="tx1">
+                    <a:tint val="75000"/>
+                  </a:schemeClr>
+                </a:solidFill>
+              </a:defRPr>
+            </a:lvl4pPr>
+            <a:lvl5pPr marL="1828800" indent="0">
+              <a:buNone/>
+              <a:defRPr sz="1400">
+                <a:solidFill>
+                  <a:schemeClr val="tx1">
+                    <a:tint val="75000"/>
+                  </a:schemeClr>
+                </a:solidFill>
+              </a:defRPr>
+            </a:lvl5pPr>
+            <a:lvl6pPr marL="2286000" indent="0">
+              <a:buNone/>
+              <a:defRPr sz="1400">
+                <a:solidFill>
+                  <a:schemeClr val="tx1">
+                    <a:tint val="75000"/>
+                  </a:schemeClr>
+                </a:solidFill>
+              </a:defRPr>
+            </a:lvl6pPr>
+            <a:lvl7pPr marL="2743200" indent="0">
+              <a:buNone/>
+              <a:defRPr sz="1400">
+                <a:solidFill>
+                  <a:schemeClr val="tx1">
+                    <a:tint val="75000"/>
+                  </a:schemeClr>
+                </a:solidFill>
+              </a:defRPr>
+            </a:lvl7pPr>
+            <a:lvl8pPr marL="3200400" indent="0">
+              <a:buNone/>
+              <a:defRPr sz="1400">
+                <a:solidFill>
+                  <a:schemeClr val="tx1">
+                    <a:tint val="75000"/>
+                  </a:schemeClr>
+                </a:solidFill>
+              </a:defRPr>
+            </a:lvl8pPr>
+            <a:lvl9pPr marL="3657600" indent="0">
+              <a:buNone/>
+              <a:defRPr sz="1400">
+                <a:solidFill>
+                  <a:schemeClr val="tx1">
+                    <a:tint val="75000"/>
+                  </a:schemeClr>
+                </a:solidFill>
+              </a:defRPr>
+            </a:lvl9pPr>
+          </a:lstStyle>
+          <a:p>
+            <a:pPr lvl="0"/>
+            <a:r>
+              <a:rPr lang="fr-FR" smtClean="0"/>
+              <a:t>Modifiez les styles du texte du masque</a:t>
+            </a:r>
+          </a:p>
+        </p:txBody>
+      </p:sp>
+      <p:sp>
+        <p:nvSpPr>
+          <p:cNvPr id="4" name="Date Placeholder 3"/>
+          <p:cNvSpPr>
+            <a:spLocks noGrp="1"/>
+          </p:cNvSpPr>
+          <p:nvPr>
+            <p:ph type="dt" sz="half" idx="10"/>
+          </p:nvPr>
+        </p:nvSpPr>
+        <p:spPr/>
+        <p:txBody>
+          <a:bodyPr/>
+          <a:lstStyle/>
+          <a:p>
+            <a:fld id="{8A00D3EF-0965-402A-B72E-7182F322F1EE}" type="datetimeFigureOut">
+              <a:rPr lang="fr-CH" smtClean="0"/>
+              <a:t>21.09.2020</a:t>
+            </a:fld>
+            <a:endParaRPr lang="fr-CH"/>
+          </a:p>
+        </p:txBody>
+      </p:sp>
+      <p:sp>
+        <p:nvSpPr>
+          <p:cNvPr id="5" name="Footer Placeholder 4"/>
+          <p:cNvSpPr>
+            <a:spLocks noGrp="1"/>
+          </p:cNvSpPr>
+          <p:nvPr>
+            <p:ph type="ftr" sz="quarter" idx="11"/>
+          </p:nvPr>
+        </p:nvSpPr>
+        <p:spPr/>
+        <p:txBody>
+          <a:bodyPr/>
+          <a:lstStyle/>
+          <a:p>
+            <a:endParaRPr lang="fr-CH"/>
+          </a:p>
+        </p:txBody>
+      </p:sp>
+      <p:sp>
+        <p:nvSpPr>
+          <p:cNvPr id="6" name="Slide Number Placeholder 5"/>
+          <p:cNvSpPr>
+            <a:spLocks noGrp="1"/>
+          </p:cNvSpPr>
+          <p:nvPr>
+            <p:ph type="sldNum" sz="quarter" idx="12"/>
+          </p:nvPr>
+        </p:nvSpPr>
+        <p:spPr/>
+        <p:txBody>
+          <a:bodyPr/>
+          <a:lstStyle/>
+          <a:p>
+            <a:fld id="{F52CAE7C-6018-4F2C-A45F-0275DC0CA69C}" type="slidenum">
+              <a:rPr lang="fr-CH" smtClean="0"/>
+              <a:t>‹N°›</a:t>
+            </a:fld>
+            <a:endParaRPr lang="fr-CH"/>
+          </a:p>
+        </p:txBody>
+      </p:sp>
+    </p:spTree>
+    <p:extLst>
+      <p:ext uri="{BB962C8B-B14F-4D97-AF65-F5344CB8AC3E}">
+        <p14:creationId xmlns:p14="http://schemas.microsoft.com/office/powerpoint/2010/main" val="119605598"/>
+      </p:ext>
+    </p:extLst>
+  </p:cSld>
+  <p:clrMapOvr>
+    <a:masterClrMapping/>
+  </p:clrMapOvr>
+</p:sldLayout>
+</file>
+
+<file path=ppt/slideLayouts/slideLayout14.xml><?xml version="1.0" encoding="utf-8"?>
+<p:sldLayout xmlns:a="http://schemas.openxmlformats.org/drawingml/2006/main" xmlns:r="http://schemas.openxmlformats.org/officeDocument/2006/relationships" xmlns:p="http://schemas.openxmlformats.org/presentationml/2006/main" preserve="1">
+  <p:cSld name="Carte nom citation">
+    <p:spTree>
+      <p:nvGrpSpPr>
+        <p:cNvPr id="1" name=""/>
+        <p:cNvGrpSpPr/>
+        <p:nvPr/>
+      </p:nvGrpSpPr>
+      <p:grpSpPr>
+        <a:xfrm>
+          <a:off x="0" y="0"/>
+          <a:ext cx="0" cy="0"/>
+          <a:chOff x="0" y="0"/>
+          <a:chExt cx="0" cy="0"/>
+        </a:xfrm>
+      </p:grpSpPr>
+      <p:sp>
+        <p:nvSpPr>
+          <p:cNvPr id="2" name="Title 1"/>
+          <p:cNvSpPr>
+            <a:spLocks noGrp="1"/>
+          </p:cNvSpPr>
+          <p:nvPr>
+            <p:ph type="title"/>
+          </p:nvPr>
+        </p:nvSpPr>
+        <p:spPr>
+          <a:xfrm>
+            <a:off x="1141413" y="685800"/>
+            <a:ext cx="9144000" cy="2743200"/>
+          </a:xfrm>
+        </p:spPr>
+        <p:txBody>
+          <a:bodyPr anchor="ctr">
+            <a:normAutofit/>
+          </a:bodyPr>
+          <a:lstStyle>
+            <a:lvl1pPr algn="l">
+              <a:defRPr sz="3200" b="0" cap="all">
+                <a:solidFill>
+                  <a:schemeClr val="tx1"/>
+                </a:solidFill>
+              </a:defRPr>
+            </a:lvl1pPr>
+          </a:lstStyle>
+          <a:p>
+            <a:r>
+              <a:rPr lang="fr-FR" smtClean="0"/>
+              <a:t>Modifiez le style du titre</a:t>
+            </a:r>
+            <a:endParaRPr lang="en-US" dirty="0"/>
+          </a:p>
+        </p:txBody>
+      </p:sp>
+      <p:sp>
+        <p:nvSpPr>
+          <p:cNvPr id="10" name="Text Placeholder 9"/>
+          <p:cNvSpPr>
+            <a:spLocks noGrp="1"/>
+          </p:cNvSpPr>
+          <p:nvPr>
+            <p:ph type="body" sz="quarter" idx="13"/>
+          </p:nvPr>
+        </p:nvSpPr>
+        <p:spPr>
+          <a:xfrm>
+            <a:off x="684212" y="3928534"/>
+            <a:ext cx="8534401" cy="1049866"/>
+          </a:xfrm>
+        </p:spPr>
+        <p:txBody>
+          <a:bodyPr vert="horz" lIns="91440" tIns="45720" rIns="91440" bIns="45720" rtlCol="0" anchor="b">
+            <a:normAutofit/>
+          </a:bodyPr>
+          <a:lstStyle>
+            <a:lvl1pPr>
+              <a:buNone/>
+              <a:defRPr lang="en-US" sz="2400" b="0" cap="all" dirty="0">
+                <a:ln w="3175" cmpd="sng">
+                  <a:noFill/>
+                </a:ln>
+                <a:solidFill>
+                  <a:schemeClr val="tx1"/>
+                </a:solidFill>
+                <a:effectLst/>
+              </a:defRPr>
+            </a:lvl1pPr>
+          </a:lstStyle>
+          <a:p>
+            <a:pPr marL="0" lvl="0">
+              <a:spcBef>
+                <a:spcPct val="0"/>
+              </a:spcBef>
+              <a:buNone/>
+            </a:pPr>
+            <a:r>
+              <a:rPr lang="fr-FR" smtClean="0"/>
+              <a:t>Modifiez les styles du texte du masque</a:t>
+            </a:r>
+          </a:p>
+        </p:txBody>
+      </p:sp>
+      <p:sp>
+        <p:nvSpPr>
+          <p:cNvPr id="3" name="Text Placeholder 2"/>
+          <p:cNvSpPr>
+            <a:spLocks noGrp="1"/>
+          </p:cNvSpPr>
+          <p:nvPr>
+            <p:ph type="body" idx="1"/>
+          </p:nvPr>
+        </p:nvSpPr>
+        <p:spPr>
+          <a:xfrm>
+            <a:off x="684211" y="4978400"/>
+            <a:ext cx="8534401" cy="1016000"/>
+          </a:xfrm>
+        </p:spPr>
+        <p:txBody>
+          <a:bodyPr anchor="t">
+            <a:normAutofit/>
+          </a:bodyPr>
+          <a:lstStyle>
+            <a:lvl1pPr marL="0" indent="0" algn="l">
+              <a:buNone/>
+              <a:defRPr sz="1800">
+                <a:solidFill>
+                  <a:schemeClr val="bg2">
+                    <a:lumMod val="75000"/>
+                  </a:schemeClr>
+                </a:solidFill>
+              </a:defRPr>
+            </a:lvl1pPr>
+            <a:lvl2pPr marL="457200" indent="0">
+              <a:buNone/>
+              <a:defRPr sz="1800">
+                <a:solidFill>
+                  <a:schemeClr val="tx1">
+                    <a:tint val="75000"/>
+                  </a:schemeClr>
+                </a:solidFill>
+              </a:defRPr>
+            </a:lvl2pPr>
+            <a:lvl3pPr marL="914400" indent="0">
+              <a:buNone/>
+              <a:defRPr sz="1600">
+                <a:solidFill>
+                  <a:schemeClr val="tx1">
+                    <a:tint val="75000"/>
+                  </a:schemeClr>
+                </a:solidFill>
+              </a:defRPr>
+            </a:lvl3pPr>
+            <a:lvl4pPr marL="1371600" indent="0">
+              <a:buNone/>
+              <a:defRPr sz="1400">
+                <a:solidFill>
+                  <a:schemeClr val="tx1">
+                    <a:tint val="75000"/>
+                  </a:schemeClr>
+                </a:solidFill>
+              </a:defRPr>
+            </a:lvl4pPr>
+            <a:lvl5pPr marL="1828800" indent="0">
+              <a:buNone/>
+              <a:defRPr sz="1400">
+                <a:solidFill>
+                  <a:schemeClr val="tx1">
+                    <a:tint val="75000"/>
+                  </a:schemeClr>
+                </a:solidFill>
+              </a:defRPr>
+            </a:lvl5pPr>
+            <a:lvl6pPr marL="2286000" indent="0">
+              <a:buNone/>
+              <a:defRPr sz="1400">
+                <a:solidFill>
+                  <a:schemeClr val="tx1">
+                    <a:tint val="75000"/>
+                  </a:schemeClr>
+                </a:solidFill>
+              </a:defRPr>
+            </a:lvl6pPr>
+            <a:lvl7pPr marL="2743200" indent="0">
+              <a:buNone/>
+              <a:defRPr sz="1400">
+                <a:solidFill>
+                  <a:schemeClr val="tx1">
+                    <a:tint val="75000"/>
+                  </a:schemeClr>
+                </a:solidFill>
+              </a:defRPr>
+            </a:lvl7pPr>
+            <a:lvl8pPr marL="3200400" indent="0">
+              <a:buNone/>
+              <a:defRPr sz="1400">
+                <a:solidFill>
+                  <a:schemeClr val="tx1">
+                    <a:tint val="75000"/>
+                  </a:schemeClr>
+                </a:solidFill>
+              </a:defRPr>
+            </a:lvl8pPr>
+            <a:lvl9pPr marL="3657600" indent="0">
+              <a:buNone/>
+              <a:defRPr sz="1400">
+                <a:solidFill>
+                  <a:schemeClr val="tx1">
+                    <a:tint val="75000"/>
+                  </a:schemeClr>
+                </a:solidFill>
+              </a:defRPr>
+            </a:lvl9pPr>
+          </a:lstStyle>
+          <a:p>
+            <a:pPr lvl="0"/>
+            <a:r>
+              <a:rPr lang="fr-FR" smtClean="0"/>
+              <a:t>Modifiez les styles du texte du masque</a:t>
+            </a:r>
+          </a:p>
+        </p:txBody>
+      </p:sp>
+      <p:sp>
+        <p:nvSpPr>
+          <p:cNvPr id="4" name="Date Placeholder 3"/>
+          <p:cNvSpPr>
+            <a:spLocks noGrp="1"/>
+          </p:cNvSpPr>
+          <p:nvPr>
+            <p:ph type="dt" sz="half" idx="10"/>
+          </p:nvPr>
+        </p:nvSpPr>
+        <p:spPr/>
+        <p:txBody>
+          <a:bodyPr/>
+          <a:lstStyle/>
+          <a:p>
+            <a:fld id="{8A00D3EF-0965-402A-B72E-7182F322F1EE}" type="datetimeFigureOut">
+              <a:rPr lang="fr-CH" smtClean="0"/>
+              <a:t>21.09.2020</a:t>
+            </a:fld>
+            <a:endParaRPr lang="fr-CH"/>
+          </a:p>
+        </p:txBody>
+      </p:sp>
+      <p:sp>
+        <p:nvSpPr>
+          <p:cNvPr id="5" name="Footer Placeholder 4"/>
+          <p:cNvSpPr>
+            <a:spLocks noGrp="1"/>
+          </p:cNvSpPr>
+          <p:nvPr>
+            <p:ph type="ftr" sz="quarter" idx="11"/>
+          </p:nvPr>
+        </p:nvSpPr>
+        <p:spPr/>
+        <p:txBody>
+          <a:bodyPr/>
+          <a:lstStyle/>
+          <a:p>
+            <a:endParaRPr lang="fr-CH"/>
+          </a:p>
+        </p:txBody>
+      </p:sp>
+      <p:sp>
+        <p:nvSpPr>
+          <p:cNvPr id="6" name="Slide Number Placeholder 5"/>
+          <p:cNvSpPr>
+            <a:spLocks noGrp="1"/>
+          </p:cNvSpPr>
+          <p:nvPr>
+            <p:ph type="sldNum" sz="quarter" idx="12"/>
+          </p:nvPr>
+        </p:nvSpPr>
+        <p:spPr/>
+        <p:txBody>
+          <a:bodyPr/>
+          <a:lstStyle/>
+          <a:p>
+            <a:fld id="{F52CAE7C-6018-4F2C-A45F-0275DC0CA69C}" type="slidenum">
+              <a:rPr lang="fr-CH" smtClean="0"/>
+              <a:t>‹N°›</a:t>
+            </a:fld>
+            <a:endParaRPr lang="fr-CH"/>
+          </a:p>
+        </p:txBody>
+      </p:sp>
+      <p:sp>
+        <p:nvSpPr>
+          <p:cNvPr id="11" name="TextBox 10"/>
+          <p:cNvSpPr txBox="1"/>
+          <p:nvPr/>
+        </p:nvSpPr>
+        <p:spPr>
+          <a:xfrm>
+            <a:off x="531812" y="812222"/>
+            <a:ext cx="609600" cy="584776"/>
+          </a:xfrm>
+          <a:prstGeom prst="rect">
+            <a:avLst/>
+          </a:prstGeom>
+        </p:spPr>
+        <p:txBody>
+          <a:bodyPr vert="horz" lIns="91440" tIns="45720" rIns="91440" bIns="45720" rtlCol="0" anchor="ctr">
+            <a:noAutofit/>
+          </a:bodyPr>
+          <a:lstStyle/>
+          <a:p>
+            <a:pPr lvl="0"/>
+            <a:r>
+              <a:rPr lang="en-US" sz="8000" dirty="0">
+                <a:solidFill>
+                  <a:schemeClr val="tx1"/>
+                </a:solidFill>
+                <a:effectLst/>
+              </a:rPr>
+              <a:t>“</a:t>
+            </a:r>
+          </a:p>
+        </p:txBody>
+      </p:sp>
+      <p:sp>
+        <p:nvSpPr>
+          <p:cNvPr id="12" name="TextBox 11"/>
+          <p:cNvSpPr txBox="1"/>
+          <p:nvPr/>
+        </p:nvSpPr>
+        <p:spPr>
+          <a:xfrm>
+            <a:off x="10285412" y="2768601"/>
+            <a:ext cx="609600" cy="584776"/>
+          </a:xfrm>
+          <a:prstGeom prst="rect">
+            <a:avLst/>
+          </a:prstGeom>
+        </p:spPr>
+        <p:txBody>
+          <a:bodyPr vert="horz" lIns="91440" tIns="45720" rIns="91440" bIns="45720" rtlCol="0" anchor="ctr">
+            <a:noAutofit/>
+          </a:bodyPr>
+          <a:lstStyle/>
+          <a:p>
+            <a:pPr lvl="0" algn="r"/>
+            <a:r>
+              <a:rPr lang="en-US" sz="8000" dirty="0">
+                <a:solidFill>
+                  <a:schemeClr val="tx1"/>
+                </a:solidFill>
+                <a:effectLst/>
+              </a:rPr>
+              <a:t>”</a:t>
+            </a:r>
+          </a:p>
+        </p:txBody>
+      </p:sp>
+    </p:spTree>
+    <p:extLst>
+      <p:ext uri="{BB962C8B-B14F-4D97-AF65-F5344CB8AC3E}">
+        <p14:creationId xmlns:p14="http://schemas.microsoft.com/office/powerpoint/2010/main" val="3998074645"/>
+      </p:ext>
+    </p:extLst>
+  </p:cSld>
+  <p:clrMapOvr>
+    <a:masterClrMapping/>
+  </p:clrMapOvr>
+</p:sldLayout>
+</file>
+
+<file path=ppt/slideLayouts/slideLayout15.xml><?xml version="1.0" encoding="utf-8"?>
+<p:sldLayout xmlns:a="http://schemas.openxmlformats.org/drawingml/2006/main" xmlns:r="http://schemas.openxmlformats.org/officeDocument/2006/relationships" xmlns:p="http://schemas.openxmlformats.org/presentationml/2006/main" preserve="1">
+  <p:cSld name="Vrai ou faux">
+    <p:spTree>
+      <p:nvGrpSpPr>
+        <p:cNvPr id="1" name=""/>
+        <p:cNvGrpSpPr/>
+        <p:nvPr/>
+      </p:nvGrpSpPr>
+      <p:grpSpPr>
+        <a:xfrm>
+          <a:off x="0" y="0"/>
+          <a:ext cx="0" cy="0"/>
+          <a:chOff x="0" y="0"/>
+          <a:chExt cx="0" cy="0"/>
+        </a:xfrm>
+      </p:grpSpPr>
+      <p:sp>
+        <p:nvSpPr>
+          <p:cNvPr id="2" name="Title 1"/>
+          <p:cNvSpPr>
+            <a:spLocks noGrp="1"/>
+          </p:cNvSpPr>
+          <p:nvPr>
+            <p:ph type="title"/>
+          </p:nvPr>
+        </p:nvSpPr>
+        <p:spPr>
+          <a:xfrm>
+            <a:off x="684213" y="685800"/>
+            <a:ext cx="10058400" cy="2743200"/>
+          </a:xfrm>
+        </p:spPr>
+        <p:txBody>
+          <a:bodyPr vert="horz" lIns="91440" tIns="45720" rIns="91440" bIns="45720" rtlCol="0" anchor="ctr">
+            <a:normAutofit/>
+          </a:bodyPr>
+          <a:lstStyle>
+            <a:lvl1pPr>
+              <a:defRPr lang="en-US" b="0" dirty="0"/>
+            </a:lvl1pPr>
+          </a:lstStyle>
+          <a:p>
+            <a:pPr marL="0" lvl="0"/>
+            <a:r>
+              <a:rPr lang="fr-FR" smtClean="0"/>
+              <a:t>Modifiez le style du titre</a:t>
+            </a:r>
+            <a:endParaRPr lang="en-US" dirty="0"/>
+          </a:p>
+        </p:txBody>
+      </p:sp>
+      <p:sp>
+        <p:nvSpPr>
+          <p:cNvPr id="10" name="Text Placeholder 9"/>
+          <p:cNvSpPr>
+            <a:spLocks noGrp="1"/>
+          </p:cNvSpPr>
+          <p:nvPr>
+            <p:ph type="body" sz="quarter" idx="13"/>
+          </p:nvPr>
+        </p:nvSpPr>
+        <p:spPr>
+          <a:xfrm>
+            <a:off x="684212" y="3928534"/>
+            <a:ext cx="8534400" cy="838200"/>
+          </a:xfrm>
+        </p:spPr>
+        <p:txBody>
+          <a:bodyPr vert="horz" lIns="91440" tIns="45720" rIns="91440" bIns="45720" rtlCol="0" anchor="b">
+            <a:normAutofit/>
+          </a:bodyPr>
+          <a:lstStyle>
+            <a:lvl1pPr>
+              <a:buNone/>
+              <a:defRPr lang="en-US" sz="2400" b="0" cap="all" dirty="0">
+                <a:ln w="3175" cmpd="sng">
+                  <a:noFill/>
+                </a:ln>
+                <a:solidFill>
+                  <a:schemeClr val="tx1"/>
+                </a:solidFill>
+                <a:effectLst/>
+              </a:defRPr>
+            </a:lvl1pPr>
+          </a:lstStyle>
+          <a:p>
+            <a:pPr marL="0" lvl="0">
+              <a:spcBef>
+                <a:spcPct val="0"/>
+              </a:spcBef>
+              <a:buNone/>
+            </a:pPr>
+            <a:r>
+              <a:rPr lang="fr-FR" smtClean="0"/>
+              <a:t>Modifiez les styles du texte du masque</a:t>
+            </a:r>
+          </a:p>
+        </p:txBody>
+      </p:sp>
+      <p:sp>
+        <p:nvSpPr>
+          <p:cNvPr id="3" name="Text Placeholder 2"/>
+          <p:cNvSpPr>
+            <a:spLocks noGrp="1"/>
+          </p:cNvSpPr>
+          <p:nvPr>
+            <p:ph type="body" idx="1"/>
+          </p:nvPr>
+        </p:nvSpPr>
+        <p:spPr>
+          <a:xfrm>
+            <a:off x="684211" y="4766732"/>
+            <a:ext cx="8534401" cy="1227667"/>
+          </a:xfrm>
+        </p:spPr>
+        <p:txBody>
+          <a:bodyPr anchor="t">
+            <a:normAutofit/>
+          </a:bodyPr>
+          <a:lstStyle>
+            <a:lvl1pPr marL="0" indent="0" algn="l">
+              <a:buNone/>
+              <a:defRPr sz="1800">
+                <a:solidFill>
+                  <a:schemeClr val="bg2">
+                    <a:lumMod val="75000"/>
+                  </a:schemeClr>
+                </a:solidFill>
+              </a:defRPr>
+            </a:lvl1pPr>
+            <a:lvl2pPr marL="457200" indent="0">
+              <a:buNone/>
+              <a:defRPr sz="1800">
+                <a:solidFill>
+                  <a:schemeClr val="tx1">
+                    <a:tint val="75000"/>
+                  </a:schemeClr>
+                </a:solidFill>
+              </a:defRPr>
+            </a:lvl2pPr>
+            <a:lvl3pPr marL="914400" indent="0">
+              <a:buNone/>
+              <a:defRPr sz="1600">
+                <a:solidFill>
+                  <a:schemeClr val="tx1">
+                    <a:tint val="75000"/>
+                  </a:schemeClr>
+                </a:solidFill>
+              </a:defRPr>
+            </a:lvl3pPr>
+            <a:lvl4pPr marL="1371600" indent="0">
+              <a:buNone/>
+              <a:defRPr sz="1400">
+                <a:solidFill>
+                  <a:schemeClr val="tx1">
+                    <a:tint val="75000"/>
+                  </a:schemeClr>
+                </a:solidFill>
+              </a:defRPr>
+            </a:lvl4pPr>
+            <a:lvl5pPr marL="1828800" indent="0">
+              <a:buNone/>
+              <a:defRPr sz="1400">
+                <a:solidFill>
+                  <a:schemeClr val="tx1">
+                    <a:tint val="75000"/>
+                  </a:schemeClr>
+                </a:solidFill>
+              </a:defRPr>
+            </a:lvl5pPr>
+            <a:lvl6pPr marL="2286000" indent="0">
+              <a:buNone/>
+              <a:defRPr sz="1400">
+                <a:solidFill>
+                  <a:schemeClr val="tx1">
+                    <a:tint val="75000"/>
+                  </a:schemeClr>
+                </a:solidFill>
+              </a:defRPr>
+            </a:lvl6pPr>
+            <a:lvl7pPr marL="2743200" indent="0">
+              <a:buNone/>
+              <a:defRPr sz="1400">
+                <a:solidFill>
+                  <a:schemeClr val="tx1">
+                    <a:tint val="75000"/>
+                  </a:schemeClr>
+                </a:solidFill>
+              </a:defRPr>
+            </a:lvl7pPr>
+            <a:lvl8pPr marL="3200400" indent="0">
+              <a:buNone/>
+              <a:defRPr sz="1400">
+                <a:solidFill>
+                  <a:schemeClr val="tx1">
+                    <a:tint val="75000"/>
+                  </a:schemeClr>
+                </a:solidFill>
+              </a:defRPr>
+            </a:lvl8pPr>
+            <a:lvl9pPr marL="3657600" indent="0">
+              <a:buNone/>
+              <a:defRPr sz="1400">
+                <a:solidFill>
+                  <a:schemeClr val="tx1">
+                    <a:tint val="75000"/>
+                  </a:schemeClr>
+                </a:solidFill>
+              </a:defRPr>
+            </a:lvl9pPr>
+          </a:lstStyle>
+          <a:p>
+            <a:pPr lvl="0"/>
+            <a:r>
+              <a:rPr lang="fr-FR" smtClean="0"/>
+              <a:t>Modifiez les styles du texte du masque</a:t>
+            </a:r>
+          </a:p>
+        </p:txBody>
+      </p:sp>
+      <p:sp>
+        <p:nvSpPr>
+          <p:cNvPr id="4" name="Date Placeholder 3"/>
+          <p:cNvSpPr>
+            <a:spLocks noGrp="1"/>
+          </p:cNvSpPr>
+          <p:nvPr>
+            <p:ph type="dt" sz="half" idx="10"/>
+          </p:nvPr>
+        </p:nvSpPr>
+        <p:spPr/>
+        <p:txBody>
+          <a:bodyPr/>
+          <a:lstStyle/>
+          <a:p>
+            <a:fld id="{8A00D3EF-0965-402A-B72E-7182F322F1EE}" type="datetimeFigureOut">
+              <a:rPr lang="fr-CH" smtClean="0"/>
+              <a:t>21.09.2020</a:t>
+            </a:fld>
+            <a:endParaRPr lang="fr-CH"/>
+          </a:p>
+        </p:txBody>
+      </p:sp>
+      <p:sp>
+        <p:nvSpPr>
+          <p:cNvPr id="5" name="Footer Placeholder 4"/>
+          <p:cNvSpPr>
+            <a:spLocks noGrp="1"/>
+          </p:cNvSpPr>
+          <p:nvPr>
+            <p:ph type="ftr" sz="quarter" idx="11"/>
+          </p:nvPr>
+        </p:nvSpPr>
+        <p:spPr/>
+        <p:txBody>
+          <a:bodyPr/>
+          <a:lstStyle/>
+          <a:p>
+            <a:endParaRPr lang="fr-CH"/>
+          </a:p>
+        </p:txBody>
+      </p:sp>
+      <p:sp>
+        <p:nvSpPr>
+          <p:cNvPr id="6" name="Slide Number Placeholder 5"/>
+          <p:cNvSpPr>
+            <a:spLocks noGrp="1"/>
+          </p:cNvSpPr>
+          <p:nvPr>
+            <p:ph type="sldNum" sz="quarter" idx="12"/>
+          </p:nvPr>
+        </p:nvSpPr>
+        <p:spPr/>
+        <p:txBody>
+          <a:bodyPr/>
+          <a:lstStyle/>
+          <a:p>
+            <a:fld id="{F52CAE7C-6018-4F2C-A45F-0275DC0CA69C}" type="slidenum">
+              <a:rPr lang="fr-CH" smtClean="0"/>
+              <a:t>‹N°›</a:t>
+            </a:fld>
+            <a:endParaRPr lang="fr-CH"/>
+          </a:p>
+        </p:txBody>
+      </p:sp>
+    </p:spTree>
+    <p:extLst>
+      <p:ext uri="{BB962C8B-B14F-4D97-AF65-F5344CB8AC3E}">
+        <p14:creationId xmlns:p14="http://schemas.microsoft.com/office/powerpoint/2010/main" val="2975557150"/>
+      </p:ext>
+    </p:extLst>
+  </p:cSld>
+  <p:clrMapOvr>
+    <a:masterClrMapping/>
+  </p:clrMapOvr>
+</p:sldLayout>
+</file>
+
+<file path=ppt/slideLayouts/slideLayout16.xml><?xml version="1.0" encoding="utf-8"?>
 <p:sldLayout xmlns:a="http://schemas.openxmlformats.org/drawingml/2006/main" xmlns:r="http://schemas.openxmlformats.org/officeDocument/2006/relationships" xmlns:p="http://schemas.openxmlformats.org/presentationml/2006/main" type="vertTx" preserve="1">
   <p:cSld name="Titre et texte vertical">
     <p:spTree>
@@ -980,18 +3004,91 @@
       </p:grpSpPr>
       <p:sp>
         <p:nvSpPr>
-          <p:cNvPr id="2" name="Titre 1">
-            <a:extLst>
-              <a:ext uri="{FF2B5EF4-FFF2-40B4-BE49-F238E27FC236}">
-                <a16:creationId xmlns:a16="http://schemas.microsoft.com/office/drawing/2014/main" id="{BDEBC094-9B12-4737-AE73-1B5038FA50B2}"/>
-              </a:ext>
-            </a:extLst>
-          </p:cNvPr>
+          <p:cNvPr id="2" name="Title 1"/>
           <p:cNvSpPr>
             <a:spLocks noGrp="1"/>
           </p:cNvSpPr>
           <p:nvPr>
             <p:ph type="title"/>
+          </p:nvPr>
+        </p:nvSpPr>
+        <p:spPr/>
+        <p:txBody>
+          <a:bodyPr/>
+          <a:lstStyle>
+            <a:lvl1pPr algn="l">
+              <a:defRPr/>
+            </a:lvl1pPr>
+          </a:lstStyle>
+          <a:p>
+            <a:r>
+              <a:rPr lang="fr-FR" smtClean="0"/>
+              <a:t>Modifiez le style du titre</a:t>
+            </a:r>
+            <a:endParaRPr lang="en-US" dirty="0"/>
+          </a:p>
+        </p:txBody>
+      </p:sp>
+      <p:sp>
+        <p:nvSpPr>
+          <p:cNvPr id="3" name="Vertical Text Placeholder 2"/>
+          <p:cNvSpPr>
+            <a:spLocks noGrp="1"/>
+          </p:cNvSpPr>
+          <p:nvPr>
+            <p:ph type="body" orient="vert" idx="1"/>
+          </p:nvPr>
+        </p:nvSpPr>
+        <p:spPr/>
+        <p:txBody>
+          <a:bodyPr vert="eaVert" anchor="t"/>
+          <a:lstStyle/>
+          <a:p>
+            <a:pPr lvl="0"/>
+            <a:r>
+              <a:rPr lang="fr-FR" smtClean="0"/>
+              <a:t>Modifiez les styles du texte du masque</a:t>
+            </a:r>
+          </a:p>
+          <a:p>
+            <a:pPr lvl="1"/>
+            <a:r>
+              <a:rPr lang="fr-FR" smtClean="0"/>
+              <a:t>Deuxième niveau</a:t>
+            </a:r>
+          </a:p>
+          <a:p>
+            <a:pPr lvl="2"/>
+            <a:r>
+              <a:rPr lang="fr-FR" smtClean="0"/>
+              <a:t>Troisième niveau</a:t>
+            </a:r>
+          </a:p>
+          <a:p>
+            <a:pPr lvl="3"/>
+            <a:r>
+              <a:rPr lang="fr-FR" smtClean="0"/>
+              <a:t>Quatrième niveau</a:t>
+            </a:r>
+          </a:p>
+          <a:p>
+            <a:pPr lvl="4"/>
+            <a:r>
+              <a:rPr lang="fr-FR" smtClean="0"/>
+              <a:t>Cinquième niveau</a:t>
+            </a:r>
+            <a:endParaRPr lang="en-US" dirty="0"/>
+          </a:p>
+        </p:txBody>
+      </p:sp>
+      <p:sp>
+        <p:nvSpPr>
+          <p:cNvPr id="4" name="Date Placeholder 3"/>
+          <p:cNvSpPr>
+            <a:spLocks noGrp="1"/>
+          </p:cNvSpPr>
+          <p:nvPr>
+            <p:ph type="dt" sz="half" idx="10"/>
           </p:nvPr>
         </p:nvSpPr>
         <p:spPr/>
@@ -999,86 +3096,22 @@
           <a:bodyPr/>
           <a:lstStyle/>
           <a:p>
-            <a:r>
-              <a:rPr lang="fr-FR"/>
-              <a:t>Modifiez le style du titre</a:t>
-            </a:r>
+            <a:fld id="{8A00D3EF-0965-402A-B72E-7182F322F1EE}" type="datetimeFigureOut">
+              <a:rPr lang="fr-CH" smtClean="0"/>
+              <a:t>21.09.2020</a:t>
+            </a:fld>
             <a:endParaRPr lang="fr-CH"/>
           </a:p>
         </p:txBody>
       </p:sp>
       <p:sp>
         <p:nvSpPr>
-          <p:cNvPr id="3" name="Espace réservé du texte vertical 2">
-            <a:extLst>
-              <a:ext uri="{FF2B5EF4-FFF2-40B4-BE49-F238E27FC236}">
-                <a16:creationId xmlns:a16="http://schemas.microsoft.com/office/drawing/2014/main" id="{ACCB82F3-6FB5-4B0B-A310-F7522D3AD387}"/>
-              </a:ext>
-            </a:extLst>
-          </p:cNvPr>
-          <p:cNvSpPr>
-            <a:spLocks noGrp="1"/>
-          </p:cNvSpPr>
-          <p:nvPr>
-            <p:ph type="body" orient="vert" idx="1"/>
-          </p:nvPr>
-        </p:nvSpPr>
-        <p:spPr/>
-        <p:txBody>
-          <a:bodyPr vert="eaVert"/>
-          <a:lstStyle/>
-          <a:p>
-            <a:pPr lvl="0"/>
-            <a:r>
-              <a:rPr lang="fr-FR"/>
-              <a:t>Cliquez pour modifier les styles du texte du masque</a:t>
-            </a:r>
-          </a:p>
-          <a:p>
-            <a:pPr lvl="1"/>
-            <a:r>
-              <a:rPr lang="fr-FR"/>
-              <a:t>Deuxième niveau</a:t>
-            </a:r>
-          </a:p>
-          <a:p>
-            <a:pPr lvl="2"/>
-            <a:r>
-              <a:rPr lang="fr-FR"/>
-              <a:t>Troisième niveau</a:t>
-            </a:r>
-          </a:p>
-          <a:p>
-            <a:pPr lvl="3"/>
-            <a:r>
-              <a:rPr lang="fr-FR"/>
-              <a:t>Quatrième niveau</a:t>
-            </a:r>
-          </a:p>
-          <a:p>
-            <a:pPr lvl="4"/>
-            <a:r>
-              <a:rPr lang="fr-FR"/>
-              <a:t>Cinquième niveau</a:t>
-            </a:r>
-            <a:endParaRPr lang="fr-CH"/>
-          </a:p>
-        </p:txBody>
-      </p:sp>
-      <p:sp>
-        <p:nvSpPr>
-          <p:cNvPr id="4" name="Espace réservé de la date 3">
-            <a:extLst>
-              <a:ext uri="{FF2B5EF4-FFF2-40B4-BE49-F238E27FC236}">
-                <a16:creationId xmlns:a16="http://schemas.microsoft.com/office/drawing/2014/main" id="{53730172-0B41-4C0F-AE31-8A636EAC86CE}"/>
-              </a:ext>
-            </a:extLst>
-          </p:cNvPr>
-          <p:cNvSpPr>
-            <a:spLocks noGrp="1"/>
-          </p:cNvSpPr>
-          <p:nvPr>
-            <p:ph type="dt" sz="half" idx="10"/>
+          <p:cNvPr id="5" name="Footer Placeholder 4"/>
+          <p:cNvSpPr>
+            <a:spLocks noGrp="1"/>
+          </p:cNvSpPr>
+          <p:nvPr>
+            <p:ph type="ftr" sz="quarter" idx="11"/>
           </p:nvPr>
         </p:nvSpPr>
         <p:spPr/>
@@ -1086,48 +3119,13 @@
           <a:bodyPr/>
           <a:lstStyle/>
           <a:p>
-            <a:fld id="{8A00D3EF-0965-402A-B72E-7182F322F1EE}" type="datetimeFigureOut">
-              <a:rPr lang="fr-CH" smtClean="0"/>
-              <a:t>19.09.2020</a:t>
-            </a:fld>
             <a:endParaRPr lang="fr-CH"/>
           </a:p>
         </p:txBody>
       </p:sp>
       <p:sp>
         <p:nvSpPr>
-          <p:cNvPr id="5" name="Espace réservé du pied de page 4">
-            <a:extLst>
-              <a:ext uri="{FF2B5EF4-FFF2-40B4-BE49-F238E27FC236}">
-                <a16:creationId xmlns:a16="http://schemas.microsoft.com/office/drawing/2014/main" id="{924CDBE9-2D8A-4958-B16B-28B2602AA53A}"/>
-              </a:ext>
-            </a:extLst>
-          </p:cNvPr>
-          <p:cNvSpPr>
-            <a:spLocks noGrp="1"/>
-          </p:cNvSpPr>
-          <p:nvPr>
-            <p:ph type="ftr" sz="quarter" idx="11"/>
-          </p:nvPr>
-        </p:nvSpPr>
-        <p:spPr/>
-        <p:txBody>
-          <a:bodyPr/>
-          <a:lstStyle/>
-          <a:p>
-            <a:endParaRPr lang="fr-CH"/>
-          </a:p>
-        </p:txBody>
-      </p:sp>
-      <p:sp>
-        <p:nvSpPr>
-          <p:cNvPr id="6" name="Espace réservé du numéro de diapositive 5">
-            <a:extLst>
-              <a:ext uri="{FF2B5EF4-FFF2-40B4-BE49-F238E27FC236}">
-                <a16:creationId xmlns:a16="http://schemas.microsoft.com/office/drawing/2014/main" id="{8C2BFEB4-E352-4613-B921-4C5EFC990989}"/>
-              </a:ext>
-            </a:extLst>
-          </p:cNvPr>
+          <p:cNvPr id="6" name="Slide Number Placeholder 5"/>
           <p:cNvSpPr>
             <a:spLocks noGrp="1"/>
           </p:cNvSpPr>
@@ -1151,7 +3149,7 @@
     </p:spTree>
     <p:extLst>
       <p:ext uri="{BB962C8B-B14F-4D97-AF65-F5344CB8AC3E}">
-        <p14:creationId xmlns:p14="http://schemas.microsoft.com/office/powerpoint/2010/main" val="243775581"/>
+        <p14:creationId xmlns:p14="http://schemas.microsoft.com/office/powerpoint/2010/main" val="869472777"/>
       </p:ext>
     </p:extLst>
   </p:cSld>
@@ -1161,7 +3159,7 @@
 </p:sldLayout>
 </file>
 
-<file path=ppt/slideLayouts/slideLayout11.xml><?xml version="1.0" encoding="utf-8"?>
+<file path=ppt/slideLayouts/slideLayout17.xml><?xml version="1.0" encoding="utf-8"?>
 <p:sldLayout xmlns:a="http://schemas.openxmlformats.org/drawingml/2006/main" xmlns:r="http://schemas.openxmlformats.org/officeDocument/2006/relationships" xmlns:p="http://schemas.openxmlformats.org/presentationml/2006/main" type="vertTitleAndTx" preserve="1">
   <p:cSld name="Titre vertical et texte">
     <p:spTree>
@@ -1180,13 +3178,7 @@
       </p:grpSpPr>
       <p:sp>
         <p:nvSpPr>
-          <p:cNvPr id="2" name="Titre vertical 1">
-            <a:extLst>
-              <a:ext uri="{FF2B5EF4-FFF2-40B4-BE49-F238E27FC236}">
-                <a16:creationId xmlns:a16="http://schemas.microsoft.com/office/drawing/2014/main" id="{0AA47BC5-3A0E-41DE-BBAE-0A3A9D3541D1}"/>
-              </a:ext>
-            </a:extLst>
-          </p:cNvPr>
+          <p:cNvPr id="2" name="Vertical Title 1"/>
           <p:cNvSpPr>
             <a:spLocks noGrp="1"/>
           </p:cNvSpPr>
@@ -1196,8 +3188,8 @@
         </p:nvSpPr>
         <p:spPr>
           <a:xfrm>
-            <a:off x="8724900" y="365125"/>
-            <a:ext cx="2628900" cy="5811838"/>
+            <a:off x="8685212" y="685800"/>
+            <a:ext cx="2057400" cy="4572000"/>
           </a:xfrm>
         </p:spPr>
         <p:txBody>
@@ -1205,22 +3197,16 @@
           <a:lstStyle/>
           <a:p>
             <a:r>
-              <a:rPr lang="fr-FR"/>
+              <a:rPr lang="fr-FR" smtClean="0"/>
               <a:t>Modifiez le style du titre</a:t>
             </a:r>
-            <a:endParaRPr lang="fr-CH"/>
-          </a:p>
-        </p:txBody>
-      </p:sp>
-      <p:sp>
-        <p:nvSpPr>
-          <p:cNvPr id="3" name="Espace réservé du texte vertical 2">
-            <a:extLst>
-              <a:ext uri="{FF2B5EF4-FFF2-40B4-BE49-F238E27FC236}">
-                <a16:creationId xmlns:a16="http://schemas.microsoft.com/office/drawing/2014/main" id="{193586B2-B882-4AF0-AA49-81C268AF5196}"/>
-              </a:ext>
-            </a:extLst>
-          </p:cNvPr>
+            <a:endParaRPr lang="en-US" dirty="0"/>
+          </a:p>
+        </p:txBody>
+      </p:sp>
+      <p:sp>
+        <p:nvSpPr>
+          <p:cNvPr id="3" name="Vertical Text Placeholder 2"/>
           <p:cNvSpPr>
             <a:spLocks noGrp="1"/>
           </p:cNvSpPr>
@@ -1230,60 +3216,54 @@
         </p:nvSpPr>
         <p:spPr>
           <a:xfrm>
-            <a:off x="838200" y="365125"/>
-            <a:ext cx="7734300" cy="5811838"/>
+            <a:off x="685800" y="685800"/>
+            <a:ext cx="7823200" cy="5308600"/>
           </a:xfrm>
         </p:spPr>
         <p:txBody>
-          <a:bodyPr vert="eaVert"/>
+          <a:bodyPr vert="eaVert" anchor="t"/>
           <a:lstStyle/>
           <a:p>
             <a:pPr lvl="0"/>
             <a:r>
-              <a:rPr lang="fr-FR"/>
-              <a:t>Cliquez pour modifier les styles du texte du masque</a:t>
+              <a:rPr lang="fr-FR" smtClean="0"/>
+              <a:t>Modifiez les styles du texte du masque</a:t>
             </a:r>
           </a:p>
           <a:p>
             <a:pPr lvl="1"/>
             <a:r>
-              <a:rPr lang="fr-FR"/>
+              <a:rPr lang="fr-FR" smtClean="0"/>
               <a:t>Deuxième niveau</a:t>
             </a:r>
           </a:p>
           <a:p>
             <a:pPr lvl="2"/>
             <a:r>
-              <a:rPr lang="fr-FR"/>
+              <a:rPr lang="fr-FR" smtClean="0"/>
               <a:t>Troisième niveau</a:t>
             </a:r>
           </a:p>
           <a:p>
             <a:pPr lvl="3"/>
             <a:r>
-              <a:rPr lang="fr-FR"/>
+              <a:rPr lang="fr-FR" smtClean="0"/>
               <a:t>Quatrième niveau</a:t>
             </a:r>
           </a:p>
           <a:p>
             <a:pPr lvl="4"/>
             <a:r>
-              <a:rPr lang="fr-FR"/>
+              <a:rPr lang="fr-FR" smtClean="0"/>
               <a:t>Cinquième niveau</a:t>
             </a:r>
-            <a:endParaRPr lang="fr-CH"/>
-          </a:p>
-        </p:txBody>
-      </p:sp>
-      <p:sp>
-        <p:nvSpPr>
-          <p:cNvPr id="4" name="Espace réservé de la date 3">
-            <a:extLst>
-              <a:ext uri="{FF2B5EF4-FFF2-40B4-BE49-F238E27FC236}">
-                <a16:creationId xmlns:a16="http://schemas.microsoft.com/office/drawing/2014/main" id="{4C91175D-96D3-4EBA-807F-F32DA6D562E4}"/>
-              </a:ext>
-            </a:extLst>
-          </p:cNvPr>
+            <a:endParaRPr lang="en-US" dirty="0"/>
+          </a:p>
+        </p:txBody>
+      </p:sp>
+      <p:sp>
+        <p:nvSpPr>
+          <p:cNvPr id="4" name="Date Placeholder 3"/>
           <p:cNvSpPr>
             <a:spLocks noGrp="1"/>
           </p:cNvSpPr>
@@ -1298,7 +3278,7 @@
           <a:p>
             <a:fld id="{8A00D3EF-0965-402A-B72E-7182F322F1EE}" type="datetimeFigureOut">
               <a:rPr lang="fr-CH" smtClean="0"/>
-              <a:t>19.09.2020</a:t>
+              <a:t>21.09.2020</a:t>
             </a:fld>
             <a:endParaRPr lang="fr-CH"/>
           </a:p>
@@ -1306,13 +3286,7 @@
       </p:sp>
       <p:sp>
         <p:nvSpPr>
-          <p:cNvPr id="5" name="Espace réservé du pied de page 4">
-            <a:extLst>
-              <a:ext uri="{FF2B5EF4-FFF2-40B4-BE49-F238E27FC236}">
-                <a16:creationId xmlns:a16="http://schemas.microsoft.com/office/drawing/2014/main" id="{C2291BA8-B752-4702-8425-34FCBE37BDD1}"/>
-              </a:ext>
-            </a:extLst>
-          </p:cNvPr>
+          <p:cNvPr id="5" name="Footer Placeholder 4"/>
           <p:cNvSpPr>
             <a:spLocks noGrp="1"/>
           </p:cNvSpPr>
@@ -1331,13 +3305,7 @@
       </p:sp>
       <p:sp>
         <p:nvSpPr>
-          <p:cNvPr id="6" name="Espace réservé du numéro de diapositive 5">
-            <a:extLst>
-              <a:ext uri="{FF2B5EF4-FFF2-40B4-BE49-F238E27FC236}">
-                <a16:creationId xmlns:a16="http://schemas.microsoft.com/office/drawing/2014/main" id="{6D1F17EC-9BF8-4DC6-BA8F-9B16BE64CEA6}"/>
-              </a:ext>
-            </a:extLst>
-          </p:cNvPr>
+          <p:cNvPr id="6" name="Slide Number Placeholder 5"/>
           <p:cNvSpPr>
             <a:spLocks noGrp="1"/>
           </p:cNvSpPr>
@@ -1361,7 +3329,7 @@
     </p:spTree>
     <p:extLst>
       <p:ext uri="{BB962C8B-B14F-4D97-AF65-F5344CB8AC3E}">
-        <p14:creationId xmlns:p14="http://schemas.microsoft.com/office/powerpoint/2010/main" val="1507575272"/>
+        <p14:creationId xmlns:p14="http://schemas.microsoft.com/office/powerpoint/2010/main" val="778460533"/>
       </p:ext>
     </p:extLst>
   </p:cSld>
@@ -1390,13 +3358,7 @@
       </p:grpSpPr>
       <p:sp>
         <p:nvSpPr>
-          <p:cNvPr id="2" name="Titre 1">
-            <a:extLst>
-              <a:ext uri="{FF2B5EF4-FFF2-40B4-BE49-F238E27FC236}">
-                <a16:creationId xmlns:a16="http://schemas.microsoft.com/office/drawing/2014/main" id="{03AF8A32-443C-4DCE-AD74-80644EF0B40D}"/>
-              </a:ext>
-            </a:extLst>
-          </p:cNvPr>
+          <p:cNvPr id="2" name="Title 1"/>
           <p:cNvSpPr>
             <a:spLocks noGrp="1"/>
           </p:cNvSpPr>
@@ -1410,27 +3372,73 @@
           <a:lstStyle/>
           <a:p>
             <a:r>
-              <a:rPr lang="fr-FR"/>
+              <a:rPr lang="fr-FR" smtClean="0"/>
               <a:t>Modifiez le style du titre</a:t>
             </a:r>
-            <a:endParaRPr lang="fr-CH"/>
-          </a:p>
-        </p:txBody>
-      </p:sp>
-      <p:sp>
-        <p:nvSpPr>
-          <p:cNvPr id="3" name="Espace réservé du contenu 2">
-            <a:extLst>
-              <a:ext uri="{FF2B5EF4-FFF2-40B4-BE49-F238E27FC236}">
-                <a16:creationId xmlns:a16="http://schemas.microsoft.com/office/drawing/2014/main" id="{34A283B2-039F-4C0E-8E1A-DE47BAF399CF}"/>
-              </a:ext>
-            </a:extLst>
-          </p:cNvPr>
+            <a:endParaRPr lang="en-US" dirty="0"/>
+          </a:p>
+        </p:txBody>
+      </p:sp>
+      <p:sp>
+        <p:nvSpPr>
+          <p:cNvPr id="3" name="Content Placeholder 2"/>
           <p:cNvSpPr>
             <a:spLocks noGrp="1"/>
           </p:cNvSpPr>
           <p:nvPr>
             <p:ph idx="1"/>
+          </p:nvPr>
+        </p:nvSpPr>
+        <p:spPr/>
+        <p:txBody>
+          <a:bodyPr anchor="ctr"/>
+          <a:lstStyle/>
+          <a:p>
+            <a:pPr lvl="0"/>
+            <a:r>
+              <a:rPr lang="fr-FR" smtClean="0"/>
+              <a:t>Modifiez les styles du texte du masque</a:t>
+            </a:r>
+          </a:p>
+          <a:p>
+            <a:pPr lvl="1"/>
+            <a:r>
+              <a:rPr lang="fr-FR" smtClean="0"/>
+              <a:t>Deuxième niveau</a:t>
+            </a:r>
+          </a:p>
+          <a:p>
+            <a:pPr lvl="2"/>
+            <a:r>
+              <a:rPr lang="fr-FR" smtClean="0"/>
+              <a:t>Troisième niveau</a:t>
+            </a:r>
+          </a:p>
+          <a:p>
+            <a:pPr lvl="3"/>
+            <a:r>
+              <a:rPr lang="fr-FR" smtClean="0"/>
+              <a:t>Quatrième niveau</a:t>
+            </a:r>
+          </a:p>
+          <a:p>
+            <a:pPr lvl="4"/>
+            <a:r>
+              <a:rPr lang="fr-FR" smtClean="0"/>
+              <a:t>Cinquième niveau</a:t>
+            </a:r>
+            <a:endParaRPr lang="en-US" dirty="0"/>
+          </a:p>
+        </p:txBody>
+      </p:sp>
+      <p:sp>
+        <p:nvSpPr>
+          <p:cNvPr id="4" name="Date Placeholder 3"/>
+          <p:cNvSpPr>
+            <a:spLocks noGrp="1"/>
+          </p:cNvSpPr>
+          <p:nvPr>
+            <p:ph type="dt" sz="half" idx="10"/>
           </p:nvPr>
         </p:nvSpPr>
         <p:spPr/>
@@ -1438,57 +3446,22 @@
           <a:bodyPr/>
           <a:lstStyle/>
           <a:p>
-            <a:pPr lvl="0"/>
-            <a:r>
-              <a:rPr lang="fr-FR"/>
-              <a:t>Cliquez pour modifier les styles du texte du masque</a:t>
-            </a:r>
-          </a:p>
-          <a:p>
-            <a:pPr lvl="1"/>
-            <a:r>
-              <a:rPr lang="fr-FR"/>
-              <a:t>Deuxième niveau</a:t>
-            </a:r>
-          </a:p>
-          <a:p>
-            <a:pPr lvl="2"/>
-            <a:r>
-              <a:rPr lang="fr-FR"/>
-              <a:t>Troisième niveau</a:t>
-            </a:r>
-          </a:p>
-          <a:p>
-            <a:pPr lvl="3"/>
-            <a:r>
-              <a:rPr lang="fr-FR"/>
-              <a:t>Quatrième niveau</a:t>
-            </a:r>
-          </a:p>
-          <a:p>
-            <a:pPr lvl="4"/>
-            <a:r>
-              <a:rPr lang="fr-FR"/>
-              <a:t>Cinquième niveau</a:t>
-            </a:r>
+            <a:fld id="{8A00D3EF-0965-402A-B72E-7182F322F1EE}" type="datetimeFigureOut">
+              <a:rPr lang="fr-CH" smtClean="0"/>
+              <a:t>21.09.2020</a:t>
+            </a:fld>
             <a:endParaRPr lang="fr-CH"/>
           </a:p>
         </p:txBody>
       </p:sp>
       <p:sp>
         <p:nvSpPr>
-          <p:cNvPr id="4" name="Espace réservé de la date 3">
-            <a:extLst>
-              <a:ext uri="{FF2B5EF4-FFF2-40B4-BE49-F238E27FC236}">
-                <a16:creationId xmlns:a16="http://schemas.microsoft.com/office/drawing/2014/main" id="{FB12BE9E-7567-45FE-89BD-79735E223D3E}"/>
-              </a:ext>
-            </a:extLst>
-          </p:cNvPr>
-          <p:cNvSpPr>
-            <a:spLocks noGrp="1"/>
-          </p:cNvSpPr>
-          <p:nvPr>
-            <p:ph type="dt" sz="half" idx="10"/>
+          <p:cNvPr id="5" name="Footer Placeholder 4"/>
+          <p:cNvSpPr>
+            <a:spLocks noGrp="1"/>
+          </p:cNvSpPr>
+          <p:nvPr>
+            <p:ph type="ftr" sz="quarter" idx="11"/>
           </p:nvPr>
         </p:nvSpPr>
         <p:spPr/>
@@ -1496,48 +3469,13 @@
           <a:bodyPr/>
           <a:lstStyle/>
           <a:p>
-            <a:fld id="{8A00D3EF-0965-402A-B72E-7182F322F1EE}" type="datetimeFigureOut">
-              <a:rPr lang="fr-CH" smtClean="0"/>
-              <a:t>19.09.2020</a:t>
-            </a:fld>
             <a:endParaRPr lang="fr-CH"/>
           </a:p>
         </p:txBody>
       </p:sp>
       <p:sp>
         <p:nvSpPr>
-          <p:cNvPr id="5" name="Espace réservé du pied de page 4">
-            <a:extLst>
-              <a:ext uri="{FF2B5EF4-FFF2-40B4-BE49-F238E27FC236}">
-                <a16:creationId xmlns:a16="http://schemas.microsoft.com/office/drawing/2014/main" id="{4022AC5D-6735-443B-B48C-EF5E0E6E903E}"/>
-              </a:ext>
-            </a:extLst>
-          </p:cNvPr>
-          <p:cNvSpPr>
-            <a:spLocks noGrp="1"/>
-          </p:cNvSpPr>
-          <p:nvPr>
-            <p:ph type="ftr" sz="quarter" idx="11"/>
-          </p:nvPr>
-        </p:nvSpPr>
-        <p:spPr/>
-        <p:txBody>
-          <a:bodyPr/>
-          <a:lstStyle/>
-          <a:p>
-            <a:endParaRPr lang="fr-CH"/>
-          </a:p>
-        </p:txBody>
-      </p:sp>
-      <p:sp>
-        <p:nvSpPr>
-          <p:cNvPr id="6" name="Espace réservé du numéro de diapositive 5">
-            <a:extLst>
-              <a:ext uri="{FF2B5EF4-FFF2-40B4-BE49-F238E27FC236}">
-                <a16:creationId xmlns:a16="http://schemas.microsoft.com/office/drawing/2014/main" id="{57E4674D-4CD0-4D36-9B30-DCC88C019E3B}"/>
-              </a:ext>
-            </a:extLst>
-          </p:cNvPr>
+          <p:cNvPr id="6" name="Slide Number Placeholder 5"/>
           <p:cNvSpPr>
             <a:spLocks noGrp="1"/>
           </p:cNvSpPr>
@@ -1561,7 +3499,7 @@
     </p:spTree>
     <p:extLst>
       <p:ext uri="{BB962C8B-B14F-4D97-AF65-F5344CB8AC3E}">
-        <p14:creationId xmlns:p14="http://schemas.microsoft.com/office/powerpoint/2010/main" val="251862873"/>
+        <p14:creationId xmlns:p14="http://schemas.microsoft.com/office/powerpoint/2010/main" val="3688244791"/>
       </p:ext>
     </p:extLst>
   </p:cSld>
@@ -1590,13 +3528,7 @@
       </p:grpSpPr>
       <p:sp>
         <p:nvSpPr>
-          <p:cNvPr id="2" name="Titre 1">
-            <a:extLst>
-              <a:ext uri="{FF2B5EF4-FFF2-40B4-BE49-F238E27FC236}">
-                <a16:creationId xmlns:a16="http://schemas.microsoft.com/office/drawing/2014/main" id="{169806F2-A127-42E9-A70C-BB0153B404AB}"/>
-              </a:ext>
-            </a:extLst>
-          </p:cNvPr>
+          <p:cNvPr id="2" name="Title 1"/>
           <p:cNvSpPr>
             <a:spLocks noGrp="1"/>
           </p:cNvSpPr>
@@ -1606,35 +3538,31 @@
         </p:nvSpPr>
         <p:spPr>
           <a:xfrm>
-            <a:off x="831850" y="1709738"/>
-            <a:ext cx="10515600" cy="2852737"/>
+            <a:off x="684211" y="2006600"/>
+            <a:ext cx="8534401" cy="2281600"/>
           </a:xfrm>
         </p:spPr>
         <p:txBody>
-          <a:bodyPr anchor="b"/>
+          <a:bodyPr anchor="b">
+            <a:normAutofit/>
+          </a:bodyPr>
           <a:lstStyle>
-            <a:lvl1pPr>
-              <a:defRPr sz="6000"/>
+            <a:lvl1pPr algn="l">
+              <a:defRPr sz="3600" b="0" cap="all"/>
             </a:lvl1pPr>
           </a:lstStyle>
           <a:p>
             <a:r>
-              <a:rPr lang="fr-FR"/>
+              <a:rPr lang="fr-FR" smtClean="0"/>
               <a:t>Modifiez le style du titre</a:t>
             </a:r>
-            <a:endParaRPr lang="fr-CH"/>
-          </a:p>
-        </p:txBody>
-      </p:sp>
-      <p:sp>
-        <p:nvSpPr>
-          <p:cNvPr id="3" name="Espace réservé du texte 2">
-            <a:extLst>
-              <a:ext uri="{FF2B5EF4-FFF2-40B4-BE49-F238E27FC236}">
-                <a16:creationId xmlns:a16="http://schemas.microsoft.com/office/drawing/2014/main" id="{8FAEECE6-B0F8-48A3-BAD0-D1DD8737C07D}"/>
-              </a:ext>
-            </a:extLst>
-          </p:cNvPr>
+            <a:endParaRPr lang="en-US" dirty="0"/>
+          </a:p>
+        </p:txBody>
+      </p:sp>
+      <p:sp>
+        <p:nvSpPr>
+          <p:cNvPr id="3" name="Text Placeholder 2"/>
           <p:cNvSpPr>
             <a:spLocks noGrp="1"/>
           </p:cNvSpPr>
@@ -1644,122 +3572,118 @@
         </p:nvSpPr>
         <p:spPr>
           <a:xfrm>
-            <a:off x="831850" y="4589463"/>
-            <a:ext cx="10515600" cy="1500187"/>
+            <a:off x="684213" y="4495800"/>
+            <a:ext cx="8534400" cy="1498600"/>
           </a:xfrm>
         </p:spPr>
         <p:txBody>
-          <a:bodyPr/>
+          <a:bodyPr anchor="t">
+            <a:normAutofit/>
+          </a:bodyPr>
           <a:lstStyle>
-            <a:lvl1pPr marL="0" indent="0">
-              <a:buNone/>
-              <a:defRPr sz="2400">
+            <a:lvl1pPr marL="0" indent="0" algn="l">
+              <a:buNone/>
+              <a:defRPr sz="1800">
+                <a:solidFill>
+                  <a:schemeClr val="bg2">
+                    <a:lumMod val="75000"/>
+                  </a:schemeClr>
+                </a:solidFill>
+              </a:defRPr>
+            </a:lvl1pPr>
+            <a:lvl2pPr marL="457200" indent="0">
+              <a:buNone/>
+              <a:defRPr sz="1800">
                 <a:solidFill>
                   <a:schemeClr val="tx1">
                     <a:tint val="75000"/>
                   </a:schemeClr>
                 </a:solidFill>
               </a:defRPr>
-            </a:lvl1pPr>
-            <a:lvl2pPr marL="457200" indent="0">
-              <a:buNone/>
-              <a:defRPr sz="2000">
+            </a:lvl2pPr>
+            <a:lvl3pPr marL="914400" indent="0">
+              <a:buNone/>
+              <a:defRPr sz="1600">
                 <a:solidFill>
                   <a:schemeClr val="tx1">
                     <a:tint val="75000"/>
                   </a:schemeClr>
                 </a:solidFill>
               </a:defRPr>
-            </a:lvl2pPr>
-            <a:lvl3pPr marL="914400" indent="0">
-              <a:buNone/>
-              <a:defRPr sz="1800">
+            </a:lvl3pPr>
+            <a:lvl4pPr marL="1371600" indent="0">
+              <a:buNone/>
+              <a:defRPr sz="1400">
                 <a:solidFill>
                   <a:schemeClr val="tx1">
                     <a:tint val="75000"/>
                   </a:schemeClr>
                 </a:solidFill>
               </a:defRPr>
-            </a:lvl3pPr>
-            <a:lvl4pPr marL="1371600" indent="0">
-              <a:buNone/>
-              <a:defRPr sz="1600">
+            </a:lvl4pPr>
+            <a:lvl5pPr marL="1828800" indent="0">
+              <a:buNone/>
+              <a:defRPr sz="1400">
                 <a:solidFill>
                   <a:schemeClr val="tx1">
                     <a:tint val="75000"/>
                   </a:schemeClr>
                 </a:solidFill>
               </a:defRPr>
-            </a:lvl4pPr>
-            <a:lvl5pPr marL="1828800" indent="0">
-              <a:buNone/>
-              <a:defRPr sz="1600">
+            </a:lvl5pPr>
+            <a:lvl6pPr marL="2286000" indent="0">
+              <a:buNone/>
+              <a:defRPr sz="1400">
                 <a:solidFill>
                   <a:schemeClr val="tx1">
                     <a:tint val="75000"/>
                   </a:schemeClr>
                 </a:solidFill>
               </a:defRPr>
-            </a:lvl5pPr>
-            <a:lvl6pPr marL="2286000" indent="0">
-              <a:buNone/>
-              <a:defRPr sz="1600">
+            </a:lvl6pPr>
+            <a:lvl7pPr marL="2743200" indent="0">
+              <a:buNone/>
+              <a:defRPr sz="1400">
                 <a:solidFill>
                   <a:schemeClr val="tx1">
                     <a:tint val="75000"/>
                   </a:schemeClr>
                 </a:solidFill>
               </a:defRPr>
-            </a:lvl6pPr>
-            <a:lvl7pPr marL="2743200" indent="0">
-              <a:buNone/>
-              <a:defRPr sz="1600">
+            </a:lvl7pPr>
+            <a:lvl8pPr marL="3200400" indent="0">
+              <a:buNone/>
+              <a:defRPr sz="1400">
                 <a:solidFill>
                   <a:schemeClr val="tx1">
                     <a:tint val="75000"/>
                   </a:schemeClr>
                 </a:solidFill>
               </a:defRPr>
-            </a:lvl7pPr>
-            <a:lvl8pPr marL="3200400" indent="0">
-              <a:buNone/>
-              <a:defRPr sz="1600">
+            </a:lvl8pPr>
+            <a:lvl9pPr marL="3657600" indent="0">
+              <a:buNone/>
+              <a:defRPr sz="1400">
                 <a:solidFill>
                   <a:schemeClr val="tx1">
                     <a:tint val="75000"/>
                   </a:schemeClr>
                 </a:solidFill>
               </a:defRPr>
-            </a:lvl8pPr>
-            <a:lvl9pPr marL="3657600" indent="0">
-              <a:buNone/>
-              <a:defRPr sz="1600">
-                <a:solidFill>
-                  <a:schemeClr val="tx1">
-                    <a:tint val="75000"/>
-                  </a:schemeClr>
-                </a:solidFill>
-              </a:defRPr>
             </a:lvl9pPr>
           </a:lstStyle>
           <a:p>
             <a:pPr lvl="0"/>
             <a:r>
-              <a:rPr lang="fr-FR"/>
-              <a:t>Cliquez pour modifier les styles du texte du masque</a:t>
-            </a:r>
-          </a:p>
-        </p:txBody>
-      </p:sp>
-      <p:sp>
-        <p:nvSpPr>
-          <p:cNvPr id="4" name="Espace réservé de la date 3">
-            <a:extLst>
-              <a:ext uri="{FF2B5EF4-FFF2-40B4-BE49-F238E27FC236}">
-                <a16:creationId xmlns:a16="http://schemas.microsoft.com/office/drawing/2014/main" id="{74D3A5A9-C931-4C4E-921A-5A90224937EA}"/>
-              </a:ext>
-            </a:extLst>
-          </p:cNvPr>
+              <a:rPr lang="fr-FR" smtClean="0"/>
+              <a:t>Modifiez les styles du texte du masque</a:t>
+            </a:r>
+          </a:p>
+        </p:txBody>
+      </p:sp>
+      <p:sp>
+        <p:nvSpPr>
+          <p:cNvPr id="4" name="Date Placeholder 3"/>
           <p:cNvSpPr>
             <a:spLocks noGrp="1"/>
           </p:cNvSpPr>
@@ -1774,7 +3698,7 @@
           <a:p>
             <a:fld id="{8A00D3EF-0965-402A-B72E-7182F322F1EE}" type="datetimeFigureOut">
               <a:rPr lang="fr-CH" smtClean="0"/>
-              <a:t>19.09.2020</a:t>
+              <a:t>21.09.2020</a:t>
             </a:fld>
             <a:endParaRPr lang="fr-CH"/>
           </a:p>
@@ -1782,13 +3706,7 @@
       </p:sp>
       <p:sp>
         <p:nvSpPr>
-          <p:cNvPr id="5" name="Espace réservé du pied de page 4">
-            <a:extLst>
-              <a:ext uri="{FF2B5EF4-FFF2-40B4-BE49-F238E27FC236}">
-                <a16:creationId xmlns:a16="http://schemas.microsoft.com/office/drawing/2014/main" id="{45466B38-9D03-45E4-9E00-AB71AB2956AA}"/>
-              </a:ext>
-            </a:extLst>
-          </p:cNvPr>
+          <p:cNvPr id="5" name="Footer Placeholder 4"/>
           <p:cNvSpPr>
             <a:spLocks noGrp="1"/>
           </p:cNvSpPr>
@@ -1807,13 +3725,7 @@
       </p:sp>
       <p:sp>
         <p:nvSpPr>
-          <p:cNvPr id="6" name="Espace réservé du numéro de diapositive 5">
-            <a:extLst>
-              <a:ext uri="{FF2B5EF4-FFF2-40B4-BE49-F238E27FC236}">
-                <a16:creationId xmlns:a16="http://schemas.microsoft.com/office/drawing/2014/main" id="{4A4CF35D-066E-4790-A76E-62B571E43E3D}"/>
-              </a:ext>
-            </a:extLst>
-          </p:cNvPr>
+          <p:cNvPr id="6" name="Slide Number Placeholder 5"/>
           <p:cNvSpPr>
             <a:spLocks noGrp="1"/>
           </p:cNvSpPr>
@@ -1837,7 +3749,7 @@
     </p:spTree>
     <p:extLst>
       <p:ext uri="{BB962C8B-B14F-4D97-AF65-F5344CB8AC3E}">
-        <p14:creationId xmlns:p14="http://schemas.microsoft.com/office/powerpoint/2010/main" val="873784671"/>
+        <p14:creationId xmlns:p14="http://schemas.microsoft.com/office/powerpoint/2010/main" val="2548951878"/>
       </p:ext>
     </p:extLst>
   </p:cSld>
@@ -1866,13 +3778,7 @@
       </p:grpSpPr>
       <p:sp>
         <p:nvSpPr>
-          <p:cNvPr id="2" name="Titre 1">
-            <a:extLst>
-              <a:ext uri="{FF2B5EF4-FFF2-40B4-BE49-F238E27FC236}">
-                <a16:creationId xmlns:a16="http://schemas.microsoft.com/office/drawing/2014/main" id="{5AEEF365-FACE-4458-89AA-5A740AF0EE34}"/>
-              </a:ext>
-            </a:extLst>
-          </p:cNvPr>
+          <p:cNvPr id="2" name="Title 1"/>
           <p:cNvSpPr>
             <a:spLocks noGrp="1"/>
           </p:cNvSpPr>
@@ -1886,22 +3792,16 @@
           <a:lstStyle/>
           <a:p>
             <a:r>
-              <a:rPr lang="fr-FR"/>
+              <a:rPr lang="fr-FR" smtClean="0"/>
               <a:t>Modifiez le style du titre</a:t>
             </a:r>
-            <a:endParaRPr lang="fr-CH"/>
-          </a:p>
-        </p:txBody>
-      </p:sp>
-      <p:sp>
-        <p:nvSpPr>
-          <p:cNvPr id="3" name="Espace réservé du contenu 2">
-            <a:extLst>
-              <a:ext uri="{FF2B5EF4-FFF2-40B4-BE49-F238E27FC236}">
-                <a16:creationId xmlns:a16="http://schemas.microsoft.com/office/drawing/2014/main" id="{81594EB3-CEAB-4F7A-A948-2845C4BF551A}"/>
-              </a:ext>
-            </a:extLst>
-          </p:cNvPr>
+            <a:endParaRPr lang="en-US" dirty="0"/>
+          </a:p>
+        </p:txBody>
+      </p:sp>
+      <p:sp>
+        <p:nvSpPr>
+          <p:cNvPr id="3" name="Content Placeholder 2"/>
           <p:cNvSpPr>
             <a:spLocks noGrp="1"/>
           </p:cNvSpPr>
@@ -1911,177 +3811,157 @@
         </p:nvSpPr>
         <p:spPr>
           <a:xfrm>
-            <a:off x="838200" y="1825625"/>
-            <a:ext cx="5181600" cy="4351338"/>
+            <a:off x="684211" y="685800"/>
+            <a:ext cx="4937655" cy="3615267"/>
           </a:xfrm>
         </p:spPr>
         <p:txBody>
+          <a:bodyPr>
+            <a:normAutofit/>
+          </a:bodyPr>
+          <a:lstStyle/>
+          <a:p>
+            <a:pPr lvl="0"/>
+            <a:r>
+              <a:rPr lang="fr-FR" smtClean="0"/>
+              <a:t>Modifiez les styles du texte du masque</a:t>
+            </a:r>
+          </a:p>
+          <a:p>
+            <a:pPr lvl="1"/>
+            <a:r>
+              <a:rPr lang="fr-FR" smtClean="0"/>
+              <a:t>Deuxième niveau</a:t>
+            </a:r>
+          </a:p>
+          <a:p>
+            <a:pPr lvl="2"/>
+            <a:r>
+              <a:rPr lang="fr-FR" smtClean="0"/>
+              <a:t>Troisième niveau</a:t>
+            </a:r>
+          </a:p>
+          <a:p>
+            <a:pPr lvl="3"/>
+            <a:r>
+              <a:rPr lang="fr-FR" smtClean="0"/>
+              <a:t>Quatrième niveau</a:t>
+            </a:r>
+          </a:p>
+          <a:p>
+            <a:pPr lvl="4"/>
+            <a:r>
+              <a:rPr lang="fr-FR" smtClean="0"/>
+              <a:t>Cinquième niveau</a:t>
+            </a:r>
+            <a:endParaRPr lang="en-US" dirty="0"/>
+          </a:p>
+        </p:txBody>
+      </p:sp>
+      <p:sp>
+        <p:nvSpPr>
+          <p:cNvPr id="4" name="Content Placeholder 3"/>
+          <p:cNvSpPr>
+            <a:spLocks noGrp="1"/>
+          </p:cNvSpPr>
+          <p:nvPr>
+            <p:ph sz="half" idx="2"/>
+          </p:nvPr>
+        </p:nvSpPr>
+        <p:spPr>
+          <a:xfrm>
+            <a:off x="5808133" y="685801"/>
+            <a:ext cx="4934479" cy="3615266"/>
+          </a:xfrm>
+        </p:spPr>
+        <p:txBody>
+          <a:bodyPr>
+            <a:normAutofit/>
+          </a:bodyPr>
+          <a:lstStyle/>
+          <a:p>
+            <a:pPr lvl="0"/>
+            <a:r>
+              <a:rPr lang="fr-FR" smtClean="0"/>
+              <a:t>Modifiez les styles du texte du masque</a:t>
+            </a:r>
+          </a:p>
+          <a:p>
+            <a:pPr lvl="1"/>
+            <a:r>
+              <a:rPr lang="fr-FR" smtClean="0"/>
+              <a:t>Deuxième niveau</a:t>
+            </a:r>
+          </a:p>
+          <a:p>
+            <a:pPr lvl="2"/>
+            <a:r>
+              <a:rPr lang="fr-FR" smtClean="0"/>
+              <a:t>Troisième niveau</a:t>
+            </a:r>
+          </a:p>
+          <a:p>
+            <a:pPr lvl="3"/>
+            <a:r>
+              <a:rPr lang="fr-FR" smtClean="0"/>
+              <a:t>Quatrième niveau</a:t>
+            </a:r>
+          </a:p>
+          <a:p>
+            <a:pPr lvl="4"/>
+            <a:r>
+              <a:rPr lang="fr-FR" smtClean="0"/>
+              <a:t>Cinquième niveau</a:t>
+            </a:r>
+            <a:endParaRPr lang="en-US" dirty="0"/>
+          </a:p>
+        </p:txBody>
+      </p:sp>
+      <p:sp>
+        <p:nvSpPr>
+          <p:cNvPr id="5" name="Date Placeholder 4"/>
+          <p:cNvSpPr>
+            <a:spLocks noGrp="1"/>
+          </p:cNvSpPr>
+          <p:nvPr>
+            <p:ph type="dt" sz="half" idx="10"/>
+          </p:nvPr>
+        </p:nvSpPr>
+        <p:spPr/>
+        <p:txBody>
           <a:bodyPr/>
           <a:lstStyle/>
           <a:p>
-            <a:pPr lvl="0"/>
-            <a:r>
-              <a:rPr lang="fr-FR"/>
-              <a:t>Cliquez pour modifier les styles du texte du masque</a:t>
-            </a:r>
-          </a:p>
-          <a:p>
-            <a:pPr lvl="1"/>
-            <a:r>
-              <a:rPr lang="fr-FR"/>
-              <a:t>Deuxième niveau</a:t>
-            </a:r>
-          </a:p>
-          <a:p>
-            <a:pPr lvl="2"/>
-            <a:r>
-              <a:rPr lang="fr-FR"/>
-              <a:t>Troisième niveau</a:t>
-            </a:r>
-          </a:p>
-          <a:p>
-            <a:pPr lvl="3"/>
-            <a:r>
-              <a:rPr lang="fr-FR"/>
-              <a:t>Quatrième niveau</a:t>
-            </a:r>
-          </a:p>
-          <a:p>
-            <a:pPr lvl="4"/>
-            <a:r>
-              <a:rPr lang="fr-FR"/>
-              <a:t>Cinquième niveau</a:t>
-            </a:r>
+            <a:fld id="{8A00D3EF-0965-402A-B72E-7182F322F1EE}" type="datetimeFigureOut">
+              <a:rPr lang="fr-CH" smtClean="0"/>
+              <a:t>21.09.2020</a:t>
+            </a:fld>
             <a:endParaRPr lang="fr-CH"/>
           </a:p>
         </p:txBody>
       </p:sp>
       <p:sp>
         <p:nvSpPr>
-          <p:cNvPr id="4" name="Espace réservé du contenu 3">
-            <a:extLst>
-              <a:ext uri="{FF2B5EF4-FFF2-40B4-BE49-F238E27FC236}">
-                <a16:creationId xmlns:a16="http://schemas.microsoft.com/office/drawing/2014/main" id="{99F1546E-CD7D-47B0-BB85-18A575EAC8F8}"/>
-              </a:ext>
-            </a:extLst>
-          </p:cNvPr>
-          <p:cNvSpPr>
-            <a:spLocks noGrp="1"/>
-          </p:cNvSpPr>
-          <p:nvPr>
-            <p:ph sz="half" idx="2"/>
-          </p:nvPr>
-        </p:nvSpPr>
-        <p:spPr>
-          <a:xfrm>
-            <a:off x="6172200" y="1825625"/>
-            <a:ext cx="5181600" cy="4351338"/>
-          </a:xfrm>
-        </p:spPr>
+          <p:cNvPr id="6" name="Footer Placeholder 5"/>
+          <p:cNvSpPr>
+            <a:spLocks noGrp="1"/>
+          </p:cNvSpPr>
+          <p:nvPr>
+            <p:ph type="ftr" sz="quarter" idx="11"/>
+          </p:nvPr>
+        </p:nvSpPr>
+        <p:spPr/>
         <p:txBody>
           <a:bodyPr/>
           <a:lstStyle/>
           <a:p>
-            <a:pPr lvl="0"/>
-            <a:r>
-              <a:rPr lang="fr-FR"/>
-              <a:t>Cliquez pour modifier les styles du texte du masque</a:t>
-            </a:r>
-          </a:p>
-          <a:p>
-            <a:pPr lvl="1"/>
-            <a:r>
-              <a:rPr lang="fr-FR"/>
-              <a:t>Deuxième niveau</a:t>
-            </a:r>
-          </a:p>
-          <a:p>
-            <a:pPr lvl="2"/>
-            <a:r>
-              <a:rPr lang="fr-FR"/>
-              <a:t>Troisième niveau</a:t>
-            </a:r>
-          </a:p>
-          <a:p>
-            <a:pPr lvl="3"/>
-            <a:r>
-              <a:rPr lang="fr-FR"/>
-              <a:t>Quatrième niveau</a:t>
-            </a:r>
-          </a:p>
-          <a:p>
-            <a:pPr lvl="4"/>
-            <a:r>
-              <a:rPr lang="fr-FR"/>
-              <a:t>Cinquième niveau</a:t>
-            </a:r>
             <a:endParaRPr lang="fr-CH"/>
           </a:p>
         </p:txBody>
       </p:sp>
       <p:sp>
         <p:nvSpPr>
-          <p:cNvPr id="5" name="Espace réservé de la date 4">
-            <a:extLst>
-              <a:ext uri="{FF2B5EF4-FFF2-40B4-BE49-F238E27FC236}">
-                <a16:creationId xmlns:a16="http://schemas.microsoft.com/office/drawing/2014/main" id="{053723A4-172A-4920-9E49-F419B16C9230}"/>
-              </a:ext>
-            </a:extLst>
-          </p:cNvPr>
-          <p:cNvSpPr>
-            <a:spLocks noGrp="1"/>
-          </p:cNvSpPr>
-          <p:nvPr>
-            <p:ph type="dt" sz="half" idx="10"/>
-          </p:nvPr>
-        </p:nvSpPr>
-        <p:spPr/>
-        <p:txBody>
-          <a:bodyPr/>
-          <a:lstStyle/>
-          <a:p>
-            <a:fld id="{8A00D3EF-0965-402A-B72E-7182F322F1EE}" type="datetimeFigureOut">
-              <a:rPr lang="fr-CH" smtClean="0"/>
-              <a:t>19.09.2020</a:t>
-            </a:fld>
-            <a:endParaRPr lang="fr-CH"/>
-          </a:p>
-        </p:txBody>
-      </p:sp>
-      <p:sp>
-        <p:nvSpPr>
-          <p:cNvPr id="6" name="Espace réservé du pied de page 5">
-            <a:extLst>
-              <a:ext uri="{FF2B5EF4-FFF2-40B4-BE49-F238E27FC236}">
-                <a16:creationId xmlns:a16="http://schemas.microsoft.com/office/drawing/2014/main" id="{9AF9C5B6-CA9E-45CE-8DC7-AB97CC4E69E2}"/>
-              </a:ext>
-            </a:extLst>
-          </p:cNvPr>
-          <p:cNvSpPr>
-            <a:spLocks noGrp="1"/>
-          </p:cNvSpPr>
-          <p:nvPr>
-            <p:ph type="ftr" sz="quarter" idx="11"/>
-          </p:nvPr>
-        </p:nvSpPr>
-        <p:spPr/>
-        <p:txBody>
-          <a:bodyPr/>
-          <a:lstStyle/>
-          <a:p>
-            <a:endParaRPr lang="fr-CH"/>
-          </a:p>
-        </p:txBody>
-      </p:sp>
-      <p:sp>
-        <p:nvSpPr>
-          <p:cNvPr id="7" name="Espace réservé du numéro de diapositive 6">
-            <a:extLst>
-              <a:ext uri="{FF2B5EF4-FFF2-40B4-BE49-F238E27FC236}">
-                <a16:creationId xmlns:a16="http://schemas.microsoft.com/office/drawing/2014/main" id="{4CBDEF39-6445-4DD0-9DDB-10B1879B9EB5}"/>
-              </a:ext>
-            </a:extLst>
-          </p:cNvPr>
+          <p:cNvPr id="7" name="Slide Number Placeholder 6"/>
           <p:cNvSpPr>
             <a:spLocks noGrp="1"/>
           </p:cNvSpPr>
@@ -2105,7 +3985,7 @@
     </p:spTree>
     <p:extLst>
       <p:ext uri="{BB962C8B-B14F-4D97-AF65-F5344CB8AC3E}">
-        <p14:creationId xmlns:p14="http://schemas.microsoft.com/office/powerpoint/2010/main" val="916499713"/>
+        <p14:creationId xmlns:p14="http://schemas.microsoft.com/office/powerpoint/2010/main" val="1593138468"/>
       </p:ext>
     </p:extLst>
   </p:cSld>
@@ -2134,66 +4014,59 @@
       </p:grpSpPr>
       <p:sp>
         <p:nvSpPr>
-          <p:cNvPr id="2" name="Titre 1">
-            <a:extLst>
-              <a:ext uri="{FF2B5EF4-FFF2-40B4-BE49-F238E27FC236}">
-                <a16:creationId xmlns:a16="http://schemas.microsoft.com/office/drawing/2014/main" id="{D4FE6CD5-15A9-426A-9C6C-82372E06D097}"/>
-              </a:ext>
-            </a:extLst>
-          </p:cNvPr>
+          <p:cNvPr id="2" name="Title 1"/>
           <p:cNvSpPr>
             <a:spLocks noGrp="1"/>
           </p:cNvSpPr>
           <p:nvPr>
             <p:ph type="title"/>
+          </p:nvPr>
+        </p:nvSpPr>
+        <p:spPr/>
+        <p:txBody>
+          <a:bodyPr/>
+          <a:lstStyle>
+            <a:lvl1pPr>
+              <a:defRPr/>
+            </a:lvl1pPr>
+          </a:lstStyle>
+          <a:p>
+            <a:r>
+              <a:rPr lang="fr-FR" smtClean="0"/>
+              <a:t>Modifiez le style du titre</a:t>
+            </a:r>
+            <a:endParaRPr lang="en-US" dirty="0"/>
+          </a:p>
+        </p:txBody>
+      </p:sp>
+      <p:sp>
+        <p:nvSpPr>
+          <p:cNvPr id="3" name="Text Placeholder 2"/>
+          <p:cNvSpPr>
+            <a:spLocks noGrp="1"/>
+          </p:cNvSpPr>
+          <p:nvPr>
+            <p:ph type="body" idx="1"/>
           </p:nvPr>
         </p:nvSpPr>
         <p:spPr>
           <a:xfrm>
-            <a:off x="839788" y="365125"/>
-            <a:ext cx="10515600" cy="1325563"/>
+            <a:off x="972080" y="685800"/>
+            <a:ext cx="4649787" cy="576262"/>
           </a:xfrm>
         </p:spPr>
         <p:txBody>
-          <a:bodyPr/>
-          <a:lstStyle/>
-          <a:p>
-            <a:r>
-              <a:rPr lang="fr-FR"/>
-              <a:t>Modifiez le style du titre</a:t>
-            </a:r>
-            <a:endParaRPr lang="fr-CH"/>
-          </a:p>
-        </p:txBody>
-      </p:sp>
-      <p:sp>
-        <p:nvSpPr>
-          <p:cNvPr id="3" name="Espace réservé du texte 2">
-            <a:extLst>
-              <a:ext uri="{FF2B5EF4-FFF2-40B4-BE49-F238E27FC236}">
-                <a16:creationId xmlns:a16="http://schemas.microsoft.com/office/drawing/2014/main" id="{98C2642F-29FD-4B4A-AB96-A55F1073F549}"/>
-              </a:ext>
-            </a:extLst>
-          </p:cNvPr>
-          <p:cNvSpPr>
-            <a:spLocks noGrp="1"/>
-          </p:cNvSpPr>
-          <p:nvPr>
-            <p:ph type="body" idx="1"/>
-          </p:nvPr>
-        </p:nvSpPr>
-        <p:spPr>
-          <a:xfrm>
-            <a:off x="839788" y="1681163"/>
-            <a:ext cx="5157787" cy="823912"/>
-          </a:xfrm>
-        </p:spPr>
-        <p:txBody>
-          <a:bodyPr anchor="b"/>
+          <a:bodyPr anchor="b">
+            <a:noAutofit/>
+          </a:bodyPr>
           <a:lstStyle>
             <a:lvl1pPr marL="0" indent="0">
               <a:buNone/>
-              <a:defRPr sz="2400" b="1"/>
+              <a:defRPr sz="2800" b="0">
+                <a:solidFill>
+                  <a:schemeClr val="tx1"/>
+                </a:solidFill>
+              </a:defRPr>
             </a:lvl1pPr>
             <a:lvl2pPr marL="457200" indent="0">
               <a:buNone/>
@@ -2231,21 +4104,15 @@
           <a:p>
             <a:pPr lvl="0"/>
             <a:r>
-              <a:rPr lang="fr-FR"/>
-              <a:t>Cliquez pour modifier les styles du texte du masque</a:t>
-            </a:r>
-          </a:p>
-        </p:txBody>
-      </p:sp>
-      <p:sp>
-        <p:nvSpPr>
-          <p:cNvPr id="4" name="Espace réservé du contenu 3">
-            <a:extLst>
-              <a:ext uri="{FF2B5EF4-FFF2-40B4-BE49-F238E27FC236}">
-                <a16:creationId xmlns:a16="http://schemas.microsoft.com/office/drawing/2014/main" id="{68176567-0727-4CE8-B739-9807CC8927BD}"/>
-              </a:ext>
-            </a:extLst>
-          </p:cNvPr>
+              <a:rPr lang="fr-FR" smtClean="0"/>
+              <a:t>Modifiez les styles du texte du masque</a:t>
+            </a:r>
+          </a:p>
+        </p:txBody>
+      </p:sp>
+      <p:sp>
+        <p:nvSpPr>
+          <p:cNvPr id="4" name="Content Placeholder 3"/>
           <p:cNvSpPr>
             <a:spLocks noGrp="1"/>
           </p:cNvSpPr>
@@ -2255,60 +4122,56 @@
         </p:nvSpPr>
         <p:spPr>
           <a:xfrm>
-            <a:off x="839788" y="2505075"/>
-            <a:ext cx="5157787" cy="3684588"/>
+            <a:off x="684211" y="1270529"/>
+            <a:ext cx="4937655" cy="3030538"/>
           </a:xfrm>
         </p:spPr>
         <p:txBody>
-          <a:bodyPr/>
+          <a:bodyPr anchor="t">
+            <a:normAutofit/>
+          </a:bodyPr>
           <a:lstStyle/>
           <a:p>
             <a:pPr lvl="0"/>
             <a:r>
-              <a:rPr lang="fr-FR"/>
-              <a:t>Cliquez pour modifier les styles du texte du masque</a:t>
+              <a:rPr lang="fr-FR" smtClean="0"/>
+              <a:t>Modifiez les styles du texte du masque</a:t>
             </a:r>
           </a:p>
           <a:p>
             <a:pPr lvl="1"/>
             <a:r>
-              <a:rPr lang="fr-FR"/>
+              <a:rPr lang="fr-FR" smtClean="0"/>
               <a:t>Deuxième niveau</a:t>
             </a:r>
           </a:p>
           <a:p>
             <a:pPr lvl="2"/>
             <a:r>
-              <a:rPr lang="fr-FR"/>
+              <a:rPr lang="fr-FR" smtClean="0"/>
               <a:t>Troisième niveau</a:t>
             </a:r>
           </a:p>
           <a:p>
             <a:pPr lvl="3"/>
             <a:r>
-              <a:rPr lang="fr-FR"/>
+              <a:rPr lang="fr-FR" smtClean="0"/>
               <a:t>Quatrième niveau</a:t>
             </a:r>
           </a:p>
           <a:p>
             <a:pPr lvl="4"/>
             <a:r>
-              <a:rPr lang="fr-FR"/>
+              <a:rPr lang="fr-FR" smtClean="0"/>
               <a:t>Cinquième niveau</a:t>
             </a:r>
-            <a:endParaRPr lang="fr-CH"/>
-          </a:p>
-        </p:txBody>
-      </p:sp>
-      <p:sp>
-        <p:nvSpPr>
-          <p:cNvPr id="5" name="Espace réservé du texte 4">
-            <a:extLst>
-              <a:ext uri="{FF2B5EF4-FFF2-40B4-BE49-F238E27FC236}">
-                <a16:creationId xmlns:a16="http://schemas.microsoft.com/office/drawing/2014/main" id="{0DD5DE63-8C7B-4D26-B764-CEC9F12E8409}"/>
-              </a:ext>
-            </a:extLst>
-          </p:cNvPr>
+            <a:endParaRPr lang="en-US" dirty="0"/>
+          </a:p>
+        </p:txBody>
+      </p:sp>
+      <p:sp>
+        <p:nvSpPr>
+          <p:cNvPr id="5" name="Text Placeholder 4"/>
           <p:cNvSpPr>
             <a:spLocks noGrp="1"/>
           </p:cNvSpPr>
@@ -2318,16 +4181,22 @@
         </p:nvSpPr>
         <p:spPr>
           <a:xfrm>
-            <a:off x="6172200" y="1681163"/>
-            <a:ext cx="5183188" cy="823912"/>
+            <a:off x="6079066" y="685800"/>
+            <a:ext cx="4665134" cy="576262"/>
           </a:xfrm>
         </p:spPr>
         <p:txBody>
-          <a:bodyPr anchor="b"/>
+          <a:bodyPr anchor="b">
+            <a:noAutofit/>
+          </a:bodyPr>
           <a:lstStyle>
             <a:lvl1pPr marL="0" indent="0">
               <a:buNone/>
-              <a:defRPr sz="2400" b="1"/>
+              <a:defRPr sz="2800" b="0">
+                <a:solidFill>
+                  <a:schemeClr val="tx1"/>
+                </a:solidFill>
+              </a:defRPr>
             </a:lvl1pPr>
             <a:lvl2pPr marL="457200" indent="0">
               <a:buNone/>
@@ -2365,21 +4234,15 @@
           <a:p>
             <a:pPr lvl="0"/>
             <a:r>
-              <a:rPr lang="fr-FR"/>
-              <a:t>Cliquez pour modifier les styles du texte du masque</a:t>
-            </a:r>
-          </a:p>
-        </p:txBody>
-      </p:sp>
-      <p:sp>
-        <p:nvSpPr>
-          <p:cNvPr id="6" name="Espace réservé du contenu 5">
-            <a:extLst>
-              <a:ext uri="{FF2B5EF4-FFF2-40B4-BE49-F238E27FC236}">
-                <a16:creationId xmlns:a16="http://schemas.microsoft.com/office/drawing/2014/main" id="{58A46A5C-3AA0-4A39-9CD0-A6EDEA119F9A}"/>
-              </a:ext>
-            </a:extLst>
-          </p:cNvPr>
+              <a:rPr lang="fr-FR" smtClean="0"/>
+              <a:t>Modifiez les styles du texte du masque</a:t>
+            </a:r>
+          </a:p>
+        </p:txBody>
+      </p:sp>
+      <p:sp>
+        <p:nvSpPr>
+          <p:cNvPr id="6" name="Content Placeholder 5"/>
           <p:cNvSpPr>
             <a:spLocks noGrp="1"/>
           </p:cNvSpPr>
@@ -2389,65 +4252,84 @@
         </p:nvSpPr>
         <p:spPr>
           <a:xfrm>
-            <a:off x="6172200" y="2505075"/>
-            <a:ext cx="5183188" cy="3684588"/>
+            <a:off x="5806545" y="1262062"/>
+            <a:ext cx="4929188" cy="3030538"/>
           </a:xfrm>
         </p:spPr>
         <p:txBody>
+          <a:bodyPr anchor="t">
+            <a:normAutofit/>
+          </a:bodyPr>
+          <a:lstStyle/>
+          <a:p>
+            <a:pPr lvl="0"/>
+            <a:r>
+              <a:rPr lang="fr-FR" smtClean="0"/>
+              <a:t>Modifiez les styles du texte du masque</a:t>
+            </a:r>
+          </a:p>
+          <a:p>
+            <a:pPr lvl="1"/>
+            <a:r>
+              <a:rPr lang="fr-FR" smtClean="0"/>
+              <a:t>Deuxième niveau</a:t>
+            </a:r>
+          </a:p>
+          <a:p>
+            <a:pPr lvl="2"/>
+            <a:r>
+              <a:rPr lang="fr-FR" smtClean="0"/>
+              <a:t>Troisième niveau</a:t>
+            </a:r>
+          </a:p>
+          <a:p>
+            <a:pPr lvl="3"/>
+            <a:r>
+              <a:rPr lang="fr-FR" smtClean="0"/>
+              <a:t>Quatrième niveau</a:t>
+            </a:r>
+          </a:p>
+          <a:p>
+            <a:pPr lvl="4"/>
+            <a:r>
+              <a:rPr lang="fr-FR" smtClean="0"/>
+              <a:t>Cinquième niveau</a:t>
+            </a:r>
+            <a:endParaRPr lang="en-US" dirty="0"/>
+          </a:p>
+        </p:txBody>
+      </p:sp>
+      <p:sp>
+        <p:nvSpPr>
+          <p:cNvPr id="7" name="Date Placeholder 6"/>
+          <p:cNvSpPr>
+            <a:spLocks noGrp="1"/>
+          </p:cNvSpPr>
+          <p:nvPr>
+            <p:ph type="dt" sz="half" idx="10"/>
+          </p:nvPr>
+        </p:nvSpPr>
+        <p:spPr/>
+        <p:txBody>
           <a:bodyPr/>
           <a:lstStyle/>
           <a:p>
-            <a:pPr lvl="0"/>
-            <a:r>
-              <a:rPr lang="fr-FR"/>
-              <a:t>Cliquez pour modifier les styles du texte du masque</a:t>
-            </a:r>
-          </a:p>
-          <a:p>
-            <a:pPr lvl="1"/>
-            <a:r>
-              <a:rPr lang="fr-FR"/>
-              <a:t>Deuxième niveau</a:t>
-            </a:r>
-          </a:p>
-          <a:p>
-            <a:pPr lvl="2"/>
-            <a:r>
-              <a:rPr lang="fr-FR"/>
-              <a:t>Troisième niveau</a:t>
-            </a:r>
-          </a:p>
-          <a:p>
-            <a:pPr lvl="3"/>
-            <a:r>
-              <a:rPr lang="fr-FR"/>
-              <a:t>Quatrième niveau</a:t>
-            </a:r>
-          </a:p>
-          <a:p>
-            <a:pPr lvl="4"/>
-            <a:r>
-              <a:rPr lang="fr-FR"/>
-              <a:t>Cinquième niveau</a:t>
-            </a:r>
+            <a:fld id="{8A00D3EF-0965-402A-B72E-7182F322F1EE}" type="datetimeFigureOut">
+              <a:rPr lang="fr-CH" smtClean="0"/>
+              <a:t>21.09.2020</a:t>
+            </a:fld>
             <a:endParaRPr lang="fr-CH"/>
           </a:p>
         </p:txBody>
       </p:sp>
       <p:sp>
         <p:nvSpPr>
-          <p:cNvPr id="7" name="Espace réservé de la date 6">
-            <a:extLst>
-              <a:ext uri="{FF2B5EF4-FFF2-40B4-BE49-F238E27FC236}">
-                <a16:creationId xmlns:a16="http://schemas.microsoft.com/office/drawing/2014/main" id="{48970EC3-A815-487A-9A0C-BE90037816CF}"/>
-              </a:ext>
-            </a:extLst>
-          </p:cNvPr>
-          <p:cNvSpPr>
-            <a:spLocks noGrp="1"/>
-          </p:cNvSpPr>
-          <p:nvPr>
-            <p:ph type="dt" sz="half" idx="10"/>
+          <p:cNvPr id="8" name="Footer Placeholder 7"/>
+          <p:cNvSpPr>
+            <a:spLocks noGrp="1"/>
+          </p:cNvSpPr>
+          <p:nvPr>
+            <p:ph type="ftr" sz="quarter" idx="11"/>
           </p:nvPr>
         </p:nvSpPr>
         <p:spPr/>
@@ -2455,48 +4337,13 @@
           <a:bodyPr/>
           <a:lstStyle/>
           <a:p>
-            <a:fld id="{8A00D3EF-0965-402A-B72E-7182F322F1EE}" type="datetimeFigureOut">
-              <a:rPr lang="fr-CH" smtClean="0"/>
-              <a:t>19.09.2020</a:t>
-            </a:fld>
             <a:endParaRPr lang="fr-CH"/>
           </a:p>
         </p:txBody>
       </p:sp>
       <p:sp>
         <p:nvSpPr>
-          <p:cNvPr id="8" name="Espace réservé du pied de page 7">
-            <a:extLst>
-              <a:ext uri="{FF2B5EF4-FFF2-40B4-BE49-F238E27FC236}">
-                <a16:creationId xmlns:a16="http://schemas.microsoft.com/office/drawing/2014/main" id="{046E13D0-C2DF-47B3-B298-DA4EFD24365A}"/>
-              </a:ext>
-            </a:extLst>
-          </p:cNvPr>
-          <p:cNvSpPr>
-            <a:spLocks noGrp="1"/>
-          </p:cNvSpPr>
-          <p:nvPr>
-            <p:ph type="ftr" sz="quarter" idx="11"/>
-          </p:nvPr>
-        </p:nvSpPr>
-        <p:spPr/>
-        <p:txBody>
-          <a:bodyPr/>
-          <a:lstStyle/>
-          <a:p>
-            <a:endParaRPr lang="fr-CH"/>
-          </a:p>
-        </p:txBody>
-      </p:sp>
-      <p:sp>
-        <p:nvSpPr>
-          <p:cNvPr id="9" name="Espace réservé du numéro de diapositive 8">
-            <a:extLst>
-              <a:ext uri="{FF2B5EF4-FFF2-40B4-BE49-F238E27FC236}">
-                <a16:creationId xmlns:a16="http://schemas.microsoft.com/office/drawing/2014/main" id="{8E4D34BB-5B48-4B41-8A1D-A356289F2025}"/>
-              </a:ext>
-            </a:extLst>
-          </p:cNvPr>
+          <p:cNvPr id="9" name="Slide Number Placeholder 8"/>
           <p:cNvSpPr>
             <a:spLocks noGrp="1"/>
           </p:cNvSpPr>
@@ -2520,7 +4367,7 @@
     </p:spTree>
     <p:extLst>
       <p:ext uri="{BB962C8B-B14F-4D97-AF65-F5344CB8AC3E}">
-        <p14:creationId xmlns:p14="http://schemas.microsoft.com/office/powerpoint/2010/main" val="191544864"/>
+        <p14:creationId xmlns:p14="http://schemas.microsoft.com/office/powerpoint/2010/main" val="507020048"/>
       </p:ext>
     </p:extLst>
   </p:cSld>
@@ -2549,13 +4396,7 @@
       </p:grpSpPr>
       <p:sp>
         <p:nvSpPr>
-          <p:cNvPr id="2" name="Titre 1">
-            <a:extLst>
-              <a:ext uri="{FF2B5EF4-FFF2-40B4-BE49-F238E27FC236}">
-                <a16:creationId xmlns:a16="http://schemas.microsoft.com/office/drawing/2014/main" id="{F663D3C8-F451-4133-AB03-4F8B47F631D3}"/>
-              </a:ext>
-            </a:extLst>
-          </p:cNvPr>
+          <p:cNvPr id="2" name="Title 1"/>
           <p:cNvSpPr>
             <a:spLocks noGrp="1"/>
           </p:cNvSpPr>
@@ -2569,22 +4410,16 @@
           <a:lstStyle/>
           <a:p>
             <a:r>
-              <a:rPr lang="fr-FR"/>
+              <a:rPr lang="fr-FR" smtClean="0"/>
               <a:t>Modifiez le style du titre</a:t>
             </a:r>
-            <a:endParaRPr lang="fr-CH"/>
-          </a:p>
-        </p:txBody>
-      </p:sp>
-      <p:sp>
-        <p:nvSpPr>
-          <p:cNvPr id="3" name="Espace réservé de la date 2">
-            <a:extLst>
-              <a:ext uri="{FF2B5EF4-FFF2-40B4-BE49-F238E27FC236}">
-                <a16:creationId xmlns:a16="http://schemas.microsoft.com/office/drawing/2014/main" id="{AB2F25E4-8EDE-4837-8AC0-B231B504A5D2}"/>
-              </a:ext>
-            </a:extLst>
-          </p:cNvPr>
+            <a:endParaRPr lang="en-US" dirty="0"/>
+          </a:p>
+        </p:txBody>
+      </p:sp>
+      <p:sp>
+        <p:nvSpPr>
+          <p:cNvPr id="3" name="Date Placeholder 2"/>
           <p:cNvSpPr>
             <a:spLocks noGrp="1"/>
           </p:cNvSpPr>
@@ -2599,7 +4434,7 @@
           <a:p>
             <a:fld id="{8A00D3EF-0965-402A-B72E-7182F322F1EE}" type="datetimeFigureOut">
               <a:rPr lang="fr-CH" smtClean="0"/>
-              <a:t>19.09.2020</a:t>
+              <a:t>21.09.2020</a:t>
             </a:fld>
             <a:endParaRPr lang="fr-CH"/>
           </a:p>
@@ -2607,13 +4442,7 @@
       </p:sp>
       <p:sp>
         <p:nvSpPr>
-          <p:cNvPr id="4" name="Espace réservé du pied de page 3">
-            <a:extLst>
-              <a:ext uri="{FF2B5EF4-FFF2-40B4-BE49-F238E27FC236}">
-                <a16:creationId xmlns:a16="http://schemas.microsoft.com/office/drawing/2014/main" id="{0D5B7D82-585B-4512-94B8-5CBC000DBA4B}"/>
-              </a:ext>
-            </a:extLst>
-          </p:cNvPr>
+          <p:cNvPr id="4" name="Footer Placeholder 3"/>
           <p:cNvSpPr>
             <a:spLocks noGrp="1"/>
           </p:cNvSpPr>
@@ -2632,13 +4461,7 @@
       </p:sp>
       <p:sp>
         <p:nvSpPr>
-          <p:cNvPr id="5" name="Espace réservé du numéro de diapositive 4">
-            <a:extLst>
-              <a:ext uri="{FF2B5EF4-FFF2-40B4-BE49-F238E27FC236}">
-                <a16:creationId xmlns:a16="http://schemas.microsoft.com/office/drawing/2014/main" id="{B5FD843A-AEAE-442A-B549-E32926C5B283}"/>
-              </a:ext>
-            </a:extLst>
-          </p:cNvPr>
+          <p:cNvPr id="5" name="Slide Number Placeholder 4"/>
           <p:cNvSpPr>
             <a:spLocks noGrp="1"/>
           </p:cNvSpPr>
@@ -2662,7 +4485,7 @@
     </p:spTree>
     <p:extLst>
       <p:ext uri="{BB962C8B-B14F-4D97-AF65-F5344CB8AC3E}">
-        <p14:creationId xmlns:p14="http://schemas.microsoft.com/office/powerpoint/2010/main" val="2760511257"/>
+        <p14:creationId xmlns:p14="http://schemas.microsoft.com/office/powerpoint/2010/main" val="2704107934"/>
       </p:ext>
     </p:extLst>
   </p:cSld>
@@ -2691,13 +4514,7 @@
       </p:grpSpPr>
       <p:sp>
         <p:nvSpPr>
-          <p:cNvPr id="2" name="Espace réservé de la date 1">
-            <a:extLst>
-              <a:ext uri="{FF2B5EF4-FFF2-40B4-BE49-F238E27FC236}">
-                <a16:creationId xmlns:a16="http://schemas.microsoft.com/office/drawing/2014/main" id="{FC7C3B2E-0B09-4CD9-84C6-1360E104DE68}"/>
-              </a:ext>
-            </a:extLst>
-          </p:cNvPr>
+          <p:cNvPr id="2" name="Date Placeholder 1"/>
           <p:cNvSpPr>
             <a:spLocks noGrp="1"/>
           </p:cNvSpPr>
@@ -2712,7 +4529,7 @@
           <a:p>
             <a:fld id="{8A00D3EF-0965-402A-B72E-7182F322F1EE}" type="datetimeFigureOut">
               <a:rPr lang="fr-CH" smtClean="0"/>
-              <a:t>19.09.2020</a:t>
+              <a:t>21.09.2020</a:t>
             </a:fld>
             <a:endParaRPr lang="fr-CH"/>
           </a:p>
@@ -2720,13 +4537,7 @@
       </p:sp>
       <p:sp>
         <p:nvSpPr>
-          <p:cNvPr id="3" name="Espace réservé du pied de page 2">
-            <a:extLst>
-              <a:ext uri="{FF2B5EF4-FFF2-40B4-BE49-F238E27FC236}">
-                <a16:creationId xmlns:a16="http://schemas.microsoft.com/office/drawing/2014/main" id="{86A9C063-2AF3-4250-AECB-685BC298AC41}"/>
-              </a:ext>
-            </a:extLst>
-          </p:cNvPr>
+          <p:cNvPr id="3" name="Footer Placeholder 2"/>
           <p:cNvSpPr>
             <a:spLocks noGrp="1"/>
           </p:cNvSpPr>
@@ -2745,13 +4556,7 @@
       </p:sp>
       <p:sp>
         <p:nvSpPr>
-          <p:cNvPr id="4" name="Espace réservé du numéro de diapositive 3">
-            <a:extLst>
-              <a:ext uri="{FF2B5EF4-FFF2-40B4-BE49-F238E27FC236}">
-                <a16:creationId xmlns:a16="http://schemas.microsoft.com/office/drawing/2014/main" id="{B952161A-8DD7-49E5-A7E2-A365A0C0CA02}"/>
-              </a:ext>
-            </a:extLst>
-          </p:cNvPr>
+          <p:cNvPr id="4" name="Slide Number Placeholder 3"/>
           <p:cNvSpPr>
             <a:spLocks noGrp="1"/>
           </p:cNvSpPr>
@@ -2775,7 +4580,7 @@
     </p:spTree>
     <p:extLst>
       <p:ext uri="{BB962C8B-B14F-4D97-AF65-F5344CB8AC3E}">
-        <p14:creationId xmlns:p14="http://schemas.microsoft.com/office/powerpoint/2010/main" val="3769905940"/>
+        <p14:creationId xmlns:p14="http://schemas.microsoft.com/office/powerpoint/2010/main" val="696347584"/>
       </p:ext>
     </p:extLst>
   </p:cSld>
@@ -2804,13 +4609,7 @@
       </p:grpSpPr>
       <p:sp>
         <p:nvSpPr>
-          <p:cNvPr id="2" name="Titre 1">
-            <a:extLst>
-              <a:ext uri="{FF2B5EF4-FFF2-40B4-BE49-F238E27FC236}">
-                <a16:creationId xmlns:a16="http://schemas.microsoft.com/office/drawing/2014/main" id="{E20A7DA4-39DC-450E-A629-06395E7E7EDE}"/>
-              </a:ext>
-            </a:extLst>
-          </p:cNvPr>
+          <p:cNvPr id="2" name="Title 1"/>
           <p:cNvSpPr>
             <a:spLocks noGrp="1"/>
           </p:cNvSpPr>
@@ -2820,35 +4619,31 @@
         </p:nvSpPr>
         <p:spPr>
           <a:xfrm>
-            <a:off x="839788" y="457200"/>
-            <a:ext cx="3932237" cy="1600200"/>
+            <a:off x="7085012" y="685800"/>
+            <a:ext cx="3657600" cy="1371600"/>
           </a:xfrm>
         </p:spPr>
         <p:txBody>
-          <a:bodyPr anchor="b"/>
+          <a:bodyPr anchor="b">
+            <a:normAutofit/>
+          </a:bodyPr>
           <a:lstStyle>
-            <a:lvl1pPr>
-              <a:defRPr sz="3200"/>
+            <a:lvl1pPr algn="l">
+              <a:defRPr sz="2400" b="0"/>
             </a:lvl1pPr>
           </a:lstStyle>
           <a:p>
             <a:r>
-              <a:rPr lang="fr-FR"/>
+              <a:rPr lang="fr-FR" smtClean="0"/>
               <a:t>Modifiez le style du titre</a:t>
             </a:r>
-            <a:endParaRPr lang="fr-CH"/>
-          </a:p>
-        </p:txBody>
-      </p:sp>
-      <p:sp>
-        <p:nvSpPr>
-          <p:cNvPr id="3" name="Espace réservé du contenu 2">
-            <a:extLst>
-              <a:ext uri="{FF2B5EF4-FFF2-40B4-BE49-F238E27FC236}">
-                <a16:creationId xmlns:a16="http://schemas.microsoft.com/office/drawing/2014/main" id="{922206A4-F8E1-49CB-99C2-197A02D875D0}"/>
-              </a:ext>
-            </a:extLst>
-          </p:cNvPr>
+            <a:endParaRPr lang="en-US" dirty="0"/>
+          </a:p>
+        </p:txBody>
+      </p:sp>
+      <p:sp>
+        <p:nvSpPr>
+          <p:cNvPr id="3" name="Content Placeholder 2"/>
           <p:cNvSpPr>
             <a:spLocks noGrp="1"/>
           </p:cNvSpPr>
@@ -2858,88 +4653,56 @@
         </p:nvSpPr>
         <p:spPr>
           <a:xfrm>
-            <a:off x="5183188" y="987425"/>
-            <a:ext cx="6172200" cy="4873625"/>
+            <a:off x="684212" y="685800"/>
+            <a:ext cx="5943601" cy="5308600"/>
           </a:xfrm>
         </p:spPr>
         <p:txBody>
-          <a:bodyPr/>
-          <a:lstStyle>
-            <a:lvl1pPr>
-              <a:defRPr sz="3200"/>
-            </a:lvl1pPr>
-            <a:lvl2pPr>
-              <a:defRPr sz="2800"/>
-            </a:lvl2pPr>
-            <a:lvl3pPr>
-              <a:defRPr sz="2400"/>
-            </a:lvl3pPr>
-            <a:lvl4pPr>
-              <a:defRPr sz="2000"/>
-            </a:lvl4pPr>
-            <a:lvl5pPr>
-              <a:defRPr sz="2000"/>
-            </a:lvl5pPr>
-            <a:lvl6pPr>
-              <a:defRPr sz="2000"/>
-            </a:lvl6pPr>
-            <a:lvl7pPr>
-              <a:defRPr sz="2000"/>
-            </a:lvl7pPr>
-            <a:lvl8pPr>
-              <a:defRPr sz="2000"/>
-            </a:lvl8pPr>
-            <a:lvl9pPr>
-              <a:defRPr sz="2000"/>
-            </a:lvl9pPr>
-          </a:lstStyle>
+          <a:bodyPr anchor="ctr">
+            <a:normAutofit/>
+          </a:bodyPr>
+          <a:lstStyle/>
           <a:p>
             <a:pPr lvl="0"/>
             <a:r>
-              <a:rPr lang="fr-FR"/>
-              <a:t>Cliquez pour modifier les styles du texte du masque</a:t>
+              <a:rPr lang="fr-FR" smtClean="0"/>
+              <a:t>Modifiez les styles du texte du masque</a:t>
             </a:r>
           </a:p>
           <a:p>
             <a:pPr lvl="1"/>
             <a:r>
-              <a:rPr lang="fr-FR"/>
+              <a:rPr lang="fr-FR" smtClean="0"/>
               <a:t>Deuxième niveau</a:t>
             </a:r>
           </a:p>
           <a:p>
             <a:pPr lvl="2"/>
             <a:r>
-              <a:rPr lang="fr-FR"/>
+              <a:rPr lang="fr-FR" smtClean="0"/>
               <a:t>Troisième niveau</a:t>
             </a:r>
           </a:p>
           <a:p>
             <a:pPr lvl="3"/>
             <a:r>
-              <a:rPr lang="fr-FR"/>
+              <a:rPr lang="fr-FR" smtClean="0"/>
               <a:t>Quatrième niveau</a:t>
             </a:r>
           </a:p>
           <a:p>
             <a:pPr lvl="4"/>
             <a:r>
-              <a:rPr lang="fr-FR"/>
+              <a:rPr lang="fr-FR" smtClean="0"/>
               <a:t>Cinquième niveau</a:t>
             </a:r>
-            <a:endParaRPr lang="fr-CH"/>
-          </a:p>
-        </p:txBody>
-      </p:sp>
-      <p:sp>
-        <p:nvSpPr>
-          <p:cNvPr id="4" name="Espace réservé du texte 3">
-            <a:extLst>
-              <a:ext uri="{FF2B5EF4-FFF2-40B4-BE49-F238E27FC236}">
-                <a16:creationId xmlns:a16="http://schemas.microsoft.com/office/drawing/2014/main" id="{6FE11B75-C32E-4092-BED0-CCEF9BECE818}"/>
-              </a:ext>
-            </a:extLst>
-          </p:cNvPr>
+            <a:endParaRPr lang="en-US" dirty="0"/>
+          </a:p>
+        </p:txBody>
+      </p:sp>
+      <p:sp>
+        <p:nvSpPr>
+          <p:cNvPr id="4" name="Text Placeholder 3"/>
           <p:cNvSpPr>
             <a:spLocks noGrp="1"/>
           </p:cNvSpPr>
@@ -2949,12 +4712,14 @@
         </p:nvSpPr>
         <p:spPr>
           <a:xfrm>
-            <a:off x="839788" y="2057400"/>
-            <a:ext cx="3932237" cy="3811588"/>
+            <a:off x="7085012" y="2209799"/>
+            <a:ext cx="3657600" cy="2091267"/>
           </a:xfrm>
         </p:spPr>
         <p:txBody>
-          <a:bodyPr/>
+          <a:bodyPr anchor="t">
+            <a:normAutofit/>
+          </a:bodyPr>
           <a:lstStyle>
             <a:lvl1pPr marL="0" indent="0">
               <a:buNone/>
@@ -2962,55 +4727,49 @@
             </a:lvl1pPr>
             <a:lvl2pPr marL="457200" indent="0">
               <a:buNone/>
-              <a:defRPr sz="1400"/>
+              <a:defRPr sz="1200"/>
             </a:lvl2pPr>
             <a:lvl3pPr marL="914400" indent="0">
               <a:buNone/>
-              <a:defRPr sz="1200"/>
+              <a:defRPr sz="1000"/>
             </a:lvl3pPr>
             <a:lvl4pPr marL="1371600" indent="0">
               <a:buNone/>
-              <a:defRPr sz="1000"/>
+              <a:defRPr sz="900"/>
             </a:lvl4pPr>
             <a:lvl5pPr marL="1828800" indent="0">
               <a:buNone/>
-              <a:defRPr sz="1000"/>
+              <a:defRPr sz="900"/>
             </a:lvl5pPr>
             <a:lvl6pPr marL="2286000" indent="0">
               <a:buNone/>
-              <a:defRPr sz="1000"/>
+              <a:defRPr sz="900"/>
             </a:lvl6pPr>
             <a:lvl7pPr marL="2743200" indent="0">
               <a:buNone/>
-              <a:defRPr sz="1000"/>
+              <a:defRPr sz="900"/>
             </a:lvl7pPr>
             <a:lvl8pPr marL="3200400" indent="0">
               <a:buNone/>
-              <a:defRPr sz="1000"/>
+              <a:defRPr sz="900"/>
             </a:lvl8pPr>
             <a:lvl9pPr marL="3657600" indent="0">
               <a:buNone/>
-              <a:defRPr sz="1000"/>
+              <a:defRPr sz="900"/>
             </a:lvl9pPr>
           </a:lstStyle>
           <a:p>
             <a:pPr lvl="0"/>
             <a:r>
-              <a:rPr lang="fr-FR"/>
-              <a:t>Cliquez pour modifier les styles du texte du masque</a:t>
-            </a:r>
-          </a:p>
-        </p:txBody>
-      </p:sp>
-      <p:sp>
-        <p:nvSpPr>
-          <p:cNvPr id="5" name="Espace réservé de la date 4">
-            <a:extLst>
-              <a:ext uri="{FF2B5EF4-FFF2-40B4-BE49-F238E27FC236}">
-                <a16:creationId xmlns:a16="http://schemas.microsoft.com/office/drawing/2014/main" id="{5A916ADB-7A82-4DE2-AC6E-F58F42DB5F70}"/>
-              </a:ext>
-            </a:extLst>
-          </p:cNvPr>
+              <a:rPr lang="fr-FR" smtClean="0"/>
+              <a:t>Modifiez les styles du texte du masque</a:t>
+            </a:r>
+          </a:p>
+        </p:txBody>
+      </p:sp>
+      <p:sp>
+        <p:nvSpPr>
+          <p:cNvPr id="5" name="Date Placeholder 4"/>
           <p:cNvSpPr>
             <a:spLocks noGrp="1"/>
           </p:cNvSpPr>
@@ -3025,7 +4784,7 @@
           <a:p>
             <a:fld id="{8A00D3EF-0965-402A-B72E-7182F322F1EE}" type="datetimeFigureOut">
               <a:rPr lang="fr-CH" smtClean="0"/>
-              <a:t>19.09.2020</a:t>
+              <a:t>21.09.2020</a:t>
             </a:fld>
             <a:endParaRPr lang="fr-CH"/>
           </a:p>
@@ -3033,13 +4792,7 @@
       </p:sp>
       <p:sp>
         <p:nvSpPr>
-          <p:cNvPr id="6" name="Espace réservé du pied de page 5">
-            <a:extLst>
-              <a:ext uri="{FF2B5EF4-FFF2-40B4-BE49-F238E27FC236}">
-                <a16:creationId xmlns:a16="http://schemas.microsoft.com/office/drawing/2014/main" id="{B5A180A6-6836-43A5-BE59-22B041D630EE}"/>
-              </a:ext>
-            </a:extLst>
-          </p:cNvPr>
+          <p:cNvPr id="6" name="Footer Placeholder 5"/>
           <p:cNvSpPr>
             <a:spLocks noGrp="1"/>
           </p:cNvSpPr>
@@ -3058,13 +4811,7 @@
       </p:sp>
       <p:sp>
         <p:nvSpPr>
-          <p:cNvPr id="7" name="Espace réservé du numéro de diapositive 6">
-            <a:extLst>
-              <a:ext uri="{FF2B5EF4-FFF2-40B4-BE49-F238E27FC236}">
-                <a16:creationId xmlns:a16="http://schemas.microsoft.com/office/drawing/2014/main" id="{9F884B07-445D-4048-A253-AC399E17BA92}"/>
-              </a:ext>
-            </a:extLst>
-          </p:cNvPr>
+          <p:cNvPr id="7" name="Slide Number Placeholder 6"/>
           <p:cNvSpPr>
             <a:spLocks noGrp="1"/>
           </p:cNvSpPr>
@@ -3088,7 +4835,7 @@
     </p:spTree>
     <p:extLst>
       <p:ext uri="{BB962C8B-B14F-4D97-AF65-F5344CB8AC3E}">
-        <p14:creationId xmlns:p14="http://schemas.microsoft.com/office/powerpoint/2010/main" val="251854823"/>
+        <p14:creationId xmlns:p14="http://schemas.microsoft.com/office/powerpoint/2010/main" val="2564026741"/>
       </p:ext>
     </p:extLst>
   </p:cSld>
@@ -3117,13 +4864,7 @@
       </p:grpSpPr>
       <p:sp>
         <p:nvSpPr>
-          <p:cNvPr id="2" name="Titre 1">
-            <a:extLst>
-              <a:ext uri="{FF2B5EF4-FFF2-40B4-BE49-F238E27FC236}">
-                <a16:creationId xmlns:a16="http://schemas.microsoft.com/office/drawing/2014/main" id="{B8208BD3-22F0-4628-971E-E952054A8129}"/>
-              </a:ext>
-            </a:extLst>
-          </p:cNvPr>
+          <p:cNvPr id="2" name="Title 1"/>
           <p:cNvSpPr>
             <a:spLocks noGrp="1"/>
           </p:cNvSpPr>
@@ -3133,37 +4874,33 @@
         </p:nvSpPr>
         <p:spPr>
           <a:xfrm>
-            <a:off x="839788" y="457200"/>
-            <a:ext cx="3932237" cy="1600200"/>
+            <a:off x="4722812" y="1447800"/>
+            <a:ext cx="6019800" cy="1143000"/>
           </a:xfrm>
         </p:spPr>
         <p:txBody>
-          <a:bodyPr anchor="b"/>
+          <a:bodyPr anchor="b">
+            <a:normAutofit/>
+          </a:bodyPr>
           <a:lstStyle>
-            <a:lvl1pPr>
-              <a:defRPr sz="3200"/>
+            <a:lvl1pPr algn="l">
+              <a:defRPr sz="2800" b="0"/>
             </a:lvl1pPr>
           </a:lstStyle>
           <a:p>
             <a:r>
-              <a:rPr lang="fr-FR"/>
+              <a:rPr lang="fr-FR" smtClean="0"/>
               <a:t>Modifiez le style du titre</a:t>
             </a:r>
-            <a:endParaRPr lang="fr-CH"/>
-          </a:p>
-        </p:txBody>
-      </p:sp>
-      <p:sp>
-        <p:nvSpPr>
-          <p:cNvPr id="3" name="Espace réservé pour une image  2">
-            <a:extLst>
-              <a:ext uri="{FF2B5EF4-FFF2-40B4-BE49-F238E27FC236}">
-                <a16:creationId xmlns:a16="http://schemas.microsoft.com/office/drawing/2014/main" id="{808FC7EE-DEC6-46B8-9D7F-B850767C6761}"/>
-              </a:ext>
-            </a:extLst>
-          </p:cNvPr>
-          <p:cNvSpPr>
-            <a:spLocks noGrp="1"/>
+            <a:endParaRPr lang="en-US" dirty="0"/>
+          </a:p>
+        </p:txBody>
+      </p:sp>
+      <p:sp>
+        <p:nvSpPr>
+          <p:cNvPr id="14" name="Picture Placeholder 2"/>
+          <p:cNvSpPr>
+            <a:spLocks noGrp="1" noChangeAspect="1"/>
           </p:cNvSpPr>
           <p:nvPr>
             <p:ph type="pic" idx="1"/>
@@ -3171,135 +4908,151 @@
         </p:nvSpPr>
         <p:spPr>
           <a:xfrm>
-            <a:off x="5183188" y="987425"/>
-            <a:ext cx="6172200" cy="4873625"/>
+            <a:off x="989012" y="914400"/>
+            <a:ext cx="3280974" cy="4572000"/>
           </a:xfrm>
+          <a:prstGeom prst="snip2DiagRect">
+            <a:avLst>
+              <a:gd name="adj1" fmla="val 10815"/>
+              <a:gd name="adj2" fmla="val 0"/>
+            </a:avLst>
+          </a:prstGeom>
+          <a:ln w="15875">
+            <a:solidFill>
+              <a:schemeClr val="tx1">
+                <a:alpha val="40000"/>
+              </a:schemeClr>
+            </a:solidFill>
+          </a:ln>
+          <a:effectLst>
+            <a:innerShdw blurRad="57150" dist="38100" dir="14460000">
+              <a:srgbClr val="000000">
+                <a:alpha val="70000"/>
+              </a:srgbClr>
+            </a:innerShdw>
+          </a:effectLst>
         </p:spPr>
         <p:txBody>
-          <a:bodyPr/>
+          <a:bodyPr anchor="t">
+            <a:normAutofit/>
+          </a:bodyPr>
           <a:lstStyle>
-            <a:lvl1pPr marL="0" indent="0">
-              <a:buNone/>
-              <a:defRPr sz="3200"/>
-            </a:lvl1pPr>
-            <a:lvl2pPr marL="457200" indent="0">
-              <a:buNone/>
-              <a:defRPr sz="2800"/>
-            </a:lvl2pPr>
-            <a:lvl3pPr marL="914400" indent="0">
-              <a:buNone/>
-              <a:defRPr sz="2400"/>
-            </a:lvl3pPr>
-            <a:lvl4pPr marL="1371600" indent="0">
-              <a:buNone/>
-              <a:defRPr sz="2000"/>
-            </a:lvl4pPr>
-            <a:lvl5pPr marL="1828800" indent="0">
-              <a:buNone/>
-              <a:defRPr sz="2000"/>
-            </a:lvl5pPr>
-            <a:lvl6pPr marL="2286000" indent="0">
-              <a:buNone/>
-              <a:defRPr sz="2000"/>
-            </a:lvl6pPr>
-            <a:lvl7pPr marL="2743200" indent="0">
-              <a:buNone/>
-              <a:defRPr sz="2000"/>
-            </a:lvl7pPr>
-            <a:lvl8pPr marL="3200400" indent="0">
-              <a:buNone/>
-              <a:defRPr sz="2000"/>
-            </a:lvl8pPr>
-            <a:lvl9pPr marL="3657600" indent="0">
-              <a:buNone/>
-              <a:defRPr sz="2000"/>
-            </a:lvl9pPr>
-          </a:lstStyle>
-          <a:p>
-            <a:endParaRPr lang="fr-CH"/>
-          </a:p>
-        </p:txBody>
-      </p:sp>
-      <p:sp>
-        <p:nvSpPr>
-          <p:cNvPr id="4" name="Espace réservé du texte 3">
-            <a:extLst>
-              <a:ext uri="{FF2B5EF4-FFF2-40B4-BE49-F238E27FC236}">
-                <a16:creationId xmlns:a16="http://schemas.microsoft.com/office/drawing/2014/main" id="{AFD45FF1-DF6F-4263-9284-37CB352B2AE5}"/>
-              </a:ext>
-            </a:extLst>
-          </p:cNvPr>
-          <p:cNvSpPr>
-            <a:spLocks noGrp="1"/>
-          </p:cNvSpPr>
-          <p:nvPr>
-            <p:ph type="body" sz="half" idx="2"/>
-          </p:nvPr>
-        </p:nvSpPr>
-        <p:spPr>
-          <a:xfrm>
-            <a:off x="839788" y="2057400"/>
-            <a:ext cx="3932237" cy="3811588"/>
-          </a:xfrm>
-        </p:spPr>
-        <p:txBody>
-          <a:bodyPr/>
-          <a:lstStyle>
-            <a:lvl1pPr marL="0" indent="0">
+            <a:lvl1pPr marL="0" indent="0" algn="ctr">
               <a:buNone/>
               <a:defRPr sz="1600"/>
             </a:lvl1pPr>
             <a:lvl2pPr marL="457200" indent="0">
               <a:buNone/>
-              <a:defRPr sz="1400"/>
+              <a:defRPr sz="1600"/>
             </a:lvl2pPr>
             <a:lvl3pPr marL="914400" indent="0">
               <a:buNone/>
-              <a:defRPr sz="1200"/>
+              <a:defRPr sz="1600"/>
             </a:lvl3pPr>
             <a:lvl4pPr marL="1371600" indent="0">
               <a:buNone/>
-              <a:defRPr sz="1000"/>
+              <a:defRPr sz="1600"/>
             </a:lvl4pPr>
             <a:lvl5pPr marL="1828800" indent="0">
               <a:buNone/>
-              <a:defRPr sz="1000"/>
+              <a:defRPr sz="1600"/>
             </a:lvl5pPr>
             <a:lvl6pPr marL="2286000" indent="0">
               <a:buNone/>
-              <a:defRPr sz="1000"/>
+              <a:defRPr sz="1600"/>
             </a:lvl6pPr>
             <a:lvl7pPr marL="2743200" indent="0">
               <a:buNone/>
-              <a:defRPr sz="1000"/>
+              <a:defRPr sz="1600"/>
             </a:lvl7pPr>
             <a:lvl8pPr marL="3200400" indent="0">
               <a:buNone/>
-              <a:defRPr sz="1000"/>
+              <a:defRPr sz="1600"/>
             </a:lvl8pPr>
             <a:lvl9pPr marL="3657600" indent="0">
               <a:buNone/>
-              <a:defRPr sz="1000"/>
+              <a:defRPr sz="1600"/>
             </a:lvl9pPr>
           </a:lstStyle>
           <a:p>
+            <a:r>
+              <a:rPr lang="fr-FR" smtClean="0"/>
+              <a:t>Cliquez sur l'icône pour ajouter une image</a:t>
+            </a:r>
+            <a:endParaRPr lang="en-US" dirty="0"/>
+          </a:p>
+        </p:txBody>
+      </p:sp>
+      <p:sp>
+        <p:nvSpPr>
+          <p:cNvPr id="4" name="Text Placeholder 3"/>
+          <p:cNvSpPr>
+            <a:spLocks noGrp="1"/>
+          </p:cNvSpPr>
+          <p:nvPr>
+            <p:ph type="body" sz="half" idx="2"/>
+          </p:nvPr>
+        </p:nvSpPr>
+        <p:spPr>
+          <a:xfrm>
+            <a:off x="4722812" y="2777066"/>
+            <a:ext cx="6021388" cy="2048933"/>
+          </a:xfrm>
+        </p:spPr>
+        <p:txBody>
+          <a:bodyPr anchor="t">
+            <a:normAutofit/>
+          </a:bodyPr>
+          <a:lstStyle>
+            <a:lvl1pPr marL="0" indent="0">
+              <a:buNone/>
+              <a:defRPr sz="1800"/>
+            </a:lvl1pPr>
+            <a:lvl2pPr marL="457200" indent="0">
+              <a:buNone/>
+              <a:defRPr sz="1200"/>
+            </a:lvl2pPr>
+            <a:lvl3pPr marL="914400" indent="0">
+              <a:buNone/>
+              <a:defRPr sz="1000"/>
+            </a:lvl3pPr>
+            <a:lvl4pPr marL="1371600" indent="0">
+              <a:buNone/>
+              <a:defRPr sz="900"/>
+            </a:lvl4pPr>
+            <a:lvl5pPr marL="1828800" indent="0">
+              <a:buNone/>
+              <a:defRPr sz="900"/>
+            </a:lvl5pPr>
+            <a:lvl6pPr marL="2286000" indent="0">
+              <a:buNone/>
+              <a:defRPr sz="900"/>
+            </a:lvl6pPr>
+            <a:lvl7pPr marL="2743200" indent="0">
+              <a:buNone/>
+              <a:defRPr sz="900"/>
+            </a:lvl7pPr>
+            <a:lvl8pPr marL="3200400" indent="0">
+              <a:buNone/>
+              <a:defRPr sz="900"/>
+            </a:lvl8pPr>
+            <a:lvl9pPr marL="3657600" indent="0">
+              <a:buNone/>
+              <a:defRPr sz="900"/>
+            </a:lvl9pPr>
+          </a:lstStyle>
+          <a:p>
             <a:pPr lvl="0"/>
             <a:r>
-              <a:rPr lang="fr-FR"/>
-              <a:t>Cliquez pour modifier les styles du texte du masque</a:t>
-            </a:r>
-          </a:p>
-        </p:txBody>
-      </p:sp>
-      <p:sp>
-        <p:nvSpPr>
-          <p:cNvPr id="5" name="Espace réservé de la date 4">
-            <a:extLst>
-              <a:ext uri="{FF2B5EF4-FFF2-40B4-BE49-F238E27FC236}">
-                <a16:creationId xmlns:a16="http://schemas.microsoft.com/office/drawing/2014/main" id="{DBD9CC41-4A7C-43A6-BD73-F0BC4249B116}"/>
-              </a:ext>
-            </a:extLst>
-          </p:cNvPr>
+              <a:rPr lang="fr-FR" smtClean="0"/>
+              <a:t>Modifiez les styles du texte du masque</a:t>
+            </a:r>
+          </a:p>
+        </p:txBody>
+      </p:sp>
+      <p:sp>
+        <p:nvSpPr>
+          <p:cNvPr id="5" name="Date Placeholder 4"/>
           <p:cNvSpPr>
             <a:spLocks noGrp="1"/>
           </p:cNvSpPr>
@@ -3314,7 +5067,7 @@
           <a:p>
             <a:fld id="{8A00D3EF-0965-402A-B72E-7182F322F1EE}" type="datetimeFigureOut">
               <a:rPr lang="fr-CH" smtClean="0"/>
-              <a:t>19.09.2020</a:t>
+              <a:t>21.09.2020</a:t>
             </a:fld>
             <a:endParaRPr lang="fr-CH"/>
           </a:p>
@@ -3322,13 +5075,7 @@
       </p:sp>
       <p:sp>
         <p:nvSpPr>
-          <p:cNvPr id="6" name="Espace réservé du pied de page 5">
-            <a:extLst>
-              <a:ext uri="{FF2B5EF4-FFF2-40B4-BE49-F238E27FC236}">
-                <a16:creationId xmlns:a16="http://schemas.microsoft.com/office/drawing/2014/main" id="{1DE60637-0861-4DD7-A89A-155258D78A0A}"/>
-              </a:ext>
-            </a:extLst>
-          </p:cNvPr>
+          <p:cNvPr id="6" name="Footer Placeholder 5"/>
           <p:cNvSpPr>
             <a:spLocks noGrp="1"/>
           </p:cNvSpPr>
@@ -3347,13 +5094,7 @@
       </p:sp>
       <p:sp>
         <p:nvSpPr>
-          <p:cNvPr id="7" name="Espace réservé du numéro de diapositive 6">
-            <a:extLst>
-              <a:ext uri="{FF2B5EF4-FFF2-40B4-BE49-F238E27FC236}">
-                <a16:creationId xmlns:a16="http://schemas.microsoft.com/office/drawing/2014/main" id="{4EF07E29-B8B5-4BB9-BF02-1AE293E442CB}"/>
-              </a:ext>
-            </a:extLst>
-          </p:cNvPr>
+          <p:cNvPr id="7" name="Slide Number Placeholder 6"/>
           <p:cNvSpPr>
             <a:spLocks noGrp="1"/>
           </p:cNvSpPr>
@@ -3377,7 +5118,7 @@
     </p:spTree>
     <p:extLst>
       <p:ext uri="{BB962C8B-B14F-4D97-AF65-F5344CB8AC3E}">
-        <p14:creationId xmlns:p14="http://schemas.microsoft.com/office/powerpoint/2010/main" val="3961420507"/>
+        <p14:creationId xmlns:p14="http://schemas.microsoft.com/office/powerpoint/2010/main" val="3127643034"/>
       </p:ext>
     </p:extLst>
   </p:cSld>
@@ -3391,8 +5132,8 @@
 <p:sldMaster xmlns:a="http://schemas.openxmlformats.org/drawingml/2006/main" xmlns:r="http://schemas.openxmlformats.org/officeDocument/2006/relationships" xmlns:p="http://schemas.openxmlformats.org/presentationml/2006/main">
   <p:cSld>
     <p:bg>
-      <p:bgRef idx="1001">
-        <a:schemeClr val="bg1"/>
+      <p:bgRef idx="1002">
+        <a:schemeClr val="bg2"/>
       </p:bgRef>
     </p:bg>
     <p:spTree>
@@ -3409,15 +5150,199 @@
           <a:chExt cx="0" cy="0"/>
         </a:xfrm>
       </p:grpSpPr>
-      <p:sp>
-        <p:nvSpPr>
-          <p:cNvPr id="2" name="Espace réservé du titre 1">
-            <a:extLst>
-              <a:ext uri="{FF2B5EF4-FFF2-40B4-BE49-F238E27FC236}">
-                <a16:creationId xmlns:a16="http://schemas.microsoft.com/office/drawing/2014/main" id="{F38F2074-FDBC-4E53-834B-E4657FF748EB}"/>
-              </a:ext>
-            </a:extLst>
-          </p:cNvPr>
+      <p:grpSp>
+        <p:nvGrpSpPr>
+          <p:cNvPr id="7" name="Group 6"/>
+          <p:cNvGrpSpPr/>
+          <p:nvPr/>
+        </p:nvGrpSpPr>
+        <p:grpSpPr>
+          <a:xfrm>
+            <a:off x="9206969" y="2963333"/>
+            <a:ext cx="2981858" cy="3208867"/>
+            <a:chOff x="9206969" y="2963333"/>
+            <a:chExt cx="2981858" cy="3208867"/>
+          </a:xfrm>
+        </p:grpSpPr>
+        <p:cxnSp>
+          <p:nvCxnSpPr>
+            <p:cNvPr id="8" name="Straight Connector 7"/>
+            <p:cNvCxnSpPr/>
+            <p:nvPr/>
+          </p:nvCxnSpPr>
+          <p:spPr>
+            <a:xfrm flipH="1">
+              <a:off x="11276012" y="2963333"/>
+              <a:ext cx="912814" cy="912812"/>
+            </a:xfrm>
+            <a:prstGeom prst="line">
+              <a:avLst/>
+            </a:prstGeom>
+            <a:ln w="9525">
+              <a:solidFill>
+                <a:schemeClr val="tx1"/>
+              </a:solidFill>
+            </a:ln>
+          </p:spPr>
+          <p:style>
+            <a:lnRef idx="2">
+              <a:schemeClr val="accent1"/>
+            </a:lnRef>
+            <a:fillRef idx="0">
+              <a:schemeClr val="accent1"/>
+            </a:fillRef>
+            <a:effectRef idx="1">
+              <a:schemeClr val="accent1"/>
+            </a:effectRef>
+            <a:fontRef idx="minor">
+              <a:schemeClr val="tx1"/>
+            </a:fontRef>
+          </p:style>
+        </p:cxnSp>
+        <p:cxnSp>
+          <p:nvCxnSpPr>
+            <p:cNvPr id="9" name="Straight Connector 8"/>
+            <p:cNvCxnSpPr/>
+            <p:nvPr/>
+          </p:nvCxnSpPr>
+          <p:spPr>
+            <a:xfrm flipH="1">
+              <a:off x="9206969" y="3190344"/>
+              <a:ext cx="2981857" cy="2981856"/>
+            </a:xfrm>
+            <a:prstGeom prst="line">
+              <a:avLst/>
+            </a:prstGeom>
+            <a:ln w="9525">
+              <a:solidFill>
+                <a:schemeClr val="tx1"/>
+              </a:solidFill>
+            </a:ln>
+          </p:spPr>
+          <p:style>
+            <a:lnRef idx="2">
+              <a:schemeClr val="accent1"/>
+            </a:lnRef>
+            <a:fillRef idx="0">
+              <a:schemeClr val="accent1"/>
+            </a:fillRef>
+            <a:effectRef idx="1">
+              <a:schemeClr val="accent1"/>
+            </a:effectRef>
+            <a:fontRef idx="minor">
+              <a:schemeClr val="tx1"/>
+            </a:fontRef>
+          </p:style>
+        </p:cxnSp>
+        <p:cxnSp>
+          <p:nvCxnSpPr>
+            <p:cNvPr id="10" name="Straight Connector 9"/>
+            <p:cNvCxnSpPr/>
+            <p:nvPr/>
+          </p:nvCxnSpPr>
+          <p:spPr>
+            <a:xfrm flipH="1">
+              <a:off x="10292292" y="3285067"/>
+              <a:ext cx="1896534" cy="1896533"/>
+            </a:xfrm>
+            <a:prstGeom prst="line">
+              <a:avLst/>
+            </a:prstGeom>
+            <a:ln w="9525">
+              <a:solidFill>
+                <a:schemeClr val="tx1"/>
+              </a:solidFill>
+            </a:ln>
+          </p:spPr>
+          <p:style>
+            <a:lnRef idx="2">
+              <a:schemeClr val="accent1"/>
+            </a:lnRef>
+            <a:fillRef idx="0">
+              <a:schemeClr val="accent1"/>
+            </a:fillRef>
+            <a:effectRef idx="1">
+              <a:schemeClr val="accent1"/>
+            </a:effectRef>
+            <a:fontRef idx="minor">
+              <a:schemeClr val="tx1"/>
+            </a:fontRef>
+          </p:style>
+        </p:cxnSp>
+        <p:cxnSp>
+          <p:nvCxnSpPr>
+            <p:cNvPr id="11" name="Straight Connector 10"/>
+            <p:cNvCxnSpPr/>
+            <p:nvPr/>
+          </p:nvCxnSpPr>
+          <p:spPr>
+            <a:xfrm flipH="1">
+              <a:off x="10443103" y="3131080"/>
+              <a:ext cx="1745722" cy="1745720"/>
+            </a:xfrm>
+            <a:prstGeom prst="line">
+              <a:avLst/>
+            </a:prstGeom>
+            <a:ln w="28575">
+              <a:solidFill>
+                <a:schemeClr val="tx1"/>
+              </a:solidFill>
+            </a:ln>
+          </p:spPr>
+          <p:style>
+            <a:lnRef idx="2">
+              <a:schemeClr val="accent1"/>
+            </a:lnRef>
+            <a:fillRef idx="0">
+              <a:schemeClr val="accent1"/>
+            </a:fillRef>
+            <a:effectRef idx="1">
+              <a:schemeClr val="accent1"/>
+            </a:effectRef>
+            <a:fontRef idx="minor">
+              <a:schemeClr val="tx1"/>
+            </a:fontRef>
+          </p:style>
+        </p:cxnSp>
+        <p:cxnSp>
+          <p:nvCxnSpPr>
+            <p:cNvPr id="12" name="Straight Connector 11"/>
+            <p:cNvCxnSpPr/>
+            <p:nvPr/>
+          </p:nvCxnSpPr>
+          <p:spPr>
+            <a:xfrm flipH="1">
+              <a:off x="10918826" y="3683001"/>
+              <a:ext cx="1270001" cy="1269999"/>
+            </a:xfrm>
+            <a:prstGeom prst="line">
+              <a:avLst/>
+            </a:prstGeom>
+            <a:ln w="28575">
+              <a:solidFill>
+                <a:schemeClr val="tx1"/>
+              </a:solidFill>
+            </a:ln>
+          </p:spPr>
+          <p:style>
+            <a:lnRef idx="2">
+              <a:schemeClr val="accent1"/>
+            </a:lnRef>
+            <a:fillRef idx="0">
+              <a:schemeClr val="accent1"/>
+            </a:fillRef>
+            <a:effectRef idx="1">
+              <a:schemeClr val="accent1"/>
+            </a:effectRef>
+            <a:fontRef idx="minor">
+              <a:schemeClr val="tx1"/>
+            </a:fontRef>
+          </p:style>
+        </p:cxnSp>
+      </p:grpSp>
+      <p:sp>
+        <p:nvSpPr>
+          <p:cNvPr id="2" name="Title Placeholder 1"/>
           <p:cNvSpPr>
             <a:spLocks noGrp="1"/>
           </p:cNvSpPr>
@@ -3427,8 +5352,42 @@
         </p:nvSpPr>
         <p:spPr>
           <a:xfrm>
-            <a:off x="838200" y="365125"/>
-            <a:ext cx="10515600" cy="1325563"/>
+            <a:off x="684212" y="4487332"/>
+            <a:ext cx="8534400" cy="1507067"/>
+          </a:xfrm>
+          <a:prstGeom prst="rect">
+            <a:avLst/>
+          </a:prstGeom>
+          <a:effectLst/>
+        </p:spPr>
+        <p:txBody>
+          <a:bodyPr vert="horz" lIns="91440" tIns="45720" rIns="91440" bIns="45720" rtlCol="0" anchor="ctr">
+            <a:normAutofit/>
+          </a:bodyPr>
+          <a:lstStyle/>
+          <a:p>
+            <a:r>
+              <a:rPr lang="fr-FR" smtClean="0"/>
+              <a:t>Modifiez le style du titre</a:t>
+            </a:r>
+            <a:endParaRPr lang="en-US" dirty="0"/>
+          </a:p>
+        </p:txBody>
+      </p:sp>
+      <p:sp>
+        <p:nvSpPr>
+          <p:cNvPr id="3" name="Text Placeholder 2"/>
+          <p:cNvSpPr>
+            <a:spLocks noGrp="1"/>
+          </p:cNvSpPr>
+          <p:nvPr>
+            <p:ph type="body" idx="1"/>
+          </p:nvPr>
+        </p:nvSpPr>
+        <p:spPr>
+          <a:xfrm>
+            <a:off x="684212" y="685800"/>
+            <a:ext cx="8534400" cy="3615267"/>
           </a:xfrm>
           <a:prstGeom prst="rect">
             <a:avLst/>
@@ -3440,207 +5399,156 @@
           </a:bodyPr>
           <a:lstStyle/>
           <a:p>
-            <a:r>
-              <a:rPr lang="fr-FR"/>
-              <a:t>Modifiez le style du titre</a:t>
-            </a:r>
-            <a:endParaRPr lang="fr-CH"/>
-          </a:p>
-        </p:txBody>
-      </p:sp>
-      <p:sp>
-        <p:nvSpPr>
-          <p:cNvPr id="3" name="Espace réservé du texte 2">
-            <a:extLst>
-              <a:ext uri="{FF2B5EF4-FFF2-40B4-BE49-F238E27FC236}">
-                <a16:creationId xmlns:a16="http://schemas.microsoft.com/office/drawing/2014/main" id="{74FFAB63-EF9B-48CD-BD0B-BA1285FD3F1A}"/>
-              </a:ext>
-            </a:extLst>
-          </p:cNvPr>
-          <p:cNvSpPr>
-            <a:spLocks noGrp="1"/>
-          </p:cNvSpPr>
-          <p:nvPr>
-            <p:ph type="body" idx="1"/>
+            <a:pPr lvl="0"/>
+            <a:r>
+              <a:rPr lang="fr-FR" smtClean="0"/>
+              <a:t>Modifiez les styles du texte du masque</a:t>
+            </a:r>
+          </a:p>
+          <a:p>
+            <a:pPr lvl="1"/>
+            <a:r>
+              <a:rPr lang="fr-FR" smtClean="0"/>
+              <a:t>Deuxième niveau</a:t>
+            </a:r>
+          </a:p>
+          <a:p>
+            <a:pPr lvl="2"/>
+            <a:r>
+              <a:rPr lang="fr-FR" smtClean="0"/>
+              <a:t>Troisième niveau</a:t>
+            </a:r>
+          </a:p>
+          <a:p>
+            <a:pPr lvl="3"/>
+            <a:r>
+              <a:rPr lang="fr-FR" smtClean="0"/>
+              <a:t>Quatrième niveau</a:t>
+            </a:r>
+          </a:p>
+          <a:p>
+            <a:pPr lvl="4"/>
+            <a:r>
+              <a:rPr lang="fr-FR" smtClean="0"/>
+              <a:t>Cinquième niveau</a:t>
+            </a:r>
+            <a:endParaRPr lang="en-US" dirty="0"/>
+          </a:p>
+        </p:txBody>
+      </p:sp>
+      <p:sp>
+        <p:nvSpPr>
+          <p:cNvPr id="4" name="Date Placeholder 3"/>
+          <p:cNvSpPr>
+            <a:spLocks noGrp="1"/>
+          </p:cNvSpPr>
+          <p:nvPr>
+            <p:ph type="dt" sz="half" idx="2"/>
           </p:nvPr>
         </p:nvSpPr>
         <p:spPr>
           <a:xfrm>
-            <a:off x="838200" y="1825625"/>
-            <a:ext cx="10515600" cy="4351338"/>
+            <a:off x="9904412" y="6172200"/>
+            <a:ext cx="1600200" cy="365125"/>
           </a:xfrm>
           <a:prstGeom prst="rect">
             <a:avLst/>
           </a:prstGeom>
         </p:spPr>
         <p:txBody>
-          <a:bodyPr vert="horz" lIns="91440" tIns="45720" rIns="91440" bIns="45720" rtlCol="0">
-            <a:normAutofit/>
-          </a:bodyPr>
-          <a:lstStyle/>
-          <a:p>
-            <a:pPr lvl="0"/>
-            <a:r>
-              <a:rPr lang="fr-FR"/>
-              <a:t>Cliquez pour modifier les styles du texte du masque</a:t>
-            </a:r>
-          </a:p>
-          <a:p>
-            <a:pPr lvl="1"/>
-            <a:r>
-              <a:rPr lang="fr-FR"/>
-              <a:t>Deuxième niveau</a:t>
-            </a:r>
-          </a:p>
-          <a:p>
-            <a:pPr lvl="2"/>
-            <a:r>
-              <a:rPr lang="fr-FR"/>
-              <a:t>Troisième niveau</a:t>
-            </a:r>
-          </a:p>
-          <a:p>
-            <a:pPr lvl="3"/>
-            <a:r>
-              <a:rPr lang="fr-FR"/>
-              <a:t>Quatrième niveau</a:t>
-            </a:r>
-          </a:p>
-          <a:p>
-            <a:pPr lvl="4"/>
-            <a:r>
-              <a:rPr lang="fr-FR"/>
-              <a:t>Cinquième niveau</a:t>
-            </a:r>
+          <a:bodyPr vert="horz" lIns="91440" tIns="45720" rIns="91440" bIns="45720" rtlCol="0" anchor="t"/>
+          <a:lstStyle>
+            <a:lvl1pPr algn="r">
+              <a:defRPr sz="1000" b="0" i="0">
+                <a:solidFill>
+                  <a:schemeClr val="bg2">
+                    <a:lumMod val="50000"/>
+                  </a:schemeClr>
+                </a:solidFill>
+                <a:effectLst/>
+                <a:latin typeface="+mn-lt"/>
+              </a:defRPr>
+            </a:lvl1pPr>
+          </a:lstStyle>
+          <a:p>
+            <a:fld id="{8A00D3EF-0965-402A-B72E-7182F322F1EE}" type="datetimeFigureOut">
+              <a:rPr lang="fr-CH" smtClean="0"/>
+              <a:t>21.09.2020</a:t>
+            </a:fld>
             <a:endParaRPr lang="fr-CH"/>
           </a:p>
         </p:txBody>
       </p:sp>
       <p:sp>
         <p:nvSpPr>
-          <p:cNvPr id="4" name="Espace réservé de la date 3">
-            <a:extLst>
-              <a:ext uri="{FF2B5EF4-FFF2-40B4-BE49-F238E27FC236}">
-                <a16:creationId xmlns:a16="http://schemas.microsoft.com/office/drawing/2014/main" id="{7B8E9731-7D46-4CB4-B178-19217533417F}"/>
-              </a:ext>
-            </a:extLst>
-          </p:cNvPr>
-          <p:cNvSpPr>
-            <a:spLocks noGrp="1"/>
-          </p:cNvSpPr>
-          <p:nvPr>
-            <p:ph type="dt" sz="half" idx="2"/>
+          <p:cNvPr id="5" name="Footer Placeholder 4"/>
+          <p:cNvSpPr>
+            <a:spLocks noGrp="1"/>
+          </p:cNvSpPr>
+          <p:nvPr>
+            <p:ph type="ftr" sz="quarter" idx="3"/>
           </p:nvPr>
         </p:nvSpPr>
         <p:spPr>
           <a:xfrm>
-            <a:off x="838200" y="6356350"/>
-            <a:ext cx="2743200" cy="365125"/>
+            <a:off x="684212" y="6172200"/>
+            <a:ext cx="7543800" cy="365125"/>
           </a:xfrm>
           <a:prstGeom prst="rect">
             <a:avLst/>
           </a:prstGeom>
         </p:spPr>
         <p:txBody>
-          <a:bodyPr vert="horz" lIns="91440" tIns="45720" rIns="91440" bIns="45720" rtlCol="0" anchor="ctr"/>
+          <a:bodyPr vert="horz" lIns="91440" tIns="45720" rIns="91440" bIns="45720" rtlCol="0" anchor="t"/>
           <a:lstStyle>
             <a:lvl1pPr algn="l">
-              <a:defRPr sz="1200">
-                <a:solidFill>
-                  <a:schemeClr val="tx1">
-                    <a:tint val="75000"/>
+              <a:defRPr sz="1000" b="0" i="0">
+                <a:solidFill>
+                  <a:schemeClr val="bg2">
+                    <a:lumMod val="50000"/>
                   </a:schemeClr>
                 </a:solidFill>
+                <a:effectLst/>
+                <a:latin typeface="+mn-lt"/>
               </a:defRPr>
             </a:lvl1pPr>
           </a:lstStyle>
           <a:p>
-            <a:fld id="{8A00D3EF-0965-402A-B72E-7182F322F1EE}" type="datetimeFigureOut">
-              <a:rPr lang="fr-CH" smtClean="0"/>
-              <a:t>19.09.2020</a:t>
-            </a:fld>
             <a:endParaRPr lang="fr-CH"/>
           </a:p>
         </p:txBody>
       </p:sp>
       <p:sp>
         <p:nvSpPr>
-          <p:cNvPr id="5" name="Espace réservé du pied de page 4">
-            <a:extLst>
-              <a:ext uri="{FF2B5EF4-FFF2-40B4-BE49-F238E27FC236}">
-                <a16:creationId xmlns:a16="http://schemas.microsoft.com/office/drawing/2014/main" id="{F8E6E7EF-C4A8-480E-B408-8C13E1FEDA8B}"/>
-              </a:ext>
-            </a:extLst>
-          </p:cNvPr>
-          <p:cNvSpPr>
-            <a:spLocks noGrp="1"/>
-          </p:cNvSpPr>
-          <p:nvPr>
-            <p:ph type="ftr" sz="quarter" idx="3"/>
+          <p:cNvPr id="6" name="Slide Number Placeholder 5"/>
+          <p:cNvSpPr>
+            <a:spLocks noGrp="1"/>
+          </p:cNvSpPr>
+          <p:nvPr>
+            <p:ph type="sldNum" sz="quarter" idx="4"/>
           </p:nvPr>
         </p:nvSpPr>
         <p:spPr>
           <a:xfrm>
-            <a:off x="4038600" y="6356350"/>
-            <a:ext cx="4114800" cy="365125"/>
+            <a:off x="10363200" y="5578475"/>
+            <a:ext cx="1142245" cy="669925"/>
           </a:xfrm>
           <a:prstGeom prst="rect">
             <a:avLst/>
           </a:prstGeom>
         </p:spPr>
         <p:txBody>
-          <a:bodyPr vert="horz" lIns="91440" tIns="45720" rIns="91440" bIns="45720" rtlCol="0" anchor="ctr"/>
-          <a:lstStyle>
-            <a:lvl1pPr algn="ctr">
-              <a:defRPr sz="1200">
-                <a:solidFill>
-                  <a:schemeClr val="tx1">
-                    <a:tint val="75000"/>
-                  </a:schemeClr>
-                </a:solidFill>
-              </a:defRPr>
-            </a:lvl1pPr>
-          </a:lstStyle>
-          <a:p>
-            <a:endParaRPr lang="fr-CH"/>
-          </a:p>
-        </p:txBody>
-      </p:sp>
-      <p:sp>
-        <p:nvSpPr>
-          <p:cNvPr id="6" name="Espace réservé du numéro de diapositive 5">
-            <a:extLst>
-              <a:ext uri="{FF2B5EF4-FFF2-40B4-BE49-F238E27FC236}">
-                <a16:creationId xmlns:a16="http://schemas.microsoft.com/office/drawing/2014/main" id="{49E87454-2CE8-4E60-93FD-3FB6BDBD8759}"/>
-              </a:ext>
-            </a:extLst>
-          </p:cNvPr>
-          <p:cNvSpPr>
-            <a:spLocks noGrp="1"/>
-          </p:cNvSpPr>
-          <p:nvPr>
-            <p:ph type="sldNum" sz="quarter" idx="4"/>
-          </p:nvPr>
-        </p:nvSpPr>
-        <p:spPr>
-          <a:xfrm>
-            <a:off x="8610600" y="6356350"/>
-            <a:ext cx="2743200" cy="365125"/>
-          </a:xfrm>
-          <a:prstGeom prst="rect">
-            <a:avLst/>
-          </a:prstGeom>
-        </p:spPr>
-        <p:txBody>
-          <a:bodyPr vert="horz" lIns="91440" tIns="45720" rIns="91440" bIns="45720" rtlCol="0" anchor="ctr"/>
+          <a:bodyPr vert="horz" lIns="91440" tIns="45720" rIns="91440" bIns="45720" rtlCol="0" anchor="b"/>
           <a:lstStyle>
             <a:lvl1pPr algn="r">
-              <a:defRPr sz="1200">
-                <a:solidFill>
-                  <a:schemeClr val="tx1">
-                    <a:tint val="75000"/>
+              <a:defRPr sz="3200" b="0" i="0">
+                <a:solidFill>
+                  <a:schemeClr val="bg2">
+                    <a:lumMod val="50000"/>
                   </a:schemeClr>
                 </a:solidFill>
+                <a:effectLst/>
+                <a:latin typeface="+mn-lt"/>
               </a:defRPr>
             </a:lvl1pPr>
           </a:lstStyle>
@@ -3656,55 +5564,340 @@
     </p:spTree>
     <p:extLst>
       <p:ext uri="{BB962C8B-B14F-4D97-AF65-F5344CB8AC3E}">
-        <p14:creationId xmlns:p14="http://schemas.microsoft.com/office/powerpoint/2010/main" val="3872652964"/>
+        <p14:creationId xmlns:p14="http://schemas.microsoft.com/office/powerpoint/2010/main" val="1110128254"/>
       </p:ext>
     </p:extLst>
   </p:cSld>
-  <p:clrMap bg1="lt1" tx1="dk1" bg2="lt2" tx2="dk2" accent1="accent1" accent2="accent2" accent3="accent3" accent4="accent4" accent5="accent5" accent6="accent6" hlink="hlink" folHlink="folHlink"/>
+  <p:clrMap bg1="dk1" tx1="lt1" bg2="dk2" tx2="lt2" accent1="accent1" accent2="accent2" accent3="accent3" accent4="accent4" accent5="accent5" accent6="accent6" hlink="hlink" folHlink="folHlink"/>
   <p:sldLayoutIdLst>
-    <p:sldLayoutId id="2147483649" r:id="rId1"/>
-    <p:sldLayoutId id="2147483650" r:id="rId2"/>
-    <p:sldLayoutId id="2147483651" r:id="rId3"/>
-    <p:sldLayoutId id="2147483652" r:id="rId4"/>
-    <p:sldLayoutId id="2147483653" r:id="rId5"/>
-    <p:sldLayoutId id="2147483654" r:id="rId6"/>
-    <p:sldLayoutId id="2147483655" r:id="rId7"/>
-    <p:sldLayoutId id="2147483656" r:id="rId8"/>
-    <p:sldLayoutId id="2147483657" r:id="rId9"/>
-    <p:sldLayoutId id="2147483658" r:id="rId10"/>
-    <p:sldLayoutId id="2147483659" r:id="rId11"/>
+    <p:sldLayoutId id="2147483797" r:id="rId1"/>
+    <p:sldLayoutId id="2147483798" r:id="rId2"/>
+    <p:sldLayoutId id="2147483799" r:id="rId3"/>
+    <p:sldLayoutId id="2147483800" r:id="rId4"/>
+    <p:sldLayoutId id="2147483801" r:id="rId5"/>
+    <p:sldLayoutId id="2147483802" r:id="rId6"/>
+    <p:sldLayoutId id="2147483803" r:id="rId7"/>
+    <p:sldLayoutId id="2147483804" r:id="rId8"/>
+    <p:sldLayoutId id="2147483805" r:id="rId9"/>
+    <p:sldLayoutId id="2147483806" r:id="rId10"/>
+    <p:sldLayoutId id="2147483807" r:id="rId11"/>
+    <p:sldLayoutId id="2147483808" r:id="rId12"/>
+    <p:sldLayoutId id="2147483809" r:id="rId13"/>
+    <p:sldLayoutId id="2147483810" r:id="rId14"/>
+    <p:sldLayoutId id="2147483811" r:id="rId15"/>
+    <p:sldLayoutId id="2147483812" r:id="rId16"/>
+    <p:sldLayoutId id="2147483813" r:id="rId17"/>
   </p:sldLayoutIdLst>
   <p:txStyles>
     <p:titleStyle>
-      <a:lvl1pPr algn="l" defTabSz="914400" rtl="0" eaLnBrk="1" latinLnBrk="0" hangingPunct="1">
-        <a:lnSpc>
-          <a:spcPct val="90000"/>
-        </a:lnSpc>
+      <a:lvl1pPr algn="l" defTabSz="457200" rtl="0" eaLnBrk="1" latinLnBrk="0" hangingPunct="1">
         <a:spcBef>
           <a:spcPct val="0"/>
         </a:spcBef>
         <a:buNone/>
-        <a:defRPr sz="4400" kern="1200">
+        <a:defRPr sz="3600" kern="1200" cap="all">
+          <a:ln w="3175" cmpd="sng">
+            <a:noFill/>
+          </a:ln>
           <a:solidFill>
             <a:schemeClr val="tx1"/>
           </a:solidFill>
+          <a:effectLst/>
           <a:latin typeface="+mj-lt"/>
           <a:ea typeface="+mj-ea"/>
           <a:cs typeface="+mj-cs"/>
         </a:defRPr>
       </a:lvl1pPr>
+      <a:lvl2pPr eaLnBrk="1" hangingPunct="1">
+        <a:defRPr>
+          <a:solidFill>
+            <a:schemeClr val="tx2"/>
+          </a:solidFill>
+        </a:defRPr>
+      </a:lvl2pPr>
+      <a:lvl3pPr eaLnBrk="1" hangingPunct="1">
+        <a:defRPr>
+          <a:solidFill>
+            <a:schemeClr val="tx2"/>
+          </a:solidFill>
+        </a:defRPr>
+      </a:lvl3pPr>
+      <a:lvl4pPr eaLnBrk="1" hangingPunct="1">
+        <a:defRPr>
+          <a:solidFill>
+            <a:schemeClr val="tx2"/>
+          </a:solidFill>
+        </a:defRPr>
+      </a:lvl4pPr>
+      <a:lvl5pPr eaLnBrk="1" hangingPunct="1">
+        <a:defRPr>
+          <a:solidFill>
+            <a:schemeClr val="tx2"/>
+          </a:solidFill>
+        </a:defRPr>
+      </a:lvl5pPr>
+      <a:lvl6pPr eaLnBrk="1" hangingPunct="1">
+        <a:defRPr>
+          <a:solidFill>
+            <a:schemeClr val="tx2"/>
+          </a:solidFill>
+        </a:defRPr>
+      </a:lvl6pPr>
+      <a:lvl7pPr eaLnBrk="1" hangingPunct="1">
+        <a:defRPr>
+          <a:solidFill>
+            <a:schemeClr val="tx2"/>
+          </a:solidFill>
+        </a:defRPr>
+      </a:lvl7pPr>
+      <a:lvl8pPr eaLnBrk="1" hangingPunct="1">
+        <a:defRPr>
+          <a:solidFill>
+            <a:schemeClr val="tx2"/>
+          </a:solidFill>
+        </a:defRPr>
+      </a:lvl8pPr>
+      <a:lvl9pPr eaLnBrk="1" hangingPunct="1">
+        <a:defRPr>
+          <a:solidFill>
+            <a:schemeClr val="tx2"/>
+          </a:solidFill>
+        </a:defRPr>
+      </a:lvl9pPr>
     </p:titleStyle>
     <p:bodyStyle>
-      <a:lvl1pPr marL="228600" indent="-228600" algn="l" defTabSz="914400" rtl="0" eaLnBrk="1" latinLnBrk="0" hangingPunct="1">
-        <a:lnSpc>
-          <a:spcPct val="90000"/>
-        </a:lnSpc>
+      <a:lvl1pPr marL="285750" indent="-285750" algn="l" defTabSz="457200" rtl="0" eaLnBrk="1" latinLnBrk="0" hangingPunct="1">
         <a:spcBef>
-          <a:spcPts val="1000"/>
+          <a:spcPct val="20000"/>
         </a:spcBef>
-        <a:buFont typeface="Arial" panose="020B0604020202020204" pitchFamily="34" charset="0"/>
-        <a:buChar char="•"/>
-        <a:defRPr sz="2800" kern="1200">
+        <a:spcAft>
+          <a:spcPts val="600"/>
+        </a:spcAft>
+        <a:buClr>
+          <a:schemeClr val="tx1"/>
+        </a:buClr>
+        <a:buSzPct val="80000"/>
+        <a:buFont typeface="Wingdings 3" panose="05040102010807070707" pitchFamily="18" charset="2"/>
+        <a:buChar char=""/>
+        <a:defRPr sz="2000" kern="1200" cap="none">
+          <a:solidFill>
+            <a:schemeClr val="bg2">
+              <a:lumMod val="75000"/>
+            </a:schemeClr>
+          </a:solidFill>
+          <a:effectLst/>
+          <a:latin typeface="+mn-lt"/>
+          <a:ea typeface="+mn-ea"/>
+          <a:cs typeface="+mn-cs"/>
+        </a:defRPr>
+      </a:lvl1pPr>
+      <a:lvl2pPr marL="742950" indent="-285750" algn="l" defTabSz="457200" rtl="0" eaLnBrk="1" latinLnBrk="0" hangingPunct="1">
+        <a:spcBef>
+          <a:spcPct val="20000"/>
+        </a:spcBef>
+        <a:spcAft>
+          <a:spcPts val="600"/>
+        </a:spcAft>
+        <a:buClr>
+          <a:schemeClr val="tx1"/>
+        </a:buClr>
+        <a:buSzPct val="80000"/>
+        <a:buFont typeface="Wingdings 3" panose="05040102010807070707" pitchFamily="18" charset="2"/>
+        <a:buChar char=""/>
+        <a:defRPr sz="1800" kern="1200" cap="none">
+          <a:solidFill>
+            <a:schemeClr val="bg2">
+              <a:lumMod val="75000"/>
+            </a:schemeClr>
+          </a:solidFill>
+          <a:effectLst/>
+          <a:latin typeface="+mn-lt"/>
+          <a:ea typeface="+mn-ea"/>
+          <a:cs typeface="+mn-cs"/>
+        </a:defRPr>
+      </a:lvl2pPr>
+      <a:lvl3pPr marL="1200150" indent="-285750" algn="l" defTabSz="457200" rtl="0" eaLnBrk="1" latinLnBrk="0" hangingPunct="1">
+        <a:spcBef>
+          <a:spcPct val="20000"/>
+        </a:spcBef>
+        <a:spcAft>
+          <a:spcPts val="600"/>
+        </a:spcAft>
+        <a:buClr>
+          <a:schemeClr val="tx1"/>
+        </a:buClr>
+        <a:buSzPct val="80000"/>
+        <a:buFont typeface="Wingdings 3" panose="05040102010807070707" pitchFamily="18" charset="2"/>
+        <a:buChar char=""/>
+        <a:defRPr sz="1600" kern="1200" cap="none">
+          <a:solidFill>
+            <a:schemeClr val="bg2">
+              <a:lumMod val="75000"/>
+            </a:schemeClr>
+          </a:solidFill>
+          <a:effectLst/>
+          <a:latin typeface="+mn-lt"/>
+          <a:ea typeface="+mn-ea"/>
+          <a:cs typeface="+mn-cs"/>
+        </a:defRPr>
+      </a:lvl3pPr>
+      <a:lvl4pPr marL="1543050" indent="-171450" algn="l" defTabSz="457200" rtl="0" eaLnBrk="1" latinLnBrk="0" hangingPunct="1">
+        <a:spcBef>
+          <a:spcPct val="20000"/>
+        </a:spcBef>
+        <a:spcAft>
+          <a:spcPts val="600"/>
+        </a:spcAft>
+        <a:buClr>
+          <a:schemeClr val="tx1"/>
+        </a:buClr>
+        <a:buSzPct val="80000"/>
+        <a:buFont typeface="Wingdings 3" panose="05040102010807070707" pitchFamily="18" charset="2"/>
+        <a:buChar char=""/>
+        <a:defRPr sz="1400" kern="1200" cap="none">
+          <a:solidFill>
+            <a:schemeClr val="bg2">
+              <a:lumMod val="75000"/>
+            </a:schemeClr>
+          </a:solidFill>
+          <a:effectLst/>
+          <a:latin typeface="+mn-lt"/>
+          <a:ea typeface="+mn-ea"/>
+          <a:cs typeface="+mn-cs"/>
+        </a:defRPr>
+      </a:lvl4pPr>
+      <a:lvl5pPr marL="2000250" indent="-171450" algn="l" defTabSz="457200" rtl="0" eaLnBrk="1" latinLnBrk="0" hangingPunct="1">
+        <a:spcBef>
+          <a:spcPct val="20000"/>
+        </a:spcBef>
+        <a:spcAft>
+          <a:spcPts val="600"/>
+        </a:spcAft>
+        <a:buClr>
+          <a:schemeClr val="tx1"/>
+        </a:buClr>
+        <a:buSzPct val="80000"/>
+        <a:buFont typeface="Wingdings 3" panose="05040102010807070707" pitchFamily="18" charset="2"/>
+        <a:buChar char=""/>
+        <a:defRPr sz="1400" kern="1200" cap="none">
+          <a:solidFill>
+            <a:schemeClr val="bg2">
+              <a:lumMod val="75000"/>
+            </a:schemeClr>
+          </a:solidFill>
+          <a:effectLst/>
+          <a:latin typeface="+mn-lt"/>
+          <a:ea typeface="+mn-ea"/>
+          <a:cs typeface="+mn-cs"/>
+        </a:defRPr>
+      </a:lvl5pPr>
+      <a:lvl6pPr marL="2514600" indent="-228600" algn="l" defTabSz="457200" rtl="0" eaLnBrk="1" latinLnBrk="0" hangingPunct="1">
+        <a:spcBef>
+          <a:spcPct val="20000"/>
+        </a:spcBef>
+        <a:spcAft>
+          <a:spcPts val="600"/>
+        </a:spcAft>
+        <a:buClr>
+          <a:schemeClr val="tx1"/>
+        </a:buClr>
+        <a:buSzPct val="80000"/>
+        <a:buFont typeface="Wingdings 3" panose="05040102010807070707" pitchFamily="18" charset="2"/>
+        <a:buChar char=""/>
+        <a:defRPr sz="1400" kern="1200" cap="none">
+          <a:solidFill>
+            <a:schemeClr val="bg2">
+              <a:lumMod val="75000"/>
+            </a:schemeClr>
+          </a:solidFill>
+          <a:effectLst/>
+          <a:latin typeface="+mn-lt"/>
+          <a:ea typeface="+mn-ea"/>
+          <a:cs typeface="+mn-cs"/>
+        </a:defRPr>
+      </a:lvl6pPr>
+      <a:lvl7pPr marL="2971800" indent="-228600" algn="l" defTabSz="457200" rtl="0" eaLnBrk="1" latinLnBrk="0" hangingPunct="1">
+        <a:spcBef>
+          <a:spcPct val="20000"/>
+        </a:spcBef>
+        <a:spcAft>
+          <a:spcPts val="600"/>
+        </a:spcAft>
+        <a:buClr>
+          <a:schemeClr val="tx1"/>
+        </a:buClr>
+        <a:buSzPct val="80000"/>
+        <a:buFont typeface="Wingdings 3" panose="05040102010807070707" pitchFamily="18" charset="2"/>
+        <a:buChar char=""/>
+        <a:defRPr sz="1400" kern="1200" cap="none">
+          <a:solidFill>
+            <a:schemeClr val="bg2">
+              <a:lumMod val="75000"/>
+            </a:schemeClr>
+          </a:solidFill>
+          <a:effectLst/>
+          <a:latin typeface="+mn-lt"/>
+          <a:ea typeface="+mn-ea"/>
+          <a:cs typeface="+mn-cs"/>
+        </a:defRPr>
+      </a:lvl7pPr>
+      <a:lvl8pPr marL="3429000" indent="-228600" algn="l" defTabSz="457200" rtl="0" eaLnBrk="1" latinLnBrk="0" hangingPunct="1">
+        <a:spcBef>
+          <a:spcPct val="20000"/>
+        </a:spcBef>
+        <a:spcAft>
+          <a:spcPts val="600"/>
+        </a:spcAft>
+        <a:buClr>
+          <a:schemeClr val="tx1"/>
+        </a:buClr>
+        <a:buSzPct val="80000"/>
+        <a:buFont typeface="Wingdings 3" panose="05040102010807070707" pitchFamily="18" charset="2"/>
+        <a:buChar char=""/>
+        <a:defRPr sz="1400" kern="1200" cap="none">
+          <a:solidFill>
+            <a:schemeClr val="bg2">
+              <a:lumMod val="75000"/>
+            </a:schemeClr>
+          </a:solidFill>
+          <a:effectLst/>
+          <a:latin typeface="+mn-lt"/>
+          <a:ea typeface="+mn-ea"/>
+          <a:cs typeface="+mn-cs"/>
+        </a:defRPr>
+      </a:lvl8pPr>
+      <a:lvl9pPr marL="3886200" indent="-228600" algn="l" defTabSz="457200" rtl="0" eaLnBrk="1" latinLnBrk="0" hangingPunct="1">
+        <a:spcBef>
+          <a:spcPct val="20000"/>
+        </a:spcBef>
+        <a:spcAft>
+          <a:spcPts val="600"/>
+        </a:spcAft>
+        <a:buClr>
+          <a:schemeClr val="tx1"/>
+        </a:buClr>
+        <a:buSzPct val="80000"/>
+        <a:buFont typeface="Wingdings 3" panose="05040102010807070707" pitchFamily="18" charset="2"/>
+        <a:buChar char=""/>
+        <a:defRPr sz="1400" kern="1200" cap="none">
+          <a:solidFill>
+            <a:schemeClr val="bg2">
+              <a:lumMod val="75000"/>
+            </a:schemeClr>
+          </a:solidFill>
+          <a:effectLst/>
+          <a:latin typeface="+mn-lt"/>
+          <a:ea typeface="+mn-ea"/>
+          <a:cs typeface="+mn-cs"/>
+        </a:defRPr>
+      </a:lvl9pPr>
+    </p:bodyStyle>
+    <p:otherStyle>
+      <a:defPPr>
+        <a:defRPr lang="en-US"/>
+      </a:defPPr>
+      <a:lvl1pPr marL="0" algn="l" defTabSz="457200" rtl="0" eaLnBrk="1" latinLnBrk="0" hangingPunct="1">
+        <a:defRPr sz="1800" kern="1200">
           <a:solidFill>
             <a:schemeClr val="tx1"/>
           </a:solidFill>
@@ -3713,16 +5906,8 @@
           <a:cs typeface="+mn-cs"/>
         </a:defRPr>
       </a:lvl1pPr>
-      <a:lvl2pPr marL="685800" indent="-228600" algn="l" defTabSz="914400" rtl="0" eaLnBrk="1" latinLnBrk="0" hangingPunct="1">
-        <a:lnSpc>
-          <a:spcPct val="90000"/>
-        </a:lnSpc>
-        <a:spcBef>
-          <a:spcPts val="500"/>
-        </a:spcBef>
-        <a:buFont typeface="Arial" panose="020B0604020202020204" pitchFamily="34" charset="0"/>
-        <a:buChar char="•"/>
-        <a:defRPr sz="2400" kern="1200">
+      <a:lvl2pPr marL="457200" algn="l" defTabSz="457200" rtl="0" eaLnBrk="1" latinLnBrk="0" hangingPunct="1">
+        <a:defRPr sz="1800" kern="1200">
           <a:solidFill>
             <a:schemeClr val="tx1"/>
           </a:solidFill>
@@ -3731,16 +5916,8 @@
           <a:cs typeface="+mn-cs"/>
         </a:defRPr>
       </a:lvl2pPr>
-      <a:lvl3pPr marL="1143000" indent="-228600" algn="l" defTabSz="914400" rtl="0" eaLnBrk="1" latinLnBrk="0" hangingPunct="1">
-        <a:lnSpc>
-          <a:spcPct val="90000"/>
-        </a:lnSpc>
-        <a:spcBef>
-          <a:spcPts val="500"/>
-        </a:spcBef>
-        <a:buFont typeface="Arial" panose="020B0604020202020204" pitchFamily="34" charset="0"/>
-        <a:buChar char="•"/>
-        <a:defRPr sz="2000" kern="1200">
+      <a:lvl3pPr marL="914400" algn="l" defTabSz="457200" rtl="0" eaLnBrk="1" latinLnBrk="0" hangingPunct="1">
+        <a:defRPr sz="1800" kern="1200">
           <a:solidFill>
             <a:schemeClr val="tx1"/>
           </a:solidFill>
@@ -3749,15 +5926,7 @@
           <a:cs typeface="+mn-cs"/>
         </a:defRPr>
       </a:lvl3pPr>
-      <a:lvl4pPr marL="1600200" indent="-228600" algn="l" defTabSz="914400" rtl="0" eaLnBrk="1" latinLnBrk="0" hangingPunct="1">
-        <a:lnSpc>
-          <a:spcPct val="90000"/>
-        </a:lnSpc>
-        <a:spcBef>
-          <a:spcPts val="500"/>
-        </a:spcBef>
-        <a:buFont typeface="Arial" panose="020B0604020202020204" pitchFamily="34" charset="0"/>
-        <a:buChar char="•"/>
+      <a:lvl4pPr marL="1371600" algn="l" defTabSz="457200" rtl="0" eaLnBrk="1" latinLnBrk="0" hangingPunct="1">
         <a:defRPr sz="1800" kern="1200">
           <a:solidFill>
             <a:schemeClr val="tx1"/>
@@ -3767,15 +5936,7 @@
           <a:cs typeface="+mn-cs"/>
         </a:defRPr>
       </a:lvl4pPr>
-      <a:lvl5pPr marL="2057400" indent="-228600" algn="l" defTabSz="914400" rtl="0" eaLnBrk="1" latinLnBrk="0" hangingPunct="1">
-        <a:lnSpc>
-          <a:spcPct val="90000"/>
-        </a:lnSpc>
-        <a:spcBef>
-          <a:spcPts val="500"/>
-        </a:spcBef>
-        <a:buFont typeface="Arial" panose="020B0604020202020204" pitchFamily="34" charset="0"/>
-        <a:buChar char="•"/>
+      <a:lvl5pPr marL="1828800" algn="l" defTabSz="457200" rtl="0" eaLnBrk="1" latinLnBrk="0" hangingPunct="1">
         <a:defRPr sz="1800" kern="1200">
           <a:solidFill>
             <a:schemeClr val="tx1"/>
@@ -3785,15 +5946,7 @@
           <a:cs typeface="+mn-cs"/>
         </a:defRPr>
       </a:lvl5pPr>
-      <a:lvl6pPr marL="2514600" indent="-228600" algn="l" defTabSz="914400" rtl="0" eaLnBrk="1" latinLnBrk="0" hangingPunct="1">
-        <a:lnSpc>
-          <a:spcPct val="90000"/>
-        </a:lnSpc>
-        <a:spcBef>
-          <a:spcPts val="500"/>
-        </a:spcBef>
-        <a:buFont typeface="Arial" panose="020B0604020202020204" pitchFamily="34" charset="0"/>
-        <a:buChar char="•"/>
+      <a:lvl6pPr marL="2286000" algn="l" defTabSz="457200" rtl="0" eaLnBrk="1" latinLnBrk="0" hangingPunct="1">
         <a:defRPr sz="1800" kern="1200">
           <a:solidFill>
             <a:schemeClr val="tx1"/>
@@ -3803,15 +5956,7 @@
           <a:cs typeface="+mn-cs"/>
         </a:defRPr>
       </a:lvl6pPr>
-      <a:lvl7pPr marL="2971800" indent="-228600" algn="l" defTabSz="914400" rtl="0" eaLnBrk="1" latinLnBrk="0" hangingPunct="1">
-        <a:lnSpc>
-          <a:spcPct val="90000"/>
-        </a:lnSpc>
-        <a:spcBef>
-          <a:spcPts val="500"/>
-        </a:spcBef>
-        <a:buFont typeface="Arial" panose="020B0604020202020204" pitchFamily="34" charset="0"/>
-        <a:buChar char="•"/>
+      <a:lvl7pPr marL="2743200" algn="l" defTabSz="457200" rtl="0" eaLnBrk="1" latinLnBrk="0" hangingPunct="1">
         <a:defRPr sz="1800" kern="1200">
           <a:solidFill>
             <a:schemeClr val="tx1"/>
@@ -3821,15 +5966,7 @@
           <a:cs typeface="+mn-cs"/>
         </a:defRPr>
       </a:lvl7pPr>
-      <a:lvl8pPr marL="3429000" indent="-228600" algn="l" defTabSz="914400" rtl="0" eaLnBrk="1" latinLnBrk="0" hangingPunct="1">
-        <a:lnSpc>
-          <a:spcPct val="90000"/>
-        </a:lnSpc>
-        <a:spcBef>
-          <a:spcPts val="500"/>
-        </a:spcBef>
-        <a:buFont typeface="Arial" panose="020B0604020202020204" pitchFamily="34" charset="0"/>
-        <a:buChar char="•"/>
+      <a:lvl8pPr marL="3200400" algn="l" defTabSz="457200" rtl="0" eaLnBrk="1" latinLnBrk="0" hangingPunct="1">
         <a:defRPr sz="1800" kern="1200">
           <a:solidFill>
             <a:schemeClr val="tx1"/>
@@ -3839,110 +5976,7 @@
           <a:cs typeface="+mn-cs"/>
         </a:defRPr>
       </a:lvl8pPr>
-      <a:lvl9pPr marL="3886200" indent="-228600" algn="l" defTabSz="914400" rtl="0" eaLnBrk="1" latinLnBrk="0" hangingPunct="1">
-        <a:lnSpc>
-          <a:spcPct val="90000"/>
-        </a:lnSpc>
-        <a:spcBef>
-          <a:spcPts val="500"/>
-        </a:spcBef>
-        <a:buFont typeface="Arial" panose="020B0604020202020204" pitchFamily="34" charset="0"/>
-        <a:buChar char="•"/>
-        <a:defRPr sz="1800" kern="1200">
-          <a:solidFill>
-            <a:schemeClr val="tx1"/>
-          </a:solidFill>
-          <a:latin typeface="+mn-lt"/>
-          <a:ea typeface="+mn-ea"/>
-          <a:cs typeface="+mn-cs"/>
-        </a:defRPr>
-      </a:lvl9pPr>
-    </p:bodyStyle>
-    <p:otherStyle>
-      <a:defPPr>
-        <a:defRPr lang="fr-FR"/>
-      </a:defPPr>
-      <a:lvl1pPr marL="0" algn="l" defTabSz="914400" rtl="0" eaLnBrk="1" latinLnBrk="0" hangingPunct="1">
-        <a:defRPr sz="1800" kern="1200">
-          <a:solidFill>
-            <a:schemeClr val="tx1"/>
-          </a:solidFill>
-          <a:latin typeface="+mn-lt"/>
-          <a:ea typeface="+mn-ea"/>
-          <a:cs typeface="+mn-cs"/>
-        </a:defRPr>
-      </a:lvl1pPr>
-      <a:lvl2pPr marL="457200" algn="l" defTabSz="914400" rtl="0" eaLnBrk="1" latinLnBrk="0" hangingPunct="1">
-        <a:defRPr sz="1800" kern="1200">
-          <a:solidFill>
-            <a:schemeClr val="tx1"/>
-          </a:solidFill>
-          <a:latin typeface="+mn-lt"/>
-          <a:ea typeface="+mn-ea"/>
-          <a:cs typeface="+mn-cs"/>
-        </a:defRPr>
-      </a:lvl2pPr>
-      <a:lvl3pPr marL="914400" algn="l" defTabSz="914400" rtl="0" eaLnBrk="1" latinLnBrk="0" hangingPunct="1">
-        <a:defRPr sz="1800" kern="1200">
-          <a:solidFill>
-            <a:schemeClr val="tx1"/>
-          </a:solidFill>
-          <a:latin typeface="+mn-lt"/>
-          <a:ea typeface="+mn-ea"/>
-          <a:cs typeface="+mn-cs"/>
-        </a:defRPr>
-      </a:lvl3pPr>
-      <a:lvl4pPr marL="1371600" algn="l" defTabSz="914400" rtl="0" eaLnBrk="1" latinLnBrk="0" hangingPunct="1">
-        <a:defRPr sz="1800" kern="1200">
-          <a:solidFill>
-            <a:schemeClr val="tx1"/>
-          </a:solidFill>
-          <a:latin typeface="+mn-lt"/>
-          <a:ea typeface="+mn-ea"/>
-          <a:cs typeface="+mn-cs"/>
-        </a:defRPr>
-      </a:lvl4pPr>
-      <a:lvl5pPr marL="1828800" algn="l" defTabSz="914400" rtl="0" eaLnBrk="1" latinLnBrk="0" hangingPunct="1">
-        <a:defRPr sz="1800" kern="1200">
-          <a:solidFill>
-            <a:schemeClr val="tx1"/>
-          </a:solidFill>
-          <a:latin typeface="+mn-lt"/>
-          <a:ea typeface="+mn-ea"/>
-          <a:cs typeface="+mn-cs"/>
-        </a:defRPr>
-      </a:lvl5pPr>
-      <a:lvl6pPr marL="2286000" algn="l" defTabSz="914400" rtl="0" eaLnBrk="1" latinLnBrk="0" hangingPunct="1">
-        <a:defRPr sz="1800" kern="1200">
-          <a:solidFill>
-            <a:schemeClr val="tx1"/>
-          </a:solidFill>
-          <a:latin typeface="+mn-lt"/>
-          <a:ea typeface="+mn-ea"/>
-          <a:cs typeface="+mn-cs"/>
-        </a:defRPr>
-      </a:lvl6pPr>
-      <a:lvl7pPr marL="2743200" algn="l" defTabSz="914400" rtl="0" eaLnBrk="1" latinLnBrk="0" hangingPunct="1">
-        <a:defRPr sz="1800" kern="1200">
-          <a:solidFill>
-            <a:schemeClr val="tx1"/>
-          </a:solidFill>
-          <a:latin typeface="+mn-lt"/>
-          <a:ea typeface="+mn-ea"/>
-          <a:cs typeface="+mn-cs"/>
-        </a:defRPr>
-      </a:lvl7pPr>
-      <a:lvl8pPr marL="3200400" algn="l" defTabSz="914400" rtl="0" eaLnBrk="1" latinLnBrk="0" hangingPunct="1">
-        <a:defRPr sz="1800" kern="1200">
-          <a:solidFill>
-            <a:schemeClr val="tx1"/>
-          </a:solidFill>
-          <a:latin typeface="+mn-lt"/>
-          <a:ea typeface="+mn-ea"/>
-          <a:cs typeface="+mn-cs"/>
-        </a:defRPr>
-      </a:lvl8pPr>
-      <a:lvl9pPr marL="3657600" algn="l" defTabSz="914400" rtl="0" eaLnBrk="1" latinLnBrk="0" hangingPunct="1">
+      <a:lvl9pPr marL="3657600" algn="l" defTabSz="457200" rtl="0" eaLnBrk="1" latinLnBrk="0" hangingPunct="1">
         <a:defRPr sz="1800" kern="1200">
           <a:solidFill>
             <a:schemeClr val="tx1"/>
@@ -3958,6 +5992,1982 @@
 </file>
 
 <file path=ppt/slides/slide1.xml><?xml version="1.0" encoding="utf-8"?>
+<p:sld xmlns:a="http://schemas.openxmlformats.org/drawingml/2006/main" xmlns:r="http://schemas.openxmlformats.org/officeDocument/2006/relationships" xmlns:p="http://schemas.openxmlformats.org/presentationml/2006/main">
+  <p:cSld>
+    <p:bg>
+      <p:bgPr>
+        <a:gradFill>
+          <a:gsLst>
+            <a:gs pos="43000">
+              <a:schemeClr val="accent1">
+                <a:lumMod val="20000"/>
+                <a:lumOff val="80000"/>
+              </a:schemeClr>
+            </a:gs>
+            <a:gs pos="19000">
+              <a:schemeClr val="accent1">
+                <a:lumMod val="45000"/>
+                <a:lumOff val="55000"/>
+              </a:schemeClr>
+            </a:gs>
+            <a:gs pos="83000">
+              <a:schemeClr val="accent1">
+                <a:lumMod val="45000"/>
+                <a:lumOff val="55000"/>
+              </a:schemeClr>
+            </a:gs>
+            <a:gs pos="100000">
+              <a:schemeClr val="accent1">
+                <a:lumMod val="30000"/>
+                <a:lumOff val="70000"/>
+              </a:schemeClr>
+            </a:gs>
+          </a:gsLst>
+          <a:lin ang="5400000" scaled="1"/>
+        </a:gradFill>
+        <a:effectLst/>
+      </p:bgPr>
+    </p:bg>
+    <p:spTree>
+      <p:nvGrpSpPr>
+        <p:cNvPr id="1" name=""/>
+        <p:cNvGrpSpPr/>
+        <p:nvPr/>
+      </p:nvGrpSpPr>
+      <p:grpSpPr>
+        <a:xfrm>
+          <a:off x="0" y="0"/>
+          <a:ext cx="0" cy="0"/>
+          <a:chOff x="0" y="0"/>
+          <a:chExt cx="0" cy="0"/>
+        </a:xfrm>
+      </p:grpSpPr>
+      <p:sp useBgFill="1">
+        <p:nvSpPr>
+          <p:cNvPr id="2" name="Titre 1"/>
+          <p:cNvSpPr>
+            <a:spLocks noGrp="1"/>
+          </p:cNvSpPr>
+          <p:nvPr>
+            <p:ph type="title"/>
+          </p:nvPr>
+        </p:nvSpPr>
+        <p:spPr>
+          <a:xfrm>
+            <a:off x="1035635" y="347240"/>
+            <a:ext cx="10180233" cy="3548670"/>
+          </a:xfrm>
+          <a:ln>
+            <a:noFill/>
+          </a:ln>
+          <a:effectLst>
+            <a:reflection stA="45000" endPos="65000" dist="101600" dir="5400000" sy="-100000" algn="bl" rotWithShape="0"/>
+          </a:effectLst>
+        </p:spPr>
+        <p:txBody>
+          <a:bodyPr>
+            <a:normAutofit/>
+          </a:bodyPr>
+          <a:lstStyle/>
+          <a:p>
+            <a:pPr algn="ctr"/>
+            <a:r>
+              <a:rPr lang="fr-FR" sz="3200" b="1" dirty="0" smtClean="0">
+                <a:solidFill>
+                  <a:srgbClr val="0070C0"/>
+                </a:solidFill>
+              </a:rPr>
+              <a:t>INTELLIGENT </a:t>
+            </a:r>
+            <a:r>
+              <a:rPr lang="fr-FR" sz="3200" b="1" dirty="0">
+                <a:solidFill>
+                  <a:srgbClr val="0070C0"/>
+                </a:solidFill>
+              </a:rPr>
+              <a:t>ENGINE FOR HOUSES PRICES ESTIMATION</a:t>
+            </a:r>
+            <a:r>
+              <a:rPr lang="fr-FR" dirty="0"/>
+              <a:t/>
+            </a:r>
+            <a:br>
+              <a:rPr lang="fr-FR" dirty="0"/>
+            </a:br>
+            <a:r>
+              <a:rPr lang="fr-FR" dirty="0"/>
+              <a:t/>
+            </a:r>
+            <a:br>
+              <a:rPr lang="fr-FR" dirty="0"/>
+            </a:br>
+            <a:r>
+              <a:rPr lang="fr-FR" dirty="0"/>
+              <a:t/>
+            </a:r>
+            <a:br>
+              <a:rPr lang="fr-FR" dirty="0"/>
+            </a:br>
+            <a:endParaRPr lang="fr-FR" dirty="0"/>
+          </a:p>
+        </p:txBody>
+      </p:sp>
+      <p:sp>
+        <p:nvSpPr>
+          <p:cNvPr id="3" name="Espace réservé du texte 2"/>
+          <p:cNvSpPr>
+            <a:spLocks noGrp="1"/>
+          </p:cNvSpPr>
+          <p:nvPr>
+            <p:ph type="body" idx="1"/>
+          </p:nvPr>
+        </p:nvSpPr>
+        <p:spPr>
+          <a:xfrm>
+            <a:off x="2390362" y="3396688"/>
+            <a:ext cx="7597801" cy="1500187"/>
+          </a:xfrm>
+        </p:spPr>
+        <p:txBody>
+          <a:bodyPr>
+            <a:normAutofit/>
+          </a:bodyPr>
+          <a:lstStyle/>
+          <a:p>
+            <a:pPr algn="ctr"/>
+            <a:endParaRPr lang="fr-FR" dirty="0" smtClean="0">
+              <a:solidFill>
+                <a:schemeClr val="tx1">
+                  <a:lumMod val="65000"/>
+                  <a:lumOff val="35000"/>
+                </a:schemeClr>
+              </a:solidFill>
+            </a:endParaRPr>
+          </a:p>
+          <a:p>
+            <a:pPr algn="ctr"/>
+            <a:endParaRPr lang="fr-FR" dirty="0">
+              <a:solidFill>
+                <a:schemeClr val="tx1">
+                  <a:lumMod val="65000"/>
+                  <a:lumOff val="35000"/>
+                </a:schemeClr>
+              </a:solidFill>
+            </a:endParaRPr>
+          </a:p>
+          <a:p>
+            <a:pPr algn="ctr"/>
+            <a:r>
+              <a:rPr lang="fr-FR" dirty="0" smtClean="0">
+                <a:solidFill>
+                  <a:schemeClr val="tx1">
+                    <a:lumMod val="65000"/>
+                    <a:lumOff val="35000"/>
+                  </a:schemeClr>
+                </a:solidFill>
+              </a:rPr>
+              <a:t>Master </a:t>
+            </a:r>
+            <a:r>
+              <a:rPr lang="fr-FR" dirty="0">
+                <a:solidFill>
+                  <a:schemeClr val="tx1">
+                    <a:lumMod val="65000"/>
+                    <a:lumOff val="35000"/>
+                  </a:schemeClr>
+                </a:solidFill>
+              </a:rPr>
+              <a:t>in Artificial Intelligence</a:t>
+            </a:r>
+            <a:br>
+              <a:rPr lang="fr-FR" dirty="0">
+                <a:solidFill>
+                  <a:schemeClr val="tx1">
+                    <a:lumMod val="65000"/>
+                    <a:lumOff val="35000"/>
+                  </a:schemeClr>
+                </a:solidFill>
+              </a:rPr>
+            </a:br>
+            <a:r>
+              <a:rPr lang="fr-FR" dirty="0">
+                <a:solidFill>
+                  <a:schemeClr val="tx1">
+                    <a:lumMod val="65000"/>
+                    <a:lumOff val="35000"/>
+                  </a:schemeClr>
+                </a:solidFill>
+              </a:rPr>
+              <a:t>M05 – Reproducibility and open science Mini project</a:t>
+            </a:r>
+          </a:p>
+        </p:txBody>
+      </p:sp>
+      <p:pic>
+        <p:nvPicPr>
+          <p:cNvPr id="5" name="Picture 4" descr="Machine Learning Projects for Mobile Applications"/>
+          <p:cNvPicPr>
+            <a:picLocks noChangeAspect="1" noChangeArrowheads="1"/>
+          </p:cNvPicPr>
+          <p:nvPr/>
+        </p:nvPicPr>
+        <p:blipFill>
+          <a:blip r:embed="rId2">
+            <a:extLst>
+              <a:ext uri="{28A0092B-C50C-407E-A947-70E740481C1C}">
+                <a14:useLocalDpi xmlns:a14="http://schemas.microsoft.com/office/drawing/2010/main" val="0"/>
+              </a:ext>
+            </a:extLst>
+          </a:blip>
+          <a:srcRect/>
+          <a:stretch>
+            <a:fillRect/>
+          </a:stretch>
+        </p:blipFill>
+        <p:spPr bwMode="auto">
+          <a:xfrm>
+            <a:off x="4317599" y="2676709"/>
+            <a:ext cx="3743325" cy="1219201"/>
+          </a:xfrm>
+          <a:prstGeom prst="rect">
+            <a:avLst/>
+          </a:prstGeom>
+          <a:noFill/>
+          <a:extLst>
+            <a:ext uri="{909E8E84-426E-40DD-AFC4-6F175D3DCCD1}">
+              <a14:hiddenFill xmlns:a14="http://schemas.microsoft.com/office/drawing/2010/main">
+                <a:solidFill>
+                  <a:srgbClr val="FFFFFF"/>
+                </a:solidFill>
+              </a14:hiddenFill>
+            </a:ext>
+          </a:extLst>
+        </p:spPr>
+      </p:pic>
+      <p:sp>
+        <p:nvSpPr>
+          <p:cNvPr id="6" name="ZoneTexte 5"/>
+          <p:cNvSpPr txBox="1"/>
+          <p:nvPr/>
+        </p:nvSpPr>
+        <p:spPr>
+          <a:xfrm>
+            <a:off x="919891" y="5650069"/>
+            <a:ext cx="6603653" cy="646331"/>
+          </a:xfrm>
+          <a:prstGeom prst="rect">
+            <a:avLst/>
+          </a:prstGeom>
+          <a:noFill/>
+        </p:spPr>
+        <p:txBody>
+          <a:bodyPr wrap="square" rtlCol="0">
+            <a:spAutoFit/>
+          </a:bodyPr>
+          <a:lstStyle/>
+          <a:p>
+            <a:r>
+              <a:rPr lang="fr-CH" dirty="0" smtClean="0"/>
+              <a:t>Authors: </a:t>
+            </a:r>
+            <a:r>
+              <a:rPr lang="fr-FR" dirty="0"/>
+              <a:t>Arthur CHERUBINI and Michelle Vanessa </a:t>
+            </a:r>
+            <a:r>
+              <a:rPr lang="fr-FR" dirty="0" smtClean="0"/>
+              <a:t>MEGUEP</a:t>
+            </a:r>
+            <a:endParaRPr lang="fr-FR" dirty="0"/>
+          </a:p>
+          <a:p>
+            <a:endParaRPr lang="fr-FR" dirty="0"/>
+          </a:p>
+        </p:txBody>
+      </p:sp>
+    </p:spTree>
+    <p:extLst>
+      <p:ext uri="{BB962C8B-B14F-4D97-AF65-F5344CB8AC3E}">
+        <p14:creationId xmlns:p14="http://schemas.microsoft.com/office/powerpoint/2010/main" val="3364615221"/>
+      </p:ext>
+    </p:extLst>
+  </p:cSld>
+  <p:clrMapOvr>
+    <a:masterClrMapping/>
+  </p:clrMapOvr>
+  <p:timing>
+    <p:tnLst>
+      <p:par>
+        <p:cTn id="1" dur="indefinite" restart="never" nodeType="tmRoot"/>
+      </p:par>
+    </p:tnLst>
+  </p:timing>
+</p:sld>
+</file>
+
+<file path=ppt/slides/slide2.xml><?xml version="1.0" encoding="utf-8"?>
+<p:sld xmlns:a="http://schemas.openxmlformats.org/drawingml/2006/main" xmlns:r="http://schemas.openxmlformats.org/officeDocument/2006/relationships" xmlns:p="http://schemas.openxmlformats.org/presentationml/2006/main">
+  <p:cSld>
+    <p:spTree>
+      <p:nvGrpSpPr>
+        <p:cNvPr id="1" name=""/>
+        <p:cNvGrpSpPr/>
+        <p:nvPr/>
+      </p:nvGrpSpPr>
+      <p:grpSpPr>
+        <a:xfrm>
+          <a:off x="0" y="0"/>
+          <a:ext cx="0" cy="0"/>
+          <a:chOff x="0" y="0"/>
+          <a:chExt cx="0" cy="0"/>
+        </a:xfrm>
+      </p:grpSpPr>
+      <p:sp>
+        <p:nvSpPr>
+          <p:cNvPr id="2" name="Titre 1"/>
+          <p:cNvSpPr>
+            <a:spLocks noGrp="1"/>
+          </p:cNvSpPr>
+          <p:nvPr>
+            <p:ph type="title"/>
+          </p:nvPr>
+        </p:nvSpPr>
+        <p:spPr>
+          <a:xfrm>
+            <a:off x="730510" y="517216"/>
+            <a:ext cx="8534400" cy="1507067"/>
+          </a:xfrm>
+        </p:spPr>
+        <p:txBody>
+          <a:bodyPr/>
+          <a:lstStyle/>
+          <a:p>
+            <a:r>
+              <a:rPr lang="fr-CH" b="1" dirty="0" smtClean="0">
+                <a:solidFill>
+                  <a:schemeClr val="bg1"/>
+                </a:solidFill>
+              </a:rPr>
+              <a:t>Table of contents</a:t>
+            </a:r>
+            <a:endParaRPr lang="fr-FR" b="1" dirty="0">
+              <a:solidFill>
+                <a:schemeClr val="bg1"/>
+              </a:solidFill>
+            </a:endParaRPr>
+          </a:p>
+        </p:txBody>
+      </p:sp>
+      <p:sp>
+        <p:nvSpPr>
+          <p:cNvPr id="3" name="ZoneTexte 2"/>
+          <p:cNvSpPr txBox="1"/>
+          <p:nvPr/>
+        </p:nvSpPr>
+        <p:spPr>
+          <a:xfrm>
+            <a:off x="1435261" y="1920110"/>
+            <a:ext cx="8125428" cy="3970318"/>
+          </a:xfrm>
+          <a:prstGeom prst="rect">
+            <a:avLst/>
+          </a:prstGeom>
+          <a:noFill/>
+        </p:spPr>
+        <p:txBody>
+          <a:bodyPr wrap="square" rtlCol="0">
+            <a:spAutoFit/>
+          </a:bodyPr>
+          <a:lstStyle/>
+          <a:p>
+            <a:pPr marL="285750" indent="-285750">
+              <a:buFont typeface="Wingdings" panose="05000000000000000000" pitchFamily="2" charset="2"/>
+              <a:buChar char="q"/>
+            </a:pPr>
+            <a:r>
+              <a:rPr lang="fr-CH" dirty="0" smtClean="0"/>
+              <a:t>About the project: </a:t>
+            </a:r>
+          </a:p>
+          <a:p>
+            <a:pPr marL="742950" lvl="1" indent="-285750">
+              <a:buFont typeface="Wingdings" panose="05000000000000000000" pitchFamily="2" charset="2"/>
+              <a:buChar char="q"/>
+            </a:pPr>
+            <a:r>
+              <a:rPr lang="fr-CH" dirty="0" smtClean="0"/>
+              <a:t>Description, goals, hypotheses defined</a:t>
+            </a:r>
+          </a:p>
+          <a:p>
+            <a:pPr marL="742950" lvl="1" indent="-285750">
+              <a:buFont typeface="Wingdings" panose="05000000000000000000" pitchFamily="2" charset="2"/>
+              <a:buChar char="q"/>
+            </a:pPr>
+            <a:r>
+              <a:rPr lang="fr-CH" dirty="0" smtClean="0"/>
+              <a:t>The database used and the work on the data</a:t>
+            </a:r>
+          </a:p>
+          <a:p>
+            <a:pPr marL="742950" lvl="1" indent="-285750">
+              <a:buFont typeface="Wingdings" panose="05000000000000000000" pitchFamily="2" charset="2"/>
+              <a:buChar char="q"/>
+            </a:pPr>
+            <a:r>
+              <a:rPr lang="fr-CH" dirty="0" smtClean="0"/>
+              <a:t>The algorithms</a:t>
+            </a:r>
+          </a:p>
+          <a:p>
+            <a:pPr marL="742950" lvl="1" indent="-285750">
+              <a:buFont typeface="Wingdings" panose="05000000000000000000" pitchFamily="2" charset="2"/>
+              <a:buChar char="q"/>
+            </a:pPr>
+            <a:endParaRPr lang="fr-CH" dirty="0" smtClean="0"/>
+          </a:p>
+          <a:p>
+            <a:pPr marL="285750" indent="-285750">
+              <a:buFont typeface="Wingdings" panose="05000000000000000000" pitchFamily="2" charset="2"/>
+              <a:buChar char="q"/>
+            </a:pPr>
+            <a:r>
+              <a:rPr lang="fr-CH" dirty="0" smtClean="0"/>
+              <a:t>The project organisation</a:t>
+            </a:r>
+          </a:p>
+          <a:p>
+            <a:pPr marL="742950" lvl="1" indent="-285750">
+              <a:buFont typeface="Wingdings" panose="05000000000000000000" pitchFamily="2" charset="2"/>
+              <a:buChar char="q"/>
+            </a:pPr>
+            <a:r>
+              <a:rPr lang="fr-CH" dirty="0"/>
+              <a:t>The work sharing and contribution</a:t>
+            </a:r>
+          </a:p>
+          <a:p>
+            <a:pPr marL="742950" lvl="1" indent="-285750">
+              <a:buFont typeface="Wingdings" panose="05000000000000000000" pitchFamily="2" charset="2"/>
+              <a:buChar char="q"/>
+            </a:pPr>
+            <a:r>
+              <a:rPr lang="fr-CH" dirty="0" smtClean="0"/>
+              <a:t>The collaboration between the team members</a:t>
+            </a:r>
+          </a:p>
+          <a:p>
+            <a:pPr lvl="1"/>
+            <a:endParaRPr lang="fr-CH" dirty="0" smtClean="0"/>
+          </a:p>
+          <a:p>
+            <a:pPr marL="285750" indent="-285750">
+              <a:buFont typeface="Wingdings" panose="05000000000000000000" pitchFamily="2" charset="2"/>
+              <a:buChar char="q"/>
+            </a:pPr>
+            <a:r>
+              <a:rPr lang="fr-CH" dirty="0"/>
+              <a:t>T</a:t>
+            </a:r>
+            <a:r>
+              <a:rPr lang="fr-CH" dirty="0" smtClean="0"/>
+              <a:t>he project reproducibility</a:t>
+            </a:r>
+          </a:p>
+          <a:p>
+            <a:pPr marL="742950" lvl="1" indent="-285750">
+              <a:buFont typeface="Wingdings" panose="05000000000000000000" pitchFamily="2" charset="2"/>
+              <a:buChar char="q"/>
+            </a:pPr>
+            <a:r>
+              <a:rPr lang="fr-CH" dirty="0" smtClean="0"/>
+              <a:t>What has been put in place or planned?</a:t>
+            </a:r>
+          </a:p>
+          <a:p>
+            <a:pPr lvl="1"/>
+            <a:endParaRPr lang="fr-CH" dirty="0" smtClean="0"/>
+          </a:p>
+          <a:p>
+            <a:pPr lvl="1"/>
+            <a:endParaRPr lang="fr-CH" dirty="0" smtClean="0"/>
+          </a:p>
+          <a:p>
+            <a:pPr marL="285750" indent="-285750">
+              <a:buFont typeface="Wingdings" panose="05000000000000000000" pitchFamily="2" charset="2"/>
+              <a:buChar char="q"/>
+            </a:pPr>
+            <a:r>
+              <a:rPr lang="fr-CH" dirty="0" smtClean="0"/>
+              <a:t>Project status(Demo) and next steps</a:t>
+            </a:r>
+            <a:endParaRPr lang="fr-FR" dirty="0"/>
+          </a:p>
+        </p:txBody>
+      </p:sp>
+    </p:spTree>
+    <p:extLst>
+      <p:ext uri="{BB962C8B-B14F-4D97-AF65-F5344CB8AC3E}">
+        <p14:creationId xmlns:p14="http://schemas.microsoft.com/office/powerpoint/2010/main" val="2150571315"/>
+      </p:ext>
+    </p:extLst>
+  </p:cSld>
+  <p:clrMapOvr>
+    <a:masterClrMapping/>
+  </p:clrMapOvr>
+  <p:timing>
+    <p:tnLst>
+      <p:par>
+        <p:cTn id="1" dur="indefinite" restart="never" nodeType="tmRoot"/>
+      </p:par>
+    </p:tnLst>
+  </p:timing>
+</p:sld>
+</file>
+
+<file path=ppt/slides/slide3.xml><?xml version="1.0" encoding="utf-8"?>
+<p:sld xmlns:a="http://schemas.openxmlformats.org/drawingml/2006/main" xmlns:r="http://schemas.openxmlformats.org/officeDocument/2006/relationships" xmlns:p="http://schemas.openxmlformats.org/presentationml/2006/main">
+  <p:cSld>
+    <p:spTree>
+      <p:nvGrpSpPr>
+        <p:cNvPr id="1" name=""/>
+        <p:cNvGrpSpPr/>
+        <p:nvPr/>
+      </p:nvGrpSpPr>
+      <p:grpSpPr>
+        <a:xfrm>
+          <a:off x="0" y="0"/>
+          <a:ext cx="0" cy="0"/>
+          <a:chOff x="0" y="0"/>
+          <a:chExt cx="0" cy="0"/>
+        </a:xfrm>
+      </p:grpSpPr>
+      <p:sp>
+        <p:nvSpPr>
+          <p:cNvPr id="2" name="Titre 1"/>
+          <p:cNvSpPr>
+            <a:spLocks noGrp="1"/>
+          </p:cNvSpPr>
+          <p:nvPr>
+            <p:ph type="title"/>
+          </p:nvPr>
+        </p:nvSpPr>
+        <p:spPr>
+          <a:xfrm>
+            <a:off x="1568370" y="0"/>
+            <a:ext cx="8534400" cy="1507067"/>
+          </a:xfrm>
+        </p:spPr>
+        <p:txBody>
+          <a:bodyPr/>
+          <a:lstStyle/>
+          <a:p>
+            <a:pPr algn="ctr"/>
+            <a:r>
+              <a:rPr lang="fr-CH" b="1" dirty="0" smtClean="0">
+                <a:solidFill>
+                  <a:schemeClr val="accent1"/>
+                </a:solidFill>
+              </a:rPr>
+              <a:t>About THE PROJECT</a:t>
+            </a:r>
+            <a:endParaRPr lang="fr-FR" b="1" dirty="0">
+              <a:solidFill>
+                <a:schemeClr val="accent1"/>
+              </a:solidFill>
+            </a:endParaRPr>
+          </a:p>
+        </p:txBody>
+      </p:sp>
+      <p:sp>
+        <p:nvSpPr>
+          <p:cNvPr id="5" name="Rectangle 4"/>
+          <p:cNvSpPr/>
+          <p:nvPr/>
+        </p:nvSpPr>
+        <p:spPr>
+          <a:xfrm>
+            <a:off x="976132" y="1507067"/>
+            <a:ext cx="9718876" cy="5355312"/>
+          </a:xfrm>
+          <a:prstGeom prst="rect">
+            <a:avLst/>
+          </a:prstGeom>
+        </p:spPr>
+        <p:txBody>
+          <a:bodyPr wrap="square">
+            <a:spAutoFit/>
+          </a:bodyPr>
+          <a:lstStyle/>
+          <a:p>
+            <a:r>
+              <a:rPr lang="en-US" dirty="0"/>
+              <a:t>Predicting the house price is a well-known problem in the field of machine learning. one of the best-known projects on </a:t>
+            </a:r>
+            <a:r>
+              <a:rPr lang="en-US" dirty="0" smtClean="0"/>
+              <a:t>this is </a:t>
+            </a:r>
+            <a:r>
+              <a:rPr lang="en-US" dirty="0"/>
+              <a:t>the Boston House </a:t>
+            </a:r>
+            <a:r>
+              <a:rPr lang="en-US" dirty="0" smtClean="0"/>
+              <a:t>prices.</a:t>
+            </a:r>
+          </a:p>
+          <a:p>
+            <a:endParaRPr lang="en-US" dirty="0" smtClean="0"/>
+          </a:p>
+          <a:p>
+            <a:r>
+              <a:rPr lang="en-US" b="1" dirty="0" smtClean="0"/>
+              <a:t>The objectives of this project:</a:t>
+            </a:r>
+          </a:p>
+          <a:p>
+            <a:pPr marL="285750" indent="-285750">
+              <a:buFont typeface="Wingdings" panose="05000000000000000000" pitchFamily="2" charset="2"/>
+              <a:buChar char="Ø"/>
+            </a:pPr>
+            <a:r>
+              <a:rPr lang="en-US" dirty="0" smtClean="0"/>
+              <a:t>Find the most relevant features which determine houses prices</a:t>
+            </a:r>
+          </a:p>
+          <a:p>
+            <a:pPr marL="285750" indent="-285750">
+              <a:buFont typeface="Wingdings" panose="05000000000000000000" pitchFamily="2" charset="2"/>
+              <a:buChar char="Ø"/>
+            </a:pPr>
+            <a:r>
+              <a:rPr lang="en-US" dirty="0" smtClean="0"/>
+              <a:t>Apply differents algorithms and find the one with the best prediction performance</a:t>
+            </a:r>
+          </a:p>
+          <a:p>
+            <a:endParaRPr lang="en-US" dirty="0" smtClean="0"/>
+          </a:p>
+          <a:p>
+            <a:r>
+              <a:rPr lang="en-US" b="1" dirty="0" smtClean="0"/>
+              <a:t>Two hypothesis defined:</a:t>
+            </a:r>
+          </a:p>
+          <a:p>
+            <a:pPr marL="285750" indent="-285750">
+              <a:buFont typeface="Wingdings" panose="05000000000000000000" pitchFamily="2" charset="2"/>
+              <a:buChar char="Ø"/>
+            </a:pPr>
+            <a:r>
+              <a:rPr lang="en-US" dirty="0" smtClean="0"/>
+              <a:t>Between all the house features, only some are relevant in the price prediction</a:t>
+            </a:r>
+          </a:p>
+          <a:p>
+            <a:pPr marL="285750" indent="-285750">
+              <a:buFont typeface="Wingdings" panose="05000000000000000000" pitchFamily="2" charset="2"/>
+              <a:buChar char="Ø"/>
+            </a:pPr>
+            <a:r>
+              <a:rPr lang="en-US" dirty="0" smtClean="0"/>
+              <a:t>One algorithm between the linear regression, decision tree and random forest can predict with </a:t>
+            </a:r>
+            <a:r>
+              <a:rPr lang="en-US" dirty="0"/>
+              <a:t>good accuracy the price of a </a:t>
+            </a:r>
+            <a:r>
+              <a:rPr lang="en-US" dirty="0" smtClean="0"/>
+              <a:t>property</a:t>
+            </a:r>
+          </a:p>
+          <a:p>
+            <a:pPr marL="285750" indent="-285750">
+              <a:buFont typeface="Wingdings" panose="05000000000000000000" pitchFamily="2" charset="2"/>
+              <a:buChar char="Ø"/>
+            </a:pPr>
+            <a:endParaRPr lang="en-US" dirty="0"/>
+          </a:p>
+          <a:p>
+            <a:r>
+              <a:rPr lang="en-US" b="1" dirty="0"/>
+              <a:t>Database</a:t>
+            </a:r>
+          </a:p>
+          <a:p>
+            <a:r>
+              <a:rPr lang="en-US" dirty="0"/>
+              <a:t>Ames Iowa: the database chosen instead of the Boston Housing Data Set. </a:t>
+            </a:r>
+          </a:p>
+          <a:p>
+            <a:r>
+              <a:rPr lang="en-US" dirty="0" smtClean="0"/>
+              <a:t>2930 </a:t>
+            </a:r>
+            <a:r>
+              <a:rPr lang="en-US" dirty="0"/>
+              <a:t>observations and 80 </a:t>
+            </a:r>
+            <a:r>
+              <a:rPr lang="en-US" dirty="0" smtClean="0"/>
+              <a:t>features of type categorical and discrete/continuous</a:t>
+            </a:r>
+            <a:endParaRPr lang="en-US" dirty="0"/>
+          </a:p>
+          <a:p>
+            <a:endParaRPr lang="en-US" dirty="0"/>
+          </a:p>
+          <a:p>
+            <a:endParaRPr lang="en-US" b="1" dirty="0" smtClean="0"/>
+          </a:p>
+          <a:p>
+            <a:pPr marL="285750" indent="-285750">
+              <a:buFont typeface="Wingdings" panose="05000000000000000000" pitchFamily="2" charset="2"/>
+              <a:buChar char="Ø"/>
+            </a:pPr>
+            <a:endParaRPr lang="en-US" dirty="0"/>
+          </a:p>
+          <a:p>
+            <a:endParaRPr lang="fr-FR" dirty="0"/>
+          </a:p>
+        </p:txBody>
+      </p:sp>
+      <p:pic>
+        <p:nvPicPr>
+          <p:cNvPr id="1030" name="Picture 6" descr="Database Drives Raid Db Storage Svg Png Icon Free Download (#477066) -  OnlineWebFonts.COM"/>
+          <p:cNvPicPr>
+            <a:picLocks noChangeAspect="1" noChangeArrowheads="1"/>
+          </p:cNvPicPr>
+          <p:nvPr/>
+        </p:nvPicPr>
+        <p:blipFill>
+          <a:blip r:embed="rId2" cstate="print">
+            <a:extLst>
+              <a:ext uri="{28A0092B-C50C-407E-A947-70E740481C1C}">
+                <a14:useLocalDpi xmlns:a14="http://schemas.microsoft.com/office/drawing/2010/main" val="0"/>
+              </a:ext>
+            </a:extLst>
+          </a:blip>
+          <a:srcRect/>
+          <a:stretch>
+            <a:fillRect/>
+          </a:stretch>
+        </p:blipFill>
+        <p:spPr bwMode="auto">
+          <a:xfrm>
+            <a:off x="240486" y="4442556"/>
+            <a:ext cx="604495" cy="886834"/>
+          </a:xfrm>
+          <a:prstGeom prst="rect">
+            <a:avLst/>
+          </a:prstGeom>
+          <a:noFill/>
+          <a:extLst>
+            <a:ext uri="{909E8E84-426E-40DD-AFC4-6F175D3DCCD1}">
+              <a14:hiddenFill xmlns:a14="http://schemas.microsoft.com/office/drawing/2010/main">
+                <a:solidFill>
+                  <a:srgbClr val="FFFFFF"/>
+                </a:solidFill>
+              </a14:hiddenFill>
+            </a:ext>
+          </a:extLst>
+        </p:spPr>
+      </p:pic>
+      <p:pic>
+        <p:nvPicPr>
+          <p:cNvPr id="1034" name="Picture 10" descr="Hypothesis Png &amp; Free Hypothesis.png Transparent Images #118310 - PNGio"/>
+          <p:cNvPicPr>
+            <a:picLocks noChangeAspect="1" noChangeArrowheads="1"/>
+          </p:cNvPicPr>
+          <p:nvPr/>
+        </p:nvPicPr>
+        <p:blipFill>
+          <a:blip r:embed="rId3" cstate="print">
+            <a:extLst>
+              <a:ext uri="{28A0092B-C50C-407E-A947-70E740481C1C}">
+                <a14:useLocalDpi xmlns:a14="http://schemas.microsoft.com/office/drawing/2010/main" val="0"/>
+              </a:ext>
+            </a:extLst>
+          </a:blip>
+          <a:srcRect/>
+          <a:stretch>
+            <a:fillRect/>
+          </a:stretch>
+        </p:blipFill>
+        <p:spPr bwMode="auto">
+          <a:xfrm>
+            <a:off x="0" y="2710933"/>
+            <a:ext cx="1085468" cy="1085468"/>
+          </a:xfrm>
+          <a:prstGeom prst="rect">
+            <a:avLst/>
+          </a:prstGeom>
+          <a:noFill/>
+          <a:extLst>
+            <a:ext uri="{909E8E84-426E-40DD-AFC4-6F175D3DCCD1}">
+              <a14:hiddenFill xmlns:a14="http://schemas.microsoft.com/office/drawing/2010/main">
+                <a:solidFill>
+                  <a:srgbClr val="FFFFFF"/>
+                </a:solidFill>
+              </a14:hiddenFill>
+            </a:ext>
+          </a:extLst>
+        </p:spPr>
+      </p:pic>
+    </p:spTree>
+    <p:extLst>
+      <p:ext uri="{BB962C8B-B14F-4D97-AF65-F5344CB8AC3E}">
+        <p14:creationId xmlns:p14="http://schemas.microsoft.com/office/powerpoint/2010/main" val="3023826725"/>
+      </p:ext>
+    </p:extLst>
+  </p:cSld>
+  <p:clrMapOvr>
+    <a:masterClrMapping/>
+  </p:clrMapOvr>
+  <p:timing>
+    <p:tnLst>
+      <p:par>
+        <p:cTn id="1" dur="indefinite" restart="never" nodeType="tmRoot"/>
+      </p:par>
+    </p:tnLst>
+  </p:timing>
+</p:sld>
+</file>
+
+<file path=ppt/slides/slide4.xml><?xml version="1.0" encoding="utf-8"?>
+<p:sld xmlns:a="http://schemas.openxmlformats.org/drawingml/2006/main" xmlns:r="http://schemas.openxmlformats.org/officeDocument/2006/relationships" xmlns:p="http://schemas.openxmlformats.org/presentationml/2006/main">
+  <p:cSld>
+    <p:spTree>
+      <p:nvGrpSpPr>
+        <p:cNvPr id="1" name=""/>
+        <p:cNvGrpSpPr/>
+        <p:nvPr/>
+      </p:nvGrpSpPr>
+      <p:grpSpPr>
+        <a:xfrm>
+          <a:off x="0" y="0"/>
+          <a:ext cx="0" cy="0"/>
+          <a:chOff x="0" y="0"/>
+          <a:chExt cx="0" cy="0"/>
+        </a:xfrm>
+      </p:grpSpPr>
+      <p:sp>
+        <p:nvSpPr>
+          <p:cNvPr id="2" name="Titre 1"/>
+          <p:cNvSpPr>
+            <a:spLocks noGrp="1"/>
+          </p:cNvSpPr>
+          <p:nvPr>
+            <p:ph type="title"/>
+          </p:nvPr>
+        </p:nvSpPr>
+        <p:spPr>
+          <a:xfrm>
+            <a:off x="2223645" y="544009"/>
+            <a:ext cx="8534401" cy="914401"/>
+          </a:xfrm>
+        </p:spPr>
+        <p:txBody>
+          <a:bodyPr>
+            <a:normAutofit fontScale="90000"/>
+          </a:bodyPr>
+          <a:lstStyle/>
+          <a:p>
+            <a:pPr algn="ctr"/>
+            <a:r>
+              <a:rPr lang="fr-CH" b="1" dirty="0" smtClean="0">
+                <a:solidFill>
+                  <a:schemeClr val="accent1"/>
+                </a:solidFill>
+              </a:rPr>
+              <a:t>THE PROJECT Organisation</a:t>
+            </a:r>
+            <a:r>
+              <a:rPr lang="fr-CH" dirty="0">
+                <a:solidFill>
+                  <a:schemeClr val="bg1"/>
+                </a:solidFill>
+              </a:rPr>
+              <a:t/>
+            </a:r>
+            <a:br>
+              <a:rPr lang="fr-CH" dirty="0">
+                <a:solidFill>
+                  <a:schemeClr val="bg1"/>
+                </a:solidFill>
+              </a:rPr>
+            </a:br>
+            <a:endParaRPr lang="fr-FR" dirty="0">
+              <a:solidFill>
+                <a:schemeClr val="bg1"/>
+              </a:solidFill>
+            </a:endParaRPr>
+          </a:p>
+        </p:txBody>
+      </p:sp>
+      <p:pic>
+        <p:nvPicPr>
+          <p:cNvPr id="4098" name="Picture 2" descr="GitHub Project Management Tutorial - Setup GitHub Projects &amp; Automations -  YouTube"/>
+          <p:cNvPicPr>
+            <a:picLocks noChangeAspect="1" noChangeArrowheads="1"/>
+          </p:cNvPicPr>
+          <p:nvPr/>
+        </p:nvPicPr>
+        <p:blipFill>
+          <a:blip r:embed="rId2">
+            <a:extLst>
+              <a:ext uri="{28A0092B-C50C-407E-A947-70E740481C1C}">
+                <a14:useLocalDpi xmlns:a14="http://schemas.microsoft.com/office/drawing/2010/main" val="0"/>
+              </a:ext>
+            </a:extLst>
+          </a:blip>
+          <a:srcRect/>
+          <a:stretch>
+            <a:fillRect/>
+          </a:stretch>
+        </p:blipFill>
+        <p:spPr bwMode="auto">
+          <a:xfrm>
+            <a:off x="9027147" y="4835417"/>
+            <a:ext cx="2857500" cy="1600200"/>
+          </a:xfrm>
+          <a:prstGeom prst="rect">
+            <a:avLst/>
+          </a:prstGeom>
+          <a:noFill/>
+          <a:extLst>
+            <a:ext uri="{909E8E84-426E-40DD-AFC4-6F175D3DCCD1}">
+              <a14:hiddenFill xmlns:a14="http://schemas.microsoft.com/office/drawing/2010/main">
+                <a:solidFill>
+                  <a:srgbClr val="FFFFFF"/>
+                </a:solidFill>
+              </a14:hiddenFill>
+            </a:ext>
+          </a:extLst>
+        </p:spPr>
+      </p:pic>
+      <p:sp>
+        <p:nvSpPr>
+          <p:cNvPr id="4" name="ZoneTexte 3"/>
+          <p:cNvSpPr txBox="1"/>
+          <p:nvPr/>
+        </p:nvSpPr>
+        <p:spPr>
+          <a:xfrm>
+            <a:off x="9027147" y="4466085"/>
+            <a:ext cx="2857500" cy="369332"/>
+          </a:xfrm>
+          <a:prstGeom prst="rect">
+            <a:avLst/>
+          </a:prstGeom>
+          <a:noFill/>
+        </p:spPr>
+        <p:txBody>
+          <a:bodyPr wrap="square" rtlCol="0">
+            <a:spAutoFit/>
+          </a:bodyPr>
+          <a:lstStyle/>
+          <a:p>
+            <a:r>
+              <a:rPr lang="fr-CH" dirty="0" smtClean="0"/>
+              <a:t>Collaboration</a:t>
+            </a:r>
+            <a:endParaRPr lang="fr-FR" dirty="0"/>
+          </a:p>
+        </p:txBody>
+      </p:sp>
+      <p:pic>
+        <p:nvPicPr>
+          <p:cNvPr id="5" name="Image 4"/>
+          <p:cNvPicPr>
+            <a:picLocks noChangeAspect="1"/>
+          </p:cNvPicPr>
+          <p:nvPr/>
+        </p:nvPicPr>
+        <p:blipFill>
+          <a:blip r:embed="rId3"/>
+          <a:stretch>
+            <a:fillRect/>
+          </a:stretch>
+        </p:blipFill>
+        <p:spPr>
+          <a:xfrm>
+            <a:off x="1427525" y="1372616"/>
+            <a:ext cx="9191625" cy="3038475"/>
+          </a:xfrm>
+          <a:prstGeom prst="rect">
+            <a:avLst/>
+          </a:prstGeom>
+        </p:spPr>
+      </p:pic>
+      <p:pic>
+        <p:nvPicPr>
+          <p:cNvPr id="4106" name="Picture 10" descr="Siks/cbs Datacamp Spark Tutorial Notebook - Jupyter Notebook Icon - Free  Transparent PNG Clipart Images Download"/>
+          <p:cNvPicPr>
+            <a:picLocks noChangeAspect="1" noChangeArrowheads="1"/>
+          </p:cNvPicPr>
+          <p:nvPr/>
+        </p:nvPicPr>
+        <p:blipFill>
+          <a:blip r:embed="rId4">
+            <a:extLst>
+              <a:ext uri="{28A0092B-C50C-407E-A947-70E740481C1C}">
+                <a14:useLocalDpi xmlns:a14="http://schemas.microsoft.com/office/drawing/2010/main" val="0"/>
+              </a:ext>
+            </a:extLst>
+          </a:blip>
+          <a:srcRect/>
+          <a:stretch>
+            <a:fillRect/>
+          </a:stretch>
+        </p:blipFill>
+        <p:spPr bwMode="auto">
+          <a:xfrm>
+            <a:off x="2223645" y="4835417"/>
+            <a:ext cx="3617772" cy="1946706"/>
+          </a:xfrm>
+          <a:prstGeom prst="rect">
+            <a:avLst/>
+          </a:prstGeom>
+          <a:noFill/>
+          <a:extLst>
+            <a:ext uri="{909E8E84-426E-40DD-AFC4-6F175D3DCCD1}">
+              <a14:hiddenFill xmlns:a14="http://schemas.microsoft.com/office/drawing/2010/main">
+                <a:solidFill>
+                  <a:srgbClr val="FFFFFF"/>
+                </a:solidFill>
+              </a14:hiddenFill>
+            </a:ext>
+          </a:extLst>
+        </p:spPr>
+      </p:pic>
+      <p:sp>
+        <p:nvSpPr>
+          <p:cNvPr id="11" name="ZoneTexte 10"/>
+          <p:cNvSpPr txBox="1"/>
+          <p:nvPr/>
+        </p:nvSpPr>
+        <p:spPr>
+          <a:xfrm>
+            <a:off x="2133017" y="4466085"/>
+            <a:ext cx="2857500" cy="646331"/>
+          </a:xfrm>
+          <a:prstGeom prst="rect">
+            <a:avLst/>
+          </a:prstGeom>
+          <a:noFill/>
+        </p:spPr>
+        <p:txBody>
+          <a:bodyPr wrap="square" rtlCol="0">
+            <a:spAutoFit/>
+          </a:bodyPr>
+          <a:lstStyle/>
+          <a:p>
+            <a:r>
+              <a:rPr lang="fr-CH" dirty="0"/>
+              <a:t>coding</a:t>
+            </a:r>
+          </a:p>
+          <a:p>
+            <a:endParaRPr lang="fr-FR" dirty="0"/>
+          </a:p>
+        </p:txBody>
+      </p:sp>
+    </p:spTree>
+    <p:extLst>
+      <p:ext uri="{BB962C8B-B14F-4D97-AF65-F5344CB8AC3E}">
+        <p14:creationId xmlns:p14="http://schemas.microsoft.com/office/powerpoint/2010/main" val="773011577"/>
+      </p:ext>
+    </p:extLst>
+  </p:cSld>
+  <p:clrMapOvr>
+    <a:masterClrMapping/>
+  </p:clrMapOvr>
+  <p:timing>
+    <p:tnLst>
+      <p:par>
+        <p:cTn id="1" dur="indefinite" restart="never" nodeType="tmRoot"/>
+      </p:par>
+    </p:tnLst>
+  </p:timing>
+</p:sld>
+</file>
+
+<file path=ppt/slides/slide5.xml><?xml version="1.0" encoding="utf-8"?>
+<p:sld xmlns:a="http://schemas.openxmlformats.org/drawingml/2006/main" xmlns:r="http://schemas.openxmlformats.org/officeDocument/2006/relationships" xmlns:p="http://schemas.openxmlformats.org/presentationml/2006/main">
+  <p:cSld>
+    <p:spTree>
+      <p:nvGrpSpPr>
+        <p:cNvPr id="1" name=""/>
+        <p:cNvGrpSpPr/>
+        <p:nvPr/>
+      </p:nvGrpSpPr>
+      <p:grpSpPr>
+        <a:xfrm>
+          <a:off x="0" y="0"/>
+          <a:ext cx="0" cy="0"/>
+          <a:chOff x="0" y="0"/>
+          <a:chExt cx="0" cy="0"/>
+        </a:xfrm>
+      </p:grpSpPr>
+      <p:sp>
+        <p:nvSpPr>
+          <p:cNvPr id="2" name="Titre 1">
+            <a:extLst>
+              <a:ext uri="{FF2B5EF4-FFF2-40B4-BE49-F238E27FC236}">
+                <a16:creationId xmlns:a16="http://schemas.microsoft.com/office/drawing/2014/main" xmlns="" id="{26D30844-C197-4C58-B7B3-F2A95ED8975A}"/>
+              </a:ext>
+            </a:extLst>
+          </p:cNvPr>
+          <p:cNvSpPr>
+            <a:spLocks noGrp="1"/>
+          </p:cNvSpPr>
+          <p:nvPr>
+            <p:ph type="title"/>
+          </p:nvPr>
+        </p:nvSpPr>
+        <p:spPr>
+          <a:xfrm>
+            <a:off x="1327150" y="150471"/>
+            <a:ext cx="10515600" cy="937549"/>
+          </a:xfrm>
+        </p:spPr>
+        <p:txBody>
+          <a:bodyPr>
+            <a:normAutofit fontScale="90000"/>
+          </a:bodyPr>
+          <a:lstStyle/>
+          <a:p>
+            <a:pPr algn="ctr"/>
+            <a:r>
+              <a:rPr lang="fr-CH" b="1" dirty="0" smtClean="0">
+                <a:solidFill>
+                  <a:schemeClr val="accent1"/>
+                </a:solidFill>
+              </a:rPr>
+              <a:t/>
+            </a:r>
+            <a:br>
+              <a:rPr lang="fr-CH" b="1" dirty="0" smtClean="0">
+                <a:solidFill>
+                  <a:schemeClr val="accent1"/>
+                </a:solidFill>
+              </a:rPr>
+            </a:br>
+            <a:r>
+              <a:rPr lang="fr-CH" b="1" dirty="0" smtClean="0">
+                <a:solidFill>
+                  <a:schemeClr val="accent1"/>
+                </a:solidFill>
+              </a:rPr>
+              <a:t>THE REPRODUCIBILITY</a:t>
+            </a:r>
+            <a:r>
+              <a:rPr lang="fr-CH" dirty="0">
+                <a:solidFill>
+                  <a:schemeClr val="bg1"/>
+                </a:solidFill>
+              </a:rPr>
+              <a:t/>
+            </a:r>
+            <a:br>
+              <a:rPr lang="fr-CH" dirty="0">
+                <a:solidFill>
+                  <a:schemeClr val="bg1"/>
+                </a:solidFill>
+              </a:rPr>
+            </a:br>
+            <a:endParaRPr lang="fr-CH" dirty="0"/>
+          </a:p>
+        </p:txBody>
+      </p:sp>
+      <p:pic>
+        <p:nvPicPr>
+          <p:cNvPr id="5" name="Espace réservé du contenu 4" descr="Une image contenant capture d’écran&#10;&#10;Description générée automatiquement">
+            <a:extLst>
+              <a:ext uri="{FF2B5EF4-FFF2-40B4-BE49-F238E27FC236}">
+                <a16:creationId xmlns:a16="http://schemas.microsoft.com/office/drawing/2014/main" xmlns="" id="{AE18889E-06B4-480A-9211-5A42D15B7659}"/>
+              </a:ext>
+            </a:extLst>
+          </p:cNvPr>
+          <p:cNvPicPr>
+            <a:picLocks noGrp="1" noChangeAspect="1"/>
+          </p:cNvPicPr>
+          <p:nvPr>
+            <p:ph idx="1"/>
+          </p:nvPr>
+        </p:nvPicPr>
+        <p:blipFill>
+          <a:blip r:embed="rId2">
+            <a:extLst>
+              <a:ext uri="{28A0092B-C50C-407E-A947-70E740481C1C}">
+                <a14:useLocalDpi xmlns:a14="http://schemas.microsoft.com/office/drawing/2010/main" val="0"/>
+              </a:ext>
+            </a:extLst>
+          </a:blip>
+          <a:stretch>
+            <a:fillRect/>
+          </a:stretch>
+        </p:blipFill>
+        <p:spPr>
+          <a:xfrm>
+            <a:off x="2028108" y="2088368"/>
+            <a:ext cx="6851601" cy="2349892"/>
+          </a:xfrm>
+        </p:spPr>
+      </p:pic>
+      <p:sp>
+        <p:nvSpPr>
+          <p:cNvPr id="6" name="ZoneTexte 5">
+            <a:extLst>
+              <a:ext uri="{FF2B5EF4-FFF2-40B4-BE49-F238E27FC236}">
+                <a16:creationId xmlns:a16="http://schemas.microsoft.com/office/drawing/2014/main" xmlns="" id="{A11BF9E4-AAEC-4C9B-896E-8644EF22A1D9}"/>
+              </a:ext>
+            </a:extLst>
+          </p:cNvPr>
+          <p:cNvSpPr txBox="1"/>
+          <p:nvPr/>
+        </p:nvSpPr>
+        <p:spPr>
+          <a:xfrm>
+            <a:off x="113705" y="5022635"/>
+            <a:ext cx="10351851" cy="954107"/>
+          </a:xfrm>
+          <a:prstGeom prst="rect">
+            <a:avLst/>
+          </a:prstGeom>
+          <a:noFill/>
+        </p:spPr>
+        <p:txBody>
+          <a:bodyPr wrap="square" rtlCol="0">
+            <a:spAutoFit/>
+          </a:bodyPr>
+          <a:lstStyle/>
+          <a:p>
+            <a:pPr marL="342900" indent="-342900">
+              <a:buFont typeface="Arial" panose="020B0604020202020204" pitchFamily="34" charset="0"/>
+              <a:buChar char="•"/>
+            </a:pPr>
+            <a:r>
+              <a:rPr lang="en-US" sz="1400" dirty="0"/>
+              <a:t>The whole toolchain is managed by a configuration file</a:t>
+            </a:r>
+          </a:p>
+          <a:p>
+            <a:pPr marL="342900" indent="-342900">
+              <a:buFont typeface="Arial" panose="020B0604020202020204" pitchFamily="34" charset="0"/>
+              <a:buChar char="•"/>
+            </a:pPr>
+            <a:r>
+              <a:rPr lang="en-US" sz="1400" dirty="0"/>
+              <a:t>Each experiment will have its own configuration file (reproducibility)</a:t>
+            </a:r>
+          </a:p>
+          <a:p>
+            <a:pPr marL="342900" indent="-342900">
+              <a:buFont typeface="Arial" panose="020B0604020202020204" pitchFamily="34" charset="0"/>
+              <a:buChar char="•"/>
+            </a:pPr>
+            <a:r>
+              <a:rPr lang="en-US" sz="1400" dirty="0"/>
+              <a:t>The algorithm block can be: random forest, decision tree, linear regression, …</a:t>
+            </a:r>
+          </a:p>
+          <a:p>
+            <a:pPr marL="342900" indent="-342900">
+              <a:buFont typeface="Arial" panose="020B0604020202020204" pitchFamily="34" charset="0"/>
+              <a:buChar char="•"/>
+            </a:pPr>
+            <a:r>
+              <a:rPr lang="en-US" sz="1400" dirty="0"/>
+              <a:t>The toolchain is generic and it can work with whatever parameters the user want to test</a:t>
+            </a:r>
+          </a:p>
+        </p:txBody>
+      </p:sp>
+      <p:pic>
+        <p:nvPicPr>
+          <p:cNvPr id="8" name="Graphique 7" descr="Coche">
+            <a:extLst>
+              <a:ext uri="{FF2B5EF4-FFF2-40B4-BE49-F238E27FC236}">
+                <a16:creationId xmlns:a16="http://schemas.microsoft.com/office/drawing/2014/main" xmlns="" id="{B7BF1F6B-618D-41CC-B150-4B3BA69ECF7E}"/>
+              </a:ext>
+            </a:extLst>
+          </p:cNvPr>
+          <p:cNvPicPr>
+            <a:picLocks noChangeAspect="1"/>
+          </p:cNvPicPr>
+          <p:nvPr/>
+        </p:nvPicPr>
+        <p:blipFill>
+          <a:blip r:embed="rId3" cstate="print">
+            <a:extLst>
+              <a:ext uri="{28A0092B-C50C-407E-A947-70E740481C1C}">
+                <a14:useLocalDpi xmlns:a14="http://schemas.microsoft.com/office/drawing/2010/main" val="0"/>
+              </a:ext>
+              <a:ext uri="{96DAC541-7B7A-43D3-8B79-37D633B846F1}">
+                <asvg:svgBlip xmlns:asvg="http://schemas.microsoft.com/office/drawing/2016/SVG/main" xmlns="" r:embed="rId4"/>
+              </a:ext>
+            </a:extLst>
+          </a:blip>
+          <a:stretch>
+            <a:fillRect/>
+          </a:stretch>
+        </p:blipFill>
+        <p:spPr>
+          <a:xfrm>
+            <a:off x="2204938" y="1260827"/>
+            <a:ext cx="778155" cy="778155"/>
+          </a:xfrm>
+          <a:prstGeom prst="rect">
+            <a:avLst/>
+          </a:prstGeom>
+        </p:spPr>
+      </p:pic>
+      <p:pic>
+        <p:nvPicPr>
+          <p:cNvPr id="10" name="Graphique 9" descr="Coche">
+            <a:extLst>
+              <a:ext uri="{FF2B5EF4-FFF2-40B4-BE49-F238E27FC236}">
+                <a16:creationId xmlns:a16="http://schemas.microsoft.com/office/drawing/2014/main" xmlns="" id="{EDAA1B62-66A4-43EE-A237-327230703439}"/>
+              </a:ext>
+            </a:extLst>
+          </p:cNvPr>
+          <p:cNvPicPr>
+            <a:picLocks noChangeAspect="1"/>
+          </p:cNvPicPr>
+          <p:nvPr/>
+        </p:nvPicPr>
+        <p:blipFill>
+          <a:blip r:embed="rId3" cstate="print">
+            <a:extLst>
+              <a:ext uri="{28A0092B-C50C-407E-A947-70E740481C1C}">
+                <a14:useLocalDpi xmlns:a14="http://schemas.microsoft.com/office/drawing/2010/main" val="0"/>
+              </a:ext>
+              <a:ext uri="{96DAC541-7B7A-43D3-8B79-37D633B846F1}">
+                <asvg:svgBlip xmlns:asvg="http://schemas.microsoft.com/office/drawing/2016/SVG/main" xmlns="" r:embed="rId4"/>
+              </a:ext>
+            </a:extLst>
+          </a:blip>
+          <a:stretch>
+            <a:fillRect/>
+          </a:stretch>
+        </p:blipFill>
+        <p:spPr>
+          <a:xfrm>
+            <a:off x="4511476" y="1243228"/>
+            <a:ext cx="778155" cy="778155"/>
+          </a:xfrm>
+          <a:prstGeom prst="rect">
+            <a:avLst/>
+          </a:prstGeom>
+        </p:spPr>
+      </p:pic>
+      <p:pic>
+        <p:nvPicPr>
+          <p:cNvPr id="12" name="Graphique 11" descr="Fermer">
+            <a:extLst>
+              <a:ext uri="{FF2B5EF4-FFF2-40B4-BE49-F238E27FC236}">
+                <a16:creationId xmlns:a16="http://schemas.microsoft.com/office/drawing/2014/main" xmlns="" id="{5FB9E98B-8543-4A16-811C-0689AB77A2E3}"/>
+              </a:ext>
+            </a:extLst>
+          </p:cNvPr>
+          <p:cNvPicPr>
+            <a:picLocks noChangeAspect="1"/>
+          </p:cNvPicPr>
+          <p:nvPr/>
+        </p:nvPicPr>
+        <p:blipFill>
+          <a:blip r:embed="rId5" cstate="print">
+            <a:extLst>
+              <a:ext uri="{28A0092B-C50C-407E-A947-70E740481C1C}">
+                <a14:useLocalDpi xmlns:a14="http://schemas.microsoft.com/office/drawing/2010/main" val="0"/>
+              </a:ext>
+              <a:ext uri="{96DAC541-7B7A-43D3-8B79-37D633B846F1}">
+                <asvg:svgBlip xmlns:asvg="http://schemas.microsoft.com/office/drawing/2016/SVG/main" xmlns="" r:embed="rId6"/>
+              </a:ext>
+            </a:extLst>
+          </a:blip>
+          <a:stretch>
+            <a:fillRect/>
+          </a:stretch>
+        </p:blipFill>
+        <p:spPr>
+          <a:xfrm>
+            <a:off x="8879709" y="2192451"/>
+            <a:ext cx="671176" cy="671176"/>
+          </a:xfrm>
+          <a:prstGeom prst="rect">
+            <a:avLst/>
+          </a:prstGeom>
+        </p:spPr>
+      </p:pic>
+      <p:pic>
+        <p:nvPicPr>
+          <p:cNvPr id="14" name="Graphique 13" descr="Flèches de chevron">
+            <a:extLst>
+              <a:ext uri="{FF2B5EF4-FFF2-40B4-BE49-F238E27FC236}">
+                <a16:creationId xmlns:a16="http://schemas.microsoft.com/office/drawing/2014/main" xmlns="" id="{7793A0B9-2D3D-43C1-8B0B-9EB5001B4E95}"/>
+              </a:ext>
+            </a:extLst>
+          </p:cNvPr>
+          <p:cNvPicPr>
+            <a:picLocks noChangeAspect="1"/>
+          </p:cNvPicPr>
+          <p:nvPr/>
+        </p:nvPicPr>
+        <p:blipFill>
+          <a:blip r:embed="rId7" cstate="print">
+            <a:extLst>
+              <a:ext uri="{28A0092B-C50C-407E-A947-70E740481C1C}">
+                <a14:useLocalDpi xmlns:a14="http://schemas.microsoft.com/office/drawing/2010/main" val="0"/>
+              </a:ext>
+              <a:ext uri="{96DAC541-7B7A-43D3-8B79-37D633B846F1}">
+                <asvg:svgBlip xmlns:asvg="http://schemas.microsoft.com/office/drawing/2016/SVG/main" xmlns="" r:embed="rId8"/>
+              </a:ext>
+            </a:extLst>
+          </a:blip>
+          <a:stretch>
+            <a:fillRect/>
+          </a:stretch>
+        </p:blipFill>
+        <p:spPr>
+          <a:xfrm rot="16200000">
+            <a:off x="6818014" y="1199313"/>
+            <a:ext cx="788309" cy="788309"/>
+          </a:xfrm>
+          <a:prstGeom prst="rect">
+            <a:avLst/>
+          </a:prstGeom>
+        </p:spPr>
+      </p:pic>
+      <p:sp>
+        <p:nvSpPr>
+          <p:cNvPr id="3" name="ZoneTexte 2"/>
+          <p:cNvSpPr txBox="1"/>
+          <p:nvPr/>
+        </p:nvSpPr>
+        <p:spPr>
+          <a:xfrm>
+            <a:off x="109921" y="3038454"/>
+            <a:ext cx="2095017" cy="369332"/>
+          </a:xfrm>
+          <a:prstGeom prst="rect">
+            <a:avLst/>
+          </a:prstGeom>
+          <a:noFill/>
+        </p:spPr>
+        <p:txBody>
+          <a:bodyPr wrap="square" rtlCol="0">
+            <a:spAutoFit/>
+          </a:bodyPr>
+          <a:lstStyle/>
+          <a:p>
+            <a:r>
+              <a:rPr lang="fr-CH" dirty="0" smtClean="0"/>
+              <a:t>Code structure</a:t>
+            </a:r>
+            <a:endParaRPr lang="fr-FR" dirty="0"/>
+          </a:p>
+        </p:txBody>
+      </p:sp>
+      <p:pic>
+        <p:nvPicPr>
+          <p:cNvPr id="4" name="Image 3"/>
+          <p:cNvPicPr>
+            <a:picLocks noChangeAspect="1"/>
+          </p:cNvPicPr>
+          <p:nvPr/>
+        </p:nvPicPr>
+        <p:blipFill>
+          <a:blip r:embed="rId9"/>
+          <a:stretch>
+            <a:fillRect/>
+          </a:stretch>
+        </p:blipFill>
+        <p:spPr>
+          <a:xfrm>
+            <a:off x="9046331" y="5318219"/>
+            <a:ext cx="1419225" cy="1485900"/>
+          </a:xfrm>
+          <a:prstGeom prst="rect">
+            <a:avLst/>
+          </a:prstGeom>
+        </p:spPr>
+      </p:pic>
+      <p:sp>
+        <p:nvSpPr>
+          <p:cNvPr id="13" name="ZoneTexte 12"/>
+          <p:cNvSpPr txBox="1"/>
+          <p:nvPr/>
+        </p:nvSpPr>
+        <p:spPr>
+          <a:xfrm>
+            <a:off x="8601678" y="4856244"/>
+            <a:ext cx="3312291" cy="369332"/>
+          </a:xfrm>
+          <a:prstGeom prst="rect">
+            <a:avLst/>
+          </a:prstGeom>
+          <a:noFill/>
+        </p:spPr>
+        <p:txBody>
+          <a:bodyPr wrap="square" rtlCol="0">
+            <a:spAutoFit/>
+          </a:bodyPr>
+          <a:lstStyle/>
+          <a:p>
+            <a:r>
+              <a:rPr lang="fr-CH" dirty="0" smtClean="0"/>
+              <a:t>Project full documented</a:t>
+            </a:r>
+            <a:endParaRPr lang="fr-FR" dirty="0"/>
+          </a:p>
+        </p:txBody>
+      </p:sp>
+    </p:spTree>
+    <p:extLst>
+      <p:ext uri="{BB962C8B-B14F-4D97-AF65-F5344CB8AC3E}">
+        <p14:creationId xmlns:p14="http://schemas.microsoft.com/office/powerpoint/2010/main" val="2154920131"/>
+      </p:ext>
+    </p:extLst>
+  </p:cSld>
+  <p:clrMapOvr>
+    <a:masterClrMapping/>
+  </p:clrMapOvr>
+  <p:timing>
+    <p:tnLst>
+      <p:par>
+        <p:cTn id="1" dur="indefinite" restart="never" nodeType="tmRoot"/>
+      </p:par>
+    </p:tnLst>
+  </p:timing>
+</p:sld>
+</file>
+
+<file path=ppt/slides/slide6.xml><?xml version="1.0" encoding="utf-8"?>
+<p:sld xmlns:a="http://schemas.openxmlformats.org/drawingml/2006/main" xmlns:r="http://schemas.openxmlformats.org/officeDocument/2006/relationships" xmlns:p="http://schemas.openxmlformats.org/presentationml/2006/main">
+  <p:cSld>
+    <p:spTree>
+      <p:nvGrpSpPr>
+        <p:cNvPr id="1" name=""/>
+        <p:cNvGrpSpPr/>
+        <p:nvPr/>
+      </p:nvGrpSpPr>
+      <p:grpSpPr>
+        <a:xfrm>
+          <a:off x="0" y="0"/>
+          <a:ext cx="0" cy="0"/>
+          <a:chOff x="0" y="0"/>
+          <a:chExt cx="0" cy="0"/>
+        </a:xfrm>
+      </p:grpSpPr>
+      <p:pic>
+        <p:nvPicPr>
+          <p:cNvPr id="6150" name="Picture 6" descr="Business, demo, gear, operation icon"/>
+          <p:cNvPicPr>
+            <a:picLocks noChangeAspect="1" noChangeArrowheads="1"/>
+          </p:cNvPicPr>
+          <p:nvPr/>
+        </p:nvPicPr>
+        <p:blipFill>
+          <a:blip r:embed="rId2">
+            <a:extLst>
+              <a:ext uri="{28A0092B-C50C-407E-A947-70E740481C1C}">
+                <a14:useLocalDpi xmlns:a14="http://schemas.microsoft.com/office/drawing/2010/main" val="0"/>
+              </a:ext>
+            </a:extLst>
+          </a:blip>
+          <a:srcRect/>
+          <a:stretch>
+            <a:fillRect/>
+          </a:stretch>
+        </p:blipFill>
+        <p:spPr bwMode="auto">
+          <a:xfrm>
+            <a:off x="4074289" y="1458410"/>
+            <a:ext cx="5144565" cy="5144566"/>
+          </a:xfrm>
+          <a:prstGeom prst="rect">
+            <a:avLst/>
+          </a:prstGeom>
+          <a:noFill/>
+          <a:extLst>
+            <a:ext uri="{909E8E84-426E-40DD-AFC4-6F175D3DCCD1}">
+              <a14:hiddenFill xmlns:a14="http://schemas.microsoft.com/office/drawing/2010/main">
+                <a:solidFill>
+                  <a:srgbClr val="FFFFFF"/>
+                </a:solidFill>
+              </a14:hiddenFill>
+            </a:ext>
+          </a:extLst>
+        </p:spPr>
+      </p:pic>
+      <p:sp>
+        <p:nvSpPr>
+          <p:cNvPr id="6" name="Titre 1">
+            <a:extLst>
+              <a:ext uri="{FF2B5EF4-FFF2-40B4-BE49-F238E27FC236}">
+                <a16:creationId xmlns:a16="http://schemas.microsoft.com/office/drawing/2014/main" xmlns="" id="{26D30844-C197-4C58-B7B3-F2A95ED8975A}"/>
+              </a:ext>
+            </a:extLst>
+          </p:cNvPr>
+          <p:cNvSpPr txBox="1">
+            <a:spLocks/>
+          </p:cNvSpPr>
+          <p:nvPr/>
+        </p:nvSpPr>
+        <p:spPr>
+          <a:xfrm>
+            <a:off x="1141955" y="324092"/>
+            <a:ext cx="10515600" cy="1134318"/>
+          </a:xfrm>
+          <a:prstGeom prst="rect">
+            <a:avLst/>
+          </a:prstGeom>
+        </p:spPr>
+        <p:txBody>
+          <a:bodyPr>
+            <a:normAutofit fontScale="25000" lnSpcReduction="20000"/>
+          </a:bodyPr>
+          <a:lstStyle>
+            <a:lvl1pPr algn="l" defTabSz="457200" rtl="0" eaLnBrk="1" latinLnBrk="0" hangingPunct="1">
+              <a:spcBef>
+                <a:spcPct val="0"/>
+              </a:spcBef>
+              <a:buNone/>
+              <a:defRPr sz="3600" kern="1200" cap="all">
+                <a:ln w="3175" cmpd="sng">
+                  <a:noFill/>
+                </a:ln>
+                <a:solidFill>
+                  <a:schemeClr val="tx1"/>
+                </a:solidFill>
+                <a:effectLst/>
+                <a:latin typeface="+mj-lt"/>
+                <a:ea typeface="+mj-ea"/>
+                <a:cs typeface="+mj-cs"/>
+              </a:defRPr>
+            </a:lvl1pPr>
+            <a:lvl2pPr eaLnBrk="1" hangingPunct="1">
+              <a:defRPr>
+                <a:solidFill>
+                  <a:schemeClr val="tx2"/>
+                </a:solidFill>
+              </a:defRPr>
+            </a:lvl2pPr>
+            <a:lvl3pPr eaLnBrk="1" hangingPunct="1">
+              <a:defRPr>
+                <a:solidFill>
+                  <a:schemeClr val="tx2"/>
+                </a:solidFill>
+              </a:defRPr>
+            </a:lvl3pPr>
+            <a:lvl4pPr eaLnBrk="1" hangingPunct="1">
+              <a:defRPr>
+                <a:solidFill>
+                  <a:schemeClr val="tx2"/>
+                </a:solidFill>
+              </a:defRPr>
+            </a:lvl4pPr>
+            <a:lvl5pPr eaLnBrk="1" hangingPunct="1">
+              <a:defRPr>
+                <a:solidFill>
+                  <a:schemeClr val="tx2"/>
+                </a:solidFill>
+              </a:defRPr>
+            </a:lvl5pPr>
+            <a:lvl6pPr eaLnBrk="1" hangingPunct="1">
+              <a:defRPr>
+                <a:solidFill>
+                  <a:schemeClr val="tx2"/>
+                </a:solidFill>
+              </a:defRPr>
+            </a:lvl6pPr>
+            <a:lvl7pPr eaLnBrk="1" hangingPunct="1">
+              <a:defRPr>
+                <a:solidFill>
+                  <a:schemeClr val="tx2"/>
+                </a:solidFill>
+              </a:defRPr>
+            </a:lvl7pPr>
+            <a:lvl8pPr eaLnBrk="1" hangingPunct="1">
+              <a:defRPr>
+                <a:solidFill>
+                  <a:schemeClr val="tx2"/>
+                </a:solidFill>
+              </a:defRPr>
+            </a:lvl8pPr>
+            <a:lvl9pPr eaLnBrk="1" hangingPunct="1">
+              <a:defRPr>
+                <a:solidFill>
+                  <a:schemeClr val="tx2"/>
+                </a:solidFill>
+              </a:defRPr>
+            </a:lvl9pPr>
+          </a:lstStyle>
+          <a:p>
+            <a:pPr algn="ctr"/>
+            <a:r>
+              <a:rPr lang="fr-CH" b="1" dirty="0" smtClean="0">
+                <a:solidFill>
+                  <a:schemeClr val="accent1"/>
+                </a:solidFill>
+              </a:rPr>
+              <a:t/>
+            </a:r>
+            <a:br>
+              <a:rPr lang="fr-CH" b="1" dirty="0" smtClean="0">
+                <a:solidFill>
+                  <a:schemeClr val="accent1"/>
+                </a:solidFill>
+              </a:rPr>
+            </a:br>
+            <a:endParaRPr lang="fr-CH" b="1" dirty="0" smtClean="0">
+              <a:solidFill>
+                <a:schemeClr val="accent1"/>
+              </a:solidFill>
+            </a:endParaRPr>
+          </a:p>
+          <a:p>
+            <a:pPr algn="ctr"/>
+            <a:r>
+              <a:rPr lang="fr-CH" sz="14400" b="1" dirty="0" smtClean="0">
+                <a:solidFill>
+                  <a:schemeClr val="accent1"/>
+                </a:solidFill>
+              </a:rPr>
+              <a:t>Demo and next steps</a:t>
+            </a:r>
+            <a:r>
+              <a:rPr lang="fr-CH" sz="14400" dirty="0" smtClean="0">
+                <a:solidFill>
+                  <a:schemeClr val="bg1"/>
+                </a:solidFill>
+              </a:rPr>
+              <a:t/>
+            </a:r>
+            <a:br>
+              <a:rPr lang="fr-CH" sz="14400" dirty="0" smtClean="0">
+                <a:solidFill>
+                  <a:schemeClr val="bg1"/>
+                </a:solidFill>
+              </a:rPr>
+            </a:br>
+            <a:endParaRPr lang="fr-CH" sz="14400" dirty="0"/>
+          </a:p>
+        </p:txBody>
+      </p:sp>
+    </p:spTree>
+    <p:extLst>
+      <p:ext uri="{BB962C8B-B14F-4D97-AF65-F5344CB8AC3E}">
+        <p14:creationId xmlns:p14="http://schemas.microsoft.com/office/powerpoint/2010/main" val="1631127591"/>
+      </p:ext>
+    </p:extLst>
+  </p:cSld>
+  <p:clrMapOvr>
+    <a:masterClrMapping/>
+  </p:clrMapOvr>
+  <p:timing>
+    <p:tnLst>
+      <p:par>
+        <p:cTn id="1" dur="indefinite" restart="never" nodeType="tmRoot"/>
+      </p:par>
+    </p:tnLst>
+  </p:timing>
+</p:sld>
+</file>
+
+<file path=ppt/slides/slide7.xml><?xml version="1.0" encoding="utf-8"?>
+<p:sld xmlns:a="http://schemas.openxmlformats.org/drawingml/2006/main" xmlns:r="http://schemas.openxmlformats.org/officeDocument/2006/relationships" xmlns:p="http://schemas.openxmlformats.org/presentationml/2006/main">
+  <p:cSld>
+    <p:spTree>
+      <p:nvGrpSpPr>
+        <p:cNvPr id="1" name=""/>
+        <p:cNvGrpSpPr/>
+        <p:nvPr/>
+      </p:nvGrpSpPr>
+      <p:grpSpPr>
+        <a:xfrm>
+          <a:off x="0" y="0"/>
+          <a:ext cx="0" cy="0"/>
+          <a:chOff x="0" y="0"/>
+          <a:chExt cx="0" cy="0"/>
+        </a:xfrm>
+      </p:grpSpPr>
+      <p:sp>
+        <p:nvSpPr>
+          <p:cNvPr id="2" name="Titre 1">
+            <a:extLst>
+              <a:ext uri="{FF2B5EF4-FFF2-40B4-BE49-F238E27FC236}">
+                <a16:creationId xmlns:a16="http://schemas.microsoft.com/office/drawing/2014/main" xmlns="" id="{BDA1F30B-5126-4C07-8DF0-DFCBF682ADAD}"/>
+              </a:ext>
+            </a:extLst>
+          </p:cNvPr>
+          <p:cNvSpPr>
+            <a:spLocks noGrp="1"/>
+          </p:cNvSpPr>
+          <p:nvPr>
+            <p:ph type="title"/>
+          </p:nvPr>
+        </p:nvSpPr>
+        <p:spPr>
+          <a:xfrm>
+            <a:off x="838200" y="346271"/>
+            <a:ext cx="10515600" cy="1325563"/>
+          </a:xfrm>
+        </p:spPr>
+        <p:txBody>
+          <a:bodyPr vert="horz" lIns="91440" tIns="45720" rIns="91440" bIns="45720" rtlCol="0" anchor="ctr">
+            <a:normAutofit/>
+          </a:bodyPr>
+          <a:lstStyle/>
+          <a:p>
+            <a:r>
+              <a:rPr lang="en-US" dirty="0"/>
+              <a:t>Hypotheses</a:t>
+            </a:r>
+            <a:endParaRPr lang="en-US" sz="5400" dirty="0"/>
+          </a:p>
+        </p:txBody>
+      </p:sp>
+      <p:sp>
+        <p:nvSpPr>
+          <p:cNvPr id="3" name="Espace réservé du contenu 2">
+            <a:extLst>
+              <a:ext uri="{FF2B5EF4-FFF2-40B4-BE49-F238E27FC236}">
+                <a16:creationId xmlns:a16="http://schemas.microsoft.com/office/drawing/2014/main" xmlns="" id="{B4AA6A43-FB14-4252-8280-094535BF9870}"/>
+              </a:ext>
+            </a:extLst>
+          </p:cNvPr>
+          <p:cNvSpPr>
+            <a:spLocks noGrp="1"/>
+          </p:cNvSpPr>
+          <p:nvPr>
+            <p:ph idx="1"/>
+          </p:nvPr>
+        </p:nvSpPr>
+        <p:spPr>
+          <a:xfrm>
+            <a:off x="838200" y="1671834"/>
+            <a:ext cx="10515600" cy="4084981"/>
+          </a:xfrm>
+        </p:spPr>
+        <p:txBody>
+          <a:bodyPr>
+            <a:normAutofit lnSpcReduction="10000"/>
+          </a:bodyPr>
+          <a:lstStyle/>
+          <a:p>
+            <a:pPr marL="514350" indent="-514350">
+              <a:buFont typeface="+mj-lt"/>
+              <a:buAutoNum type="arabicPeriod"/>
+            </a:pPr>
+            <a:r>
+              <a:rPr lang="en-US" sz="2400" dirty="0"/>
+              <a:t>If the intrinsic value of a property is defined by different parameters such as the number of rooms or the total surface for example, then it must possible to have an algorithm which can predict with good accuracy the price of a property</a:t>
+            </a:r>
+            <a:r>
+              <a:rPr lang="en-US" sz="2400" dirty="0">
+                <a:effectLst/>
+                <a:ea typeface="Arial" panose="020B0604020202020204" pitchFamily="34" charset="0"/>
+              </a:rPr>
+              <a:t>.</a:t>
+            </a:r>
+          </a:p>
+          <a:p>
+            <a:pPr marL="914400" lvl="2" indent="0">
+              <a:buNone/>
+            </a:pPr>
+            <a:r>
+              <a:rPr lang="en-US" sz="2400" dirty="0">
+                <a:ea typeface="Arial" panose="020B0604020202020204" pitchFamily="34" charset="0"/>
+              </a:rPr>
+              <a:t>→ use the 80 parameters</a:t>
+            </a:r>
+            <a:endParaRPr lang="en-US" sz="2400" dirty="0">
+              <a:effectLst/>
+              <a:ea typeface="Arial" panose="020B0604020202020204" pitchFamily="34" charset="0"/>
+            </a:endParaRPr>
+          </a:p>
+          <a:p>
+            <a:pPr marL="514350" indent="-514350">
+              <a:buFont typeface="+mj-lt"/>
+              <a:buAutoNum type="arabicPeriod"/>
+            </a:pPr>
+            <a:endParaRPr lang="en-US" sz="2400" dirty="0">
+              <a:effectLst/>
+              <a:ea typeface="Arial" panose="020B0604020202020204" pitchFamily="34" charset="0"/>
+            </a:endParaRPr>
+          </a:p>
+          <a:p>
+            <a:pPr marL="514350" indent="-514350">
+              <a:buFont typeface="+mj-lt"/>
+              <a:buAutoNum type="arabicPeriod"/>
+            </a:pPr>
+            <a:r>
+              <a:rPr lang="en-US" sz="2400" dirty="0">
+                <a:effectLst/>
+                <a:ea typeface="Arial" panose="020B0604020202020204" pitchFamily="34" charset="0"/>
+              </a:rPr>
+              <a:t>If some parameters are more meaningful than others to explain the price of a house, then by taking into account only these parameters the price of a house should be still predictable.</a:t>
+            </a:r>
+          </a:p>
+          <a:p>
+            <a:pPr marL="457200" lvl="1" indent="0">
+              <a:buNone/>
+            </a:pPr>
+            <a:r>
+              <a:rPr lang="en-US" dirty="0">
+                <a:ea typeface="Arial" panose="020B0604020202020204" pitchFamily="34" charset="0"/>
+              </a:rPr>
+              <a:t>	 → use only the most relevant parameters</a:t>
+            </a:r>
+            <a:endParaRPr lang="en-US" sz="2400" dirty="0">
+              <a:effectLst/>
+              <a:ea typeface="Arial" panose="020B0604020202020204" pitchFamily="34" charset="0"/>
+            </a:endParaRPr>
+          </a:p>
+          <a:p>
+            <a:pPr marL="0" indent="0">
+              <a:buNone/>
+            </a:pPr>
+            <a:endParaRPr lang="en-US" sz="2400" dirty="0">
+              <a:ea typeface="Arial" panose="020B0604020202020204" pitchFamily="34" charset="0"/>
+            </a:endParaRPr>
+          </a:p>
+          <a:p>
+            <a:pPr marL="0" indent="0">
+              <a:buNone/>
+            </a:pPr>
+            <a:endParaRPr lang="fr-CH" dirty="0"/>
+          </a:p>
+        </p:txBody>
+      </p:sp>
+    </p:spTree>
+    <p:extLst>
+      <p:ext uri="{BB962C8B-B14F-4D97-AF65-F5344CB8AC3E}">
+        <p14:creationId xmlns:p14="http://schemas.microsoft.com/office/powerpoint/2010/main" val="3949311496"/>
+      </p:ext>
+    </p:extLst>
+  </p:cSld>
+  <p:clrMapOvr>
+    <a:masterClrMapping/>
+  </p:clrMapOvr>
+  <p:timing>
+    <p:tnLst>
+      <p:par>
+        <p:cTn id="1" dur="indefinite" restart="never" nodeType="tmRoot"/>
+      </p:par>
+    </p:tnLst>
+  </p:timing>
+</p:sld>
+</file>
+
+<file path=ppt/slides/slide8.xml><?xml version="1.0" encoding="utf-8"?>
 <p:sld xmlns:a="http://schemas.openxmlformats.org/drawingml/2006/main" xmlns:r="http://schemas.openxmlformats.org/officeDocument/2006/relationships" xmlns:p="http://schemas.openxmlformats.org/presentationml/2006/main">
   <p:cSld>
     <p:bg>
@@ -3984,7 +7994,7 @@
           <p:cNvPr id="4" name="Titre 3">
             <a:extLst>
               <a:ext uri="{FF2B5EF4-FFF2-40B4-BE49-F238E27FC236}">
-                <a16:creationId xmlns:a16="http://schemas.microsoft.com/office/drawing/2014/main" id="{5A0E4B8C-D079-4A72-AB30-4F91F8E45482}"/>
+                <a16:creationId xmlns:a16="http://schemas.microsoft.com/office/drawing/2014/main" xmlns="" id="{5A0E4B8C-D079-4A72-AB30-4F91F8E45482}"/>
               </a:ext>
             </a:extLst>
           </p:cNvPr>
@@ -4003,7 +8013,7 @@
         </p:spPr>
         <p:txBody>
           <a:bodyPr>
-            <a:normAutofit/>
+            <a:normAutofit fontScale="90000"/>
           </a:bodyPr>
           <a:lstStyle/>
           <a:p>
@@ -4021,7 +8031,7 @@
           <p:cNvPr id="5" name="Espace réservé du contenu 4">
             <a:extLst>
               <a:ext uri="{FF2B5EF4-FFF2-40B4-BE49-F238E27FC236}">
-                <a16:creationId xmlns:a16="http://schemas.microsoft.com/office/drawing/2014/main" id="{9F36CDF7-AB52-45C7-ADAF-AD1A294431AC}"/>
+                <a16:creationId xmlns:a16="http://schemas.microsoft.com/office/drawing/2014/main" xmlns="" id="{9F36CDF7-AB52-45C7-ADAF-AD1A294431AC}"/>
               </a:ext>
             </a:extLst>
           </p:cNvPr>
@@ -4040,7 +8050,7 @@
         </p:spPr>
         <p:txBody>
           <a:bodyPr>
-            <a:normAutofit/>
+            <a:normAutofit fontScale="92500" lnSpcReduction="10000"/>
           </a:bodyPr>
           <a:lstStyle/>
           <a:p>
@@ -4137,10 +8147,17 @@
   <p:clrMapOvr>
     <a:overrideClrMapping bg1="lt1" tx1="dk1" bg2="lt2" tx2="dk2" accent1="accent1" accent2="accent2" accent3="accent3" accent4="accent4" accent5="accent5" accent6="accent6" hlink="hlink" folHlink="folHlink"/>
   </p:clrMapOvr>
+  <p:timing>
+    <p:tnLst>
+      <p:par>
+        <p:cTn id="1" dur="indefinite" restart="never" nodeType="tmRoot"/>
+      </p:par>
+    </p:tnLst>
+  </p:timing>
 </p:sld>
 </file>
 
-<file path=ppt/slides/slide2.xml><?xml version="1.0" encoding="utf-8"?>
+<file path=ppt/slides/slide9.xml><?xml version="1.0" encoding="utf-8"?>
 <p:sld xmlns:a="http://schemas.openxmlformats.org/drawingml/2006/main" xmlns:r="http://schemas.openxmlformats.org/officeDocument/2006/relationships" xmlns:p="http://schemas.openxmlformats.org/presentationml/2006/main">
   <p:cSld>
     <p:spTree>
@@ -4162,7 +8179,7 @@
           <p:cNvPr id="2" name="Titre 1">
             <a:extLst>
               <a:ext uri="{FF2B5EF4-FFF2-40B4-BE49-F238E27FC236}">
-                <a16:creationId xmlns:a16="http://schemas.microsoft.com/office/drawing/2014/main" id="{BDA1F30B-5126-4C07-8DF0-DFCBF682ADAD}"/>
+                <a16:creationId xmlns:a16="http://schemas.microsoft.com/office/drawing/2014/main" xmlns="" id="{FD780A01-0872-480C-A2CE-9FED6C630C31}"/>
               </a:ext>
             </a:extLst>
           </p:cNvPr>
@@ -4175,21 +8192,18 @@
         </p:nvSpPr>
         <p:spPr>
           <a:xfrm>
-            <a:off x="838200" y="346271"/>
-            <a:ext cx="10515600" cy="1325563"/>
+            <a:off x="1089326" y="372157"/>
+            <a:ext cx="8534400" cy="1507067"/>
           </a:xfrm>
         </p:spPr>
         <p:txBody>
-          <a:bodyPr vert="horz" lIns="91440" tIns="45720" rIns="91440" bIns="45720" rtlCol="0" anchor="ctr">
-            <a:normAutofit/>
-          </a:bodyPr>
+          <a:bodyPr/>
           <a:lstStyle/>
           <a:p>
             <a:r>
               <a:rPr lang="en-US" dirty="0"/>
-              <a:t>Hypotheses</a:t>
-            </a:r>
-            <a:endParaRPr lang="en-US" sz="5400" dirty="0"/>
+              <a:t>Relevant Parameters Selection</a:t>
+            </a:r>
           </a:p>
         </p:txBody>
       </p:sp>
@@ -4198,178 +8212,7 @@
           <p:cNvPr id="3" name="Espace réservé du contenu 2">
             <a:extLst>
               <a:ext uri="{FF2B5EF4-FFF2-40B4-BE49-F238E27FC236}">
-                <a16:creationId xmlns:a16="http://schemas.microsoft.com/office/drawing/2014/main" id="{B4AA6A43-FB14-4252-8280-094535BF9870}"/>
-              </a:ext>
-            </a:extLst>
-          </p:cNvPr>
-          <p:cNvSpPr>
-            <a:spLocks noGrp="1"/>
-          </p:cNvSpPr>
-          <p:nvPr>
-            <p:ph idx="1"/>
-          </p:nvPr>
-        </p:nvSpPr>
-        <p:spPr>
-          <a:xfrm>
-            <a:off x="838200" y="1671834"/>
-            <a:ext cx="10515600" cy="4084981"/>
-          </a:xfrm>
-        </p:spPr>
-        <p:txBody>
-          <a:bodyPr>
-            <a:normAutofit/>
-          </a:bodyPr>
-          <a:lstStyle/>
-          <a:p>
-            <a:pPr marL="514350" indent="-514350">
-              <a:buFont typeface="+mj-lt"/>
-              <a:buAutoNum type="arabicPeriod"/>
-            </a:pPr>
-            <a:r>
-              <a:rPr lang="en-US" sz="2400" dirty="0"/>
-              <a:t>If the intrinsic value of a property is defined by different parameters such as the number of rooms or the total surface for example, then it must possible to have an algorithm which can predict with good accuracy the price of a property</a:t>
-            </a:r>
-            <a:r>
-              <a:rPr lang="en-US" sz="2400" dirty="0">
-                <a:effectLst/>
-                <a:ea typeface="Arial" panose="020B0604020202020204" pitchFamily="34" charset="0"/>
-              </a:rPr>
-              <a:t>.</a:t>
-            </a:r>
-          </a:p>
-          <a:p>
-            <a:pPr marL="914400" lvl="2" indent="0">
-              <a:buNone/>
-            </a:pPr>
-            <a:r>
-              <a:rPr lang="en-US" sz="2400" dirty="0">
-                <a:ea typeface="Arial" panose="020B0604020202020204" pitchFamily="34" charset="0"/>
-              </a:rPr>
-              <a:t>→ use the 80 parameters</a:t>
-            </a:r>
-            <a:endParaRPr lang="en-US" sz="2400" dirty="0">
-              <a:effectLst/>
-              <a:ea typeface="Arial" panose="020B0604020202020204" pitchFamily="34" charset="0"/>
-            </a:endParaRPr>
-          </a:p>
-          <a:p>
-            <a:pPr marL="514350" indent="-514350">
-              <a:buFont typeface="+mj-lt"/>
-              <a:buAutoNum type="arabicPeriod"/>
-            </a:pPr>
-            <a:endParaRPr lang="en-US" sz="2400" dirty="0">
-              <a:effectLst/>
-              <a:ea typeface="Arial" panose="020B0604020202020204" pitchFamily="34" charset="0"/>
-            </a:endParaRPr>
-          </a:p>
-          <a:p>
-            <a:pPr marL="514350" indent="-514350">
-              <a:buFont typeface="+mj-lt"/>
-              <a:buAutoNum type="arabicPeriod"/>
-            </a:pPr>
-            <a:r>
-              <a:rPr lang="en-US" sz="2400" dirty="0">
-                <a:effectLst/>
-                <a:ea typeface="Arial" panose="020B0604020202020204" pitchFamily="34" charset="0"/>
-              </a:rPr>
-              <a:t>If some parameters are more meaningful than others to explain the price of a house, then by taking into account only these parameters the price of a house should be still predictable.</a:t>
-            </a:r>
-          </a:p>
-          <a:p>
-            <a:pPr marL="457200" lvl="1" indent="0">
-              <a:buNone/>
-            </a:pPr>
-            <a:r>
-              <a:rPr lang="en-US" dirty="0">
-                <a:ea typeface="Arial" panose="020B0604020202020204" pitchFamily="34" charset="0"/>
-              </a:rPr>
-              <a:t>	 → use only the most relevant parameters</a:t>
-            </a:r>
-            <a:endParaRPr lang="en-US" sz="2400" dirty="0">
-              <a:effectLst/>
-              <a:ea typeface="Arial" panose="020B0604020202020204" pitchFamily="34" charset="0"/>
-            </a:endParaRPr>
-          </a:p>
-          <a:p>
-            <a:pPr marL="0" indent="0">
-              <a:buNone/>
-            </a:pPr>
-            <a:endParaRPr lang="en-US" sz="2400" dirty="0">
-              <a:ea typeface="Arial" panose="020B0604020202020204" pitchFamily="34" charset="0"/>
-            </a:endParaRPr>
-          </a:p>
-          <a:p>
-            <a:pPr marL="0" indent="0">
-              <a:buNone/>
-            </a:pPr>
-            <a:endParaRPr lang="fr-CH" dirty="0"/>
-          </a:p>
-        </p:txBody>
-      </p:sp>
-    </p:spTree>
-    <p:extLst>
-      <p:ext uri="{BB962C8B-B14F-4D97-AF65-F5344CB8AC3E}">
-        <p14:creationId xmlns:p14="http://schemas.microsoft.com/office/powerpoint/2010/main" val="3949311496"/>
-      </p:ext>
-    </p:extLst>
-  </p:cSld>
-  <p:clrMapOvr>
-    <a:masterClrMapping/>
-  </p:clrMapOvr>
-</p:sld>
-</file>
-
-<file path=ppt/slides/slide3.xml><?xml version="1.0" encoding="utf-8"?>
-<p:sld xmlns:a="http://schemas.openxmlformats.org/drawingml/2006/main" xmlns:r="http://schemas.openxmlformats.org/officeDocument/2006/relationships" xmlns:p="http://schemas.openxmlformats.org/presentationml/2006/main">
-  <p:cSld>
-    <p:spTree>
-      <p:nvGrpSpPr>
-        <p:cNvPr id="1" name=""/>
-        <p:cNvGrpSpPr/>
-        <p:nvPr/>
-      </p:nvGrpSpPr>
-      <p:grpSpPr>
-        <a:xfrm>
-          <a:off x="0" y="0"/>
-          <a:ext cx="0" cy="0"/>
-          <a:chOff x="0" y="0"/>
-          <a:chExt cx="0" cy="0"/>
-        </a:xfrm>
-      </p:grpSpPr>
-      <p:sp>
-        <p:nvSpPr>
-          <p:cNvPr id="2" name="Titre 1">
-            <a:extLst>
-              <a:ext uri="{FF2B5EF4-FFF2-40B4-BE49-F238E27FC236}">
-                <a16:creationId xmlns:a16="http://schemas.microsoft.com/office/drawing/2014/main" id="{FD780A01-0872-480C-A2CE-9FED6C630C31}"/>
-              </a:ext>
-            </a:extLst>
-          </p:cNvPr>
-          <p:cNvSpPr>
-            <a:spLocks noGrp="1"/>
-          </p:cNvSpPr>
-          <p:nvPr>
-            <p:ph type="title"/>
-          </p:nvPr>
-        </p:nvSpPr>
-        <p:spPr/>
-        <p:txBody>
-          <a:bodyPr/>
-          <a:lstStyle/>
-          <a:p>
-            <a:r>
-              <a:rPr lang="en-US" dirty="0"/>
-              <a:t>Relevant Parameters Selection</a:t>
-            </a:r>
-          </a:p>
-        </p:txBody>
-      </p:sp>
-      <p:sp>
-        <p:nvSpPr>
-          <p:cNvPr id="3" name="Espace réservé du contenu 2">
-            <a:extLst>
-              <a:ext uri="{FF2B5EF4-FFF2-40B4-BE49-F238E27FC236}">
-                <a16:creationId xmlns:a16="http://schemas.microsoft.com/office/drawing/2014/main" id="{5F6BE723-D848-4286-9E63-E847465E2286}"/>
+                <a16:creationId xmlns:a16="http://schemas.microsoft.com/office/drawing/2014/main" xmlns="" id="{5F6BE723-D848-4286-9E63-E847465E2286}"/>
               </a:ext>
             </a:extLst>
           </p:cNvPr>
@@ -4408,7 +8251,7 @@
           <p:cNvPr id="4" name="Tableau 4">
             <a:extLst>
               <a:ext uri="{FF2B5EF4-FFF2-40B4-BE49-F238E27FC236}">
-                <a16:creationId xmlns:a16="http://schemas.microsoft.com/office/drawing/2014/main" id="{BC45A57F-2857-462B-B8E6-4061C24E3FED}"/>
+                <a16:creationId xmlns:a16="http://schemas.microsoft.com/office/drawing/2014/main" xmlns="" id="{BC45A57F-2857-462B-B8E6-4061C24E3FED}"/>
               </a:ext>
             </a:extLst>
           </p:cNvPr>
@@ -4425,7 +8268,7 @@
         </p:nvGraphicFramePr>
         <p:xfrm>
           <a:off x="6403848" y="1879224"/>
-          <a:ext cx="4949952" cy="4297680"/>
+          <a:ext cx="4949952" cy="4846320"/>
         </p:xfrm>
         <a:graphic>
           <a:graphicData uri="http://schemas.openxmlformats.org/drawingml/2006/table">
@@ -4437,14 +8280,14 @@
                 <a:gridCol w="2473452">
                   <a:extLst>
                     <a:ext uri="{9D8B030D-6E8A-4147-A177-3AD203B41FA5}">
-                      <a16:colId xmlns:a16="http://schemas.microsoft.com/office/drawing/2014/main" val="1008175159"/>
+                      <a16:colId xmlns:a16="http://schemas.microsoft.com/office/drawing/2014/main" xmlns="" val="1008175159"/>
                     </a:ext>
                   </a:extLst>
                 </a:gridCol>
                 <a:gridCol w="2476500">
                   <a:extLst>
                     <a:ext uri="{9D8B030D-6E8A-4147-A177-3AD203B41FA5}">
-                      <a16:colId xmlns:a16="http://schemas.microsoft.com/office/drawing/2014/main" val="1882991865"/>
+                      <a16:colId xmlns:a16="http://schemas.microsoft.com/office/drawing/2014/main" xmlns="" val="1882991865"/>
                     </a:ext>
                   </a:extLst>
                 </a:gridCol>
@@ -4478,7 +8321,7 @@
                 </a:tc>
                 <a:extLst>
                   <a:ext uri="{0D108BD9-81ED-4DB2-BD59-A6C34878D82A}">
-                    <a16:rowId xmlns:a16="http://schemas.microsoft.com/office/drawing/2014/main" val="2282776920"/>
+                    <a16:rowId xmlns:a16="http://schemas.microsoft.com/office/drawing/2014/main" xmlns="" val="2282776920"/>
                   </a:ext>
                 </a:extLst>
               </a:tr>
@@ -4513,7 +8356,7 @@
                 </a:tc>
                 <a:extLst>
                   <a:ext uri="{0D108BD9-81ED-4DB2-BD59-A6C34878D82A}">
-                    <a16:rowId xmlns:a16="http://schemas.microsoft.com/office/drawing/2014/main" val="3198475603"/>
+                    <a16:rowId xmlns:a16="http://schemas.microsoft.com/office/drawing/2014/main" xmlns="" val="3198475603"/>
                   </a:ext>
                 </a:extLst>
               </a:tr>
@@ -4548,7 +8391,7 @@
                 </a:tc>
                 <a:extLst>
                   <a:ext uri="{0D108BD9-81ED-4DB2-BD59-A6C34878D82A}">
-                    <a16:rowId xmlns:a16="http://schemas.microsoft.com/office/drawing/2014/main" val="1091696829"/>
+                    <a16:rowId xmlns:a16="http://schemas.microsoft.com/office/drawing/2014/main" xmlns="" val="1091696829"/>
                   </a:ext>
                 </a:extLst>
               </a:tr>
@@ -4583,7 +8426,7 @@
                 </a:tc>
                 <a:extLst>
                   <a:ext uri="{0D108BD9-81ED-4DB2-BD59-A6C34878D82A}">
-                    <a16:rowId xmlns:a16="http://schemas.microsoft.com/office/drawing/2014/main" val="56961239"/>
+                    <a16:rowId xmlns:a16="http://schemas.microsoft.com/office/drawing/2014/main" xmlns="" val="56961239"/>
                   </a:ext>
                 </a:extLst>
               </a:tr>
@@ -4618,7 +8461,7 @@
                 </a:tc>
                 <a:extLst>
                   <a:ext uri="{0D108BD9-81ED-4DB2-BD59-A6C34878D82A}">
-                    <a16:rowId xmlns:a16="http://schemas.microsoft.com/office/drawing/2014/main" val="3940499769"/>
+                    <a16:rowId xmlns:a16="http://schemas.microsoft.com/office/drawing/2014/main" xmlns="" val="3940499769"/>
                   </a:ext>
                 </a:extLst>
               </a:tr>
@@ -4653,7 +8496,7 @@
                 </a:tc>
                 <a:extLst>
                   <a:ext uri="{0D108BD9-81ED-4DB2-BD59-A6C34878D82A}">
-                    <a16:rowId xmlns:a16="http://schemas.microsoft.com/office/drawing/2014/main" val="244446031"/>
+                    <a16:rowId xmlns:a16="http://schemas.microsoft.com/office/drawing/2014/main" xmlns="" val="244446031"/>
                   </a:ext>
                 </a:extLst>
               </a:tr>
@@ -4688,7 +8531,7 @@
                 </a:tc>
                 <a:extLst>
                   <a:ext uri="{0D108BD9-81ED-4DB2-BD59-A6C34878D82A}">
-                    <a16:rowId xmlns:a16="http://schemas.microsoft.com/office/drawing/2014/main" val="99387082"/>
+                    <a16:rowId xmlns:a16="http://schemas.microsoft.com/office/drawing/2014/main" xmlns="" val="99387082"/>
                   </a:ext>
                 </a:extLst>
               </a:tr>
@@ -4723,7 +8566,7 @@
                 </a:tc>
                 <a:extLst>
                   <a:ext uri="{0D108BD9-81ED-4DB2-BD59-A6C34878D82A}">
-                    <a16:rowId xmlns:a16="http://schemas.microsoft.com/office/drawing/2014/main" val="2080019347"/>
+                    <a16:rowId xmlns:a16="http://schemas.microsoft.com/office/drawing/2014/main" xmlns="" val="2080019347"/>
                   </a:ext>
                 </a:extLst>
               </a:tr>
@@ -4758,7 +8601,7 @@
                 </a:tc>
                 <a:extLst>
                   <a:ext uri="{0D108BD9-81ED-4DB2-BD59-A6C34878D82A}">
-                    <a16:rowId xmlns:a16="http://schemas.microsoft.com/office/drawing/2014/main" val="904731388"/>
+                    <a16:rowId xmlns:a16="http://schemas.microsoft.com/office/drawing/2014/main" xmlns="" val="904731388"/>
                   </a:ext>
                 </a:extLst>
               </a:tr>
@@ -4793,7 +8636,7 @@
                 </a:tc>
                 <a:extLst>
                   <a:ext uri="{0D108BD9-81ED-4DB2-BD59-A6C34878D82A}">
-                    <a16:rowId xmlns:a16="http://schemas.microsoft.com/office/drawing/2014/main" val="2225010645"/>
+                    <a16:rowId xmlns:a16="http://schemas.microsoft.com/office/drawing/2014/main" xmlns="" val="2225010645"/>
                   </a:ext>
                 </a:extLst>
               </a:tr>
@@ -4828,7 +8671,7 @@
                 </a:tc>
                 <a:extLst>
                   <a:ext uri="{0D108BD9-81ED-4DB2-BD59-A6C34878D82A}">
-                    <a16:rowId xmlns:a16="http://schemas.microsoft.com/office/drawing/2014/main" val="3947624056"/>
+                    <a16:rowId xmlns:a16="http://schemas.microsoft.com/office/drawing/2014/main" xmlns="" val="3947624056"/>
                   </a:ext>
                 </a:extLst>
               </a:tr>
@@ -4849,333 +8692,10 @@
 </p:sld>
 </file>
 
-<file path=ppt/slides/slide4.xml><?xml version="1.0" encoding="utf-8"?>
-<p:sld xmlns:a="http://schemas.openxmlformats.org/drawingml/2006/main" xmlns:r="http://schemas.openxmlformats.org/officeDocument/2006/relationships" xmlns:p="http://schemas.openxmlformats.org/presentationml/2006/main">
-  <p:cSld>
-    <p:spTree>
-      <p:nvGrpSpPr>
-        <p:cNvPr id="1" name=""/>
-        <p:cNvGrpSpPr/>
-        <p:nvPr/>
-      </p:nvGrpSpPr>
-      <p:grpSpPr>
-        <a:xfrm>
-          <a:off x="0" y="0"/>
-          <a:ext cx="0" cy="0"/>
-          <a:chOff x="0" y="0"/>
-          <a:chExt cx="0" cy="0"/>
-        </a:xfrm>
-      </p:grpSpPr>
-      <p:sp>
-        <p:nvSpPr>
-          <p:cNvPr id="2" name="Titre 1">
-            <a:extLst>
-              <a:ext uri="{FF2B5EF4-FFF2-40B4-BE49-F238E27FC236}">
-                <a16:creationId xmlns:a16="http://schemas.microsoft.com/office/drawing/2014/main" id="{26D30844-C197-4C58-B7B3-F2A95ED8975A}"/>
-              </a:ext>
-            </a:extLst>
-          </p:cNvPr>
-          <p:cNvSpPr>
-            <a:spLocks noGrp="1"/>
-          </p:cNvSpPr>
-          <p:nvPr>
-            <p:ph type="title"/>
-          </p:nvPr>
-        </p:nvSpPr>
-        <p:spPr>
-          <a:xfrm>
-            <a:off x="838200" y="6906"/>
-            <a:ext cx="10515600" cy="1325563"/>
-          </a:xfrm>
-        </p:spPr>
-        <p:txBody>
-          <a:bodyPr/>
-          <a:lstStyle/>
-          <a:p>
-            <a:r>
-              <a:rPr lang="fr-CH" dirty="0"/>
-              <a:t>Code Structure</a:t>
-            </a:r>
-          </a:p>
-        </p:txBody>
-      </p:sp>
-      <p:pic>
-        <p:nvPicPr>
-          <p:cNvPr id="5" name="Espace réservé du contenu 4" descr="Une image contenant capture d’écran&#10;&#10;Description générée automatiquement">
-            <a:extLst>
-              <a:ext uri="{FF2B5EF4-FFF2-40B4-BE49-F238E27FC236}">
-                <a16:creationId xmlns:a16="http://schemas.microsoft.com/office/drawing/2014/main" id="{AE18889E-06B4-480A-9211-5A42D15B7659}"/>
-              </a:ext>
-            </a:extLst>
-          </p:cNvPr>
-          <p:cNvPicPr>
-            <a:picLocks noGrp="1" noChangeAspect="1"/>
-          </p:cNvPicPr>
-          <p:nvPr>
-            <p:ph idx="1"/>
-          </p:nvPr>
-        </p:nvPicPr>
-        <p:blipFill>
-          <a:blip r:embed="rId2">
-            <a:extLst>
-              <a:ext uri="{28A0092B-C50C-407E-A947-70E740481C1C}">
-                <a14:useLocalDpi xmlns:a14="http://schemas.microsoft.com/office/drawing/2010/main" val="0"/>
-              </a:ext>
-            </a:extLst>
-          </a:blip>
-          <a:stretch>
-            <a:fillRect/>
-          </a:stretch>
-        </p:blipFill>
-        <p:spPr>
-          <a:xfrm>
-            <a:off x="1753650" y="1426732"/>
-            <a:ext cx="8684699" cy="2978589"/>
-          </a:xfrm>
-        </p:spPr>
-      </p:pic>
-      <p:sp>
-        <p:nvSpPr>
-          <p:cNvPr id="6" name="ZoneTexte 5">
-            <a:extLst>
-              <a:ext uri="{FF2B5EF4-FFF2-40B4-BE49-F238E27FC236}">
-                <a16:creationId xmlns:a16="http://schemas.microsoft.com/office/drawing/2014/main" id="{A11BF9E4-AAEC-4C9B-896E-8644EF22A1D9}"/>
-              </a:ext>
-            </a:extLst>
-          </p:cNvPr>
-          <p:cNvSpPr txBox="1"/>
-          <p:nvPr/>
-        </p:nvSpPr>
-        <p:spPr>
-          <a:xfrm>
-            <a:off x="1001949" y="4553883"/>
-            <a:ext cx="10351851" cy="1938992"/>
-          </a:xfrm>
-          <a:prstGeom prst="rect">
-            <a:avLst/>
-          </a:prstGeom>
-          <a:noFill/>
-        </p:spPr>
-        <p:txBody>
-          <a:bodyPr wrap="square" rtlCol="0">
-            <a:spAutoFit/>
-          </a:bodyPr>
-          <a:lstStyle/>
-          <a:p>
-            <a:pPr marL="342900" indent="-342900">
-              <a:buFont typeface="Arial" panose="020B0604020202020204" pitchFamily="34" charset="0"/>
-              <a:buChar char="•"/>
-            </a:pPr>
-            <a:r>
-              <a:rPr lang="en-US" sz="2400" dirty="0"/>
-              <a:t>The whole toolchain is managed by a configuration file</a:t>
-            </a:r>
-          </a:p>
-          <a:p>
-            <a:pPr marL="342900" indent="-342900">
-              <a:buFont typeface="Arial" panose="020B0604020202020204" pitchFamily="34" charset="0"/>
-              <a:buChar char="•"/>
-            </a:pPr>
-            <a:r>
-              <a:rPr lang="en-US" sz="2400" dirty="0"/>
-              <a:t>Each experiment will have its own configuration file (reproducibility)</a:t>
-            </a:r>
-          </a:p>
-          <a:p>
-            <a:pPr marL="342900" indent="-342900">
-              <a:buFont typeface="Arial" panose="020B0604020202020204" pitchFamily="34" charset="0"/>
-              <a:buChar char="•"/>
-            </a:pPr>
-            <a:r>
-              <a:rPr lang="en-US" sz="2400" dirty="0"/>
-              <a:t>The algorithm block can be: random forest, decision tree, linear regression, …</a:t>
-            </a:r>
-          </a:p>
-          <a:p>
-            <a:pPr marL="342900" indent="-342900">
-              <a:buFont typeface="Arial" panose="020B0604020202020204" pitchFamily="34" charset="0"/>
-              <a:buChar char="•"/>
-            </a:pPr>
-            <a:r>
-              <a:rPr lang="en-US" sz="2400" dirty="0"/>
-              <a:t>The toolchain is generic and it can work with whatever parameters the user want to test</a:t>
-            </a:r>
-          </a:p>
-        </p:txBody>
-      </p:sp>
-      <p:pic>
-        <p:nvPicPr>
-          <p:cNvPr id="8" name="Graphique 7" descr="Coche">
-            <a:extLst>
-              <a:ext uri="{FF2B5EF4-FFF2-40B4-BE49-F238E27FC236}">
-                <a16:creationId xmlns:a16="http://schemas.microsoft.com/office/drawing/2014/main" id="{B7BF1F6B-618D-41CC-B150-4B3BA69ECF7E}"/>
-              </a:ext>
-            </a:extLst>
-          </p:cNvPr>
-          <p:cNvPicPr>
-            <a:picLocks noChangeAspect="1"/>
-          </p:cNvPicPr>
-          <p:nvPr/>
-        </p:nvPicPr>
-        <p:blipFill>
-          <a:blip r:embed="rId3">
-            <a:extLst>
-              <a:ext uri="{28A0092B-C50C-407E-A947-70E740481C1C}">
-                <a14:useLocalDpi xmlns:a14="http://schemas.microsoft.com/office/drawing/2010/main" val="0"/>
-              </a:ext>
-              <a:ext uri="{96DAC541-7B7A-43D3-8B79-37D633B846F1}">
-                <asvg:svgBlip xmlns:asvg="http://schemas.microsoft.com/office/drawing/2016/SVG/main" r:embed="rId4"/>
-              </a:ext>
-            </a:extLst>
-          </a:blip>
-          <a:stretch>
-            <a:fillRect/>
-          </a:stretch>
-        </p:blipFill>
-        <p:spPr>
-          <a:xfrm>
-            <a:off x="1981199" y="1365365"/>
-            <a:ext cx="987057" cy="987057"/>
-          </a:xfrm>
-          <a:prstGeom prst="rect">
-            <a:avLst/>
-          </a:prstGeom>
-        </p:spPr>
-      </p:pic>
-      <p:pic>
-        <p:nvPicPr>
-          <p:cNvPr id="10" name="Graphique 9" descr="Coche">
-            <a:extLst>
-              <a:ext uri="{FF2B5EF4-FFF2-40B4-BE49-F238E27FC236}">
-                <a16:creationId xmlns:a16="http://schemas.microsoft.com/office/drawing/2014/main" id="{EDAA1B62-66A4-43EE-A237-327230703439}"/>
-              </a:ext>
-            </a:extLst>
-          </p:cNvPr>
-          <p:cNvPicPr>
-            <a:picLocks noChangeAspect="1"/>
-          </p:cNvPicPr>
-          <p:nvPr/>
-        </p:nvPicPr>
-        <p:blipFill>
-          <a:blip r:embed="rId3">
-            <a:extLst>
-              <a:ext uri="{28A0092B-C50C-407E-A947-70E740481C1C}">
-                <a14:useLocalDpi xmlns:a14="http://schemas.microsoft.com/office/drawing/2010/main" val="0"/>
-              </a:ext>
-              <a:ext uri="{96DAC541-7B7A-43D3-8B79-37D633B846F1}">
-                <asvg:svgBlip xmlns:asvg="http://schemas.microsoft.com/office/drawing/2016/SVG/main" r:embed="rId4"/>
-              </a:ext>
-            </a:extLst>
-          </a:blip>
-          <a:stretch>
-            <a:fillRect/>
-          </a:stretch>
-        </p:blipFill>
-        <p:spPr>
-          <a:xfrm>
-            <a:off x="4040220" y="1350202"/>
-            <a:ext cx="987057" cy="987057"/>
-          </a:xfrm>
-          <a:prstGeom prst="rect">
-            <a:avLst/>
-          </a:prstGeom>
-        </p:spPr>
-      </p:pic>
-      <p:pic>
-        <p:nvPicPr>
-          <p:cNvPr id="12" name="Graphique 11" descr="Fermer">
-            <a:extLst>
-              <a:ext uri="{FF2B5EF4-FFF2-40B4-BE49-F238E27FC236}">
-                <a16:creationId xmlns:a16="http://schemas.microsoft.com/office/drawing/2014/main" id="{5FB9E98B-8543-4A16-811C-0689AB77A2E3}"/>
-              </a:ext>
-            </a:extLst>
-          </p:cNvPr>
-          <p:cNvPicPr>
-            <a:picLocks noChangeAspect="1"/>
-          </p:cNvPicPr>
-          <p:nvPr/>
-        </p:nvPicPr>
-        <p:blipFill>
-          <a:blip r:embed="rId5">
-            <a:extLst>
-              <a:ext uri="{28A0092B-C50C-407E-A947-70E740481C1C}">
-                <a14:useLocalDpi xmlns:a14="http://schemas.microsoft.com/office/drawing/2010/main" val="0"/>
-              </a:ext>
-              <a:ext uri="{96DAC541-7B7A-43D3-8B79-37D633B846F1}">
-                <asvg:svgBlip xmlns:asvg="http://schemas.microsoft.com/office/drawing/2016/SVG/main" r:embed="rId6"/>
-              </a:ext>
-            </a:extLst>
-          </a:blip>
-          <a:stretch>
-            <a:fillRect/>
-          </a:stretch>
-        </p:blipFill>
-        <p:spPr>
-          <a:xfrm>
-            <a:off x="9092119" y="1386530"/>
-            <a:ext cx="914400" cy="914400"/>
-          </a:xfrm>
-          <a:prstGeom prst="rect">
-            <a:avLst/>
-          </a:prstGeom>
-        </p:spPr>
-      </p:pic>
-      <p:pic>
-        <p:nvPicPr>
-          <p:cNvPr id="14" name="Graphique 13" descr="Flèches de chevron">
-            <a:extLst>
-              <a:ext uri="{FF2B5EF4-FFF2-40B4-BE49-F238E27FC236}">
-                <a16:creationId xmlns:a16="http://schemas.microsoft.com/office/drawing/2014/main" id="{7793A0B9-2D3D-43C1-8B0B-9EB5001B4E95}"/>
-              </a:ext>
-            </a:extLst>
-          </p:cNvPr>
-          <p:cNvPicPr>
-            <a:picLocks noChangeAspect="1"/>
-          </p:cNvPicPr>
-          <p:nvPr/>
-        </p:nvPicPr>
-        <p:blipFill>
-          <a:blip r:embed="rId7">
-            <a:extLst>
-              <a:ext uri="{28A0092B-C50C-407E-A947-70E740481C1C}">
-                <a14:useLocalDpi xmlns:a14="http://schemas.microsoft.com/office/drawing/2010/main" val="0"/>
-              </a:ext>
-              <a:ext uri="{96DAC541-7B7A-43D3-8B79-37D633B846F1}">
-                <asvg:svgBlip xmlns:asvg="http://schemas.microsoft.com/office/drawing/2016/SVG/main" r:embed="rId8"/>
-              </a:ext>
-            </a:extLst>
-          </a:blip>
-          <a:stretch>
-            <a:fillRect/>
-          </a:stretch>
-        </p:blipFill>
-        <p:spPr>
-          <a:xfrm rot="16200000">
-            <a:off x="6436468" y="430938"/>
-            <a:ext cx="914400" cy="914400"/>
-          </a:xfrm>
-          <a:prstGeom prst="rect">
-            <a:avLst/>
-          </a:prstGeom>
-        </p:spPr>
-      </p:pic>
-    </p:spTree>
-    <p:extLst>
-      <p:ext uri="{BB962C8B-B14F-4D97-AF65-F5344CB8AC3E}">
-        <p14:creationId xmlns:p14="http://schemas.microsoft.com/office/powerpoint/2010/main" val="2154920131"/>
-      </p:ext>
-    </p:extLst>
-  </p:cSld>
-  <p:clrMapOvr>
-    <a:masterClrMapping/>
-  </p:clrMapOvr>
-</p:sld>
-</file>
-
 <file path=ppt/theme/theme1.xml><?xml version="1.0" encoding="utf-8"?>
-<a:theme xmlns:a="http://schemas.openxmlformats.org/drawingml/2006/main" name="Thème Office">
+<a:theme xmlns:a="http://schemas.openxmlformats.org/drawingml/2006/main" name="Secteur">
   <a:themeElements>
-    <a:clrScheme name="Office">
+    <a:clrScheme name="Secteur">
       <a:dk1>
         <a:sysClr val="windowText" lastClr="000000"/>
       </a:dk1>
@@ -5183,100 +8703,48 @@
         <a:sysClr val="window" lastClr="FFFFFF"/>
       </a:lt1>
       <a:dk2>
-        <a:srgbClr val="44546A"/>
+        <a:srgbClr val="146194"/>
       </a:dk2>
       <a:lt2>
-        <a:srgbClr val="E7E6E6"/>
+        <a:srgbClr val="76DBF4"/>
       </a:lt2>
       <a:accent1>
-        <a:srgbClr val="4472C4"/>
+        <a:srgbClr val="052F61"/>
       </a:accent1>
       <a:accent2>
-        <a:srgbClr val="ED7D31"/>
+        <a:srgbClr val="A50E82"/>
       </a:accent2>
       <a:accent3>
-        <a:srgbClr val="A5A5A5"/>
+        <a:srgbClr val="14967C"/>
       </a:accent3>
       <a:accent4>
-        <a:srgbClr val="FFC000"/>
+        <a:srgbClr val="6A9E1F"/>
       </a:accent4>
       <a:accent5>
-        <a:srgbClr val="5B9BD5"/>
+        <a:srgbClr val="E87D37"/>
       </a:accent5>
       <a:accent6>
-        <a:srgbClr val="70AD47"/>
+        <a:srgbClr val="C62324"/>
       </a:accent6>
       <a:hlink>
-        <a:srgbClr val="0563C1"/>
+        <a:srgbClr val="0D2E46"/>
       </a:hlink>
       <a:folHlink>
-        <a:srgbClr val="954F72"/>
+        <a:srgbClr val="356A95"/>
       </a:folHlink>
     </a:clrScheme>
-    <a:fontScheme name="Office">
+    <a:fontScheme name="Secteur">
       <a:majorFont>
-        <a:latin typeface="Calibri Light" panose="020F0302020204030204"/>
+        <a:latin typeface="Century Gothic" panose="020B0502020202020204"/>
         <a:ea typeface=""/>
         <a:cs typeface=""/>
-        <a:font script="Jpan" typeface="游ゴシック Light"/>
-        <a:font script="Hang" typeface="맑은 고딕"/>
-        <a:font script="Hans" typeface="等线 Light"/>
-        <a:font script="Hant" typeface="新細明體"/>
-        <a:font script="Arab" typeface="Times New Roman"/>
-        <a:font script="Hebr" typeface="Times New Roman"/>
-        <a:font script="Thai" typeface="Angsana New"/>
-        <a:font script="Ethi" typeface="Nyala"/>
-        <a:font script="Beng" typeface="Vrinda"/>
-        <a:font script="Gujr" typeface="Shruti"/>
-        <a:font script="Khmr" typeface="MoolBoran"/>
-        <a:font script="Knda" typeface="Tunga"/>
-        <a:font script="Guru" typeface="Raavi"/>
-        <a:font script="Cans" typeface="Euphemia"/>
-        <a:font script="Cher" typeface="Plantagenet Cherokee"/>
-        <a:font script="Yiii" typeface="Microsoft Yi Baiti"/>
-        <a:font script="Tibt" typeface="Microsoft Himalaya"/>
-        <a:font script="Thaa" typeface="MV Boli"/>
-        <a:font script="Deva" typeface="Mangal"/>
-        <a:font script="Telu" typeface="Gautami"/>
-        <a:font script="Taml" typeface="Latha"/>
-        <a:font script="Syrc" typeface="Estrangelo Edessa"/>
-        <a:font script="Orya" typeface="Kalinga"/>
-        <a:font script="Mlym" typeface="Kartika"/>
-        <a:font script="Laoo" typeface="DokChampa"/>
-        <a:font script="Sinh" typeface="Iskoola Pota"/>
-        <a:font script="Mong" typeface="Mongolian Baiti"/>
-        <a:font script="Viet" typeface="Times New Roman"/>
-        <a:font script="Uigh" typeface="Microsoft Uighur"/>
-        <a:font script="Geor" typeface="Sylfaen"/>
-        <a:font script="Armn" typeface="Arial"/>
-        <a:font script="Bugi" typeface="Leelawadee UI"/>
-        <a:font script="Bopo" typeface="Microsoft JhengHei"/>
-        <a:font script="Java" typeface="Javanese Text"/>
-        <a:font script="Lisu" typeface="Segoe UI"/>
-        <a:font script="Mymr" typeface="Myanmar Text"/>
-        <a:font script="Nkoo" typeface="Ebrima"/>
-        <a:font script="Olck" typeface="Nirmala UI"/>
-        <a:font script="Osma" typeface="Ebrima"/>
-        <a:font script="Phag" typeface="Phagspa"/>
-        <a:font script="Syrn" typeface="Estrangelo Edessa"/>
-        <a:font script="Syrj" typeface="Estrangelo Edessa"/>
-        <a:font script="Syre" typeface="Estrangelo Edessa"/>
-        <a:font script="Sora" typeface="Nirmala UI"/>
-        <a:font script="Tale" typeface="Microsoft Tai Le"/>
-        <a:font script="Talu" typeface="Microsoft New Tai Lue"/>
-        <a:font script="Tfng" typeface="Ebrima"/>
-      </a:majorFont>
-      <a:minorFont>
-        <a:latin typeface="Calibri" panose="020F0502020204030204"/>
-        <a:ea typeface=""/>
-        <a:cs typeface=""/>
-        <a:font script="Jpan" typeface="游ゴシック"/>
-        <a:font script="Hang" typeface="맑은 고딕"/>
-        <a:font script="Hans" typeface="等线"/>
-        <a:font script="Hant" typeface="新細明體"/>
-        <a:font script="Arab" typeface="Arial"/>
-        <a:font script="Hebr" typeface="Arial"/>
-        <a:font script="Thai" typeface="Cordia New"/>
+        <a:font script="Jpan" typeface="メイリオ"/>
+        <a:font script="Hang" typeface="HY중고딕"/>
+        <a:font script="Hans" typeface="幼圆"/>
+        <a:font script="Hant" typeface="微軟正黑體"/>
+        <a:font script="Arab" typeface="Tahoma"/>
+        <a:font script="Hebr" typeface="Gisha"/>
+        <a:font script="Thai" typeface="DilleniaUPC"/>
         <a:font script="Ethi" typeface="Nyala"/>
         <a:font script="Beng" typeface="Vrinda"/>
         <a:font script="Gujr" typeface="Shruti"/>
@@ -5297,29 +8765,47 @@
         <a:font script="Laoo" typeface="DokChampa"/>
         <a:font script="Sinh" typeface="Iskoola Pota"/>
         <a:font script="Mong" typeface="Mongolian Baiti"/>
-        <a:font script="Viet" typeface="Arial"/>
+        <a:font script="Viet" typeface="Tahoma"/>
         <a:font script="Uigh" typeface="Microsoft Uighur"/>
         <a:font script="Geor" typeface="Sylfaen"/>
-        <a:font script="Armn" typeface="Arial"/>
-        <a:font script="Bugi" typeface="Leelawadee UI"/>
-        <a:font script="Bopo" typeface="Microsoft JhengHei"/>
-        <a:font script="Java" typeface="Javanese Text"/>
-        <a:font script="Lisu" typeface="Segoe UI"/>
-        <a:font script="Mymr" typeface="Myanmar Text"/>
-        <a:font script="Nkoo" typeface="Ebrima"/>
-        <a:font script="Olck" typeface="Nirmala UI"/>
-        <a:font script="Osma" typeface="Ebrima"/>
-        <a:font script="Phag" typeface="Phagspa"/>
-        <a:font script="Syrn" typeface="Estrangelo Edessa"/>
-        <a:font script="Syrj" typeface="Estrangelo Edessa"/>
-        <a:font script="Syre" typeface="Estrangelo Edessa"/>
-        <a:font script="Sora" typeface="Nirmala UI"/>
-        <a:font script="Tale" typeface="Microsoft Tai Le"/>
-        <a:font script="Talu" typeface="Microsoft New Tai Lue"/>
-        <a:font script="Tfng" typeface="Ebrima"/>
+      </a:majorFont>
+      <a:minorFont>
+        <a:latin typeface="Century Gothic" panose="020B0502020202020204"/>
+        <a:ea typeface=""/>
+        <a:cs typeface=""/>
+        <a:font script="Jpan" typeface="メイリオ"/>
+        <a:font script="Hang" typeface="HY중고딕"/>
+        <a:font script="Hans" typeface="幼圆"/>
+        <a:font script="Hant" typeface="微軟正黑體"/>
+        <a:font script="Arab" typeface="Tahoma"/>
+        <a:font script="Hebr" typeface="Gisha"/>
+        <a:font script="Thai" typeface="DilleniaUPC"/>
+        <a:font script="Ethi" typeface="Nyala"/>
+        <a:font script="Beng" typeface="Vrinda"/>
+        <a:font script="Gujr" typeface="Shruti"/>
+        <a:font script="Khmr" typeface="DaunPenh"/>
+        <a:font script="Knda" typeface="Tunga"/>
+        <a:font script="Guru" typeface="Raavi"/>
+        <a:font script="Cans" typeface="Euphemia"/>
+        <a:font script="Cher" typeface="Plantagenet Cherokee"/>
+        <a:font script="Yiii" typeface="Microsoft Yi Baiti"/>
+        <a:font script="Tibt" typeface="Microsoft Himalaya"/>
+        <a:font script="Thaa" typeface="MV Boli"/>
+        <a:font script="Deva" typeface="Mangal"/>
+        <a:font script="Telu" typeface="Gautami"/>
+        <a:font script="Taml" typeface="Latha"/>
+        <a:font script="Syrc" typeface="Estrangelo Edessa"/>
+        <a:font script="Orya" typeface="Kalinga"/>
+        <a:font script="Mlym" typeface="Kartika"/>
+        <a:font script="Laoo" typeface="DokChampa"/>
+        <a:font script="Sinh" typeface="Iskoola Pota"/>
+        <a:font script="Mong" typeface="Mongolian Baiti"/>
+        <a:font script="Viet" typeface="Tahoma"/>
+        <a:font script="Uigh" typeface="Microsoft Uighur"/>
+        <a:font script="Geor" typeface="Sylfaen"/>
       </a:minorFont>
     </a:fontScheme>
-    <a:fmtScheme name="Office">
+    <a:fmtScheme name="Secteur">
       <a:fillStyleLst>
         <a:solidFill>
           <a:schemeClr val="phClr"/>
@@ -5328,23 +8814,16 @@
           <a:gsLst>
             <a:gs pos="0">
               <a:schemeClr val="phClr">
+                <a:tint val="62000"/>
+                <a:hueMod val="94000"/>
+                <a:satMod val="140000"/>
                 <a:lumMod val="110000"/>
-                <a:satMod val="105000"/>
-                <a:tint val="67000"/>
-              </a:schemeClr>
-            </a:gs>
-            <a:gs pos="50000">
-              <a:schemeClr val="phClr">
-                <a:lumMod val="105000"/>
-                <a:satMod val="103000"/>
-                <a:tint val="73000"/>
               </a:schemeClr>
             </a:gs>
             <a:gs pos="100000">
               <a:schemeClr val="phClr">
-                <a:lumMod val="105000"/>
-                <a:satMod val="109000"/>
-                <a:tint val="81000"/>
+                <a:tint val="84000"/>
+                <a:satMod val="160000"/>
               </a:schemeClr>
             </a:gs>
           </a:gsLst>
@@ -5354,23 +8833,16 @@
           <a:gsLst>
             <a:gs pos="0">
               <a:schemeClr val="phClr">
-                <a:satMod val="103000"/>
-                <a:lumMod val="102000"/>
-                <a:tint val="94000"/>
-              </a:schemeClr>
-            </a:gs>
-            <a:gs pos="50000">
-              <a:schemeClr val="phClr">
-                <a:satMod val="110000"/>
-                <a:lumMod val="100000"/>
-                <a:shade val="100000"/>
+                <a:tint val="98000"/>
+                <a:hueMod val="94000"/>
+                <a:satMod val="130000"/>
+                <a:lumMod val="128000"/>
               </a:schemeClr>
             </a:gs>
             <a:gs pos="100000">
               <a:schemeClr val="phClr">
-                <a:lumMod val="99000"/>
-                <a:satMod val="120000"/>
-                <a:shade val="78000"/>
+                <a:shade val="94000"/>
+                <a:lumMod val="88000"/>
               </a:schemeClr>
             </a:gs>
           </a:gsLst>
@@ -5378,26 +8850,29 @@
         </a:gradFill>
       </a:fillStyleLst>
       <a:lnStyleLst>
-        <a:ln w="6350" cap="flat" cmpd="sng" algn="ctr">
+        <a:ln w="9525" cap="rnd" cmpd="sng" algn="ctr">
+          <a:solidFill>
+            <a:schemeClr val="phClr">
+              <a:tint val="76000"/>
+              <a:alpha val="60000"/>
+              <a:hueMod val="94000"/>
+            </a:schemeClr>
+          </a:solidFill>
+          <a:prstDash val="solid"/>
+        </a:ln>
+        <a:ln w="15875" cap="rnd" cmpd="sng" algn="ctr">
+          <a:solidFill>
+            <a:schemeClr val="phClr">
+              <a:hueMod val="94000"/>
+            </a:schemeClr>
+          </a:solidFill>
+          <a:prstDash val="solid"/>
+        </a:ln>
+        <a:ln w="28575" cap="rnd" cmpd="sng" algn="ctr">
           <a:solidFill>
             <a:schemeClr val="phClr"/>
           </a:solidFill>
           <a:prstDash val="solid"/>
-          <a:miter lim="800000"/>
-        </a:ln>
-        <a:ln w="12700" cap="flat" cmpd="sng" algn="ctr">
-          <a:solidFill>
-            <a:schemeClr val="phClr"/>
-          </a:solidFill>
-          <a:prstDash val="solid"/>
-          <a:miter lim="800000"/>
-        </a:ln>
-        <a:ln w="19050" cap="flat" cmpd="sng" algn="ctr">
-          <a:solidFill>
-            <a:schemeClr val="phClr"/>
-          </a:solidFill>
-          <a:prstDash val="solid"/>
-          <a:miter lim="800000"/>
         </a:ln>
       </a:lnStyleLst>
       <a:effectStyleLst>
@@ -5405,54 +8880,78 @@
           <a:effectLst/>
         </a:effectStyle>
         <a:effectStyle>
-          <a:effectLst/>
+          <a:effectLst>
+            <a:innerShdw blurRad="25400" dist="12700" dir="13500000">
+              <a:srgbClr val="000000">
+                <a:alpha val="45000"/>
+              </a:srgbClr>
+            </a:innerShdw>
+          </a:effectLst>
         </a:effectStyle>
         <a:effectStyle>
           <a:effectLst>
-            <a:outerShdw blurRad="57150" dist="19050" dir="5400000" algn="ctr" rotWithShape="0">
+            <a:outerShdw blurRad="50800" dist="38100" dir="5400000" rotWithShape="0">
               <a:srgbClr val="000000">
-                <a:alpha val="63000"/>
+                <a:alpha val="46000"/>
               </a:srgbClr>
             </a:outerShdw>
           </a:effectLst>
+          <a:scene3d>
+            <a:camera prst="orthographicFront">
+              <a:rot lat="0" lon="0" rev="0"/>
+            </a:camera>
+            <a:lightRig rig="threePt" dir="t"/>
+          </a:scene3d>
+          <a:sp3d prstMaterial="plastic">
+            <a:bevelT w="25400" h="25400"/>
+          </a:sp3d>
         </a:effectStyle>
       </a:effectStyleLst>
       <a:bgFillStyleLst>
         <a:solidFill>
           <a:schemeClr val="phClr"/>
         </a:solidFill>
-        <a:solidFill>
-          <a:schemeClr val="phClr">
-            <a:tint val="95000"/>
-            <a:satMod val="170000"/>
-          </a:schemeClr>
-        </a:solidFill>
+        <a:gradFill rotWithShape="1">
+          <a:gsLst>
+            <a:gs pos="10000">
+              <a:schemeClr val="phClr">
+                <a:tint val="97000"/>
+                <a:hueMod val="92000"/>
+                <a:satMod val="169000"/>
+                <a:lumMod val="164000"/>
+              </a:schemeClr>
+            </a:gs>
+            <a:gs pos="100000">
+              <a:schemeClr val="phClr">
+                <a:shade val="96000"/>
+                <a:satMod val="120000"/>
+                <a:lumMod val="90000"/>
+              </a:schemeClr>
+            </a:gs>
+          </a:gsLst>
+          <a:lin ang="6120000" scaled="1"/>
+        </a:gradFill>
         <a:gradFill rotWithShape="1">
           <a:gsLst>
             <a:gs pos="0">
               <a:schemeClr val="phClr">
-                <a:tint val="93000"/>
-                <a:satMod val="150000"/>
-                <a:shade val="98000"/>
-                <a:lumMod val="102000"/>
-              </a:schemeClr>
-            </a:gs>
-            <a:gs pos="50000">
-              <a:schemeClr val="phClr">
-                <a:tint val="98000"/>
-                <a:satMod val="130000"/>
-                <a:shade val="90000"/>
-                <a:lumMod val="103000"/>
+                <a:tint val="97000"/>
+                <a:hueMod val="92000"/>
+                <a:satMod val="169000"/>
+                <a:lumMod val="164000"/>
               </a:schemeClr>
             </a:gs>
             <a:gs pos="100000">
               <a:schemeClr val="phClr">
-                <a:shade val="63000"/>
+                <a:shade val="96000"/>
                 <a:satMod val="120000"/>
+                <a:lumMod val="90000"/>
               </a:schemeClr>
             </a:gs>
           </a:gsLst>
-          <a:lin ang="5400000" scaled="0"/>
+          <a:path path="circle">
+            <a:fillToRect b="100000"/>
+          </a:path>
         </a:gradFill>
       </a:bgFillStyleLst>
     </a:fmtScheme>
@@ -5461,7 +8960,7 @@
   <a:extraClrSchemeLst/>
   <a:extLst>
     <a:ext uri="{05A4C25C-085E-4340-85A3-A5531E510DB2}">
-      <thm15:themeFamily xmlns:thm15="http://schemas.microsoft.com/office/thememl/2012/main" name="Office Theme" id="{62F939B6-93AF-4DB8-9C6B-D6C7DFDC589F}" vid="{4A3C46E8-61CC-4603-A589-7422A47A8E4A}"/>
+      <thm15:themeFamily xmlns:thm15="http://schemas.microsoft.com/office/thememl/2012/main" name="Slice" id="{0507925B-6AC9-4358-8E18-C330545D08F8}" vid="{13FEC7C6-62A9-40C4-99D2-581AACACAA2F}"/>
     </a:ext>
   </a:extLst>
 </a:theme>
@@ -6055,47 +9554,4 @@
     </a:ext>
   </a:extLst>
 </a:theme>
-</file>
-
-<file path=ppt/theme/themeOverride1.xml><?xml version="1.0" encoding="utf-8"?>
-<a:themeOverride xmlns:a="http://schemas.openxmlformats.org/drawingml/2006/main">
-  <a:clrScheme name="Office">
-    <a:dk1>
-      <a:sysClr val="windowText" lastClr="000000"/>
-    </a:dk1>
-    <a:lt1>
-      <a:sysClr val="window" lastClr="FFFFFF"/>
-    </a:lt1>
-    <a:dk2>
-      <a:srgbClr val="44546A"/>
-    </a:dk2>
-    <a:lt2>
-      <a:srgbClr val="E7E6E6"/>
-    </a:lt2>
-    <a:accent1>
-      <a:srgbClr val="4472C4"/>
-    </a:accent1>
-    <a:accent2>
-      <a:srgbClr val="ED7D31"/>
-    </a:accent2>
-    <a:accent3>
-      <a:srgbClr val="A5A5A5"/>
-    </a:accent3>
-    <a:accent4>
-      <a:srgbClr val="FFC000"/>
-    </a:accent4>
-    <a:accent5>
-      <a:srgbClr val="5B9BD5"/>
-    </a:accent5>
-    <a:accent6>
-      <a:srgbClr val="70AD47"/>
-    </a:accent6>
-    <a:hlink>
-      <a:srgbClr val="0563C1"/>
-    </a:hlink>
-    <a:folHlink>
-      <a:srgbClr val="954F72"/>
-    </a:folHlink>
-  </a:clrScheme>
-</a:themeOverride>
 </file>
--- a/doc/project_status_21_09_2020.pptx
+++ b/doc/project_status_21_09_2020.pptx
@@ -5,21 +5,17 @@
     <p:sldMasterId id="2147483796" r:id="rId1"/>
   </p:sldMasterIdLst>
   <p:notesMasterIdLst>
-    <p:notesMasterId r:id="rId11"/>
+    <p:notesMasterId r:id="rId7"/>
   </p:notesMasterIdLst>
   <p:handoutMasterIdLst>
-    <p:handoutMasterId r:id="rId12"/>
+    <p:handoutMasterId r:id="rId8"/>
   </p:handoutMasterIdLst>
   <p:sldIdLst>
     <p:sldId id="260" r:id="rId2"/>
     <p:sldId id="262" r:id="rId3"/>
     <p:sldId id="261" r:id="rId4"/>
-    <p:sldId id="263" r:id="rId5"/>
-    <p:sldId id="259" r:id="rId6"/>
-    <p:sldId id="264" r:id="rId7"/>
-    <p:sldId id="257" r:id="rId8"/>
-    <p:sldId id="256" r:id="rId9"/>
-    <p:sldId id="258" r:id="rId10"/>
+    <p:sldId id="259" r:id="rId5"/>
+    <p:sldId id="264" r:id="rId6"/>
   </p:sldIdLst>
   <p:sldSz cx="12192000" cy="6858000"/>
   <p:notesSz cx="6858000" cy="9144000"/>
@@ -156,7 +152,7 @@
           <p:cNvPr id="2" name="Espace réservé de l'en-tête 1">
             <a:extLst>
               <a:ext uri="{FF2B5EF4-FFF2-40B4-BE49-F238E27FC236}">
-                <a16:creationId xmlns:a16="http://schemas.microsoft.com/office/drawing/2014/main" xmlns="" id="{50E97D5F-B521-4E20-9A0E-0259C90E0137}"/>
+                <a16:creationId xmlns:a16="http://schemas.microsoft.com/office/drawing/2014/main" id="{50E97D5F-B521-4E20-9A0E-0259C90E0137}"/>
               </a:ext>
             </a:extLst>
           </p:cNvPr>
@@ -193,7 +189,7 @@
           <p:cNvPr id="3" name="Espace réservé de la date 2">
             <a:extLst>
               <a:ext uri="{FF2B5EF4-FFF2-40B4-BE49-F238E27FC236}">
-                <a16:creationId xmlns:a16="http://schemas.microsoft.com/office/drawing/2014/main" xmlns="" id="{AEB20715-9931-4EF6-AFFF-8C877A6D31CC}"/>
+                <a16:creationId xmlns:a16="http://schemas.microsoft.com/office/drawing/2014/main" id="{AEB20715-9931-4EF6-AFFF-8C877A6D31CC}"/>
               </a:ext>
             </a:extLst>
           </p:cNvPr>
@@ -234,7 +230,7 @@
           <p:cNvPr id="4" name="Espace réservé du pied de page 3">
             <a:extLst>
               <a:ext uri="{FF2B5EF4-FFF2-40B4-BE49-F238E27FC236}">
-                <a16:creationId xmlns:a16="http://schemas.microsoft.com/office/drawing/2014/main" xmlns="" id="{DF817C65-4209-41AC-857F-FBBA0334BFFC}"/>
+                <a16:creationId xmlns:a16="http://schemas.microsoft.com/office/drawing/2014/main" id="{DF817C65-4209-41AC-857F-FBBA0334BFFC}"/>
               </a:ext>
             </a:extLst>
           </p:cNvPr>
@@ -271,7 +267,7 @@
           <p:cNvPr id="5" name="Espace réservé du numéro de diapositive 4">
             <a:extLst>
               <a:ext uri="{FF2B5EF4-FFF2-40B4-BE49-F238E27FC236}">
-                <a16:creationId xmlns:a16="http://schemas.microsoft.com/office/drawing/2014/main" xmlns="" id="{677F6880-296C-4E0D-BF19-66D0A1134229}"/>
+                <a16:creationId xmlns:a16="http://schemas.microsoft.com/office/drawing/2014/main" id="{677F6880-296C-4E0D-BF19-66D0A1134229}"/>
               </a:ext>
             </a:extLst>
           </p:cNvPr>
@@ -733,7 +729,7 @@
           <a:p>
             <a:fld id="{F217D820-57D8-450B-BD3E-2ECF36C52576}" type="slidenum">
               <a:rPr lang="fr-CH" smtClean="0"/>
-              <a:t>8</a:t>
+              <a:t>1</a:t>
             </a:fld>
             <a:endParaRPr lang="fr-CH"/>
           </a:p>
@@ -742,7 +738,7 @@
     </p:spTree>
     <p:extLst>
       <p:ext uri="{BB962C8B-B14F-4D97-AF65-F5344CB8AC3E}">
-        <p14:creationId xmlns:p14="http://schemas.microsoft.com/office/powerpoint/2010/main" val="2273163912"/>
+        <p14:creationId xmlns:p14="http://schemas.microsoft.com/office/powerpoint/2010/main" val="299591304"/>
       </p:ext>
     </p:extLst>
   </p:cSld>
@@ -798,7 +794,7 @@
           </a:lstStyle>
           <a:p>
             <a:r>
-              <a:rPr lang="fr-FR" smtClean="0"/>
+              <a:rPr lang="fr-FR"/>
               <a:t>Modifiez le style du titre</a:t>
             </a:r>
             <a:endParaRPr lang="en-US" dirty="0"/>
@@ -919,7 +915,7 @@
           </a:lstStyle>
           <a:p>
             <a:r>
-              <a:rPr lang="fr-FR" smtClean="0"/>
+              <a:rPr lang="fr-FR"/>
               <a:t>Modifiez le style des sous-titres du masque</a:t>
             </a:r>
             <a:endParaRPr lang="en-US" dirty="0"/>
@@ -1212,7 +1208,7 @@
           <a:lstStyle/>
           <a:p>
             <a:r>
-              <a:rPr lang="fr-FR" smtClean="0"/>
+              <a:rPr lang="fr-FR"/>
               <a:t>Modifiez le style du titre</a:t>
             </a:r>
             <a:endParaRPr lang="en-US" dirty="0"/>
@@ -1299,7 +1295,7 @@
           </a:lstStyle>
           <a:p>
             <a:r>
-              <a:rPr lang="fr-FR" smtClean="0"/>
+              <a:rPr lang="fr-FR"/>
               <a:t>Cliquez sur l'icône pour ajouter une image</a:t>
             </a:r>
             <a:endParaRPr lang="en-US" dirty="0"/>
@@ -1356,7 +1352,7 @@
           <a:p>
             <a:pPr lvl="0"/>
             <a:r>
-              <a:rPr lang="fr-FR" smtClean="0"/>
+              <a:rPr lang="fr-FR"/>
               <a:t>Modifiez les styles du texte du masque</a:t>
             </a:r>
           </a:p>
@@ -1484,7 +1480,7 @@
           </a:lstStyle>
           <a:p>
             <a:r>
-              <a:rPr lang="fr-FR" smtClean="0"/>
+              <a:rPr lang="fr-FR"/>
               <a:t>Modifiez le style du titre</a:t>
             </a:r>
             <a:endParaRPr lang="en-US" dirty="0"/>
@@ -1606,7 +1602,7 @@
           <a:p>
             <a:pPr lvl="0"/>
             <a:r>
-              <a:rPr lang="fr-FR" smtClean="0"/>
+              <a:rPr lang="fr-FR"/>
               <a:t>Modifiez les styles du texte du masque</a:t>
             </a:r>
           </a:p>
@@ -1738,7 +1734,7 @@
           </a:lstStyle>
           <a:p>
             <a:r>
-              <a:rPr lang="fr-FR" smtClean="0"/>
+              <a:rPr lang="fr-FR"/>
               <a:t>Modifiez le style du titre</a:t>
             </a:r>
             <a:endParaRPr lang="en-US" dirty="0"/>
@@ -1793,7 +1789,7 @@
           <a:p>
             <a:pPr lvl="0"/>
             <a:r>
-              <a:rPr lang="fr-FR" smtClean="0"/>
+              <a:rPr lang="fr-FR"/>
               <a:t>Modifiez les styles du texte du masque</a:t>
             </a:r>
           </a:p>
@@ -1914,7 +1910,7 @@
           <a:p>
             <a:pPr lvl="0"/>
             <a:r>
-              <a:rPr lang="fr-FR" smtClean="0"/>
+              <a:rPr lang="fr-FR"/>
               <a:t>Modifiez les styles du texte du masque</a:t>
             </a:r>
           </a:p>
@@ -2110,7 +2106,7 @@
           </a:lstStyle>
           <a:p>
             <a:r>
-              <a:rPr lang="fr-FR" smtClean="0"/>
+              <a:rPr lang="fr-FR"/>
               <a:t>Modifiez le style du titre</a:t>
             </a:r>
             <a:endParaRPr lang="en-US" dirty="0"/>
@@ -2232,7 +2228,7 @@
           <a:p>
             <a:pPr lvl="0"/>
             <a:r>
-              <a:rPr lang="fr-FR" smtClean="0"/>
+              <a:rPr lang="fr-FR"/>
               <a:t>Modifiez les styles du texte du masque</a:t>
             </a:r>
           </a:p>
@@ -2364,7 +2360,7 @@
           </a:lstStyle>
           <a:p>
             <a:r>
-              <a:rPr lang="fr-FR" smtClean="0"/>
+              <a:rPr lang="fr-FR"/>
               <a:t>Modifiez le style du titre</a:t>
             </a:r>
             <a:endParaRPr lang="en-US" dirty="0"/>
@@ -2413,7 +2409,7 @@
               <a:buNone/>
             </a:pPr>
             <a:r>
-              <a:rPr lang="fr-FR" smtClean="0"/>
+              <a:rPr lang="fr-FR"/>
               <a:t>Modifiez les styles du texte du masque</a:t>
             </a:r>
           </a:p>
@@ -2534,7 +2530,7 @@
           <a:p>
             <a:pPr lvl="0"/>
             <a:r>
-              <a:rPr lang="fr-FR" smtClean="0"/>
+              <a:rPr lang="fr-FR"/>
               <a:t>Modifiez les styles du texte du masque</a:t>
             </a:r>
           </a:p>
@@ -2731,7 +2727,7 @@
           <a:p>
             <a:pPr marL="0" lvl="0"/>
             <a:r>
-              <a:rPr lang="fr-FR" smtClean="0"/>
+              <a:rPr lang="fr-FR"/>
               <a:t>Modifiez le style du titre</a:t>
             </a:r>
             <a:endParaRPr lang="en-US" dirty="0"/>
@@ -2780,7 +2776,7 @@
               <a:buNone/>
             </a:pPr>
             <a:r>
-              <a:rPr lang="fr-FR" smtClean="0"/>
+              <a:rPr lang="fr-FR"/>
               <a:t>Modifiez les styles du texte du masque</a:t>
             </a:r>
           </a:p>
@@ -2901,7 +2897,7 @@
           <a:p>
             <a:pPr lvl="0"/>
             <a:r>
-              <a:rPr lang="fr-FR" smtClean="0"/>
+              <a:rPr lang="fr-FR"/>
               <a:t>Modifiez les styles du texte du masque</a:t>
             </a:r>
           </a:p>
@@ -3022,7 +3018,7 @@
           </a:lstStyle>
           <a:p>
             <a:r>
-              <a:rPr lang="fr-FR" smtClean="0"/>
+              <a:rPr lang="fr-FR"/>
               <a:t>Modifiez le style du titre</a:t>
             </a:r>
             <a:endParaRPr lang="en-US" dirty="0"/>
@@ -3046,35 +3042,35 @@
           <a:p>
             <a:pPr lvl="0"/>
             <a:r>
-              <a:rPr lang="fr-FR" smtClean="0"/>
+              <a:rPr lang="fr-FR"/>
               <a:t>Modifiez les styles du texte du masque</a:t>
             </a:r>
           </a:p>
           <a:p>
             <a:pPr lvl="1"/>
             <a:r>
-              <a:rPr lang="fr-FR" smtClean="0"/>
+              <a:rPr lang="fr-FR"/>
               <a:t>Deuxième niveau</a:t>
             </a:r>
           </a:p>
           <a:p>
             <a:pPr lvl="2"/>
             <a:r>
-              <a:rPr lang="fr-FR" smtClean="0"/>
+              <a:rPr lang="fr-FR"/>
               <a:t>Troisième niveau</a:t>
             </a:r>
           </a:p>
           <a:p>
             <a:pPr lvl="3"/>
             <a:r>
-              <a:rPr lang="fr-FR" smtClean="0"/>
+              <a:rPr lang="fr-FR"/>
               <a:t>Quatrième niveau</a:t>
             </a:r>
           </a:p>
           <a:p>
             <a:pPr lvl="4"/>
             <a:r>
-              <a:rPr lang="fr-FR" smtClean="0"/>
+              <a:rPr lang="fr-FR"/>
               <a:t>Cinquième niveau</a:t>
             </a:r>
             <a:endParaRPr lang="en-US" dirty="0"/>
@@ -3197,7 +3193,7 @@
           <a:lstStyle/>
           <a:p>
             <a:r>
-              <a:rPr lang="fr-FR" smtClean="0"/>
+              <a:rPr lang="fr-FR"/>
               <a:t>Modifiez le style du titre</a:t>
             </a:r>
             <a:endParaRPr lang="en-US" dirty="0"/>
@@ -3226,35 +3222,35 @@
           <a:p>
             <a:pPr lvl="0"/>
             <a:r>
-              <a:rPr lang="fr-FR" smtClean="0"/>
+              <a:rPr lang="fr-FR"/>
               <a:t>Modifiez les styles du texte du masque</a:t>
             </a:r>
           </a:p>
           <a:p>
             <a:pPr lvl="1"/>
             <a:r>
-              <a:rPr lang="fr-FR" smtClean="0"/>
+              <a:rPr lang="fr-FR"/>
               <a:t>Deuxième niveau</a:t>
             </a:r>
           </a:p>
           <a:p>
             <a:pPr lvl="2"/>
             <a:r>
-              <a:rPr lang="fr-FR" smtClean="0"/>
+              <a:rPr lang="fr-FR"/>
               <a:t>Troisième niveau</a:t>
             </a:r>
           </a:p>
           <a:p>
             <a:pPr lvl="3"/>
             <a:r>
-              <a:rPr lang="fr-FR" smtClean="0"/>
+              <a:rPr lang="fr-FR"/>
               <a:t>Quatrième niveau</a:t>
             </a:r>
           </a:p>
           <a:p>
             <a:pPr lvl="4"/>
             <a:r>
-              <a:rPr lang="fr-FR" smtClean="0"/>
+              <a:rPr lang="fr-FR"/>
               <a:t>Cinquième niveau</a:t>
             </a:r>
             <a:endParaRPr lang="en-US" dirty="0"/>
@@ -3372,7 +3368,7 @@
           <a:lstStyle/>
           <a:p>
             <a:r>
-              <a:rPr lang="fr-FR" smtClean="0"/>
+              <a:rPr lang="fr-FR"/>
               <a:t>Modifiez le style du titre</a:t>
             </a:r>
             <a:endParaRPr lang="en-US" dirty="0"/>
@@ -3396,35 +3392,35 @@
           <a:p>
             <a:pPr lvl="0"/>
             <a:r>
-              <a:rPr lang="fr-FR" smtClean="0"/>
+              <a:rPr lang="fr-FR"/>
               <a:t>Modifiez les styles du texte du masque</a:t>
             </a:r>
           </a:p>
           <a:p>
             <a:pPr lvl="1"/>
             <a:r>
-              <a:rPr lang="fr-FR" smtClean="0"/>
+              <a:rPr lang="fr-FR"/>
               <a:t>Deuxième niveau</a:t>
             </a:r>
           </a:p>
           <a:p>
             <a:pPr lvl="2"/>
             <a:r>
-              <a:rPr lang="fr-FR" smtClean="0"/>
+              <a:rPr lang="fr-FR"/>
               <a:t>Troisième niveau</a:t>
             </a:r>
           </a:p>
           <a:p>
             <a:pPr lvl="3"/>
             <a:r>
-              <a:rPr lang="fr-FR" smtClean="0"/>
+              <a:rPr lang="fr-FR"/>
               <a:t>Quatrième niveau</a:t>
             </a:r>
           </a:p>
           <a:p>
             <a:pPr lvl="4"/>
             <a:r>
-              <a:rPr lang="fr-FR" smtClean="0"/>
+              <a:rPr lang="fr-FR"/>
               <a:t>Cinquième niveau</a:t>
             </a:r>
             <a:endParaRPr lang="en-US" dirty="0"/>
@@ -3553,7 +3549,7 @@
           </a:lstStyle>
           <a:p>
             <a:r>
-              <a:rPr lang="fr-FR" smtClean="0"/>
+              <a:rPr lang="fr-FR"/>
               <a:t>Modifiez le style du titre</a:t>
             </a:r>
             <a:endParaRPr lang="en-US" dirty="0"/>
@@ -3675,7 +3671,7 @@
           <a:p>
             <a:pPr lvl="0"/>
             <a:r>
-              <a:rPr lang="fr-FR" smtClean="0"/>
+              <a:rPr lang="fr-FR"/>
               <a:t>Modifiez les styles du texte du masque</a:t>
             </a:r>
           </a:p>
@@ -3792,7 +3788,7 @@
           <a:lstStyle/>
           <a:p>
             <a:r>
-              <a:rPr lang="fr-FR" smtClean="0"/>
+              <a:rPr lang="fr-FR"/>
               <a:t>Modifiez le style du titre</a:t>
             </a:r>
             <a:endParaRPr lang="en-US" dirty="0"/>
@@ -3823,35 +3819,35 @@
           <a:p>
             <a:pPr lvl="0"/>
             <a:r>
-              <a:rPr lang="fr-FR" smtClean="0"/>
+              <a:rPr lang="fr-FR"/>
               <a:t>Modifiez les styles du texte du masque</a:t>
             </a:r>
           </a:p>
           <a:p>
             <a:pPr lvl="1"/>
             <a:r>
-              <a:rPr lang="fr-FR" smtClean="0"/>
+              <a:rPr lang="fr-FR"/>
               <a:t>Deuxième niveau</a:t>
             </a:r>
           </a:p>
           <a:p>
             <a:pPr lvl="2"/>
             <a:r>
-              <a:rPr lang="fr-FR" smtClean="0"/>
+              <a:rPr lang="fr-FR"/>
               <a:t>Troisième niveau</a:t>
             </a:r>
           </a:p>
           <a:p>
             <a:pPr lvl="3"/>
             <a:r>
-              <a:rPr lang="fr-FR" smtClean="0"/>
+              <a:rPr lang="fr-FR"/>
               <a:t>Quatrième niveau</a:t>
             </a:r>
           </a:p>
           <a:p>
             <a:pPr lvl="4"/>
             <a:r>
-              <a:rPr lang="fr-FR" smtClean="0"/>
+              <a:rPr lang="fr-FR"/>
               <a:t>Cinquième niveau</a:t>
             </a:r>
             <a:endParaRPr lang="en-US" dirty="0"/>
@@ -3882,35 +3878,35 @@
           <a:p>
             <a:pPr lvl="0"/>
             <a:r>
-              <a:rPr lang="fr-FR" smtClean="0"/>
+              <a:rPr lang="fr-FR"/>
               <a:t>Modifiez les styles du texte du masque</a:t>
             </a:r>
           </a:p>
           <a:p>
             <a:pPr lvl="1"/>
             <a:r>
-              <a:rPr lang="fr-FR" smtClean="0"/>
+              <a:rPr lang="fr-FR"/>
               <a:t>Deuxième niveau</a:t>
             </a:r>
           </a:p>
           <a:p>
             <a:pPr lvl="2"/>
             <a:r>
-              <a:rPr lang="fr-FR" smtClean="0"/>
+              <a:rPr lang="fr-FR"/>
               <a:t>Troisième niveau</a:t>
             </a:r>
           </a:p>
           <a:p>
             <a:pPr lvl="3"/>
             <a:r>
-              <a:rPr lang="fr-FR" smtClean="0"/>
+              <a:rPr lang="fr-FR"/>
               <a:t>Quatrième niveau</a:t>
             </a:r>
           </a:p>
           <a:p>
             <a:pPr lvl="4"/>
             <a:r>
-              <a:rPr lang="fr-FR" smtClean="0"/>
+              <a:rPr lang="fr-FR"/>
               <a:t>Cinquième niveau</a:t>
             </a:r>
             <a:endParaRPr lang="en-US" dirty="0"/>
@@ -4032,7 +4028,7 @@
           </a:lstStyle>
           <a:p>
             <a:r>
-              <a:rPr lang="fr-FR" smtClean="0"/>
+              <a:rPr lang="fr-FR"/>
               <a:t>Modifiez le style du titre</a:t>
             </a:r>
             <a:endParaRPr lang="en-US" dirty="0"/>
@@ -4104,7 +4100,7 @@
           <a:p>
             <a:pPr lvl="0"/>
             <a:r>
-              <a:rPr lang="fr-FR" smtClean="0"/>
+              <a:rPr lang="fr-FR"/>
               <a:t>Modifiez les styles du texte du masque</a:t>
             </a:r>
           </a:p>
@@ -4134,35 +4130,35 @@
           <a:p>
             <a:pPr lvl="0"/>
             <a:r>
-              <a:rPr lang="fr-FR" smtClean="0"/>
+              <a:rPr lang="fr-FR"/>
               <a:t>Modifiez les styles du texte du masque</a:t>
             </a:r>
           </a:p>
           <a:p>
             <a:pPr lvl="1"/>
             <a:r>
-              <a:rPr lang="fr-FR" smtClean="0"/>
+              <a:rPr lang="fr-FR"/>
               <a:t>Deuxième niveau</a:t>
             </a:r>
           </a:p>
           <a:p>
             <a:pPr lvl="2"/>
             <a:r>
-              <a:rPr lang="fr-FR" smtClean="0"/>
+              <a:rPr lang="fr-FR"/>
               <a:t>Troisième niveau</a:t>
             </a:r>
           </a:p>
           <a:p>
             <a:pPr lvl="3"/>
             <a:r>
-              <a:rPr lang="fr-FR" smtClean="0"/>
+              <a:rPr lang="fr-FR"/>
               <a:t>Quatrième niveau</a:t>
             </a:r>
           </a:p>
           <a:p>
             <a:pPr lvl="4"/>
             <a:r>
-              <a:rPr lang="fr-FR" smtClean="0"/>
+              <a:rPr lang="fr-FR"/>
               <a:t>Cinquième niveau</a:t>
             </a:r>
             <a:endParaRPr lang="en-US" dirty="0"/>
@@ -4234,7 +4230,7 @@
           <a:p>
             <a:pPr lvl="0"/>
             <a:r>
-              <a:rPr lang="fr-FR" smtClean="0"/>
+              <a:rPr lang="fr-FR"/>
               <a:t>Modifiez les styles du texte du masque</a:t>
             </a:r>
           </a:p>
@@ -4264,35 +4260,35 @@
           <a:p>
             <a:pPr lvl="0"/>
             <a:r>
-              <a:rPr lang="fr-FR" smtClean="0"/>
+              <a:rPr lang="fr-FR"/>
               <a:t>Modifiez les styles du texte du masque</a:t>
             </a:r>
           </a:p>
           <a:p>
             <a:pPr lvl="1"/>
             <a:r>
-              <a:rPr lang="fr-FR" smtClean="0"/>
+              <a:rPr lang="fr-FR"/>
               <a:t>Deuxième niveau</a:t>
             </a:r>
           </a:p>
           <a:p>
             <a:pPr lvl="2"/>
             <a:r>
-              <a:rPr lang="fr-FR" smtClean="0"/>
+              <a:rPr lang="fr-FR"/>
               <a:t>Troisième niveau</a:t>
             </a:r>
           </a:p>
           <a:p>
             <a:pPr lvl="3"/>
             <a:r>
-              <a:rPr lang="fr-FR" smtClean="0"/>
+              <a:rPr lang="fr-FR"/>
               <a:t>Quatrième niveau</a:t>
             </a:r>
           </a:p>
           <a:p>
             <a:pPr lvl="4"/>
             <a:r>
-              <a:rPr lang="fr-FR" smtClean="0"/>
+              <a:rPr lang="fr-FR"/>
               <a:t>Cinquième niveau</a:t>
             </a:r>
             <a:endParaRPr lang="en-US" dirty="0"/>
@@ -4410,7 +4406,7 @@
           <a:lstStyle/>
           <a:p>
             <a:r>
-              <a:rPr lang="fr-FR" smtClean="0"/>
+              <a:rPr lang="fr-FR"/>
               <a:t>Modifiez le style du titre</a:t>
             </a:r>
             <a:endParaRPr lang="en-US" dirty="0"/>
@@ -4634,7 +4630,7 @@
           </a:lstStyle>
           <a:p>
             <a:r>
-              <a:rPr lang="fr-FR" smtClean="0"/>
+              <a:rPr lang="fr-FR"/>
               <a:t>Modifiez le style du titre</a:t>
             </a:r>
             <a:endParaRPr lang="en-US" dirty="0"/>
@@ -4665,35 +4661,35 @@
           <a:p>
             <a:pPr lvl="0"/>
             <a:r>
-              <a:rPr lang="fr-FR" smtClean="0"/>
+              <a:rPr lang="fr-FR"/>
               <a:t>Modifiez les styles du texte du masque</a:t>
             </a:r>
           </a:p>
           <a:p>
             <a:pPr lvl="1"/>
             <a:r>
-              <a:rPr lang="fr-FR" smtClean="0"/>
+              <a:rPr lang="fr-FR"/>
               <a:t>Deuxième niveau</a:t>
             </a:r>
           </a:p>
           <a:p>
             <a:pPr lvl="2"/>
             <a:r>
-              <a:rPr lang="fr-FR" smtClean="0"/>
+              <a:rPr lang="fr-FR"/>
               <a:t>Troisième niveau</a:t>
             </a:r>
           </a:p>
           <a:p>
             <a:pPr lvl="3"/>
             <a:r>
-              <a:rPr lang="fr-FR" smtClean="0"/>
+              <a:rPr lang="fr-FR"/>
               <a:t>Quatrième niveau</a:t>
             </a:r>
           </a:p>
           <a:p>
             <a:pPr lvl="4"/>
             <a:r>
-              <a:rPr lang="fr-FR" smtClean="0"/>
+              <a:rPr lang="fr-FR"/>
               <a:t>Cinquième niveau</a:t>
             </a:r>
             <a:endParaRPr lang="en-US" dirty="0"/>
@@ -4761,7 +4757,7 @@
           <a:p>
             <a:pPr lvl="0"/>
             <a:r>
-              <a:rPr lang="fr-FR" smtClean="0"/>
+              <a:rPr lang="fr-FR"/>
               <a:t>Modifiez les styles du texte du masque</a:t>
             </a:r>
           </a:p>
@@ -4889,7 +4885,7 @@
           </a:lstStyle>
           <a:p>
             <a:r>
-              <a:rPr lang="fr-FR" smtClean="0"/>
+              <a:rPr lang="fr-FR"/>
               <a:t>Modifiez le style du titre</a:t>
             </a:r>
             <a:endParaRPr lang="en-US" dirty="0"/>
@@ -4976,7 +4972,7 @@
           </a:lstStyle>
           <a:p>
             <a:r>
-              <a:rPr lang="fr-FR" smtClean="0"/>
+              <a:rPr lang="fr-FR"/>
               <a:t>Cliquez sur l'icône pour ajouter une image</a:t>
             </a:r>
             <a:endParaRPr lang="en-US" dirty="0"/>
@@ -5044,7 +5040,7 @@
           <a:p>
             <a:pPr lvl="0"/>
             <a:r>
-              <a:rPr lang="fr-FR" smtClean="0"/>
+              <a:rPr lang="fr-FR"/>
               <a:t>Modifiez les styles du texte du masque</a:t>
             </a:r>
           </a:p>
@@ -5367,7 +5363,7 @@
           <a:lstStyle/>
           <a:p>
             <a:r>
-              <a:rPr lang="fr-FR" smtClean="0"/>
+              <a:rPr lang="fr-FR"/>
               <a:t>Modifiez le style du titre</a:t>
             </a:r>
             <a:endParaRPr lang="en-US" dirty="0"/>
@@ -5401,35 +5397,35 @@
           <a:p>
             <a:pPr lvl="0"/>
             <a:r>
-              <a:rPr lang="fr-FR" smtClean="0"/>
+              <a:rPr lang="fr-FR"/>
               <a:t>Modifiez les styles du texte du masque</a:t>
             </a:r>
           </a:p>
           <a:p>
             <a:pPr lvl="1"/>
             <a:r>
-              <a:rPr lang="fr-FR" smtClean="0"/>
+              <a:rPr lang="fr-FR"/>
               <a:t>Deuxième niveau</a:t>
             </a:r>
           </a:p>
           <a:p>
             <a:pPr lvl="2"/>
             <a:r>
-              <a:rPr lang="fr-FR" smtClean="0"/>
+              <a:rPr lang="fr-FR"/>
               <a:t>Troisième niveau</a:t>
             </a:r>
           </a:p>
           <a:p>
             <a:pPr lvl="3"/>
             <a:r>
-              <a:rPr lang="fr-FR" smtClean="0"/>
+              <a:rPr lang="fr-FR"/>
               <a:t>Quatrième niveau</a:t>
             </a:r>
           </a:p>
           <a:p>
             <a:pPr lvl="4"/>
             <a:r>
-              <a:rPr lang="fr-FR" smtClean="0"/>
+              <a:rPr lang="fr-FR"/>
               <a:t>Cinquième niveau</a:t>
             </a:r>
             <a:endParaRPr lang="en-US" dirty="0"/>
@@ -6072,39 +6068,19 @@
           <a:p>
             <a:pPr algn="ctr"/>
             <a:r>
-              <a:rPr lang="fr-FR" sz="3200" b="1" dirty="0" smtClean="0">
+              <a:rPr lang="fr-FR" sz="3200" b="1" dirty="0">
                 <a:solidFill>
                   <a:srgbClr val="0070C0"/>
                 </a:solidFill>
               </a:rPr>
-              <a:t>INTELLIGENT </a:t>
-            </a:r>
-            <a:r>
-              <a:rPr lang="fr-FR" sz="3200" b="1" dirty="0">
-                <a:solidFill>
-                  <a:srgbClr val="0070C0"/>
-                </a:solidFill>
-              </a:rPr>
-              <a:t>ENGINE FOR HOUSES PRICES ESTIMATION</a:t>
-            </a:r>
-            <a:r>
-              <a:rPr lang="fr-FR" dirty="0"/>
-              <a:t/>
+              <a:t>INTELLIGENT ENGINE FOR HOUSES PRICES ESTIMATION</a:t>
             </a:r>
             <a:br>
               <a:rPr lang="fr-FR" dirty="0"/>
             </a:br>
-            <a:r>
-              <a:rPr lang="fr-FR" dirty="0"/>
-              <a:t/>
-            </a:r>
             <a:br>
               <a:rPr lang="fr-FR" dirty="0"/>
             </a:br>
-            <a:r>
-              <a:rPr lang="fr-FR" dirty="0"/>
-              <a:t/>
-            </a:r>
             <a:br>
               <a:rPr lang="fr-FR" dirty="0"/>
             </a:br>
@@ -6133,17 +6109,6 @@
             <a:normAutofit/>
           </a:bodyPr>
           <a:lstStyle/>
-          <a:p>
-            <a:pPr algn="ctr"/>
-            <a:endParaRPr lang="fr-FR" dirty="0" smtClean="0">
-              <a:solidFill>
-                <a:schemeClr val="tx1">
-                  <a:lumMod val="65000"/>
-                  <a:lumOff val="35000"/>
-                </a:schemeClr>
-              </a:solidFill>
-            </a:endParaRPr>
-          </a:p>
           <a:p>
             <a:pPr algn="ctr"/>
             <a:endParaRPr lang="fr-FR" dirty="0">
@@ -6157,8 +6122,19 @@
           </a:p>
           <a:p>
             <a:pPr algn="ctr"/>
-            <a:r>
-              <a:rPr lang="fr-FR" dirty="0" smtClean="0">
+            <a:endParaRPr lang="fr-FR" dirty="0">
+              <a:solidFill>
+                <a:schemeClr val="tx1">
+                  <a:lumMod val="65000"/>
+                  <a:lumOff val="35000"/>
+                </a:schemeClr>
+              </a:solidFill>
+            </a:endParaRPr>
+          </a:p>
+          <a:p>
+            <a:pPr algn="ctr"/>
+            <a:r>
+              <a:rPr lang="fr-FR" dirty="0">
                 <a:solidFill>
                   <a:schemeClr val="tx1">
                     <a:lumMod val="65000"/>
@@ -6166,18 +6142,7 @@
                   </a:schemeClr>
                 </a:solidFill>
               </a:rPr>
-              <a:t>Master </a:t>
-            </a:r>
-            <a:r>
-              <a:rPr lang="fr-FR" dirty="0">
-                <a:solidFill>
-                  <a:schemeClr val="tx1">
-                    <a:lumMod val="65000"/>
-                    <a:lumOff val="35000"/>
-                  </a:schemeClr>
-                </a:solidFill>
-              </a:rPr>
-              <a:t>in Artificial Intelligence</a:t>
+              <a:t>Master in Artificial Intelligence</a:t>
             </a:r>
             <a:br>
               <a:rPr lang="fr-FR" dirty="0">
@@ -6212,7 +6177,7 @@
           <p:nvPr/>
         </p:nvPicPr>
         <p:blipFill>
-          <a:blip r:embed="rId2">
+          <a:blip r:embed="rId3">
             <a:extLst>
               <a:ext uri="{28A0092B-C50C-407E-A947-70E740481C1C}">
                 <a14:useLocalDpi xmlns:a14="http://schemas.microsoft.com/office/drawing/2010/main" val="0"/>
@@ -6253,7 +6218,7 @@
         <p:spPr>
           <a:xfrm>
             <a:off x="919891" y="5650069"/>
-            <a:ext cx="6603653" cy="646331"/>
+            <a:ext cx="6603653" cy="369332"/>
           </a:xfrm>
           <a:prstGeom prst="rect">
             <a:avLst/>
@@ -6267,21 +6232,13 @@
           <a:lstStyle/>
           <a:p>
             <a:r>
-              <a:rPr lang="fr-CH" dirty="0" smtClean="0"/>
+              <a:rPr lang="fr-CH" dirty="0"/>
               <a:t>Authors: </a:t>
             </a:r>
             <a:r>
               <a:rPr lang="fr-FR" dirty="0"/>
-              <a:t>Arthur CHERUBINI and Michelle Vanessa </a:t>
-            </a:r>
-            <a:r>
-              <a:rPr lang="fr-FR" dirty="0" smtClean="0"/>
-              <a:t>MEGUEP</a:t>
-            </a:r>
-            <a:endParaRPr lang="fr-FR" dirty="0"/>
-          </a:p>
-          <a:p>
-            <a:endParaRPr lang="fr-FR" dirty="0"/>
+              <a:t>Michelle Vanessa MEGUEP and Arthur CHERUBINI </a:t>
+            </a:r>
           </a:p>
         </p:txBody>
       </p:sp>
@@ -6295,13 +6252,6 @@
   <p:clrMapOvr>
     <a:masterClrMapping/>
   </p:clrMapOvr>
-  <p:timing>
-    <p:tnLst>
-      <p:par>
-        <p:cTn id="1" dur="indefinite" restart="never" nodeType="tmRoot"/>
-      </p:par>
-    </p:tnLst>
-  </p:timing>
 </p:sld>
 </file>
 
@@ -6343,7 +6293,7 @@
           <a:lstStyle/>
           <a:p>
             <a:r>
-              <a:rPr lang="fr-CH" b="1" dirty="0" smtClean="0">
+              <a:rPr lang="fr-CH" b="1" dirty="0">
                 <a:solidFill>
                   <a:schemeClr val="bg1"/>
                 </a:solidFill>
@@ -6366,8 +6316,8 @@
         </p:nvSpPr>
         <p:spPr>
           <a:xfrm>
-            <a:off x="1435261" y="1920110"/>
-            <a:ext cx="8125428" cy="3970318"/>
+            <a:off x="1435261" y="2108646"/>
+            <a:ext cx="8125428" cy="3139321"/>
           </a:xfrm>
           <a:prstGeom prst="rect">
             <a:avLst/>
@@ -6385,7 +6335,7 @@
               <a:buChar char="q"/>
             </a:pPr>
             <a:r>
-              <a:rPr lang="fr-CH" dirty="0" smtClean="0"/>
+              <a:rPr lang="fr-CH" dirty="0"/>
               <a:t>About the project: </a:t>
             </a:r>
           </a:p>
@@ -6395,7 +6345,7 @@
               <a:buChar char="q"/>
             </a:pPr>
             <a:r>
-              <a:rPr lang="fr-CH" dirty="0" smtClean="0"/>
+              <a:rPr lang="fr-CH" dirty="0"/>
               <a:t>Description, goals, hypotheses defined</a:t>
             </a:r>
           </a:p>
@@ -6405,7 +6355,7 @@
               <a:buChar char="q"/>
             </a:pPr>
             <a:r>
-              <a:rPr lang="fr-CH" dirty="0" smtClean="0"/>
+              <a:rPr lang="fr-CH" dirty="0"/>
               <a:t>The database used and the work on the data</a:t>
             </a:r>
           </a:p>
@@ -6415,7 +6365,7 @@
               <a:buChar char="q"/>
             </a:pPr>
             <a:r>
-              <a:rPr lang="fr-CH" dirty="0" smtClean="0"/>
+              <a:rPr lang="fr-CH" dirty="0"/>
               <a:t>The algorithms</a:t>
             </a:r>
           </a:p>
@@ -6424,7 +6374,11 @@
               <a:buFont typeface="Wingdings" panose="05000000000000000000" pitchFamily="2" charset="2"/>
               <a:buChar char="q"/>
             </a:pPr>
-            <a:endParaRPr lang="fr-CH" dirty="0" smtClean="0"/>
+            <a:endParaRPr lang="fr-CH" dirty="0"/>
+          </a:p>
+          <a:p>
+            <a:pPr lvl="1"/>
+            <a:endParaRPr lang="fr-CH" dirty="0"/>
           </a:p>
           <a:p>
             <a:pPr marL="285750" indent="-285750">
@@ -6432,8 +6386,8 @@
               <a:buChar char="q"/>
             </a:pPr>
             <a:r>
-              <a:rPr lang="fr-CH" dirty="0" smtClean="0"/>
-              <a:t>The project organisation</a:t>
+              <a:rPr lang="fr-CH" dirty="0"/>
+              <a:t>The project reproducibility</a:t>
             </a:r>
           </a:p>
           <a:p>
@@ -6443,22 +6397,16 @@
             </a:pPr>
             <a:r>
               <a:rPr lang="fr-CH" dirty="0"/>
-              <a:t>The work sharing and contribution</a:t>
-            </a:r>
-          </a:p>
-          <a:p>
-            <a:pPr marL="742950" lvl="1" indent="-285750">
-              <a:buFont typeface="Wingdings" panose="05000000000000000000" pitchFamily="2" charset="2"/>
-              <a:buChar char="q"/>
-            </a:pPr>
-            <a:r>
-              <a:rPr lang="fr-CH" dirty="0" smtClean="0"/>
-              <a:t>The collaboration between the team members</a:t>
+              <a:t>What has been put in place or planned?</a:t>
             </a:r>
           </a:p>
           <a:p>
             <a:pPr lvl="1"/>
-            <a:endParaRPr lang="fr-CH" dirty="0" smtClean="0"/>
+            <a:endParaRPr lang="fr-CH" dirty="0"/>
+          </a:p>
+          <a:p>
+            <a:pPr lvl="1"/>
+            <a:endParaRPr lang="fr-CH" dirty="0"/>
           </a:p>
           <a:p>
             <a:pPr marL="285750" indent="-285750">
@@ -6467,38 +6415,6 @@
             </a:pPr>
             <a:r>
               <a:rPr lang="fr-CH" dirty="0"/>
-              <a:t>T</a:t>
-            </a:r>
-            <a:r>
-              <a:rPr lang="fr-CH" dirty="0" smtClean="0"/>
-              <a:t>he project reproducibility</a:t>
-            </a:r>
-          </a:p>
-          <a:p>
-            <a:pPr marL="742950" lvl="1" indent="-285750">
-              <a:buFont typeface="Wingdings" panose="05000000000000000000" pitchFamily="2" charset="2"/>
-              <a:buChar char="q"/>
-            </a:pPr>
-            <a:r>
-              <a:rPr lang="fr-CH" dirty="0" smtClean="0"/>
-              <a:t>What has been put in place or planned?</a:t>
-            </a:r>
-          </a:p>
-          <a:p>
-            <a:pPr lvl="1"/>
-            <a:endParaRPr lang="fr-CH" dirty="0" smtClean="0"/>
-          </a:p>
-          <a:p>
-            <a:pPr lvl="1"/>
-            <a:endParaRPr lang="fr-CH" dirty="0" smtClean="0"/>
-          </a:p>
-          <a:p>
-            <a:pPr marL="285750" indent="-285750">
-              <a:buFont typeface="Wingdings" panose="05000000000000000000" pitchFamily="2" charset="2"/>
-              <a:buChar char="q"/>
-            </a:pPr>
-            <a:r>
-              <a:rPr lang="fr-CH" dirty="0" smtClean="0"/>
               <a:t>Project status(Demo) and next steps</a:t>
             </a:r>
             <a:endParaRPr lang="fr-FR" dirty="0"/>
@@ -6515,13 +6431,6 @@
   <p:clrMapOvr>
     <a:masterClrMapping/>
   </p:clrMapOvr>
-  <p:timing>
-    <p:tnLst>
-      <p:par>
-        <p:cTn id="1" dur="indefinite" restart="never" nodeType="tmRoot"/>
-      </p:par>
-    </p:tnLst>
-  </p:timing>
 </p:sld>
 </file>
 
@@ -6564,7 +6473,7 @@
           <a:p>
             <a:pPr algn="ctr"/>
             <a:r>
-              <a:rPr lang="fr-CH" b="1" dirty="0" smtClean="0">
+              <a:rPr lang="fr-CH" b="1" dirty="0">
                 <a:solidFill>
                   <a:schemeClr val="accent1"/>
                 </a:solidFill>
@@ -6602,27 +6511,15 @@
           <a:p>
             <a:r>
               <a:rPr lang="en-US" dirty="0"/>
-              <a:t>Predicting the house price is a well-known problem in the field of machine learning. one of the best-known projects on </a:t>
-            </a:r>
-            <a:r>
-              <a:rPr lang="en-US" dirty="0" smtClean="0"/>
-              <a:t>this is </a:t>
-            </a:r>
-            <a:r>
-              <a:rPr lang="en-US" dirty="0"/>
-              <a:t>the Boston House </a:t>
-            </a:r>
-            <a:r>
-              <a:rPr lang="en-US" dirty="0" smtClean="0"/>
-              <a:t>prices.</a:t>
-            </a:r>
-          </a:p>
-          <a:p>
-            <a:endParaRPr lang="en-US" dirty="0" smtClean="0"/>
-          </a:p>
-          <a:p>
-            <a:r>
-              <a:rPr lang="en-US" b="1" dirty="0" smtClean="0"/>
+              <a:t>Predicting the house price is a well-known problem in the field of machine learning. One of the best-known projects on this is the Boston House prices.</a:t>
+            </a:r>
+          </a:p>
+          <a:p>
+            <a:endParaRPr lang="en-US" dirty="0"/>
+          </a:p>
+          <a:p>
+            <a:r>
+              <a:rPr lang="en-US" b="1" dirty="0"/>
               <a:t>The objectives of this project:</a:t>
             </a:r>
           </a:p>
@@ -6632,7 +6529,7 @@
               <a:buChar char="Ø"/>
             </a:pPr>
             <a:r>
-              <a:rPr lang="en-US" dirty="0" smtClean="0"/>
+              <a:rPr lang="en-US" dirty="0"/>
               <a:t>Find the most relevant features which determine houses prices</a:t>
             </a:r>
           </a:p>
@@ -6642,16 +6539,16 @@
               <a:buChar char="Ø"/>
             </a:pPr>
             <a:r>
-              <a:rPr lang="en-US" dirty="0" smtClean="0"/>
+              <a:rPr lang="en-US" dirty="0"/>
               <a:t>Apply differents algorithms and find the one with the best prediction performance</a:t>
             </a:r>
           </a:p>
           <a:p>
-            <a:endParaRPr lang="en-US" dirty="0" smtClean="0"/>
-          </a:p>
-          <a:p>
-            <a:r>
-              <a:rPr lang="en-US" b="1" dirty="0" smtClean="0"/>
+            <a:endParaRPr lang="en-US" dirty="0"/>
+          </a:p>
+          <a:p>
+            <a:r>
+              <a:rPr lang="en-US" b="1" dirty="0"/>
               <a:t>Two hypothesis defined:</a:t>
             </a:r>
           </a:p>
@@ -6661,7 +6558,7 @@
               <a:buChar char="Ø"/>
             </a:pPr>
             <a:r>
-              <a:rPr lang="en-US" dirty="0" smtClean="0"/>
+              <a:rPr lang="en-US" dirty="0"/>
               <a:t>Between all the house features, only some are relevant in the price prediction</a:t>
             </a:r>
           </a:p>
@@ -6671,16 +6568,8 @@
               <a:buChar char="Ø"/>
             </a:pPr>
             <a:r>
-              <a:rPr lang="en-US" dirty="0" smtClean="0"/>
-              <a:t>One algorithm between the linear regression, decision tree and random forest can predict with </a:t>
-            </a:r>
-            <a:r>
               <a:rPr lang="en-US" dirty="0"/>
-              <a:t>good accuracy the price of a </a:t>
-            </a:r>
-            <a:r>
-              <a:rPr lang="en-US" dirty="0" smtClean="0"/>
-              <a:t>property</a:t>
+              <a:t>One algorithm between the linear regression, decision tree and random forest can predict with good accuracy the price of a property</a:t>
             </a:r>
           </a:p>
           <a:p>
@@ -6704,24 +6593,15 @@
           </a:p>
           <a:p>
             <a:r>
-              <a:rPr lang="en-US" dirty="0" smtClean="0"/>
-              <a:t>2930 </a:t>
-            </a:r>
-            <a:r>
               <a:rPr lang="en-US" dirty="0"/>
-              <a:t>observations and 80 </a:t>
-            </a:r>
-            <a:r>
-              <a:rPr lang="en-US" dirty="0" smtClean="0"/>
-              <a:t>features of type categorical and discrete/continuous</a:t>
-            </a:r>
+              <a:t>2930 observations and 80 features which can be categorical or discrete/continuous</a:t>
+            </a:r>
+          </a:p>
+          <a:p>
             <a:endParaRPr lang="en-US" dirty="0"/>
           </a:p>
           <a:p>
-            <a:endParaRPr lang="en-US" dirty="0"/>
-          </a:p>
-          <a:p>
-            <a:endParaRPr lang="en-US" b="1" dirty="0" smtClean="0"/>
+            <a:endParaRPr lang="en-US" b="1" dirty="0"/>
           </a:p>
           <a:p>
             <a:pPr marL="285750" indent="-285750">
@@ -6758,7 +6638,7 @@
         </p:blipFill>
         <p:spPr bwMode="auto">
           <a:xfrm>
-            <a:off x="240486" y="4442556"/>
+            <a:off x="240486" y="4810201"/>
             <a:ext cx="604495" cy="886834"/>
           </a:xfrm>
           <a:prstGeom prst="rect">
@@ -6799,7 +6679,7 @@
         </p:blipFill>
         <p:spPr bwMode="auto">
           <a:xfrm>
-            <a:off x="0" y="2710933"/>
+            <a:off x="0" y="2886266"/>
             <a:ext cx="1085468" cy="1085468"/>
           </a:xfrm>
           <a:prstGeom prst="rect">
@@ -6827,13 +6707,6 @@
   <p:clrMapOvr>
     <a:masterClrMapping/>
   </p:clrMapOvr>
-  <p:timing>
-    <p:tnLst>
-      <p:par>
-        <p:cTn id="1" dur="indefinite" restart="never" nodeType="tmRoot"/>
-      </p:par>
-    </p:tnLst>
-  </p:timing>
 </p:sld>
 </file>
 
@@ -6856,269 +6729,10 @@
       </p:grpSpPr>
       <p:sp>
         <p:nvSpPr>
-          <p:cNvPr id="2" name="Titre 1"/>
-          <p:cNvSpPr>
-            <a:spLocks noGrp="1"/>
-          </p:cNvSpPr>
-          <p:nvPr>
-            <p:ph type="title"/>
-          </p:nvPr>
-        </p:nvSpPr>
-        <p:spPr>
-          <a:xfrm>
-            <a:off x="2223645" y="544009"/>
-            <a:ext cx="8534401" cy="914401"/>
-          </a:xfrm>
-        </p:spPr>
-        <p:txBody>
-          <a:bodyPr>
-            <a:normAutofit fontScale="90000"/>
-          </a:bodyPr>
-          <a:lstStyle/>
-          <a:p>
-            <a:pPr algn="ctr"/>
-            <a:r>
-              <a:rPr lang="fr-CH" b="1" dirty="0" smtClean="0">
-                <a:solidFill>
-                  <a:schemeClr val="accent1"/>
-                </a:solidFill>
-              </a:rPr>
-              <a:t>THE PROJECT Organisation</a:t>
-            </a:r>
-            <a:r>
-              <a:rPr lang="fr-CH" dirty="0">
-                <a:solidFill>
-                  <a:schemeClr val="bg1"/>
-                </a:solidFill>
-              </a:rPr>
-              <a:t/>
-            </a:r>
-            <a:br>
-              <a:rPr lang="fr-CH" dirty="0">
-                <a:solidFill>
-                  <a:schemeClr val="bg1"/>
-                </a:solidFill>
-              </a:rPr>
-            </a:br>
-            <a:endParaRPr lang="fr-FR" dirty="0">
-              <a:solidFill>
-                <a:schemeClr val="bg1"/>
-              </a:solidFill>
-            </a:endParaRPr>
-          </a:p>
-        </p:txBody>
-      </p:sp>
-      <p:pic>
-        <p:nvPicPr>
-          <p:cNvPr id="4098" name="Picture 2" descr="GitHub Project Management Tutorial - Setup GitHub Projects &amp; Automations -  YouTube"/>
-          <p:cNvPicPr>
-            <a:picLocks noChangeAspect="1" noChangeArrowheads="1"/>
-          </p:cNvPicPr>
-          <p:nvPr/>
-        </p:nvPicPr>
-        <p:blipFill>
-          <a:blip r:embed="rId2">
-            <a:extLst>
-              <a:ext uri="{28A0092B-C50C-407E-A947-70E740481C1C}">
-                <a14:useLocalDpi xmlns:a14="http://schemas.microsoft.com/office/drawing/2010/main" val="0"/>
-              </a:ext>
-            </a:extLst>
-          </a:blip>
-          <a:srcRect/>
-          <a:stretch>
-            <a:fillRect/>
-          </a:stretch>
-        </p:blipFill>
-        <p:spPr bwMode="auto">
-          <a:xfrm>
-            <a:off x="9027147" y="4835417"/>
-            <a:ext cx="2857500" cy="1600200"/>
-          </a:xfrm>
-          <a:prstGeom prst="rect">
-            <a:avLst/>
-          </a:prstGeom>
-          <a:noFill/>
-          <a:extLst>
-            <a:ext uri="{909E8E84-426E-40DD-AFC4-6F175D3DCCD1}">
-              <a14:hiddenFill xmlns:a14="http://schemas.microsoft.com/office/drawing/2010/main">
-                <a:solidFill>
-                  <a:srgbClr val="FFFFFF"/>
-                </a:solidFill>
-              </a14:hiddenFill>
-            </a:ext>
-          </a:extLst>
-        </p:spPr>
-      </p:pic>
-      <p:sp>
-        <p:nvSpPr>
-          <p:cNvPr id="4" name="ZoneTexte 3"/>
-          <p:cNvSpPr txBox="1"/>
-          <p:nvPr/>
-        </p:nvSpPr>
-        <p:spPr>
-          <a:xfrm>
-            <a:off x="9027147" y="4466085"/>
-            <a:ext cx="2857500" cy="369332"/>
-          </a:xfrm>
-          <a:prstGeom prst="rect">
-            <a:avLst/>
-          </a:prstGeom>
-          <a:noFill/>
-        </p:spPr>
-        <p:txBody>
-          <a:bodyPr wrap="square" rtlCol="0">
-            <a:spAutoFit/>
-          </a:bodyPr>
-          <a:lstStyle/>
-          <a:p>
-            <a:r>
-              <a:rPr lang="fr-CH" dirty="0" smtClean="0"/>
-              <a:t>Collaboration</a:t>
-            </a:r>
-            <a:endParaRPr lang="fr-FR" dirty="0"/>
-          </a:p>
-        </p:txBody>
-      </p:sp>
-      <p:pic>
-        <p:nvPicPr>
-          <p:cNvPr id="5" name="Image 4"/>
-          <p:cNvPicPr>
-            <a:picLocks noChangeAspect="1"/>
-          </p:cNvPicPr>
-          <p:nvPr/>
-        </p:nvPicPr>
-        <p:blipFill>
-          <a:blip r:embed="rId3"/>
-          <a:stretch>
-            <a:fillRect/>
-          </a:stretch>
-        </p:blipFill>
-        <p:spPr>
-          <a:xfrm>
-            <a:off x="1427525" y="1372616"/>
-            <a:ext cx="9191625" cy="3038475"/>
-          </a:xfrm>
-          <a:prstGeom prst="rect">
-            <a:avLst/>
-          </a:prstGeom>
-        </p:spPr>
-      </p:pic>
-      <p:pic>
-        <p:nvPicPr>
-          <p:cNvPr id="4106" name="Picture 10" descr="Siks/cbs Datacamp Spark Tutorial Notebook - Jupyter Notebook Icon - Free  Transparent PNG Clipart Images Download"/>
-          <p:cNvPicPr>
-            <a:picLocks noChangeAspect="1" noChangeArrowheads="1"/>
-          </p:cNvPicPr>
-          <p:nvPr/>
-        </p:nvPicPr>
-        <p:blipFill>
-          <a:blip r:embed="rId4">
-            <a:extLst>
-              <a:ext uri="{28A0092B-C50C-407E-A947-70E740481C1C}">
-                <a14:useLocalDpi xmlns:a14="http://schemas.microsoft.com/office/drawing/2010/main" val="0"/>
-              </a:ext>
-            </a:extLst>
-          </a:blip>
-          <a:srcRect/>
-          <a:stretch>
-            <a:fillRect/>
-          </a:stretch>
-        </p:blipFill>
-        <p:spPr bwMode="auto">
-          <a:xfrm>
-            <a:off x="2223645" y="4835417"/>
-            <a:ext cx="3617772" cy="1946706"/>
-          </a:xfrm>
-          <a:prstGeom prst="rect">
-            <a:avLst/>
-          </a:prstGeom>
-          <a:noFill/>
-          <a:extLst>
-            <a:ext uri="{909E8E84-426E-40DD-AFC4-6F175D3DCCD1}">
-              <a14:hiddenFill xmlns:a14="http://schemas.microsoft.com/office/drawing/2010/main">
-                <a:solidFill>
-                  <a:srgbClr val="FFFFFF"/>
-                </a:solidFill>
-              </a14:hiddenFill>
-            </a:ext>
-          </a:extLst>
-        </p:spPr>
-      </p:pic>
-      <p:sp>
-        <p:nvSpPr>
-          <p:cNvPr id="11" name="ZoneTexte 10"/>
-          <p:cNvSpPr txBox="1"/>
-          <p:nvPr/>
-        </p:nvSpPr>
-        <p:spPr>
-          <a:xfrm>
-            <a:off x="2133017" y="4466085"/>
-            <a:ext cx="2857500" cy="646331"/>
-          </a:xfrm>
-          <a:prstGeom prst="rect">
-            <a:avLst/>
-          </a:prstGeom>
-          <a:noFill/>
-        </p:spPr>
-        <p:txBody>
-          <a:bodyPr wrap="square" rtlCol="0">
-            <a:spAutoFit/>
-          </a:bodyPr>
-          <a:lstStyle/>
-          <a:p>
-            <a:r>
-              <a:rPr lang="fr-CH" dirty="0"/>
-              <a:t>coding</a:t>
-            </a:r>
-          </a:p>
-          <a:p>
-            <a:endParaRPr lang="fr-FR" dirty="0"/>
-          </a:p>
-        </p:txBody>
-      </p:sp>
-    </p:spTree>
-    <p:extLst>
-      <p:ext uri="{BB962C8B-B14F-4D97-AF65-F5344CB8AC3E}">
-        <p14:creationId xmlns:p14="http://schemas.microsoft.com/office/powerpoint/2010/main" val="773011577"/>
-      </p:ext>
-    </p:extLst>
-  </p:cSld>
-  <p:clrMapOvr>
-    <a:masterClrMapping/>
-  </p:clrMapOvr>
-  <p:timing>
-    <p:tnLst>
-      <p:par>
-        <p:cTn id="1" dur="indefinite" restart="never" nodeType="tmRoot"/>
-      </p:par>
-    </p:tnLst>
-  </p:timing>
-</p:sld>
-</file>
-
-<file path=ppt/slides/slide5.xml><?xml version="1.0" encoding="utf-8"?>
-<p:sld xmlns:a="http://schemas.openxmlformats.org/drawingml/2006/main" xmlns:r="http://schemas.openxmlformats.org/officeDocument/2006/relationships" xmlns:p="http://schemas.openxmlformats.org/presentationml/2006/main">
-  <p:cSld>
-    <p:spTree>
-      <p:nvGrpSpPr>
-        <p:cNvPr id="1" name=""/>
-        <p:cNvGrpSpPr/>
-        <p:nvPr/>
-      </p:nvGrpSpPr>
-      <p:grpSpPr>
-        <a:xfrm>
-          <a:off x="0" y="0"/>
-          <a:ext cx="0" cy="0"/>
-          <a:chOff x="0" y="0"/>
-          <a:chExt cx="0" cy="0"/>
-        </a:xfrm>
-      </p:grpSpPr>
-      <p:sp>
-        <p:nvSpPr>
           <p:cNvPr id="2" name="Titre 1">
             <a:extLst>
               <a:ext uri="{FF2B5EF4-FFF2-40B4-BE49-F238E27FC236}">
-                <a16:creationId xmlns:a16="http://schemas.microsoft.com/office/drawing/2014/main" xmlns="" id="{26D30844-C197-4C58-B7B3-F2A95ED8975A}"/>
+                <a16:creationId xmlns:a16="http://schemas.microsoft.com/office/drawing/2014/main" id="{26D30844-C197-4C58-B7B3-F2A95ED8975A}"/>
               </a:ext>
             </a:extLst>
           </p:cNvPr>
@@ -7142,36 +6756,20 @@
           <a:lstStyle/>
           <a:p>
             <a:pPr algn="ctr"/>
-            <a:r>
-              <a:rPr lang="fr-CH" b="1" dirty="0" smtClean="0">
-                <a:solidFill>
-                  <a:schemeClr val="accent1"/>
-                </a:solidFill>
-              </a:rPr>
-              <a:t/>
-            </a:r>
             <a:br>
-              <a:rPr lang="fr-CH" b="1" dirty="0" smtClean="0">
+              <a:rPr lang="fr-CH" b="1" dirty="0">
                 <a:solidFill>
                   <a:schemeClr val="accent1"/>
                 </a:solidFill>
               </a:rPr>
             </a:br>
             <a:r>
-              <a:rPr lang="fr-CH" b="1" dirty="0" smtClean="0">
+              <a:rPr lang="fr-CH" b="1" dirty="0">
                 <a:solidFill>
                   <a:schemeClr val="accent1"/>
                 </a:solidFill>
               </a:rPr>
               <a:t>THE REPRODUCIBILITY</a:t>
-            </a:r>
-            <a:r>
-              <a:rPr lang="fr-CH" dirty="0">
-                <a:solidFill>
-                  <a:schemeClr val="bg1"/>
-                </a:solidFill>
-              </a:rPr>
-              <a:t/>
             </a:r>
             <a:br>
               <a:rPr lang="fr-CH" dirty="0">
@@ -7189,7 +6787,7 @@
           <p:cNvPr id="5" name="Espace réservé du contenu 4" descr="Une image contenant capture d’écran&#10;&#10;Description générée automatiquement">
             <a:extLst>
               <a:ext uri="{FF2B5EF4-FFF2-40B4-BE49-F238E27FC236}">
-                <a16:creationId xmlns:a16="http://schemas.microsoft.com/office/drawing/2014/main" xmlns="" id="{AE18889E-06B4-480A-9211-5A42D15B7659}"/>
+                <a16:creationId xmlns:a16="http://schemas.microsoft.com/office/drawing/2014/main" id="{AE18889E-06B4-480A-9211-5A42D15B7659}"/>
               </a:ext>
             </a:extLst>
           </p:cNvPr>
@@ -7224,7 +6822,7 @@
           <p:cNvPr id="6" name="ZoneTexte 5">
             <a:extLst>
               <a:ext uri="{FF2B5EF4-FFF2-40B4-BE49-F238E27FC236}">
-                <a16:creationId xmlns:a16="http://schemas.microsoft.com/office/drawing/2014/main" xmlns="" id="{A11BF9E4-AAEC-4C9B-896E-8644EF22A1D9}"/>
+                <a16:creationId xmlns:a16="http://schemas.microsoft.com/office/drawing/2014/main" id="{A11BF9E4-AAEC-4C9B-896E-8644EF22A1D9}"/>
               </a:ext>
             </a:extLst>
           </p:cNvPr>
@@ -7293,7 +6891,7 @@
           <p:cNvPr id="8" name="Graphique 7" descr="Coche">
             <a:extLst>
               <a:ext uri="{FF2B5EF4-FFF2-40B4-BE49-F238E27FC236}">
-                <a16:creationId xmlns:a16="http://schemas.microsoft.com/office/drawing/2014/main" xmlns="" id="{B7BF1F6B-618D-41CC-B150-4B3BA69ECF7E}"/>
+                <a16:creationId xmlns:a16="http://schemas.microsoft.com/office/drawing/2014/main" id="{B7BF1F6B-618D-41CC-B150-4B3BA69ECF7E}"/>
               </a:ext>
             </a:extLst>
           </p:cNvPr>
@@ -7309,7 +6907,7 @@
                 <a14:useLocalDpi xmlns:a14="http://schemas.microsoft.com/office/drawing/2010/main" val="0"/>
               </a:ext>
               <a:ext uri="{96DAC541-7B7A-43D3-8B79-37D633B846F1}">
-                <asvg:svgBlip xmlns:asvg="http://schemas.microsoft.com/office/drawing/2016/SVG/main" xmlns="" r:embed="rId4"/>
+                <asvg:svgBlip xmlns:asvg="http://schemas.microsoft.com/office/drawing/2016/SVG/main" r:embed="rId4"/>
               </a:ext>
             </a:extLst>
           </a:blip>
@@ -7332,7 +6930,7 @@
           <p:cNvPr id="10" name="Graphique 9" descr="Coche">
             <a:extLst>
               <a:ext uri="{FF2B5EF4-FFF2-40B4-BE49-F238E27FC236}">
-                <a16:creationId xmlns:a16="http://schemas.microsoft.com/office/drawing/2014/main" xmlns="" id="{EDAA1B62-66A4-43EE-A237-327230703439}"/>
+                <a16:creationId xmlns:a16="http://schemas.microsoft.com/office/drawing/2014/main" id="{EDAA1B62-66A4-43EE-A237-327230703439}"/>
               </a:ext>
             </a:extLst>
           </p:cNvPr>
@@ -7348,7 +6946,7 @@
                 <a14:useLocalDpi xmlns:a14="http://schemas.microsoft.com/office/drawing/2010/main" val="0"/>
               </a:ext>
               <a:ext uri="{96DAC541-7B7A-43D3-8B79-37D633B846F1}">
-                <asvg:svgBlip xmlns:asvg="http://schemas.microsoft.com/office/drawing/2016/SVG/main" xmlns="" r:embed="rId4"/>
+                <asvg:svgBlip xmlns:asvg="http://schemas.microsoft.com/office/drawing/2016/SVG/main" r:embed="rId4"/>
               </a:ext>
             </a:extLst>
           </a:blip>
@@ -7358,7 +6956,7 @@
         </p:blipFill>
         <p:spPr>
           <a:xfrm>
-            <a:off x="4511476" y="1243228"/>
+            <a:off x="3872421" y="1281306"/>
             <a:ext cx="778155" cy="778155"/>
           </a:xfrm>
           <a:prstGeom prst="rect">
@@ -7371,7 +6969,7 @@
           <p:cNvPr id="12" name="Graphique 11" descr="Fermer">
             <a:extLst>
               <a:ext uri="{FF2B5EF4-FFF2-40B4-BE49-F238E27FC236}">
-                <a16:creationId xmlns:a16="http://schemas.microsoft.com/office/drawing/2014/main" xmlns="" id="{5FB9E98B-8543-4A16-811C-0689AB77A2E3}"/>
+                <a16:creationId xmlns:a16="http://schemas.microsoft.com/office/drawing/2014/main" id="{5FB9E98B-8543-4A16-811C-0689AB77A2E3}"/>
               </a:ext>
             </a:extLst>
           </p:cNvPr>
@@ -7387,7 +6985,7 @@
                 <a14:useLocalDpi xmlns:a14="http://schemas.microsoft.com/office/drawing/2010/main" val="0"/>
               </a:ext>
               <a:ext uri="{96DAC541-7B7A-43D3-8B79-37D633B846F1}">
-                <asvg:svgBlip xmlns:asvg="http://schemas.microsoft.com/office/drawing/2016/SVG/main" xmlns="" r:embed="rId6"/>
+                <asvg:svgBlip xmlns:asvg="http://schemas.microsoft.com/office/drawing/2016/SVG/main" r:embed="rId6"/>
               </a:ext>
             </a:extLst>
           </a:blip>
@@ -7397,7 +6995,7 @@
         </p:blipFill>
         <p:spPr>
           <a:xfrm>
-            <a:off x="8879709" y="2192451"/>
+            <a:off x="7836234" y="1364182"/>
             <a:ext cx="671176" cy="671176"/>
           </a:xfrm>
           <a:prstGeom prst="rect">
@@ -7410,7 +7008,7 @@
           <p:cNvPr id="14" name="Graphique 13" descr="Flèches de chevron">
             <a:extLst>
               <a:ext uri="{FF2B5EF4-FFF2-40B4-BE49-F238E27FC236}">
-                <a16:creationId xmlns:a16="http://schemas.microsoft.com/office/drawing/2014/main" xmlns="" id="{7793A0B9-2D3D-43C1-8B0B-9EB5001B4E95}"/>
+                <a16:creationId xmlns:a16="http://schemas.microsoft.com/office/drawing/2014/main" id="{7793A0B9-2D3D-43C1-8B0B-9EB5001B4E95}"/>
               </a:ext>
             </a:extLst>
           </p:cNvPr>
@@ -7426,7 +7024,7 @@
                 <a14:useLocalDpi xmlns:a14="http://schemas.microsoft.com/office/drawing/2010/main" val="0"/>
               </a:ext>
               <a:ext uri="{96DAC541-7B7A-43D3-8B79-37D633B846F1}">
-                <asvg:svgBlip xmlns:asvg="http://schemas.microsoft.com/office/drawing/2016/SVG/main" xmlns="" r:embed="rId8"/>
+                <asvg:svgBlip xmlns:asvg="http://schemas.microsoft.com/office/drawing/2016/SVG/main" r:embed="rId8"/>
               </a:ext>
             </a:extLst>
           </a:blip>
@@ -7436,7 +7034,7 @@
         </p:blipFill>
         <p:spPr>
           <a:xfrm rot="16200000">
-            <a:off x="6818014" y="1199313"/>
+            <a:off x="5796641" y="1194039"/>
             <a:ext cx="788309" cy="788309"/>
           </a:xfrm>
           <a:prstGeom prst="rect">
@@ -7467,7 +7065,7 @@
           <a:lstStyle/>
           <a:p>
             <a:r>
-              <a:rPr lang="fr-CH" dirty="0" smtClean="0"/>
+              <a:rPr lang="fr-CH" dirty="0"/>
               <a:t>Code structure</a:t>
             </a:r>
             <a:endParaRPr lang="fr-FR" dirty="0"/>
@@ -7521,8 +7119,16 @@
           <a:lstStyle/>
           <a:p>
             <a:r>
-              <a:rPr lang="fr-CH" dirty="0" smtClean="0"/>
-              <a:t>Project full documented</a:t>
+              <a:rPr lang="fr-CH" dirty="0"/>
+              <a:t>Project </a:t>
+            </a:r>
+            <a:r>
+              <a:rPr lang="fr-CH" dirty="0" err="1"/>
+              <a:t>fully</a:t>
+            </a:r>
+            <a:r>
+              <a:rPr lang="fr-CH" dirty="0"/>
+              <a:t> documented</a:t>
             </a:r>
             <a:endParaRPr lang="fr-FR" dirty="0"/>
           </a:p>
@@ -7538,17 +7144,10 @@
   <p:clrMapOvr>
     <a:masterClrMapping/>
   </p:clrMapOvr>
-  <p:timing>
-    <p:tnLst>
-      <p:par>
-        <p:cTn id="1" dur="indefinite" restart="never" nodeType="tmRoot"/>
-      </p:par>
-    </p:tnLst>
-  </p:timing>
 </p:sld>
 </file>
 
-<file path=ppt/slides/slide6.xml><?xml version="1.0" encoding="utf-8"?>
+<file path=ppt/slides/slide5.xml><?xml version="1.0" encoding="utf-8"?>
 <p:sld xmlns:a="http://schemas.openxmlformats.org/drawingml/2006/main" xmlns:r="http://schemas.openxmlformats.org/officeDocument/2006/relationships" xmlns:p="http://schemas.openxmlformats.org/presentationml/2006/main">
   <p:cSld>
     <p:spTree>
@@ -7611,7 +7210,7 @@
           <p:cNvPr id="6" name="Titre 1">
             <a:extLst>
               <a:ext uri="{FF2B5EF4-FFF2-40B4-BE49-F238E27FC236}">
-                <a16:creationId xmlns:a16="http://schemas.microsoft.com/office/drawing/2014/main" xmlns="" id="{26D30844-C197-4C58-B7B3-F2A95ED8975A}"/>
+                <a16:creationId xmlns:a16="http://schemas.microsoft.com/office/drawing/2014/main" id="{26D30844-C197-4C58-B7B3-F2A95ED8975A}"/>
               </a:ext>
             </a:extLst>
           </p:cNvPr>
@@ -7711,22 +7310,14 @@
           </a:lstStyle>
           <a:p>
             <a:pPr algn="ctr"/>
-            <a:r>
-              <a:rPr lang="fr-CH" b="1" dirty="0" smtClean="0">
-                <a:solidFill>
-                  <a:schemeClr val="accent1"/>
-                </a:solidFill>
-              </a:rPr>
-              <a:t/>
-            </a:r>
             <a:br>
-              <a:rPr lang="fr-CH" b="1" dirty="0" smtClean="0">
+              <a:rPr lang="fr-CH" b="1" dirty="0">
                 <a:solidFill>
                   <a:schemeClr val="accent1"/>
                 </a:solidFill>
               </a:rPr>
             </a:br>
-            <a:endParaRPr lang="fr-CH" b="1" dirty="0" smtClean="0">
+            <a:endParaRPr lang="fr-CH" b="1" dirty="0">
               <a:solidFill>
                 <a:schemeClr val="accent1"/>
               </a:solidFill>
@@ -7735,23 +7326,15 @@
           <a:p>
             <a:pPr algn="ctr"/>
             <a:r>
-              <a:rPr lang="fr-CH" sz="14400" b="1" dirty="0" smtClean="0">
+              <a:rPr lang="fr-CH" sz="14400" b="1" dirty="0">
                 <a:solidFill>
                   <a:schemeClr val="accent1"/>
                 </a:solidFill>
               </a:rPr>
               <a:t>Demo and next steps</a:t>
             </a:r>
-            <a:r>
-              <a:rPr lang="fr-CH" sz="14400" dirty="0" smtClean="0">
-                <a:solidFill>
-                  <a:schemeClr val="bg1"/>
-                </a:solidFill>
-              </a:rPr>
-              <a:t/>
-            </a:r>
             <a:br>
-              <a:rPr lang="fr-CH" sz="14400" dirty="0" smtClean="0">
+              <a:rPr lang="fr-CH" sz="14400" dirty="0">
                 <a:solidFill>
                   <a:schemeClr val="bg1"/>
                 </a:solidFill>
@@ -7765,924 +7348,6 @@
     <p:extLst>
       <p:ext uri="{BB962C8B-B14F-4D97-AF65-F5344CB8AC3E}">
         <p14:creationId xmlns:p14="http://schemas.microsoft.com/office/powerpoint/2010/main" val="1631127591"/>
-      </p:ext>
-    </p:extLst>
-  </p:cSld>
-  <p:clrMapOvr>
-    <a:masterClrMapping/>
-  </p:clrMapOvr>
-  <p:timing>
-    <p:tnLst>
-      <p:par>
-        <p:cTn id="1" dur="indefinite" restart="never" nodeType="tmRoot"/>
-      </p:par>
-    </p:tnLst>
-  </p:timing>
-</p:sld>
-</file>
-
-<file path=ppt/slides/slide7.xml><?xml version="1.0" encoding="utf-8"?>
-<p:sld xmlns:a="http://schemas.openxmlformats.org/drawingml/2006/main" xmlns:r="http://schemas.openxmlformats.org/officeDocument/2006/relationships" xmlns:p="http://schemas.openxmlformats.org/presentationml/2006/main">
-  <p:cSld>
-    <p:spTree>
-      <p:nvGrpSpPr>
-        <p:cNvPr id="1" name=""/>
-        <p:cNvGrpSpPr/>
-        <p:nvPr/>
-      </p:nvGrpSpPr>
-      <p:grpSpPr>
-        <a:xfrm>
-          <a:off x="0" y="0"/>
-          <a:ext cx="0" cy="0"/>
-          <a:chOff x="0" y="0"/>
-          <a:chExt cx="0" cy="0"/>
-        </a:xfrm>
-      </p:grpSpPr>
-      <p:sp>
-        <p:nvSpPr>
-          <p:cNvPr id="2" name="Titre 1">
-            <a:extLst>
-              <a:ext uri="{FF2B5EF4-FFF2-40B4-BE49-F238E27FC236}">
-                <a16:creationId xmlns:a16="http://schemas.microsoft.com/office/drawing/2014/main" xmlns="" id="{BDA1F30B-5126-4C07-8DF0-DFCBF682ADAD}"/>
-              </a:ext>
-            </a:extLst>
-          </p:cNvPr>
-          <p:cNvSpPr>
-            <a:spLocks noGrp="1"/>
-          </p:cNvSpPr>
-          <p:nvPr>
-            <p:ph type="title"/>
-          </p:nvPr>
-        </p:nvSpPr>
-        <p:spPr>
-          <a:xfrm>
-            <a:off x="838200" y="346271"/>
-            <a:ext cx="10515600" cy="1325563"/>
-          </a:xfrm>
-        </p:spPr>
-        <p:txBody>
-          <a:bodyPr vert="horz" lIns="91440" tIns="45720" rIns="91440" bIns="45720" rtlCol="0" anchor="ctr">
-            <a:normAutofit/>
-          </a:bodyPr>
-          <a:lstStyle/>
-          <a:p>
-            <a:r>
-              <a:rPr lang="en-US" dirty="0"/>
-              <a:t>Hypotheses</a:t>
-            </a:r>
-            <a:endParaRPr lang="en-US" sz="5400" dirty="0"/>
-          </a:p>
-        </p:txBody>
-      </p:sp>
-      <p:sp>
-        <p:nvSpPr>
-          <p:cNvPr id="3" name="Espace réservé du contenu 2">
-            <a:extLst>
-              <a:ext uri="{FF2B5EF4-FFF2-40B4-BE49-F238E27FC236}">
-                <a16:creationId xmlns:a16="http://schemas.microsoft.com/office/drawing/2014/main" xmlns="" id="{B4AA6A43-FB14-4252-8280-094535BF9870}"/>
-              </a:ext>
-            </a:extLst>
-          </p:cNvPr>
-          <p:cNvSpPr>
-            <a:spLocks noGrp="1"/>
-          </p:cNvSpPr>
-          <p:nvPr>
-            <p:ph idx="1"/>
-          </p:nvPr>
-        </p:nvSpPr>
-        <p:spPr>
-          <a:xfrm>
-            <a:off x="838200" y="1671834"/>
-            <a:ext cx="10515600" cy="4084981"/>
-          </a:xfrm>
-        </p:spPr>
-        <p:txBody>
-          <a:bodyPr>
-            <a:normAutofit lnSpcReduction="10000"/>
-          </a:bodyPr>
-          <a:lstStyle/>
-          <a:p>
-            <a:pPr marL="514350" indent="-514350">
-              <a:buFont typeface="+mj-lt"/>
-              <a:buAutoNum type="arabicPeriod"/>
-            </a:pPr>
-            <a:r>
-              <a:rPr lang="en-US" sz="2400" dirty="0"/>
-              <a:t>If the intrinsic value of a property is defined by different parameters such as the number of rooms or the total surface for example, then it must possible to have an algorithm which can predict with good accuracy the price of a property</a:t>
-            </a:r>
-            <a:r>
-              <a:rPr lang="en-US" sz="2400" dirty="0">
-                <a:effectLst/>
-                <a:ea typeface="Arial" panose="020B0604020202020204" pitchFamily="34" charset="0"/>
-              </a:rPr>
-              <a:t>.</a:t>
-            </a:r>
-          </a:p>
-          <a:p>
-            <a:pPr marL="914400" lvl="2" indent="0">
-              <a:buNone/>
-            </a:pPr>
-            <a:r>
-              <a:rPr lang="en-US" sz="2400" dirty="0">
-                <a:ea typeface="Arial" panose="020B0604020202020204" pitchFamily="34" charset="0"/>
-              </a:rPr>
-              <a:t>→ use the 80 parameters</a:t>
-            </a:r>
-            <a:endParaRPr lang="en-US" sz="2400" dirty="0">
-              <a:effectLst/>
-              <a:ea typeface="Arial" panose="020B0604020202020204" pitchFamily="34" charset="0"/>
-            </a:endParaRPr>
-          </a:p>
-          <a:p>
-            <a:pPr marL="514350" indent="-514350">
-              <a:buFont typeface="+mj-lt"/>
-              <a:buAutoNum type="arabicPeriod"/>
-            </a:pPr>
-            <a:endParaRPr lang="en-US" sz="2400" dirty="0">
-              <a:effectLst/>
-              <a:ea typeface="Arial" panose="020B0604020202020204" pitchFamily="34" charset="0"/>
-            </a:endParaRPr>
-          </a:p>
-          <a:p>
-            <a:pPr marL="514350" indent="-514350">
-              <a:buFont typeface="+mj-lt"/>
-              <a:buAutoNum type="arabicPeriod"/>
-            </a:pPr>
-            <a:r>
-              <a:rPr lang="en-US" sz="2400" dirty="0">
-                <a:effectLst/>
-                <a:ea typeface="Arial" panose="020B0604020202020204" pitchFamily="34" charset="0"/>
-              </a:rPr>
-              <a:t>If some parameters are more meaningful than others to explain the price of a house, then by taking into account only these parameters the price of a house should be still predictable.</a:t>
-            </a:r>
-          </a:p>
-          <a:p>
-            <a:pPr marL="457200" lvl="1" indent="0">
-              <a:buNone/>
-            </a:pPr>
-            <a:r>
-              <a:rPr lang="en-US" dirty="0">
-                <a:ea typeface="Arial" panose="020B0604020202020204" pitchFamily="34" charset="0"/>
-              </a:rPr>
-              <a:t>	 → use only the most relevant parameters</a:t>
-            </a:r>
-            <a:endParaRPr lang="en-US" sz="2400" dirty="0">
-              <a:effectLst/>
-              <a:ea typeface="Arial" panose="020B0604020202020204" pitchFamily="34" charset="0"/>
-            </a:endParaRPr>
-          </a:p>
-          <a:p>
-            <a:pPr marL="0" indent="0">
-              <a:buNone/>
-            </a:pPr>
-            <a:endParaRPr lang="en-US" sz="2400" dirty="0">
-              <a:ea typeface="Arial" panose="020B0604020202020204" pitchFamily="34" charset="0"/>
-            </a:endParaRPr>
-          </a:p>
-          <a:p>
-            <a:pPr marL="0" indent="0">
-              <a:buNone/>
-            </a:pPr>
-            <a:endParaRPr lang="fr-CH" dirty="0"/>
-          </a:p>
-        </p:txBody>
-      </p:sp>
-    </p:spTree>
-    <p:extLst>
-      <p:ext uri="{BB962C8B-B14F-4D97-AF65-F5344CB8AC3E}">
-        <p14:creationId xmlns:p14="http://schemas.microsoft.com/office/powerpoint/2010/main" val="3949311496"/>
-      </p:ext>
-    </p:extLst>
-  </p:cSld>
-  <p:clrMapOvr>
-    <a:masterClrMapping/>
-  </p:clrMapOvr>
-  <p:timing>
-    <p:tnLst>
-      <p:par>
-        <p:cTn id="1" dur="indefinite" restart="never" nodeType="tmRoot"/>
-      </p:par>
-    </p:tnLst>
-  </p:timing>
-</p:sld>
-</file>
-
-<file path=ppt/slides/slide8.xml><?xml version="1.0" encoding="utf-8"?>
-<p:sld xmlns:a="http://schemas.openxmlformats.org/drawingml/2006/main" xmlns:r="http://schemas.openxmlformats.org/officeDocument/2006/relationships" xmlns:p="http://schemas.openxmlformats.org/presentationml/2006/main">
-  <p:cSld>
-    <p:bg>
-      <p:bgRef idx="1001">
-        <a:schemeClr val="bg1"/>
-      </p:bgRef>
-    </p:bg>
-    <p:spTree>
-      <p:nvGrpSpPr>
-        <p:cNvPr id="1" name=""/>
-        <p:cNvGrpSpPr/>
-        <p:nvPr/>
-      </p:nvGrpSpPr>
-      <p:grpSpPr>
-        <a:xfrm>
-          <a:off x="0" y="0"/>
-          <a:ext cx="0" cy="0"/>
-          <a:chOff x="0" y="0"/>
-          <a:chExt cx="0" cy="0"/>
-        </a:xfrm>
-      </p:grpSpPr>
-      <p:sp>
-        <p:nvSpPr>
-          <p:cNvPr id="4" name="Titre 3">
-            <a:extLst>
-              <a:ext uri="{FF2B5EF4-FFF2-40B4-BE49-F238E27FC236}">
-                <a16:creationId xmlns:a16="http://schemas.microsoft.com/office/drawing/2014/main" xmlns="" id="{5A0E4B8C-D079-4A72-AB30-4F91F8E45482}"/>
-              </a:ext>
-            </a:extLst>
-          </p:cNvPr>
-          <p:cNvSpPr>
-            <a:spLocks noGrp="1"/>
-          </p:cNvSpPr>
-          <p:nvPr>
-            <p:ph type="title"/>
-          </p:nvPr>
-        </p:nvSpPr>
-        <p:spPr>
-          <a:xfrm>
-            <a:off x="838200" y="365125"/>
-            <a:ext cx="10515600" cy="1228005"/>
-          </a:xfrm>
-        </p:spPr>
-        <p:txBody>
-          <a:bodyPr>
-            <a:normAutofit fontScale="90000"/>
-          </a:bodyPr>
-          <a:lstStyle/>
-          <a:p>
-            <a:pPr algn="ctr"/>
-            <a:r>
-              <a:rPr lang="en-US" sz="4000" dirty="0"/>
-              <a:t>Ames Iowa: Alternative to the Boston Housing Data Set</a:t>
-            </a:r>
-            <a:endParaRPr lang="fr-CH" sz="4000" dirty="0"/>
-          </a:p>
-        </p:txBody>
-      </p:sp>
-      <p:sp>
-        <p:nvSpPr>
-          <p:cNvPr id="5" name="Espace réservé du contenu 4">
-            <a:extLst>
-              <a:ext uri="{FF2B5EF4-FFF2-40B4-BE49-F238E27FC236}">
-                <a16:creationId xmlns:a16="http://schemas.microsoft.com/office/drawing/2014/main" xmlns="" id="{9F36CDF7-AB52-45C7-ADAF-AD1A294431AC}"/>
-              </a:ext>
-            </a:extLst>
-          </p:cNvPr>
-          <p:cNvSpPr>
-            <a:spLocks noGrp="1"/>
-          </p:cNvSpPr>
-          <p:nvPr>
-            <p:ph idx="1"/>
-          </p:nvPr>
-        </p:nvSpPr>
-        <p:spPr>
-          <a:xfrm>
-            <a:off x="838200" y="1838225"/>
-            <a:ext cx="10515600" cy="4270344"/>
-          </a:xfrm>
-        </p:spPr>
-        <p:txBody>
-          <a:bodyPr>
-            <a:normAutofit fontScale="92500" lnSpcReduction="10000"/>
-          </a:bodyPr>
-          <a:lstStyle/>
-          <a:p>
-            <a:pPr marL="0" indent="0" algn="ctr">
-              <a:buNone/>
-            </a:pPr>
-            <a:r>
-              <a:rPr lang="en-US" sz="2000" dirty="0"/>
-              <a:t>Predicting the house price is a well-known problem in the field of machine learning. The most famous dataset used for this task is the </a:t>
-            </a:r>
-            <a:r>
-              <a:rPr lang="en-US" sz="2000" i="1" dirty="0"/>
-              <a:t>Boston Housing Data Set</a:t>
-            </a:r>
-            <a:r>
-              <a:rPr lang="en-US" sz="2000" dirty="0"/>
-              <a:t>. In this project, an alternative database was selected. This database has been created for educational purpose only and it was presented in the </a:t>
-            </a:r>
-            <a:r>
-              <a:rPr lang="en-US" sz="2000" i="1" dirty="0"/>
-              <a:t>Journal of Statistics Education</a:t>
-            </a:r>
-            <a:r>
-              <a:rPr lang="en-US" sz="2000" dirty="0"/>
-              <a:t> in 2011.</a:t>
-            </a:r>
-          </a:p>
-          <a:p>
-            <a:pPr marL="0" indent="0">
-              <a:buNone/>
-            </a:pPr>
-            <a:endParaRPr lang="en-US" sz="2000" dirty="0"/>
-          </a:p>
-          <a:p>
-            <a:pPr marL="0" indent="0">
-              <a:buNone/>
-            </a:pPr>
-            <a:r>
-              <a:rPr lang="en-US" sz="2400" b="1" dirty="0"/>
-              <a:t>Objective: </a:t>
-            </a:r>
-            <a:r>
-              <a:rPr lang="en-US" sz="2400" dirty="0"/>
-              <a:t>Predict the house prices using different parameters</a:t>
-            </a:r>
-          </a:p>
-          <a:p>
-            <a:pPr marL="0" indent="0">
-              <a:buNone/>
-            </a:pPr>
-            <a:r>
-              <a:rPr lang="en-US" sz="2400" b="1" dirty="0"/>
-              <a:t>Database</a:t>
-            </a:r>
-          </a:p>
-          <a:p>
-            <a:r>
-              <a:rPr lang="en-US" sz="2400" dirty="0"/>
-              <a:t>2930 observations</a:t>
-            </a:r>
-          </a:p>
-          <a:p>
-            <a:r>
-              <a:rPr lang="en-US" sz="2400" dirty="0"/>
-              <a:t>80 features</a:t>
-            </a:r>
-          </a:p>
-          <a:p>
-            <a:pPr lvl="1"/>
-            <a:r>
-              <a:rPr lang="en-US" sz="1800" dirty="0"/>
-              <a:t>46 categorical parameters</a:t>
-            </a:r>
-          </a:p>
-          <a:p>
-            <a:pPr lvl="1"/>
-            <a:r>
-              <a:rPr lang="en-US" sz="1800" dirty="0"/>
-              <a:t>34 discrete/continuous parameters</a:t>
-            </a:r>
-          </a:p>
-          <a:p>
-            <a:endParaRPr lang="en-US" sz="2000" dirty="0"/>
-          </a:p>
-        </p:txBody>
-      </p:sp>
-    </p:spTree>
-    <p:extLst>
-      <p:ext uri="{BB962C8B-B14F-4D97-AF65-F5344CB8AC3E}">
-        <p14:creationId xmlns:p14="http://schemas.microsoft.com/office/powerpoint/2010/main" val="1818844637"/>
-      </p:ext>
-    </p:extLst>
-  </p:cSld>
-  <p:clrMapOvr>
-    <a:overrideClrMapping bg1="lt1" tx1="dk1" bg2="lt2" tx2="dk2" accent1="accent1" accent2="accent2" accent3="accent3" accent4="accent4" accent5="accent5" accent6="accent6" hlink="hlink" folHlink="folHlink"/>
-  </p:clrMapOvr>
-  <p:timing>
-    <p:tnLst>
-      <p:par>
-        <p:cTn id="1" dur="indefinite" restart="never" nodeType="tmRoot"/>
-      </p:par>
-    </p:tnLst>
-  </p:timing>
-</p:sld>
-</file>
-
-<file path=ppt/slides/slide9.xml><?xml version="1.0" encoding="utf-8"?>
-<p:sld xmlns:a="http://schemas.openxmlformats.org/drawingml/2006/main" xmlns:r="http://schemas.openxmlformats.org/officeDocument/2006/relationships" xmlns:p="http://schemas.openxmlformats.org/presentationml/2006/main">
-  <p:cSld>
-    <p:spTree>
-      <p:nvGrpSpPr>
-        <p:cNvPr id="1" name=""/>
-        <p:cNvGrpSpPr/>
-        <p:nvPr/>
-      </p:nvGrpSpPr>
-      <p:grpSpPr>
-        <a:xfrm>
-          <a:off x="0" y="0"/>
-          <a:ext cx="0" cy="0"/>
-          <a:chOff x="0" y="0"/>
-          <a:chExt cx="0" cy="0"/>
-        </a:xfrm>
-      </p:grpSpPr>
-      <p:sp>
-        <p:nvSpPr>
-          <p:cNvPr id="2" name="Titre 1">
-            <a:extLst>
-              <a:ext uri="{FF2B5EF4-FFF2-40B4-BE49-F238E27FC236}">
-                <a16:creationId xmlns:a16="http://schemas.microsoft.com/office/drawing/2014/main" xmlns="" id="{FD780A01-0872-480C-A2CE-9FED6C630C31}"/>
-              </a:ext>
-            </a:extLst>
-          </p:cNvPr>
-          <p:cNvSpPr>
-            <a:spLocks noGrp="1"/>
-          </p:cNvSpPr>
-          <p:nvPr>
-            <p:ph type="title"/>
-          </p:nvPr>
-        </p:nvSpPr>
-        <p:spPr>
-          <a:xfrm>
-            <a:off x="1089326" y="372157"/>
-            <a:ext cx="8534400" cy="1507067"/>
-          </a:xfrm>
-        </p:spPr>
-        <p:txBody>
-          <a:bodyPr/>
-          <a:lstStyle/>
-          <a:p>
-            <a:r>
-              <a:rPr lang="en-US" dirty="0"/>
-              <a:t>Relevant Parameters Selection</a:t>
-            </a:r>
-          </a:p>
-        </p:txBody>
-      </p:sp>
-      <p:sp>
-        <p:nvSpPr>
-          <p:cNvPr id="3" name="Espace réservé du contenu 2">
-            <a:extLst>
-              <a:ext uri="{FF2B5EF4-FFF2-40B4-BE49-F238E27FC236}">
-                <a16:creationId xmlns:a16="http://schemas.microsoft.com/office/drawing/2014/main" xmlns="" id="{5F6BE723-D848-4286-9E63-E847465E2286}"/>
-              </a:ext>
-            </a:extLst>
-          </p:cNvPr>
-          <p:cNvSpPr>
-            <a:spLocks noGrp="1"/>
-          </p:cNvSpPr>
-          <p:nvPr>
-            <p:ph sz="half" idx="1"/>
-          </p:nvPr>
-        </p:nvSpPr>
-        <p:spPr>
-          <a:xfrm>
-            <a:off x="838200" y="2527614"/>
-            <a:ext cx="5181600" cy="2623827"/>
-          </a:xfrm>
-        </p:spPr>
-        <p:txBody>
-          <a:bodyPr/>
-          <a:lstStyle/>
-          <a:p>
-            <a:r>
-              <a:rPr lang="en-US" dirty="0"/>
-              <a:t>Keep only the discrete/continuous parameters</a:t>
-            </a:r>
-          </a:p>
-          <a:p>
-            <a:r>
-              <a:rPr lang="en-US" dirty="0"/>
-              <a:t>Compute the Pearson correlation factor between each continuous/discrete parameters and the sale price</a:t>
-            </a:r>
-          </a:p>
-        </p:txBody>
-      </p:sp>
-      <p:graphicFrame>
-        <p:nvGraphicFramePr>
-          <p:cNvPr id="4" name="Tableau 4">
-            <a:extLst>
-              <a:ext uri="{FF2B5EF4-FFF2-40B4-BE49-F238E27FC236}">
-                <a16:creationId xmlns:a16="http://schemas.microsoft.com/office/drawing/2014/main" xmlns="" id="{BC45A57F-2857-462B-B8E6-4061C24E3FED}"/>
-              </a:ext>
-            </a:extLst>
-          </p:cNvPr>
-          <p:cNvGraphicFramePr>
-            <a:graphicFrameLocks noGrp="1"/>
-          </p:cNvGraphicFramePr>
-          <p:nvPr>
-            <p:extLst>
-              <p:ext uri="{D42A27DB-BD31-4B8C-83A1-F6EECF244321}">
-                <p14:modId xmlns:p14="http://schemas.microsoft.com/office/powerpoint/2010/main" val="2454440197"/>
-              </p:ext>
-            </p:extLst>
-          </p:nvPr>
-        </p:nvGraphicFramePr>
-        <p:xfrm>
-          <a:off x="6403848" y="1879224"/>
-          <a:ext cx="4949952" cy="4846320"/>
-        </p:xfrm>
-        <a:graphic>
-          <a:graphicData uri="http://schemas.openxmlformats.org/drawingml/2006/table">
-            <a:tbl>
-              <a:tblPr firstRow="1" bandRow="1">
-                <a:tableStyleId>{5C22544A-7EE6-4342-B048-85BDC9FD1C3A}</a:tableStyleId>
-              </a:tblPr>
-              <a:tblGrid>
-                <a:gridCol w="2473452">
-                  <a:extLst>
-                    <a:ext uri="{9D8B030D-6E8A-4147-A177-3AD203B41FA5}">
-                      <a16:colId xmlns:a16="http://schemas.microsoft.com/office/drawing/2014/main" xmlns="" val="1008175159"/>
-                    </a:ext>
-                  </a:extLst>
-                </a:gridCol>
-                <a:gridCol w="2476500">
-                  <a:extLst>
-                    <a:ext uri="{9D8B030D-6E8A-4147-A177-3AD203B41FA5}">
-                      <a16:colId xmlns:a16="http://schemas.microsoft.com/office/drawing/2014/main" xmlns="" val="1882991865"/>
-                    </a:ext>
-                  </a:extLst>
-                </a:gridCol>
-              </a:tblGrid>
-              <a:tr h="362612">
-                <a:tc>
-                  <a:txBody>
-                    <a:bodyPr/>
-                    <a:lstStyle/>
-                    <a:p>
-                      <a:r>
-                        <a:rPr lang="en-US" noProof="0" dirty="0"/>
-                        <a:t>Parameter</a:t>
-                      </a:r>
-                    </a:p>
-                  </a:txBody>
-                  <a:tcPr/>
-                </a:tc>
-                <a:tc>
-                  <a:txBody>
-                    <a:bodyPr/>
-                    <a:lstStyle/>
-                    <a:p>
-                      <a:r>
-                        <a:rPr lang="fr-CH" dirty="0"/>
-                        <a:t>Pearson coefficient</a:t>
-                      </a:r>
-                    </a:p>
-                  </a:txBody>
-                  <a:tcPr/>
-                </a:tc>
-                <a:extLst>
-                  <a:ext uri="{0D108BD9-81ED-4DB2-BD59-A6C34878D82A}">
-                    <a16:rowId xmlns:a16="http://schemas.microsoft.com/office/drawing/2014/main" xmlns="" val="2282776920"/>
-                  </a:ext>
-                </a:extLst>
-              </a:tr>
-              <a:tr h="362612">
-                <a:tc>
-                  <a:txBody>
-                    <a:bodyPr/>
-                    <a:lstStyle/>
-                    <a:p>
-                      <a:pPr algn="ctr"/>
-                      <a:r>
-                        <a:rPr lang="en-US" noProof="0"/>
-                        <a:t>Ground living area (square feet)</a:t>
-                      </a:r>
-                    </a:p>
-                  </a:txBody>
-                  <a:tcPr/>
-                </a:tc>
-                <a:tc>
-                  <a:txBody>
-                    <a:bodyPr/>
-                    <a:lstStyle/>
-                    <a:p>
-                      <a:pPr algn="ctr"/>
-                      <a:r>
-                        <a:rPr lang="en-US" noProof="0"/>
-                        <a:t>0,7</a:t>
-                      </a:r>
-                    </a:p>
-                  </a:txBody>
-                  <a:tcPr/>
-                </a:tc>
-                <a:extLst>
-                  <a:ext uri="{0D108BD9-81ED-4DB2-BD59-A6C34878D82A}">
-                    <a16:rowId xmlns:a16="http://schemas.microsoft.com/office/drawing/2014/main" xmlns="" val="3198475603"/>
-                  </a:ext>
-                </a:extLst>
-              </a:tr>
-              <a:tr h="362612">
-                <a:tc>
-                  <a:txBody>
-                    <a:bodyPr/>
-                    <a:lstStyle/>
-                    <a:p>
-                      <a:pPr algn="ctr"/>
-                      <a:r>
-                        <a:rPr lang="en-US" noProof="0"/>
-                        <a:t>Basement area</a:t>
-                      </a:r>
-                    </a:p>
-                  </a:txBody>
-                  <a:tcPr/>
-                </a:tc>
-                <a:tc>
-                  <a:txBody>
-                    <a:bodyPr/>
-                    <a:lstStyle/>
-                    <a:p>
-                      <a:pPr algn="ctr"/>
-                      <a:r>
-                        <a:rPr lang="en-US" noProof="0"/>
-                        <a:t>0,635</a:t>
-                      </a:r>
-                    </a:p>
-                  </a:txBody>
-                  <a:tcPr/>
-                </a:tc>
-                <a:extLst>
-                  <a:ext uri="{0D108BD9-81ED-4DB2-BD59-A6C34878D82A}">
-                    <a16:rowId xmlns:a16="http://schemas.microsoft.com/office/drawing/2014/main" xmlns="" val="1091696829"/>
-                  </a:ext>
-                </a:extLst>
-              </a:tr>
-              <a:tr h="362612">
-                <a:tc>
-                  <a:txBody>
-                    <a:bodyPr/>
-                    <a:lstStyle/>
-                    <a:p>
-                      <a:pPr algn="ctr"/>
-                      <a:r>
-                        <a:rPr lang="en-US" noProof="0"/>
-                        <a:t>Garage area</a:t>
-                      </a:r>
-                    </a:p>
-                  </a:txBody>
-                  <a:tcPr/>
-                </a:tc>
-                <a:tc>
-                  <a:txBody>
-                    <a:bodyPr/>
-                    <a:lstStyle/>
-                    <a:p>
-                      <a:pPr algn="ctr"/>
-                      <a:r>
-                        <a:rPr lang="en-US" noProof="0"/>
-                        <a:t>0,63</a:t>
-                      </a:r>
-                    </a:p>
-                  </a:txBody>
-                  <a:tcPr/>
-                </a:tc>
-                <a:extLst>
-                  <a:ext uri="{0D108BD9-81ED-4DB2-BD59-A6C34878D82A}">
-                    <a16:rowId xmlns:a16="http://schemas.microsoft.com/office/drawing/2014/main" xmlns="" val="56961239"/>
-                  </a:ext>
-                </a:extLst>
-              </a:tr>
-              <a:tr h="362612">
-                <a:tc>
-                  <a:txBody>
-                    <a:bodyPr/>
-                    <a:lstStyle/>
-                    <a:p>
-                      <a:pPr algn="ctr"/>
-                      <a:r>
-                        <a:rPr lang="en-US" noProof="0"/>
-                        <a:t>1st floor living area</a:t>
-                      </a:r>
-                    </a:p>
-                  </a:txBody>
-                  <a:tcPr/>
-                </a:tc>
-                <a:tc>
-                  <a:txBody>
-                    <a:bodyPr/>
-                    <a:lstStyle/>
-                    <a:p>
-                      <a:pPr algn="ctr"/>
-                      <a:r>
-                        <a:rPr lang="en-US" noProof="0"/>
-                        <a:t>0,625</a:t>
-                      </a:r>
-                    </a:p>
-                  </a:txBody>
-                  <a:tcPr/>
-                </a:tc>
-                <a:extLst>
-                  <a:ext uri="{0D108BD9-81ED-4DB2-BD59-A6C34878D82A}">
-                    <a16:rowId xmlns:a16="http://schemas.microsoft.com/office/drawing/2014/main" xmlns="" val="3940499769"/>
-                  </a:ext>
-                </a:extLst>
-              </a:tr>
-              <a:tr h="362612">
-                <a:tc>
-                  <a:txBody>
-                    <a:bodyPr/>
-                    <a:lstStyle/>
-                    <a:p>
-                      <a:pPr algn="ctr"/>
-                      <a:r>
-                        <a:rPr lang="en-US" noProof="0"/>
-                        <a:t>Year Built</a:t>
-                      </a:r>
-                    </a:p>
-                  </a:txBody>
-                  <a:tcPr/>
-                </a:tc>
-                <a:tc>
-                  <a:txBody>
-                    <a:bodyPr/>
-                    <a:lstStyle/>
-                    <a:p>
-                      <a:pPr algn="ctr"/>
-                      <a:r>
-                        <a:rPr lang="en-US" noProof="0"/>
-                        <a:t>0,56</a:t>
-                      </a:r>
-                    </a:p>
-                  </a:txBody>
-                  <a:tcPr/>
-                </a:tc>
-                <a:extLst>
-                  <a:ext uri="{0D108BD9-81ED-4DB2-BD59-A6C34878D82A}">
-                    <a16:rowId xmlns:a16="http://schemas.microsoft.com/office/drawing/2014/main" xmlns="" val="244446031"/>
-                  </a:ext>
-                </a:extLst>
-              </a:tr>
-              <a:tr h="362612">
-                <a:tc>
-                  <a:txBody>
-                    <a:bodyPr/>
-                    <a:lstStyle/>
-                    <a:p>
-                      <a:pPr algn="ctr"/>
-                      <a:r>
-                        <a:rPr lang="en-US" noProof="0"/>
-                        <a:t>Full Bath</a:t>
-                      </a:r>
-                    </a:p>
-                  </a:txBody>
-                  <a:tcPr/>
-                </a:tc>
-                <a:tc>
-                  <a:txBody>
-                    <a:bodyPr/>
-                    <a:lstStyle/>
-                    <a:p>
-                      <a:pPr algn="ctr"/>
-                      <a:r>
-                        <a:rPr lang="en-US" noProof="0"/>
-                        <a:t>0,536</a:t>
-                      </a:r>
-                    </a:p>
-                  </a:txBody>
-                  <a:tcPr/>
-                </a:tc>
-                <a:extLst>
-                  <a:ext uri="{0D108BD9-81ED-4DB2-BD59-A6C34878D82A}">
-                    <a16:rowId xmlns:a16="http://schemas.microsoft.com/office/drawing/2014/main" xmlns="" val="99387082"/>
-                  </a:ext>
-                </a:extLst>
-              </a:tr>
-              <a:tr h="362612">
-                <a:tc>
-                  <a:txBody>
-                    <a:bodyPr/>
-                    <a:lstStyle/>
-                    <a:p>
-                      <a:pPr algn="ctr"/>
-                      <a:r>
-                        <a:rPr lang="en-US" noProof="0"/>
-                        <a:t>Year Remodel</a:t>
-                      </a:r>
-                    </a:p>
-                  </a:txBody>
-                  <a:tcPr/>
-                </a:tc>
-                <a:tc>
-                  <a:txBody>
-                    <a:bodyPr/>
-                    <a:lstStyle/>
-                    <a:p>
-                      <a:pPr algn="ctr"/>
-                      <a:r>
-                        <a:rPr lang="en-US" noProof="0"/>
-                        <a:t>0,53</a:t>
-                      </a:r>
-                    </a:p>
-                  </a:txBody>
-                  <a:tcPr/>
-                </a:tc>
-                <a:extLst>
-                  <a:ext uri="{0D108BD9-81ED-4DB2-BD59-A6C34878D82A}">
-                    <a16:rowId xmlns:a16="http://schemas.microsoft.com/office/drawing/2014/main" xmlns="" val="2080019347"/>
-                  </a:ext>
-                </a:extLst>
-              </a:tr>
-              <a:tr h="362612">
-                <a:tc>
-                  <a:txBody>
-                    <a:bodyPr/>
-                    <a:lstStyle/>
-                    <a:p>
-                      <a:pPr algn="ctr"/>
-                      <a:r>
-                        <a:rPr lang="en-US" noProof="0"/>
-                        <a:t>Masonry veneer area</a:t>
-                      </a:r>
-                    </a:p>
-                  </a:txBody>
-                  <a:tcPr/>
-                </a:tc>
-                <a:tc>
-                  <a:txBody>
-                    <a:bodyPr/>
-                    <a:lstStyle/>
-                    <a:p>
-                      <a:pPr algn="ctr"/>
-                      <a:r>
-                        <a:rPr lang="en-US" noProof="0"/>
-                        <a:t>0,5</a:t>
-                      </a:r>
-                    </a:p>
-                  </a:txBody>
-                  <a:tcPr/>
-                </a:tc>
-                <a:extLst>
-                  <a:ext uri="{0D108BD9-81ED-4DB2-BD59-A6C34878D82A}">
-                    <a16:rowId xmlns:a16="http://schemas.microsoft.com/office/drawing/2014/main" xmlns="" val="904731388"/>
-                  </a:ext>
-                </a:extLst>
-              </a:tr>
-              <a:tr h="362612">
-                <a:tc>
-                  <a:txBody>
-                    <a:bodyPr/>
-                    <a:lstStyle/>
-                    <a:p>
-                      <a:pPr algn="ctr"/>
-                      <a:r>
-                        <a:rPr lang="en-US" noProof="0"/>
-                        <a:t>Fireplaces</a:t>
-                      </a:r>
-                    </a:p>
-                  </a:txBody>
-                  <a:tcPr/>
-                </a:tc>
-                <a:tc>
-                  <a:txBody>
-                    <a:bodyPr/>
-                    <a:lstStyle/>
-                    <a:p>
-                      <a:pPr algn="ctr"/>
-                      <a:r>
-                        <a:rPr lang="en-US" noProof="0"/>
-                        <a:t>0,49</a:t>
-                      </a:r>
-                    </a:p>
-                  </a:txBody>
-                  <a:tcPr/>
-                </a:tc>
-                <a:extLst>
-                  <a:ext uri="{0D108BD9-81ED-4DB2-BD59-A6C34878D82A}">
-                    <a16:rowId xmlns:a16="http://schemas.microsoft.com/office/drawing/2014/main" xmlns="" val="2225010645"/>
-                  </a:ext>
-                </a:extLst>
-              </a:tr>
-              <a:tr h="362612">
-                <a:tc>
-                  <a:txBody>
-                    <a:bodyPr/>
-                    <a:lstStyle/>
-                    <a:p>
-                      <a:pPr algn="ctr"/>
-                      <a:r>
-                        <a:rPr lang="en-US" noProof="0"/>
-                        <a:t>Total Rooms Above Grd</a:t>
-                      </a:r>
-                    </a:p>
-                  </a:txBody>
-                  <a:tcPr/>
-                </a:tc>
-                <a:tc>
-                  <a:txBody>
-                    <a:bodyPr/>
-                    <a:lstStyle/>
-                    <a:p>
-                      <a:pPr algn="ctr"/>
-                      <a:r>
-                        <a:rPr lang="en-US" noProof="0" dirty="0"/>
-                        <a:t>0,48</a:t>
-                      </a:r>
-                    </a:p>
-                  </a:txBody>
-                  <a:tcPr/>
-                </a:tc>
-                <a:extLst>
-                  <a:ext uri="{0D108BD9-81ED-4DB2-BD59-A6C34878D82A}">
-                    <a16:rowId xmlns:a16="http://schemas.microsoft.com/office/drawing/2014/main" xmlns="" val="3947624056"/>
-                  </a:ext>
-                </a:extLst>
-              </a:tr>
-            </a:tbl>
-          </a:graphicData>
-        </a:graphic>
-      </p:graphicFrame>
-    </p:spTree>
-    <p:extLst>
-      <p:ext uri="{BB962C8B-B14F-4D97-AF65-F5344CB8AC3E}">
-        <p14:creationId xmlns:p14="http://schemas.microsoft.com/office/powerpoint/2010/main" val="1067944545"/>
       </p:ext>
     </p:extLst>
   </p:cSld>
